--- a/ТестПрезька.pptx
+++ b/ТестПрезька.pptx
@@ -10,6 +10,31 @@
     <p:sldId id="258" r:id="rId4"/>
     <p:sldId id="259" r:id="rId5"/>
     <p:sldId id="260" r:id="rId6"/>
+    <p:sldId id="261" r:id="rId7"/>
+    <p:sldId id="262" r:id="rId8"/>
+    <p:sldId id="263" r:id="rId9"/>
+    <p:sldId id="264" r:id="rId10"/>
+    <p:sldId id="265" r:id="rId11"/>
+    <p:sldId id="266" r:id="rId12"/>
+    <p:sldId id="267" r:id="rId13"/>
+    <p:sldId id="268" r:id="rId14"/>
+    <p:sldId id="269" r:id="rId15"/>
+    <p:sldId id="270" r:id="rId16"/>
+    <p:sldId id="271" r:id="rId17"/>
+    <p:sldId id="272" r:id="rId18"/>
+    <p:sldId id="273" r:id="rId19"/>
+    <p:sldId id="274" r:id="rId20"/>
+    <p:sldId id="275" r:id="rId21"/>
+    <p:sldId id="276" r:id="rId22"/>
+    <p:sldId id="277" r:id="rId23"/>
+    <p:sldId id="278" r:id="rId24"/>
+    <p:sldId id="279" r:id="rId25"/>
+    <p:sldId id="280" r:id="rId26"/>
+    <p:sldId id="281" r:id="rId27"/>
+    <p:sldId id="282" r:id="rId28"/>
+    <p:sldId id="283" r:id="rId29"/>
+    <p:sldId id="285" r:id="rId30"/>
+    <p:sldId id="286" r:id="rId31"/>
   </p:sldIdLst>
   <p:sldSz cx="12192000" cy="6858000"/>
   <p:notesSz cx="6858000" cy="9144000"/>
@@ -108,6 +133,11 @@
       </a:defRPr>
     </a:lvl9pPr>
   </p:defaultTextStyle>
+  <p:extLst>
+    <p:ext uri="{EFAFB233-063F-42B5-8137-9DF3F51BA10A}">
+      <p15:sldGuideLst xmlns:p15="http://schemas.microsoft.com/office/powerpoint/2012/main"/>
+    </p:ext>
+  </p:extLst>
 </p:presentation>
 </file>
 
@@ -436,7 +466,7 @@
           <a:p>
             <a:fld id="{9E9501CA-F916-4325-AEC6-B4833ABDD14A}" type="datetimeFigureOut">
               <a:rPr lang="ru-RU" smtClean="0"/>
-              <a:t>11.05.2019</a:t>
+              <a:t>12.05.2019</a:t>
             </a:fld>
             <a:endParaRPr lang="ru-RU"/>
           </a:p>
@@ -614,7 +644,7 @@
           <a:p>
             <a:fld id="{9E9501CA-F916-4325-AEC6-B4833ABDD14A}" type="datetimeFigureOut">
               <a:rPr lang="ru-RU" smtClean="0"/>
-              <a:t>11.05.2019</a:t>
+              <a:t>12.05.2019</a:t>
             </a:fld>
             <a:endParaRPr lang="ru-RU"/>
           </a:p>
@@ -988,7 +1018,7 @@
           <a:p>
             <a:fld id="{9E9501CA-F916-4325-AEC6-B4833ABDD14A}" type="datetimeFigureOut">
               <a:rPr lang="ru-RU" smtClean="0"/>
-              <a:t>11.05.2019</a:t>
+              <a:t>12.05.2019</a:t>
             </a:fld>
             <a:endParaRPr lang="ru-RU"/>
           </a:p>
@@ -1273,7 +1303,7 @@
           <a:p>
             <a:fld id="{9E9501CA-F916-4325-AEC6-B4833ABDD14A}" type="datetimeFigureOut">
               <a:rPr lang="ru-RU" smtClean="0"/>
-              <a:t>11.05.2019</a:t>
+              <a:t>12.05.2019</a:t>
             </a:fld>
             <a:endParaRPr lang="ru-RU"/>
           </a:p>
@@ -1692,7 +1722,7 @@
           <a:p>
             <a:fld id="{9E9501CA-F916-4325-AEC6-B4833ABDD14A}" type="datetimeFigureOut">
               <a:rPr lang="ru-RU" smtClean="0"/>
-              <a:t>11.05.2019</a:t>
+              <a:t>12.05.2019</a:t>
             </a:fld>
             <a:endParaRPr lang="ru-RU"/>
           </a:p>
@@ -1809,7 +1839,7 @@
           <a:p>
             <a:fld id="{9E9501CA-F916-4325-AEC6-B4833ABDD14A}" type="datetimeFigureOut">
               <a:rPr lang="ru-RU" smtClean="0"/>
-              <a:t>11.05.2019</a:t>
+              <a:t>12.05.2019</a:t>
             </a:fld>
             <a:endParaRPr lang="ru-RU"/>
           </a:p>
@@ -1904,7 +1934,7 @@
           <a:p>
             <a:fld id="{9E9501CA-F916-4325-AEC6-B4833ABDD14A}" type="datetimeFigureOut">
               <a:rPr lang="ru-RU" smtClean="0"/>
-              <a:t>11.05.2019</a:t>
+              <a:t>12.05.2019</a:t>
             </a:fld>
             <a:endParaRPr lang="ru-RU"/>
           </a:p>
@@ -2179,7 +2209,7 @@
           <a:p>
             <a:fld id="{9E9501CA-F916-4325-AEC6-B4833ABDD14A}" type="datetimeFigureOut">
               <a:rPr lang="ru-RU" smtClean="0"/>
-              <a:t>11.05.2019</a:t>
+              <a:t>12.05.2019</a:t>
             </a:fld>
             <a:endParaRPr lang="ru-RU"/>
           </a:p>
@@ -2434,7 +2464,7 @@
           <a:p>
             <a:fld id="{9E9501CA-F916-4325-AEC6-B4833ABDD14A}" type="datetimeFigureOut">
               <a:rPr lang="ru-RU" smtClean="0"/>
-              <a:t>11.05.2019</a:t>
+              <a:t>12.05.2019</a:t>
             </a:fld>
             <a:endParaRPr lang="ru-RU"/>
           </a:p>
@@ -2645,7 +2675,7 @@
           <a:p>
             <a:fld id="{9E9501CA-F916-4325-AEC6-B4833ABDD14A}" type="datetimeFigureOut">
               <a:rPr lang="ru-RU" smtClean="0"/>
-              <a:t>11.05.2019</a:t>
+              <a:t>12.05.2019</a:t>
             </a:fld>
             <a:endParaRPr lang="ru-RU"/>
           </a:p>
@@ -3776,6 +3806,2991 @@
 </p:sld>
 </file>
 
+<file path=ppt/slides/slide10.xml><?xml version="1.0" encoding="utf-8"?>
+<p:sld xmlns:a="http://schemas.openxmlformats.org/drawingml/2006/main" xmlns:r="http://schemas.openxmlformats.org/officeDocument/2006/relationships" xmlns:p="http://schemas.openxmlformats.org/presentationml/2006/main">
+  <p:cSld>
+    <p:spTree>
+      <p:nvGrpSpPr>
+        <p:cNvPr id="1" name=""/>
+        <p:cNvGrpSpPr/>
+        <p:nvPr/>
+      </p:nvGrpSpPr>
+      <p:grpSpPr>
+        <a:xfrm>
+          <a:off x="0" y="0"/>
+          <a:ext cx="0" cy="0"/>
+          <a:chOff x="0" y="0"/>
+          <a:chExt cx="0" cy="0"/>
+        </a:xfrm>
+      </p:grpSpPr>
+      <p:sp>
+        <p:nvSpPr>
+          <p:cNvPr id="2" name="Заголовок 1">
+            <a:extLst>
+              <a:ext uri="{FF2B5EF4-FFF2-40B4-BE49-F238E27FC236}">
+                <a16:creationId xmlns:a16="http://schemas.microsoft.com/office/drawing/2014/main" id="{B33B0C4C-9C79-4526-9912-725F5968500D}"/>
+              </a:ext>
+            </a:extLst>
+          </p:cNvPr>
+          <p:cNvSpPr>
+            <a:spLocks noGrp="1"/>
+          </p:cNvSpPr>
+          <p:nvPr>
+            <p:ph type="title"/>
+          </p:nvPr>
+        </p:nvSpPr>
+        <p:spPr/>
+        <p:txBody>
+          <a:bodyPr/>
+          <a:lstStyle/>
+          <a:p>
+            <a:r>
+              <a:rPr lang="ru-RU" dirty="0"/>
+              <a:t>Дерево решений</a:t>
+            </a:r>
+          </a:p>
+        </p:txBody>
+      </p:sp>
+      <p:pic>
+        <p:nvPicPr>
+          <p:cNvPr id="3" name="Рисунок 2" descr="https://hsto.org/webt/yu/u8/nd/yuu8ndgkxfb0mj1qyfhht-vhrnw.png">
+            <a:extLst>
+              <a:ext uri="{FF2B5EF4-FFF2-40B4-BE49-F238E27FC236}">
+                <a16:creationId xmlns:a16="http://schemas.microsoft.com/office/drawing/2014/main" id="{CAC5D0DE-71B7-4668-A216-C73E1A248C70}"/>
+              </a:ext>
+            </a:extLst>
+          </p:cNvPr>
+          <p:cNvPicPr/>
+          <p:nvPr/>
+        </p:nvPicPr>
+        <p:blipFill>
+          <a:blip r:embed="rId2">
+            <a:extLst>
+              <a:ext uri="{28A0092B-C50C-407E-A947-70E740481C1C}">
+                <a14:useLocalDpi xmlns:a14="http://schemas.microsoft.com/office/drawing/2010/main" val="0"/>
+              </a:ext>
+            </a:extLst>
+          </a:blip>
+          <a:srcRect/>
+          <a:stretch>
+            <a:fillRect/>
+          </a:stretch>
+        </p:blipFill>
+        <p:spPr bwMode="auto">
+          <a:xfrm>
+            <a:off x="0" y="1423230"/>
+            <a:ext cx="6339841" cy="4700581"/>
+          </a:xfrm>
+          <a:prstGeom prst="rect">
+            <a:avLst/>
+          </a:prstGeom>
+          <a:noFill/>
+          <a:ln>
+            <a:noFill/>
+          </a:ln>
+        </p:spPr>
+      </p:pic>
+      <p:pic>
+        <p:nvPicPr>
+          <p:cNvPr id="4" name="Рисунок 3">
+            <a:extLst>
+              <a:ext uri="{FF2B5EF4-FFF2-40B4-BE49-F238E27FC236}">
+                <a16:creationId xmlns:a16="http://schemas.microsoft.com/office/drawing/2014/main" id="{5E499CB6-90C2-4BCF-86F5-D398442B2137}"/>
+              </a:ext>
+            </a:extLst>
+          </p:cNvPr>
+          <p:cNvPicPr/>
+          <p:nvPr/>
+        </p:nvPicPr>
+        <p:blipFill>
+          <a:blip r:embed="rId3" cstate="print">
+            <a:extLst>
+              <a:ext uri="{28A0092B-C50C-407E-A947-70E740481C1C}">
+                <a14:useLocalDpi xmlns:a14="http://schemas.microsoft.com/office/drawing/2010/main" val="0"/>
+              </a:ext>
+            </a:extLst>
+          </a:blip>
+          <a:srcRect/>
+          <a:stretch>
+            <a:fillRect/>
+          </a:stretch>
+        </p:blipFill>
+        <p:spPr bwMode="auto">
+          <a:xfrm>
+            <a:off x="6251575" y="1596239"/>
+            <a:ext cx="5940425" cy="4354561"/>
+          </a:xfrm>
+          <a:prstGeom prst="rect">
+            <a:avLst/>
+          </a:prstGeom>
+          <a:noFill/>
+          <a:ln>
+            <a:noFill/>
+          </a:ln>
+        </p:spPr>
+      </p:pic>
+    </p:spTree>
+    <p:extLst>
+      <p:ext uri="{BB962C8B-B14F-4D97-AF65-F5344CB8AC3E}">
+        <p14:creationId xmlns:p14="http://schemas.microsoft.com/office/powerpoint/2010/main" val="3652832292"/>
+      </p:ext>
+    </p:extLst>
+  </p:cSld>
+  <p:clrMapOvr>
+    <a:masterClrMapping/>
+  </p:clrMapOvr>
+</p:sld>
+</file>
+
+<file path=ppt/slides/slide11.xml><?xml version="1.0" encoding="utf-8"?>
+<p:sld xmlns:a="http://schemas.openxmlformats.org/drawingml/2006/main" xmlns:r="http://schemas.openxmlformats.org/officeDocument/2006/relationships" xmlns:p="http://schemas.openxmlformats.org/presentationml/2006/main">
+  <p:cSld>
+    <p:spTree>
+      <p:nvGrpSpPr>
+        <p:cNvPr id="1" name=""/>
+        <p:cNvGrpSpPr/>
+        <p:nvPr/>
+      </p:nvGrpSpPr>
+      <p:grpSpPr>
+        <a:xfrm>
+          <a:off x="0" y="0"/>
+          <a:ext cx="0" cy="0"/>
+          <a:chOff x="0" y="0"/>
+          <a:chExt cx="0" cy="0"/>
+        </a:xfrm>
+      </p:grpSpPr>
+      <p:sp>
+        <p:nvSpPr>
+          <p:cNvPr id="2" name="Заголовок 1">
+            <a:extLst>
+              <a:ext uri="{FF2B5EF4-FFF2-40B4-BE49-F238E27FC236}">
+                <a16:creationId xmlns:a16="http://schemas.microsoft.com/office/drawing/2014/main" id="{3A8462CC-04CE-45AF-A24B-DB7978AC4CB4}"/>
+              </a:ext>
+            </a:extLst>
+          </p:cNvPr>
+          <p:cNvSpPr>
+            <a:spLocks noGrp="1"/>
+          </p:cNvSpPr>
+          <p:nvPr>
+            <p:ph type="title"/>
+          </p:nvPr>
+        </p:nvSpPr>
+        <p:spPr/>
+        <p:txBody>
+          <a:bodyPr/>
+          <a:lstStyle/>
+          <a:p>
+            <a:r>
+              <a:rPr lang="en-US" dirty="0"/>
+              <a:t>F</a:t>
+            </a:r>
+            <a:r>
+              <a:rPr lang="ru-RU" dirty="0" err="1"/>
+              <a:t>inite</a:t>
+            </a:r>
+            <a:r>
+              <a:rPr lang="ru-RU" dirty="0"/>
+              <a:t> </a:t>
+            </a:r>
+            <a:r>
+              <a:rPr lang="en-US" dirty="0"/>
+              <a:t>S</a:t>
+            </a:r>
+            <a:r>
+              <a:rPr lang="ru-RU" dirty="0" err="1"/>
+              <a:t>tate</a:t>
+            </a:r>
+            <a:r>
+              <a:rPr lang="ru-RU" dirty="0"/>
+              <a:t> </a:t>
+            </a:r>
+            <a:r>
+              <a:rPr lang="en-US" dirty="0"/>
+              <a:t>M</a:t>
+            </a:r>
+            <a:r>
+              <a:rPr lang="ru-RU" dirty="0" err="1"/>
+              <a:t>achine</a:t>
+            </a:r>
+            <a:endParaRPr lang="ru-RU" dirty="0"/>
+          </a:p>
+        </p:txBody>
+      </p:sp>
+      <p:pic>
+        <p:nvPicPr>
+          <p:cNvPr id="3" name="Рисунок 2" descr="https://pp.userapi.com/c850616/v850616142/10912e/Y0d6w8OCrdY.jpg">
+            <a:extLst>
+              <a:ext uri="{FF2B5EF4-FFF2-40B4-BE49-F238E27FC236}">
+                <a16:creationId xmlns:a16="http://schemas.microsoft.com/office/drawing/2014/main" id="{DD2ABDB3-8C61-4553-91CC-5C7C2E15FA34}"/>
+              </a:ext>
+            </a:extLst>
+          </p:cNvPr>
+          <p:cNvPicPr/>
+          <p:nvPr/>
+        </p:nvPicPr>
+        <p:blipFill>
+          <a:blip r:embed="rId2">
+            <a:extLst>
+              <a:ext uri="{28A0092B-C50C-407E-A947-70E740481C1C}">
+                <a14:useLocalDpi xmlns:a14="http://schemas.microsoft.com/office/drawing/2010/main" val="0"/>
+              </a:ext>
+            </a:extLst>
+          </a:blip>
+          <a:srcRect/>
+          <a:stretch>
+            <a:fillRect/>
+          </a:stretch>
+        </p:blipFill>
+        <p:spPr bwMode="auto">
+          <a:xfrm>
+            <a:off x="281354" y="1651786"/>
+            <a:ext cx="6761431" cy="3554428"/>
+          </a:xfrm>
+          <a:prstGeom prst="rect">
+            <a:avLst/>
+          </a:prstGeom>
+          <a:noFill/>
+          <a:ln>
+            <a:noFill/>
+          </a:ln>
+        </p:spPr>
+      </p:pic>
+      <p:pic>
+        <p:nvPicPr>
+          <p:cNvPr id="4" name="Рисунок 3" descr="https://pp.userapi.com/c850616/v850616142/109135/UsrzcdCnyJY.jpg">
+            <a:extLst>
+              <a:ext uri="{FF2B5EF4-FFF2-40B4-BE49-F238E27FC236}">
+                <a16:creationId xmlns:a16="http://schemas.microsoft.com/office/drawing/2014/main" id="{FB7B5043-D69F-419C-AC12-AC5A0D579CBA}"/>
+              </a:ext>
+            </a:extLst>
+          </p:cNvPr>
+          <p:cNvPicPr/>
+          <p:nvPr/>
+        </p:nvPicPr>
+        <p:blipFill>
+          <a:blip r:embed="rId3">
+            <a:extLst>
+              <a:ext uri="{28A0092B-C50C-407E-A947-70E740481C1C}">
+                <a14:useLocalDpi xmlns:a14="http://schemas.microsoft.com/office/drawing/2010/main" val="0"/>
+              </a:ext>
+            </a:extLst>
+          </a:blip>
+          <a:srcRect/>
+          <a:stretch>
+            <a:fillRect/>
+          </a:stretch>
+        </p:blipFill>
+        <p:spPr bwMode="auto">
+          <a:xfrm>
+            <a:off x="7288147" y="1423987"/>
+            <a:ext cx="4486275" cy="4010025"/>
+          </a:xfrm>
+          <a:prstGeom prst="rect">
+            <a:avLst/>
+          </a:prstGeom>
+          <a:noFill/>
+          <a:ln>
+            <a:noFill/>
+          </a:ln>
+        </p:spPr>
+      </p:pic>
+    </p:spTree>
+    <p:extLst>
+      <p:ext uri="{BB962C8B-B14F-4D97-AF65-F5344CB8AC3E}">
+        <p14:creationId xmlns:p14="http://schemas.microsoft.com/office/powerpoint/2010/main" val="1881004540"/>
+      </p:ext>
+    </p:extLst>
+  </p:cSld>
+  <p:clrMapOvr>
+    <a:masterClrMapping/>
+  </p:clrMapOvr>
+</p:sld>
+</file>
+
+<file path=ppt/slides/slide12.xml><?xml version="1.0" encoding="utf-8"?>
+<p:sld xmlns:a="http://schemas.openxmlformats.org/drawingml/2006/main" xmlns:r="http://schemas.openxmlformats.org/officeDocument/2006/relationships" xmlns:p="http://schemas.openxmlformats.org/presentationml/2006/main">
+  <p:cSld>
+    <p:spTree>
+      <p:nvGrpSpPr>
+        <p:cNvPr id="1" name=""/>
+        <p:cNvGrpSpPr/>
+        <p:nvPr/>
+      </p:nvGrpSpPr>
+      <p:grpSpPr>
+        <a:xfrm>
+          <a:off x="0" y="0"/>
+          <a:ext cx="0" cy="0"/>
+          <a:chOff x="0" y="0"/>
+          <a:chExt cx="0" cy="0"/>
+        </a:xfrm>
+      </p:grpSpPr>
+      <p:sp>
+        <p:nvSpPr>
+          <p:cNvPr id="2" name="Заголовок 1">
+            <a:extLst>
+              <a:ext uri="{FF2B5EF4-FFF2-40B4-BE49-F238E27FC236}">
+                <a16:creationId xmlns:a16="http://schemas.microsoft.com/office/drawing/2014/main" id="{6824408E-ED9B-48B7-8BD1-BE3D565866A6}"/>
+              </a:ext>
+            </a:extLst>
+          </p:cNvPr>
+          <p:cNvSpPr>
+            <a:spLocks noGrp="1"/>
+          </p:cNvSpPr>
+          <p:nvPr>
+            <p:ph type="title"/>
+          </p:nvPr>
+        </p:nvSpPr>
+        <p:spPr/>
+        <p:txBody>
+          <a:bodyPr/>
+          <a:lstStyle/>
+          <a:p>
+            <a:r>
+              <a:rPr lang="en-US" dirty="0"/>
+              <a:t>H</a:t>
+            </a:r>
+            <a:r>
+              <a:rPr lang="ru-RU" dirty="0" err="1"/>
+              <a:t>ierarchical</a:t>
+            </a:r>
+            <a:r>
+              <a:rPr lang="ru-RU" dirty="0"/>
+              <a:t> </a:t>
+            </a:r>
+            <a:r>
+              <a:rPr lang="en-US" dirty="0"/>
+              <a:t>F</a:t>
+            </a:r>
+            <a:r>
+              <a:rPr lang="ru-RU" dirty="0" err="1"/>
+              <a:t>inite</a:t>
+            </a:r>
+            <a:r>
+              <a:rPr lang="ru-RU" dirty="0"/>
+              <a:t> </a:t>
+            </a:r>
+            <a:r>
+              <a:rPr lang="en-US" dirty="0"/>
+              <a:t>S</a:t>
+            </a:r>
+            <a:r>
+              <a:rPr lang="ru-RU" dirty="0" err="1"/>
+              <a:t>tate</a:t>
+            </a:r>
+            <a:r>
+              <a:rPr lang="ru-RU" dirty="0"/>
+              <a:t> </a:t>
+            </a:r>
+            <a:r>
+              <a:rPr lang="en-US" dirty="0"/>
+              <a:t>M</a:t>
+            </a:r>
+            <a:r>
+              <a:rPr lang="ru-RU" dirty="0" err="1"/>
+              <a:t>achine</a:t>
+            </a:r>
+            <a:endParaRPr lang="ru-RU" dirty="0"/>
+          </a:p>
+        </p:txBody>
+      </p:sp>
+      <p:pic>
+        <p:nvPicPr>
+          <p:cNvPr id="3" name="Рисунок 2" descr="https://pp.userapi.com/c855428/v855428884/310d5/5Na6muQSWTc.jpg">
+            <a:extLst>
+              <a:ext uri="{FF2B5EF4-FFF2-40B4-BE49-F238E27FC236}">
+                <a16:creationId xmlns:a16="http://schemas.microsoft.com/office/drawing/2014/main" id="{904EA499-7404-4BC8-A431-490AD7E2B707}"/>
+              </a:ext>
+            </a:extLst>
+          </p:cNvPr>
+          <p:cNvPicPr/>
+          <p:nvPr/>
+        </p:nvPicPr>
+        <p:blipFill>
+          <a:blip r:embed="rId2">
+            <a:extLst>
+              <a:ext uri="{28A0092B-C50C-407E-A947-70E740481C1C}">
+                <a14:useLocalDpi xmlns:a14="http://schemas.microsoft.com/office/drawing/2010/main" val="0"/>
+              </a:ext>
+            </a:extLst>
+          </a:blip>
+          <a:srcRect/>
+          <a:stretch>
+            <a:fillRect/>
+          </a:stretch>
+        </p:blipFill>
+        <p:spPr bwMode="auto">
+          <a:xfrm>
+            <a:off x="280693" y="2279258"/>
+            <a:ext cx="5578427" cy="2869517"/>
+          </a:xfrm>
+          <a:prstGeom prst="rect">
+            <a:avLst/>
+          </a:prstGeom>
+          <a:noFill/>
+          <a:ln>
+            <a:noFill/>
+          </a:ln>
+        </p:spPr>
+      </p:pic>
+      <p:pic>
+        <p:nvPicPr>
+          <p:cNvPr id="4" name="Рисунок 3" descr="https://pp.userapi.com/c855428/v855428884/310e4/LLbv4zxr3qs.jpg">
+            <a:extLst>
+              <a:ext uri="{FF2B5EF4-FFF2-40B4-BE49-F238E27FC236}">
+                <a16:creationId xmlns:a16="http://schemas.microsoft.com/office/drawing/2014/main" id="{581CFA7E-4E38-472E-BE7C-80E9346E6B56}"/>
+              </a:ext>
+            </a:extLst>
+          </p:cNvPr>
+          <p:cNvPicPr/>
+          <p:nvPr/>
+        </p:nvPicPr>
+        <p:blipFill>
+          <a:blip r:embed="rId3">
+            <a:extLst>
+              <a:ext uri="{28A0092B-C50C-407E-A947-70E740481C1C}">
+                <a14:useLocalDpi xmlns:a14="http://schemas.microsoft.com/office/drawing/2010/main" val="0"/>
+              </a:ext>
+            </a:extLst>
+          </a:blip>
+          <a:srcRect/>
+          <a:stretch>
+            <a:fillRect/>
+          </a:stretch>
+        </p:blipFill>
+        <p:spPr bwMode="auto">
+          <a:xfrm>
+            <a:off x="6283811" y="2279258"/>
+            <a:ext cx="5627496" cy="2869516"/>
+          </a:xfrm>
+          <a:prstGeom prst="rect">
+            <a:avLst/>
+          </a:prstGeom>
+          <a:noFill/>
+          <a:ln>
+            <a:noFill/>
+          </a:ln>
+        </p:spPr>
+      </p:pic>
+    </p:spTree>
+    <p:extLst>
+      <p:ext uri="{BB962C8B-B14F-4D97-AF65-F5344CB8AC3E}">
+        <p14:creationId xmlns:p14="http://schemas.microsoft.com/office/powerpoint/2010/main" val="2783427352"/>
+      </p:ext>
+    </p:extLst>
+  </p:cSld>
+  <p:clrMapOvr>
+    <a:masterClrMapping/>
+  </p:clrMapOvr>
+</p:sld>
+</file>
+
+<file path=ppt/slides/slide13.xml><?xml version="1.0" encoding="utf-8"?>
+<p:sld xmlns:a="http://schemas.openxmlformats.org/drawingml/2006/main" xmlns:r="http://schemas.openxmlformats.org/officeDocument/2006/relationships" xmlns:p="http://schemas.openxmlformats.org/presentationml/2006/main">
+  <p:cSld>
+    <p:spTree>
+      <p:nvGrpSpPr>
+        <p:cNvPr id="1" name=""/>
+        <p:cNvGrpSpPr/>
+        <p:nvPr/>
+      </p:nvGrpSpPr>
+      <p:grpSpPr>
+        <a:xfrm>
+          <a:off x="0" y="0"/>
+          <a:ext cx="0" cy="0"/>
+          <a:chOff x="0" y="0"/>
+          <a:chExt cx="0" cy="0"/>
+        </a:xfrm>
+      </p:grpSpPr>
+      <p:sp>
+        <p:nvSpPr>
+          <p:cNvPr id="2" name="Заголовок 1">
+            <a:extLst>
+              <a:ext uri="{FF2B5EF4-FFF2-40B4-BE49-F238E27FC236}">
+                <a16:creationId xmlns:a16="http://schemas.microsoft.com/office/drawing/2014/main" id="{66AA02C6-FB49-4D27-BC0A-9ACC861CD1AD}"/>
+              </a:ext>
+            </a:extLst>
+          </p:cNvPr>
+          <p:cNvSpPr>
+            <a:spLocks noGrp="1"/>
+          </p:cNvSpPr>
+          <p:nvPr>
+            <p:ph type="title"/>
+          </p:nvPr>
+        </p:nvSpPr>
+        <p:spPr/>
+        <p:txBody>
+          <a:bodyPr/>
+          <a:lstStyle/>
+          <a:p>
+            <a:r>
+              <a:rPr lang="en-US" dirty="0"/>
+              <a:t>Behavior Tree</a:t>
+            </a:r>
+            <a:endParaRPr lang="ru-RU" dirty="0"/>
+          </a:p>
+        </p:txBody>
+      </p:sp>
+      <p:pic>
+        <p:nvPicPr>
+          <p:cNvPr id="3" name="Рисунок 2">
+            <a:extLst>
+              <a:ext uri="{FF2B5EF4-FFF2-40B4-BE49-F238E27FC236}">
+                <a16:creationId xmlns:a16="http://schemas.microsoft.com/office/drawing/2014/main" id="{6048C49D-47CF-4091-AC55-A745808ACD17}"/>
+              </a:ext>
+            </a:extLst>
+          </p:cNvPr>
+          <p:cNvPicPr/>
+          <p:nvPr/>
+        </p:nvPicPr>
+        <p:blipFill>
+          <a:blip r:embed="rId2"/>
+          <a:stretch>
+            <a:fillRect/>
+          </a:stretch>
+        </p:blipFill>
+        <p:spPr>
+          <a:xfrm>
+            <a:off x="0" y="1748276"/>
+            <a:ext cx="6749733" cy="4290103"/>
+          </a:xfrm>
+          <a:prstGeom prst="rect">
+            <a:avLst/>
+          </a:prstGeom>
+        </p:spPr>
+      </p:pic>
+      <p:sp>
+        <p:nvSpPr>
+          <p:cNvPr id="4" name="Google Shape;66;p14">
+            <a:extLst>
+              <a:ext uri="{FF2B5EF4-FFF2-40B4-BE49-F238E27FC236}">
+                <a16:creationId xmlns:a16="http://schemas.microsoft.com/office/drawing/2014/main" id="{F78A72D5-E963-49A5-AAA2-745676D48A31}"/>
+              </a:ext>
+            </a:extLst>
+          </p:cNvPr>
+          <p:cNvSpPr txBox="1">
+            <a:spLocks/>
+          </p:cNvSpPr>
+          <p:nvPr/>
+        </p:nvSpPr>
+        <p:spPr>
+          <a:xfrm>
+            <a:off x="6879102" y="1420837"/>
+            <a:ext cx="5312898" cy="4944983"/>
+          </a:xfrm>
+          <a:prstGeom prst="rect">
+            <a:avLst/>
+          </a:prstGeom>
+        </p:spPr>
+        <p:txBody>
+          <a:bodyPr spcFirstLastPara="1" vert="horz" wrap="square" lIns="91425" tIns="91425" rIns="91425" bIns="91425" rtlCol="0" anchor="t" anchorCtr="0">
+            <a:noAutofit/>
+          </a:bodyPr>
+          <a:lstStyle>
+            <a:lvl1pPr marL="228600" indent="-228600" algn="l" defTabSz="914400" rtl="0" eaLnBrk="1" latinLnBrk="0" hangingPunct="1">
+              <a:lnSpc>
+                <a:spcPct val="90000"/>
+              </a:lnSpc>
+              <a:spcBef>
+                <a:spcPts val="1000"/>
+              </a:spcBef>
+              <a:buFont typeface="Arial" panose="020B0604020202020204" pitchFamily="34" charset="0"/>
+              <a:buChar char="•"/>
+              <a:defRPr sz="2800" kern="1200">
+                <a:solidFill>
+                  <a:schemeClr val="tx1"/>
+                </a:solidFill>
+                <a:latin typeface="+mn-lt"/>
+                <a:ea typeface="+mn-ea"/>
+                <a:cs typeface="+mn-cs"/>
+              </a:defRPr>
+            </a:lvl1pPr>
+            <a:lvl2pPr marL="685800" indent="-228600" algn="l" defTabSz="914400" rtl="0" eaLnBrk="1" latinLnBrk="0" hangingPunct="1">
+              <a:lnSpc>
+                <a:spcPct val="90000"/>
+              </a:lnSpc>
+              <a:spcBef>
+                <a:spcPts val="500"/>
+              </a:spcBef>
+              <a:buFont typeface="Arial" panose="020B0604020202020204" pitchFamily="34" charset="0"/>
+              <a:buChar char="•"/>
+              <a:defRPr sz="2400" kern="1200">
+                <a:solidFill>
+                  <a:schemeClr val="tx1"/>
+                </a:solidFill>
+                <a:latin typeface="+mn-lt"/>
+                <a:ea typeface="+mn-ea"/>
+                <a:cs typeface="+mn-cs"/>
+              </a:defRPr>
+            </a:lvl2pPr>
+            <a:lvl3pPr marL="1143000" indent="-228600" algn="l" defTabSz="914400" rtl="0" eaLnBrk="1" latinLnBrk="0" hangingPunct="1">
+              <a:lnSpc>
+                <a:spcPct val="90000"/>
+              </a:lnSpc>
+              <a:spcBef>
+                <a:spcPts val="500"/>
+              </a:spcBef>
+              <a:buFont typeface="Arial" panose="020B0604020202020204" pitchFamily="34" charset="0"/>
+              <a:buChar char="•"/>
+              <a:defRPr sz="2000" kern="1200">
+                <a:solidFill>
+                  <a:schemeClr val="tx1"/>
+                </a:solidFill>
+                <a:latin typeface="+mn-lt"/>
+                <a:ea typeface="+mn-ea"/>
+                <a:cs typeface="+mn-cs"/>
+              </a:defRPr>
+            </a:lvl3pPr>
+            <a:lvl4pPr marL="1600200" indent="-228600" algn="l" defTabSz="914400" rtl="0" eaLnBrk="1" latinLnBrk="0" hangingPunct="1">
+              <a:lnSpc>
+                <a:spcPct val="90000"/>
+              </a:lnSpc>
+              <a:spcBef>
+                <a:spcPts val="500"/>
+              </a:spcBef>
+              <a:buFont typeface="Arial" panose="020B0604020202020204" pitchFamily="34" charset="0"/>
+              <a:buChar char="•"/>
+              <a:defRPr sz="1800" kern="1200">
+                <a:solidFill>
+                  <a:schemeClr val="tx1"/>
+                </a:solidFill>
+                <a:latin typeface="+mn-lt"/>
+                <a:ea typeface="+mn-ea"/>
+                <a:cs typeface="+mn-cs"/>
+              </a:defRPr>
+            </a:lvl4pPr>
+            <a:lvl5pPr marL="2057400" indent="-228600" algn="l" defTabSz="914400" rtl="0" eaLnBrk="1" latinLnBrk="0" hangingPunct="1">
+              <a:lnSpc>
+                <a:spcPct val="90000"/>
+              </a:lnSpc>
+              <a:spcBef>
+                <a:spcPts val="500"/>
+              </a:spcBef>
+              <a:buFont typeface="Arial" panose="020B0604020202020204" pitchFamily="34" charset="0"/>
+              <a:buChar char="•"/>
+              <a:defRPr sz="1800" kern="1200">
+                <a:solidFill>
+                  <a:schemeClr val="tx1"/>
+                </a:solidFill>
+                <a:latin typeface="+mn-lt"/>
+                <a:ea typeface="+mn-ea"/>
+                <a:cs typeface="+mn-cs"/>
+              </a:defRPr>
+            </a:lvl5pPr>
+            <a:lvl6pPr marL="2514600" indent="-228600" algn="l" defTabSz="914400" rtl="0" eaLnBrk="1" latinLnBrk="0" hangingPunct="1">
+              <a:lnSpc>
+                <a:spcPct val="90000"/>
+              </a:lnSpc>
+              <a:spcBef>
+                <a:spcPts val="500"/>
+              </a:spcBef>
+              <a:buFont typeface="Arial" panose="020B0604020202020204" pitchFamily="34" charset="0"/>
+              <a:buChar char="•"/>
+              <a:defRPr sz="1800" kern="1200">
+                <a:solidFill>
+                  <a:schemeClr val="tx1"/>
+                </a:solidFill>
+                <a:latin typeface="+mn-lt"/>
+                <a:ea typeface="+mn-ea"/>
+                <a:cs typeface="+mn-cs"/>
+              </a:defRPr>
+            </a:lvl6pPr>
+            <a:lvl7pPr marL="2971800" indent="-228600" algn="l" defTabSz="914400" rtl="0" eaLnBrk="1" latinLnBrk="0" hangingPunct="1">
+              <a:lnSpc>
+                <a:spcPct val="90000"/>
+              </a:lnSpc>
+              <a:spcBef>
+                <a:spcPts val="500"/>
+              </a:spcBef>
+              <a:buFont typeface="Arial" panose="020B0604020202020204" pitchFamily="34" charset="0"/>
+              <a:buChar char="•"/>
+              <a:defRPr sz="1800" kern="1200">
+                <a:solidFill>
+                  <a:schemeClr val="tx1"/>
+                </a:solidFill>
+                <a:latin typeface="+mn-lt"/>
+                <a:ea typeface="+mn-ea"/>
+                <a:cs typeface="+mn-cs"/>
+              </a:defRPr>
+            </a:lvl7pPr>
+            <a:lvl8pPr marL="3429000" indent="-228600" algn="l" defTabSz="914400" rtl="0" eaLnBrk="1" latinLnBrk="0" hangingPunct="1">
+              <a:lnSpc>
+                <a:spcPct val="90000"/>
+              </a:lnSpc>
+              <a:spcBef>
+                <a:spcPts val="500"/>
+              </a:spcBef>
+              <a:buFont typeface="Arial" panose="020B0604020202020204" pitchFamily="34" charset="0"/>
+              <a:buChar char="•"/>
+              <a:defRPr sz="1800" kern="1200">
+                <a:solidFill>
+                  <a:schemeClr val="tx1"/>
+                </a:solidFill>
+                <a:latin typeface="+mn-lt"/>
+                <a:ea typeface="+mn-ea"/>
+                <a:cs typeface="+mn-cs"/>
+              </a:defRPr>
+            </a:lvl8pPr>
+            <a:lvl9pPr marL="3886200" indent="-228600" algn="l" defTabSz="914400" rtl="0" eaLnBrk="1" latinLnBrk="0" hangingPunct="1">
+              <a:lnSpc>
+                <a:spcPct val="90000"/>
+              </a:lnSpc>
+              <a:spcBef>
+                <a:spcPts val="500"/>
+              </a:spcBef>
+              <a:buFont typeface="Arial" panose="020B0604020202020204" pitchFamily="34" charset="0"/>
+              <a:buChar char="•"/>
+              <a:defRPr sz="1800" kern="1200">
+                <a:solidFill>
+                  <a:schemeClr val="tx1"/>
+                </a:solidFill>
+                <a:latin typeface="+mn-lt"/>
+                <a:ea typeface="+mn-ea"/>
+                <a:cs typeface="+mn-cs"/>
+              </a:defRPr>
+            </a:lvl9pPr>
+          </a:lstStyle>
+          <a:p>
+            <a:pPr marL="0" indent="0" algn="just">
+              <a:lnSpc>
+                <a:spcPct val="163636"/>
+              </a:lnSpc>
+              <a:spcBef>
+                <a:spcPts val="0"/>
+              </a:spcBef>
+              <a:buNone/>
+            </a:pPr>
+            <a:r>
+              <a:rPr lang="ru-RU" sz="2000" dirty="0">
+                <a:solidFill>
+                  <a:schemeClr val="dk1"/>
+                </a:solidFill>
+                <a:latin typeface="Times New Roman"/>
+                <a:ea typeface="Times New Roman"/>
+                <a:cs typeface="Times New Roman"/>
+                <a:sym typeface="Times New Roman"/>
+              </a:rPr>
+              <a:t>В дереве все узлы можно разделить на три типа:</a:t>
+            </a:r>
+          </a:p>
+          <a:p>
+            <a:pPr marL="0" indent="0" algn="just">
+              <a:lnSpc>
+                <a:spcPct val="163636"/>
+              </a:lnSpc>
+              <a:spcBef>
+                <a:spcPts val="0"/>
+              </a:spcBef>
+              <a:buNone/>
+            </a:pPr>
+            <a:r>
+              <a:rPr lang="ru-RU" sz="2000" dirty="0">
+                <a:solidFill>
+                  <a:schemeClr val="dk1"/>
+                </a:solidFill>
+                <a:latin typeface="Times New Roman"/>
+                <a:ea typeface="Times New Roman"/>
+                <a:cs typeface="Times New Roman"/>
+                <a:sym typeface="Times New Roman"/>
+              </a:rPr>
+              <a:t>•</a:t>
+            </a:r>
+            <a:r>
+              <a:rPr lang="en-US" sz="2000" dirty="0">
+                <a:solidFill>
+                  <a:schemeClr val="dk1"/>
+                </a:solidFill>
+                <a:latin typeface="Times New Roman"/>
+                <a:ea typeface="Times New Roman"/>
+                <a:cs typeface="Times New Roman"/>
+                <a:sym typeface="Times New Roman"/>
+              </a:rPr>
+              <a:t> </a:t>
+            </a:r>
+            <a:r>
+              <a:rPr lang="ru-RU" sz="2000" dirty="0" err="1">
+                <a:solidFill>
+                  <a:schemeClr val="dk1"/>
+                </a:solidFill>
+                <a:latin typeface="Times New Roman"/>
+                <a:ea typeface="Times New Roman"/>
+                <a:cs typeface="Times New Roman"/>
+                <a:sym typeface="Times New Roman"/>
+              </a:rPr>
+              <a:t>composite</a:t>
+            </a:r>
+            <a:r>
+              <a:rPr lang="ru-RU" sz="2000" dirty="0">
+                <a:solidFill>
+                  <a:schemeClr val="dk1"/>
+                </a:solidFill>
+                <a:latin typeface="Times New Roman"/>
+                <a:ea typeface="Times New Roman"/>
+                <a:cs typeface="Times New Roman"/>
+                <a:sym typeface="Times New Roman"/>
+              </a:rPr>
+              <a:t>: узлы, имеющие два и более дочерних узлов;</a:t>
+            </a:r>
+          </a:p>
+          <a:p>
+            <a:pPr marL="0" indent="0" algn="just">
+              <a:lnSpc>
+                <a:spcPct val="163636"/>
+              </a:lnSpc>
+              <a:spcBef>
+                <a:spcPts val="0"/>
+              </a:spcBef>
+              <a:buNone/>
+            </a:pPr>
+            <a:r>
+              <a:rPr lang="ru-RU" sz="2000" dirty="0">
+                <a:solidFill>
+                  <a:schemeClr val="dk1"/>
+                </a:solidFill>
+                <a:latin typeface="Times New Roman"/>
+                <a:ea typeface="Times New Roman"/>
+                <a:cs typeface="Times New Roman"/>
+                <a:sym typeface="Times New Roman"/>
+              </a:rPr>
+              <a:t>•</a:t>
+            </a:r>
+            <a:r>
+              <a:rPr lang="en-US" sz="2000" dirty="0">
+                <a:solidFill>
+                  <a:schemeClr val="dk1"/>
+                </a:solidFill>
+                <a:latin typeface="Times New Roman"/>
+                <a:ea typeface="Times New Roman"/>
+                <a:cs typeface="Times New Roman"/>
+                <a:sym typeface="Times New Roman"/>
+              </a:rPr>
+              <a:t> </a:t>
+            </a:r>
+            <a:r>
+              <a:rPr lang="ru-RU" sz="2000" dirty="0" err="1">
+                <a:solidFill>
+                  <a:schemeClr val="dk1"/>
+                </a:solidFill>
+                <a:latin typeface="Times New Roman"/>
+                <a:ea typeface="Times New Roman"/>
+                <a:cs typeface="Times New Roman"/>
+                <a:sym typeface="Times New Roman"/>
+              </a:rPr>
+              <a:t>decorator</a:t>
+            </a:r>
+            <a:r>
+              <a:rPr lang="ru-RU" sz="2000" dirty="0">
+                <a:solidFill>
+                  <a:schemeClr val="dk1"/>
+                </a:solidFill>
+                <a:latin typeface="Times New Roman"/>
+                <a:ea typeface="Times New Roman"/>
+                <a:cs typeface="Times New Roman"/>
+                <a:sym typeface="Times New Roman"/>
+              </a:rPr>
+              <a:t>: узлы, имеющие лишь один дочерний узел;</a:t>
+            </a:r>
+          </a:p>
+          <a:p>
+            <a:pPr marL="0" indent="0" algn="just">
+              <a:lnSpc>
+                <a:spcPct val="163636"/>
+              </a:lnSpc>
+              <a:spcBef>
+                <a:spcPts val="0"/>
+              </a:spcBef>
+              <a:buNone/>
+            </a:pPr>
+            <a:r>
+              <a:rPr lang="ru-RU" sz="2000" dirty="0">
+                <a:solidFill>
+                  <a:schemeClr val="dk1"/>
+                </a:solidFill>
+                <a:latin typeface="Times New Roman"/>
+                <a:ea typeface="Times New Roman"/>
+                <a:cs typeface="Times New Roman"/>
+                <a:sym typeface="Times New Roman"/>
+              </a:rPr>
+              <a:t>•</a:t>
+            </a:r>
+            <a:r>
+              <a:rPr lang="en-US" sz="2000" dirty="0">
+                <a:solidFill>
+                  <a:schemeClr val="dk1"/>
+                </a:solidFill>
+                <a:latin typeface="Times New Roman"/>
+                <a:ea typeface="Times New Roman"/>
+                <a:cs typeface="Times New Roman"/>
+                <a:sym typeface="Times New Roman"/>
+              </a:rPr>
+              <a:t> </a:t>
+            </a:r>
+            <a:r>
+              <a:rPr lang="ru-RU" sz="2000" dirty="0" err="1">
+                <a:solidFill>
+                  <a:schemeClr val="dk1"/>
+                </a:solidFill>
+                <a:latin typeface="Times New Roman"/>
+                <a:ea typeface="Times New Roman"/>
+                <a:cs typeface="Times New Roman"/>
+                <a:sym typeface="Times New Roman"/>
+              </a:rPr>
+              <a:t>leaf</a:t>
+            </a:r>
+            <a:r>
+              <a:rPr lang="ru-RU" sz="2000" dirty="0">
+                <a:solidFill>
+                  <a:schemeClr val="dk1"/>
+                </a:solidFill>
+                <a:latin typeface="Times New Roman"/>
+                <a:ea typeface="Times New Roman"/>
+                <a:cs typeface="Times New Roman"/>
+                <a:sym typeface="Times New Roman"/>
+              </a:rPr>
+              <a:t>: узлы на концах дерева, не имеющие дочерних узлов и обозначающие конкретное действие.</a:t>
+            </a:r>
+          </a:p>
+          <a:p>
+            <a:pPr marL="0" indent="0" algn="just">
+              <a:lnSpc>
+                <a:spcPct val="163636"/>
+              </a:lnSpc>
+              <a:spcBef>
+                <a:spcPts val="0"/>
+              </a:spcBef>
+              <a:buNone/>
+            </a:pPr>
+            <a:endParaRPr lang="ru-RU" sz="2000" dirty="0">
+              <a:solidFill>
+                <a:schemeClr val="dk1"/>
+              </a:solidFill>
+              <a:latin typeface="Times New Roman"/>
+              <a:ea typeface="Times New Roman"/>
+              <a:cs typeface="Times New Roman"/>
+              <a:sym typeface="Times New Roman"/>
+            </a:endParaRPr>
+          </a:p>
+        </p:txBody>
+      </p:sp>
+    </p:spTree>
+    <p:extLst>
+      <p:ext uri="{BB962C8B-B14F-4D97-AF65-F5344CB8AC3E}">
+        <p14:creationId xmlns:p14="http://schemas.microsoft.com/office/powerpoint/2010/main" val="79411566"/>
+      </p:ext>
+    </p:extLst>
+  </p:cSld>
+  <p:clrMapOvr>
+    <a:masterClrMapping/>
+  </p:clrMapOvr>
+</p:sld>
+</file>
+
+<file path=ppt/slides/slide14.xml><?xml version="1.0" encoding="utf-8"?>
+<p:sld xmlns:a="http://schemas.openxmlformats.org/drawingml/2006/main" xmlns:r="http://schemas.openxmlformats.org/officeDocument/2006/relationships" xmlns:p="http://schemas.openxmlformats.org/presentationml/2006/main">
+  <p:cSld>
+    <p:spTree>
+      <p:nvGrpSpPr>
+        <p:cNvPr id="1" name=""/>
+        <p:cNvGrpSpPr/>
+        <p:nvPr/>
+      </p:nvGrpSpPr>
+      <p:grpSpPr>
+        <a:xfrm>
+          <a:off x="0" y="0"/>
+          <a:ext cx="0" cy="0"/>
+          <a:chOff x="0" y="0"/>
+          <a:chExt cx="0" cy="0"/>
+        </a:xfrm>
+      </p:grpSpPr>
+      <p:sp>
+        <p:nvSpPr>
+          <p:cNvPr id="2" name="Заголовок 1">
+            <a:extLst>
+              <a:ext uri="{FF2B5EF4-FFF2-40B4-BE49-F238E27FC236}">
+                <a16:creationId xmlns:a16="http://schemas.microsoft.com/office/drawing/2014/main" id="{609679FA-7A2A-4A99-881C-A7B22C149B75}"/>
+              </a:ext>
+            </a:extLst>
+          </p:cNvPr>
+          <p:cNvSpPr>
+            <a:spLocks noGrp="1"/>
+          </p:cNvSpPr>
+          <p:nvPr>
+            <p:ph type="title"/>
+          </p:nvPr>
+        </p:nvSpPr>
+        <p:spPr/>
+        <p:txBody>
+          <a:bodyPr/>
+          <a:lstStyle/>
+          <a:p>
+            <a:r>
+              <a:rPr lang="en-US" dirty="0"/>
+              <a:t>Behavior Tree</a:t>
+            </a:r>
+            <a:endParaRPr lang="ru-RU" dirty="0"/>
+          </a:p>
+        </p:txBody>
+      </p:sp>
+      <p:sp>
+        <p:nvSpPr>
+          <p:cNvPr id="3" name="Google Shape;66;p14">
+            <a:extLst>
+              <a:ext uri="{FF2B5EF4-FFF2-40B4-BE49-F238E27FC236}">
+                <a16:creationId xmlns:a16="http://schemas.microsoft.com/office/drawing/2014/main" id="{86314299-C94B-455F-9182-84A12A8F59E1}"/>
+              </a:ext>
+            </a:extLst>
+          </p:cNvPr>
+          <p:cNvSpPr txBox="1">
+            <a:spLocks/>
+          </p:cNvSpPr>
+          <p:nvPr/>
+        </p:nvSpPr>
+        <p:spPr>
+          <a:xfrm>
+            <a:off x="140677" y="1420837"/>
+            <a:ext cx="11633745" cy="1617785"/>
+          </a:xfrm>
+          <a:prstGeom prst="rect">
+            <a:avLst/>
+          </a:prstGeom>
+        </p:spPr>
+        <p:txBody>
+          <a:bodyPr spcFirstLastPara="1" vert="horz" wrap="square" lIns="91425" tIns="91425" rIns="91425" bIns="91425" rtlCol="0" anchor="t" anchorCtr="0">
+            <a:noAutofit/>
+          </a:bodyPr>
+          <a:lstStyle>
+            <a:lvl1pPr marL="228600" indent="-228600" algn="l" defTabSz="914400" rtl="0" eaLnBrk="1" latinLnBrk="0" hangingPunct="1">
+              <a:lnSpc>
+                <a:spcPct val="90000"/>
+              </a:lnSpc>
+              <a:spcBef>
+                <a:spcPts val="1000"/>
+              </a:spcBef>
+              <a:buFont typeface="Arial" panose="020B0604020202020204" pitchFamily="34" charset="0"/>
+              <a:buChar char="•"/>
+              <a:defRPr sz="2800" kern="1200">
+                <a:solidFill>
+                  <a:schemeClr val="tx1"/>
+                </a:solidFill>
+                <a:latin typeface="+mn-lt"/>
+                <a:ea typeface="+mn-ea"/>
+                <a:cs typeface="+mn-cs"/>
+              </a:defRPr>
+            </a:lvl1pPr>
+            <a:lvl2pPr marL="685800" indent="-228600" algn="l" defTabSz="914400" rtl="0" eaLnBrk="1" latinLnBrk="0" hangingPunct="1">
+              <a:lnSpc>
+                <a:spcPct val="90000"/>
+              </a:lnSpc>
+              <a:spcBef>
+                <a:spcPts val="500"/>
+              </a:spcBef>
+              <a:buFont typeface="Arial" panose="020B0604020202020204" pitchFamily="34" charset="0"/>
+              <a:buChar char="•"/>
+              <a:defRPr sz="2400" kern="1200">
+                <a:solidFill>
+                  <a:schemeClr val="tx1"/>
+                </a:solidFill>
+                <a:latin typeface="+mn-lt"/>
+                <a:ea typeface="+mn-ea"/>
+                <a:cs typeface="+mn-cs"/>
+              </a:defRPr>
+            </a:lvl2pPr>
+            <a:lvl3pPr marL="1143000" indent="-228600" algn="l" defTabSz="914400" rtl="0" eaLnBrk="1" latinLnBrk="0" hangingPunct="1">
+              <a:lnSpc>
+                <a:spcPct val="90000"/>
+              </a:lnSpc>
+              <a:spcBef>
+                <a:spcPts val="500"/>
+              </a:spcBef>
+              <a:buFont typeface="Arial" panose="020B0604020202020204" pitchFamily="34" charset="0"/>
+              <a:buChar char="•"/>
+              <a:defRPr sz="2000" kern="1200">
+                <a:solidFill>
+                  <a:schemeClr val="tx1"/>
+                </a:solidFill>
+                <a:latin typeface="+mn-lt"/>
+                <a:ea typeface="+mn-ea"/>
+                <a:cs typeface="+mn-cs"/>
+              </a:defRPr>
+            </a:lvl3pPr>
+            <a:lvl4pPr marL="1600200" indent="-228600" algn="l" defTabSz="914400" rtl="0" eaLnBrk="1" latinLnBrk="0" hangingPunct="1">
+              <a:lnSpc>
+                <a:spcPct val="90000"/>
+              </a:lnSpc>
+              <a:spcBef>
+                <a:spcPts val="500"/>
+              </a:spcBef>
+              <a:buFont typeface="Arial" panose="020B0604020202020204" pitchFamily="34" charset="0"/>
+              <a:buChar char="•"/>
+              <a:defRPr sz="1800" kern="1200">
+                <a:solidFill>
+                  <a:schemeClr val="tx1"/>
+                </a:solidFill>
+                <a:latin typeface="+mn-lt"/>
+                <a:ea typeface="+mn-ea"/>
+                <a:cs typeface="+mn-cs"/>
+              </a:defRPr>
+            </a:lvl4pPr>
+            <a:lvl5pPr marL="2057400" indent="-228600" algn="l" defTabSz="914400" rtl="0" eaLnBrk="1" latinLnBrk="0" hangingPunct="1">
+              <a:lnSpc>
+                <a:spcPct val="90000"/>
+              </a:lnSpc>
+              <a:spcBef>
+                <a:spcPts val="500"/>
+              </a:spcBef>
+              <a:buFont typeface="Arial" panose="020B0604020202020204" pitchFamily="34" charset="0"/>
+              <a:buChar char="•"/>
+              <a:defRPr sz="1800" kern="1200">
+                <a:solidFill>
+                  <a:schemeClr val="tx1"/>
+                </a:solidFill>
+                <a:latin typeface="+mn-lt"/>
+                <a:ea typeface="+mn-ea"/>
+                <a:cs typeface="+mn-cs"/>
+              </a:defRPr>
+            </a:lvl5pPr>
+            <a:lvl6pPr marL="2514600" indent="-228600" algn="l" defTabSz="914400" rtl="0" eaLnBrk="1" latinLnBrk="0" hangingPunct="1">
+              <a:lnSpc>
+                <a:spcPct val="90000"/>
+              </a:lnSpc>
+              <a:spcBef>
+                <a:spcPts val="500"/>
+              </a:spcBef>
+              <a:buFont typeface="Arial" panose="020B0604020202020204" pitchFamily="34" charset="0"/>
+              <a:buChar char="•"/>
+              <a:defRPr sz="1800" kern="1200">
+                <a:solidFill>
+                  <a:schemeClr val="tx1"/>
+                </a:solidFill>
+                <a:latin typeface="+mn-lt"/>
+                <a:ea typeface="+mn-ea"/>
+                <a:cs typeface="+mn-cs"/>
+              </a:defRPr>
+            </a:lvl6pPr>
+            <a:lvl7pPr marL="2971800" indent="-228600" algn="l" defTabSz="914400" rtl="0" eaLnBrk="1" latinLnBrk="0" hangingPunct="1">
+              <a:lnSpc>
+                <a:spcPct val="90000"/>
+              </a:lnSpc>
+              <a:spcBef>
+                <a:spcPts val="500"/>
+              </a:spcBef>
+              <a:buFont typeface="Arial" panose="020B0604020202020204" pitchFamily="34" charset="0"/>
+              <a:buChar char="•"/>
+              <a:defRPr sz="1800" kern="1200">
+                <a:solidFill>
+                  <a:schemeClr val="tx1"/>
+                </a:solidFill>
+                <a:latin typeface="+mn-lt"/>
+                <a:ea typeface="+mn-ea"/>
+                <a:cs typeface="+mn-cs"/>
+              </a:defRPr>
+            </a:lvl7pPr>
+            <a:lvl8pPr marL="3429000" indent="-228600" algn="l" defTabSz="914400" rtl="0" eaLnBrk="1" latinLnBrk="0" hangingPunct="1">
+              <a:lnSpc>
+                <a:spcPct val="90000"/>
+              </a:lnSpc>
+              <a:spcBef>
+                <a:spcPts val="500"/>
+              </a:spcBef>
+              <a:buFont typeface="Arial" panose="020B0604020202020204" pitchFamily="34" charset="0"/>
+              <a:buChar char="•"/>
+              <a:defRPr sz="1800" kern="1200">
+                <a:solidFill>
+                  <a:schemeClr val="tx1"/>
+                </a:solidFill>
+                <a:latin typeface="+mn-lt"/>
+                <a:ea typeface="+mn-ea"/>
+                <a:cs typeface="+mn-cs"/>
+              </a:defRPr>
+            </a:lvl8pPr>
+            <a:lvl9pPr marL="3886200" indent="-228600" algn="l" defTabSz="914400" rtl="0" eaLnBrk="1" latinLnBrk="0" hangingPunct="1">
+              <a:lnSpc>
+                <a:spcPct val="90000"/>
+              </a:lnSpc>
+              <a:spcBef>
+                <a:spcPts val="500"/>
+              </a:spcBef>
+              <a:buFont typeface="Arial" panose="020B0604020202020204" pitchFamily="34" charset="0"/>
+              <a:buChar char="•"/>
+              <a:defRPr sz="1800" kern="1200">
+                <a:solidFill>
+                  <a:schemeClr val="tx1"/>
+                </a:solidFill>
+                <a:latin typeface="+mn-lt"/>
+                <a:ea typeface="+mn-ea"/>
+                <a:cs typeface="+mn-cs"/>
+              </a:defRPr>
+            </a:lvl9pPr>
+          </a:lstStyle>
+          <a:p>
+            <a:pPr marL="0" indent="0" algn="just">
+              <a:lnSpc>
+                <a:spcPct val="163636"/>
+              </a:lnSpc>
+              <a:spcBef>
+                <a:spcPts val="0"/>
+              </a:spcBef>
+              <a:buNone/>
+            </a:pPr>
+            <a:r>
+              <a:rPr lang="ru-RU" sz="2000" dirty="0">
+                <a:solidFill>
+                  <a:schemeClr val="dk1"/>
+                </a:solidFill>
+                <a:latin typeface="Times New Roman"/>
+                <a:ea typeface="Times New Roman"/>
+                <a:cs typeface="Times New Roman"/>
+                <a:sym typeface="Times New Roman"/>
+              </a:rPr>
+              <a:t>В свою очередь узлы типа </a:t>
+            </a:r>
+            <a:r>
+              <a:rPr lang="ru-RU" sz="2000" dirty="0" err="1">
+                <a:solidFill>
+                  <a:schemeClr val="dk1"/>
+                </a:solidFill>
+                <a:latin typeface="Times New Roman"/>
+                <a:ea typeface="Times New Roman"/>
+                <a:cs typeface="Times New Roman"/>
+                <a:sym typeface="Times New Roman"/>
+              </a:rPr>
+              <a:t>composite</a:t>
+            </a:r>
+            <a:r>
+              <a:rPr lang="ru-RU" sz="2000" dirty="0">
+                <a:solidFill>
+                  <a:schemeClr val="dk1"/>
+                </a:solidFill>
+                <a:latin typeface="Times New Roman"/>
+                <a:ea typeface="Times New Roman"/>
+                <a:cs typeface="Times New Roman"/>
+                <a:sym typeface="Times New Roman"/>
+              </a:rPr>
+              <a:t> делятся на два подтипа:</a:t>
+            </a:r>
+          </a:p>
+          <a:p>
+            <a:pPr marL="0" indent="0" algn="just">
+              <a:lnSpc>
+                <a:spcPct val="163636"/>
+              </a:lnSpc>
+              <a:spcBef>
+                <a:spcPts val="0"/>
+              </a:spcBef>
+              <a:buNone/>
+            </a:pPr>
+            <a:r>
+              <a:rPr lang="en-US" sz="2000" dirty="0">
+                <a:solidFill>
+                  <a:schemeClr val="dk1"/>
+                </a:solidFill>
+                <a:latin typeface="Times New Roman"/>
+                <a:ea typeface="Times New Roman"/>
+                <a:cs typeface="Times New Roman"/>
+                <a:sym typeface="Times New Roman"/>
+              </a:rPr>
+              <a:t>	</a:t>
+            </a:r>
+            <a:r>
+              <a:rPr lang="ru-RU" sz="2000" dirty="0">
+                <a:solidFill>
+                  <a:schemeClr val="dk1"/>
+                </a:solidFill>
+                <a:latin typeface="Times New Roman"/>
+                <a:ea typeface="Times New Roman"/>
+                <a:cs typeface="Times New Roman"/>
+                <a:sym typeface="Times New Roman"/>
+              </a:rPr>
+              <a:t>•</a:t>
+            </a:r>
+            <a:r>
+              <a:rPr lang="en-US" sz="2000" dirty="0">
+                <a:solidFill>
+                  <a:schemeClr val="dk1"/>
+                </a:solidFill>
+                <a:latin typeface="Times New Roman"/>
+                <a:ea typeface="Times New Roman"/>
+                <a:cs typeface="Times New Roman"/>
+                <a:sym typeface="Times New Roman"/>
+              </a:rPr>
+              <a:t> </a:t>
+            </a:r>
+            <a:r>
+              <a:rPr lang="ru-RU" sz="2000" dirty="0" err="1">
+                <a:solidFill>
+                  <a:schemeClr val="dk1"/>
+                </a:solidFill>
+                <a:latin typeface="Times New Roman"/>
+                <a:ea typeface="Times New Roman"/>
+                <a:cs typeface="Times New Roman"/>
+                <a:sym typeface="Times New Roman"/>
+              </a:rPr>
+              <a:t>selector</a:t>
+            </a:r>
+            <a:r>
+              <a:rPr lang="ru-RU" sz="2000" dirty="0">
+                <a:solidFill>
+                  <a:schemeClr val="dk1"/>
+                </a:solidFill>
+                <a:latin typeface="Times New Roman"/>
+                <a:ea typeface="Times New Roman"/>
+                <a:cs typeface="Times New Roman"/>
+                <a:sym typeface="Times New Roman"/>
+              </a:rPr>
+              <a:t>: сигнализирует о том, что только один дочерний узел будет посещён;</a:t>
+            </a:r>
+          </a:p>
+          <a:p>
+            <a:pPr marL="0" indent="0" algn="just">
+              <a:lnSpc>
+                <a:spcPct val="163636"/>
+              </a:lnSpc>
+              <a:spcBef>
+                <a:spcPts val="0"/>
+              </a:spcBef>
+              <a:buNone/>
+            </a:pPr>
+            <a:r>
+              <a:rPr lang="en-US" sz="2000" dirty="0">
+                <a:solidFill>
+                  <a:schemeClr val="dk1"/>
+                </a:solidFill>
+                <a:latin typeface="Times New Roman"/>
+                <a:ea typeface="Times New Roman"/>
+                <a:cs typeface="Times New Roman"/>
+                <a:sym typeface="Times New Roman"/>
+              </a:rPr>
+              <a:t>	</a:t>
+            </a:r>
+            <a:r>
+              <a:rPr lang="ru-RU" sz="2000" dirty="0">
+                <a:solidFill>
+                  <a:schemeClr val="dk1"/>
+                </a:solidFill>
+                <a:latin typeface="Times New Roman"/>
+                <a:ea typeface="Times New Roman"/>
+                <a:cs typeface="Times New Roman"/>
+                <a:sym typeface="Times New Roman"/>
+              </a:rPr>
+              <a:t>•</a:t>
+            </a:r>
+            <a:r>
+              <a:rPr lang="en-US" sz="2000" dirty="0">
+                <a:solidFill>
+                  <a:schemeClr val="dk1"/>
+                </a:solidFill>
+                <a:latin typeface="Times New Roman"/>
+                <a:ea typeface="Times New Roman"/>
+                <a:cs typeface="Times New Roman"/>
+                <a:sym typeface="Times New Roman"/>
+              </a:rPr>
+              <a:t> </a:t>
+            </a:r>
+            <a:r>
+              <a:rPr lang="ru-RU" sz="2000" dirty="0" err="1">
+                <a:solidFill>
+                  <a:schemeClr val="dk1"/>
+                </a:solidFill>
+                <a:latin typeface="Times New Roman"/>
+                <a:ea typeface="Times New Roman"/>
+                <a:cs typeface="Times New Roman"/>
+                <a:sym typeface="Times New Roman"/>
+              </a:rPr>
+              <a:t>sequence</a:t>
+            </a:r>
+            <a:r>
+              <a:rPr lang="ru-RU" sz="2000" dirty="0">
+                <a:solidFill>
+                  <a:schemeClr val="dk1"/>
+                </a:solidFill>
+                <a:latin typeface="Times New Roman"/>
+                <a:ea typeface="Times New Roman"/>
+                <a:cs typeface="Times New Roman"/>
+                <a:sym typeface="Times New Roman"/>
+              </a:rPr>
+              <a:t>: обеспечивает, что каждый дочерний узел посещается в порядке следования .</a:t>
+            </a:r>
+          </a:p>
+          <a:p>
+            <a:pPr marL="0" indent="0" algn="just">
+              <a:lnSpc>
+                <a:spcPct val="163636"/>
+              </a:lnSpc>
+              <a:spcBef>
+                <a:spcPts val="0"/>
+              </a:spcBef>
+              <a:buNone/>
+            </a:pPr>
+            <a:endParaRPr lang="ru-RU" sz="2000" dirty="0">
+              <a:solidFill>
+                <a:schemeClr val="dk1"/>
+              </a:solidFill>
+              <a:latin typeface="Times New Roman"/>
+              <a:ea typeface="Times New Roman"/>
+              <a:cs typeface="Times New Roman"/>
+              <a:sym typeface="Times New Roman"/>
+            </a:endParaRPr>
+          </a:p>
+        </p:txBody>
+      </p:sp>
+      <p:pic>
+        <p:nvPicPr>
+          <p:cNvPr id="4" name="Рисунок 3">
+            <a:extLst>
+              <a:ext uri="{FF2B5EF4-FFF2-40B4-BE49-F238E27FC236}">
+                <a16:creationId xmlns:a16="http://schemas.microsoft.com/office/drawing/2014/main" id="{3FB739D7-B968-4AB7-8D6E-66DA1F8955F9}"/>
+              </a:ext>
+            </a:extLst>
+          </p:cNvPr>
+          <p:cNvPicPr/>
+          <p:nvPr/>
+        </p:nvPicPr>
+        <p:blipFill>
+          <a:blip r:embed="rId2"/>
+          <a:stretch>
+            <a:fillRect/>
+          </a:stretch>
+        </p:blipFill>
+        <p:spPr>
+          <a:xfrm>
+            <a:off x="6463775" y="3819379"/>
+            <a:ext cx="5940425" cy="2227580"/>
+          </a:xfrm>
+          <a:prstGeom prst="rect">
+            <a:avLst/>
+          </a:prstGeom>
+        </p:spPr>
+      </p:pic>
+      <p:pic>
+        <p:nvPicPr>
+          <p:cNvPr id="5" name="Рисунок 4">
+            <a:extLst>
+              <a:ext uri="{FF2B5EF4-FFF2-40B4-BE49-F238E27FC236}">
+                <a16:creationId xmlns:a16="http://schemas.microsoft.com/office/drawing/2014/main" id="{8D63FAAE-CE1A-4912-8690-947183E73E8C}"/>
+              </a:ext>
+            </a:extLst>
+          </p:cNvPr>
+          <p:cNvPicPr/>
+          <p:nvPr/>
+        </p:nvPicPr>
+        <p:blipFill>
+          <a:blip r:embed="rId3"/>
+          <a:stretch>
+            <a:fillRect/>
+          </a:stretch>
+        </p:blipFill>
+        <p:spPr>
+          <a:xfrm>
+            <a:off x="0" y="3374223"/>
+            <a:ext cx="6463775" cy="1854492"/>
+          </a:xfrm>
+          <a:prstGeom prst="rect">
+            <a:avLst/>
+          </a:prstGeom>
+        </p:spPr>
+      </p:pic>
+    </p:spTree>
+    <p:extLst>
+      <p:ext uri="{BB962C8B-B14F-4D97-AF65-F5344CB8AC3E}">
+        <p14:creationId xmlns:p14="http://schemas.microsoft.com/office/powerpoint/2010/main" val="3806744160"/>
+      </p:ext>
+    </p:extLst>
+  </p:cSld>
+  <p:clrMapOvr>
+    <a:masterClrMapping/>
+  </p:clrMapOvr>
+</p:sld>
+</file>
+
+<file path=ppt/slides/slide15.xml><?xml version="1.0" encoding="utf-8"?>
+<p:sld xmlns:a="http://schemas.openxmlformats.org/drawingml/2006/main" xmlns:r="http://schemas.openxmlformats.org/officeDocument/2006/relationships" xmlns:p="http://schemas.openxmlformats.org/presentationml/2006/main">
+  <p:cSld>
+    <p:spTree>
+      <p:nvGrpSpPr>
+        <p:cNvPr id="1" name=""/>
+        <p:cNvGrpSpPr/>
+        <p:nvPr/>
+      </p:nvGrpSpPr>
+      <p:grpSpPr>
+        <a:xfrm>
+          <a:off x="0" y="0"/>
+          <a:ext cx="0" cy="0"/>
+          <a:chOff x="0" y="0"/>
+          <a:chExt cx="0" cy="0"/>
+        </a:xfrm>
+      </p:grpSpPr>
+      <p:sp>
+        <p:nvSpPr>
+          <p:cNvPr id="2" name="Заголовок 1">
+            <a:extLst>
+              <a:ext uri="{FF2B5EF4-FFF2-40B4-BE49-F238E27FC236}">
+                <a16:creationId xmlns:a16="http://schemas.microsoft.com/office/drawing/2014/main" id="{C22205BB-34E6-4EB7-BBEA-28F71E2B5F79}"/>
+              </a:ext>
+            </a:extLst>
+          </p:cNvPr>
+          <p:cNvSpPr>
+            <a:spLocks noGrp="1"/>
+          </p:cNvSpPr>
+          <p:nvPr>
+            <p:ph type="title"/>
+          </p:nvPr>
+        </p:nvSpPr>
+        <p:spPr/>
+        <p:txBody>
+          <a:bodyPr/>
+          <a:lstStyle/>
+          <a:p>
+            <a:r>
+              <a:rPr lang="en-US" dirty="0"/>
+              <a:t>Utility</a:t>
+            </a:r>
+            <a:r>
+              <a:rPr lang="ru-RU" dirty="0"/>
+              <a:t>-</a:t>
+            </a:r>
+            <a:r>
+              <a:rPr lang="en-US" dirty="0"/>
+              <a:t>Based System </a:t>
+            </a:r>
+            <a:endParaRPr lang="ru-RU" dirty="0"/>
+          </a:p>
+        </p:txBody>
+      </p:sp>
+      <p:sp>
+        <p:nvSpPr>
+          <p:cNvPr id="3" name="Google Shape;66;p14">
+            <a:extLst>
+              <a:ext uri="{FF2B5EF4-FFF2-40B4-BE49-F238E27FC236}">
+                <a16:creationId xmlns:a16="http://schemas.microsoft.com/office/drawing/2014/main" id="{C7AAF997-7F41-43DA-A5F6-575F1FD40963}"/>
+              </a:ext>
+            </a:extLst>
+          </p:cNvPr>
+          <p:cNvSpPr txBox="1">
+            <a:spLocks/>
+          </p:cNvSpPr>
+          <p:nvPr/>
+        </p:nvSpPr>
+        <p:spPr>
+          <a:xfrm>
+            <a:off x="140677" y="1420837"/>
+            <a:ext cx="11633745" cy="4783015"/>
+          </a:xfrm>
+          <a:prstGeom prst="rect">
+            <a:avLst/>
+          </a:prstGeom>
+        </p:spPr>
+        <p:txBody>
+          <a:bodyPr spcFirstLastPara="1" vert="horz" wrap="square" lIns="91425" tIns="91425" rIns="91425" bIns="91425" rtlCol="0" anchor="t" anchorCtr="0">
+            <a:noAutofit/>
+          </a:bodyPr>
+          <a:lstStyle>
+            <a:lvl1pPr marL="228600" indent="-228600" algn="l" defTabSz="914400" rtl="0" eaLnBrk="1" latinLnBrk="0" hangingPunct="1">
+              <a:lnSpc>
+                <a:spcPct val="90000"/>
+              </a:lnSpc>
+              <a:spcBef>
+                <a:spcPts val="1000"/>
+              </a:spcBef>
+              <a:buFont typeface="Arial" panose="020B0604020202020204" pitchFamily="34" charset="0"/>
+              <a:buChar char="•"/>
+              <a:defRPr sz="2800" kern="1200">
+                <a:solidFill>
+                  <a:schemeClr val="tx1"/>
+                </a:solidFill>
+                <a:latin typeface="+mn-lt"/>
+                <a:ea typeface="+mn-ea"/>
+                <a:cs typeface="+mn-cs"/>
+              </a:defRPr>
+            </a:lvl1pPr>
+            <a:lvl2pPr marL="685800" indent="-228600" algn="l" defTabSz="914400" rtl="0" eaLnBrk="1" latinLnBrk="0" hangingPunct="1">
+              <a:lnSpc>
+                <a:spcPct val="90000"/>
+              </a:lnSpc>
+              <a:spcBef>
+                <a:spcPts val="500"/>
+              </a:spcBef>
+              <a:buFont typeface="Arial" panose="020B0604020202020204" pitchFamily="34" charset="0"/>
+              <a:buChar char="•"/>
+              <a:defRPr sz="2400" kern="1200">
+                <a:solidFill>
+                  <a:schemeClr val="tx1"/>
+                </a:solidFill>
+                <a:latin typeface="+mn-lt"/>
+                <a:ea typeface="+mn-ea"/>
+                <a:cs typeface="+mn-cs"/>
+              </a:defRPr>
+            </a:lvl2pPr>
+            <a:lvl3pPr marL="1143000" indent="-228600" algn="l" defTabSz="914400" rtl="0" eaLnBrk="1" latinLnBrk="0" hangingPunct="1">
+              <a:lnSpc>
+                <a:spcPct val="90000"/>
+              </a:lnSpc>
+              <a:spcBef>
+                <a:spcPts val="500"/>
+              </a:spcBef>
+              <a:buFont typeface="Arial" panose="020B0604020202020204" pitchFamily="34" charset="0"/>
+              <a:buChar char="•"/>
+              <a:defRPr sz="2000" kern="1200">
+                <a:solidFill>
+                  <a:schemeClr val="tx1"/>
+                </a:solidFill>
+                <a:latin typeface="+mn-lt"/>
+                <a:ea typeface="+mn-ea"/>
+                <a:cs typeface="+mn-cs"/>
+              </a:defRPr>
+            </a:lvl3pPr>
+            <a:lvl4pPr marL="1600200" indent="-228600" algn="l" defTabSz="914400" rtl="0" eaLnBrk="1" latinLnBrk="0" hangingPunct="1">
+              <a:lnSpc>
+                <a:spcPct val="90000"/>
+              </a:lnSpc>
+              <a:spcBef>
+                <a:spcPts val="500"/>
+              </a:spcBef>
+              <a:buFont typeface="Arial" panose="020B0604020202020204" pitchFamily="34" charset="0"/>
+              <a:buChar char="•"/>
+              <a:defRPr sz="1800" kern="1200">
+                <a:solidFill>
+                  <a:schemeClr val="tx1"/>
+                </a:solidFill>
+                <a:latin typeface="+mn-lt"/>
+                <a:ea typeface="+mn-ea"/>
+                <a:cs typeface="+mn-cs"/>
+              </a:defRPr>
+            </a:lvl4pPr>
+            <a:lvl5pPr marL="2057400" indent="-228600" algn="l" defTabSz="914400" rtl="0" eaLnBrk="1" latinLnBrk="0" hangingPunct="1">
+              <a:lnSpc>
+                <a:spcPct val="90000"/>
+              </a:lnSpc>
+              <a:spcBef>
+                <a:spcPts val="500"/>
+              </a:spcBef>
+              <a:buFont typeface="Arial" panose="020B0604020202020204" pitchFamily="34" charset="0"/>
+              <a:buChar char="•"/>
+              <a:defRPr sz="1800" kern="1200">
+                <a:solidFill>
+                  <a:schemeClr val="tx1"/>
+                </a:solidFill>
+                <a:latin typeface="+mn-lt"/>
+                <a:ea typeface="+mn-ea"/>
+                <a:cs typeface="+mn-cs"/>
+              </a:defRPr>
+            </a:lvl5pPr>
+            <a:lvl6pPr marL="2514600" indent="-228600" algn="l" defTabSz="914400" rtl="0" eaLnBrk="1" latinLnBrk="0" hangingPunct="1">
+              <a:lnSpc>
+                <a:spcPct val="90000"/>
+              </a:lnSpc>
+              <a:spcBef>
+                <a:spcPts val="500"/>
+              </a:spcBef>
+              <a:buFont typeface="Arial" panose="020B0604020202020204" pitchFamily="34" charset="0"/>
+              <a:buChar char="•"/>
+              <a:defRPr sz="1800" kern="1200">
+                <a:solidFill>
+                  <a:schemeClr val="tx1"/>
+                </a:solidFill>
+                <a:latin typeface="+mn-lt"/>
+                <a:ea typeface="+mn-ea"/>
+                <a:cs typeface="+mn-cs"/>
+              </a:defRPr>
+            </a:lvl6pPr>
+            <a:lvl7pPr marL="2971800" indent="-228600" algn="l" defTabSz="914400" rtl="0" eaLnBrk="1" latinLnBrk="0" hangingPunct="1">
+              <a:lnSpc>
+                <a:spcPct val="90000"/>
+              </a:lnSpc>
+              <a:spcBef>
+                <a:spcPts val="500"/>
+              </a:spcBef>
+              <a:buFont typeface="Arial" panose="020B0604020202020204" pitchFamily="34" charset="0"/>
+              <a:buChar char="•"/>
+              <a:defRPr sz="1800" kern="1200">
+                <a:solidFill>
+                  <a:schemeClr val="tx1"/>
+                </a:solidFill>
+                <a:latin typeface="+mn-lt"/>
+                <a:ea typeface="+mn-ea"/>
+                <a:cs typeface="+mn-cs"/>
+              </a:defRPr>
+            </a:lvl7pPr>
+            <a:lvl8pPr marL="3429000" indent="-228600" algn="l" defTabSz="914400" rtl="0" eaLnBrk="1" latinLnBrk="0" hangingPunct="1">
+              <a:lnSpc>
+                <a:spcPct val="90000"/>
+              </a:lnSpc>
+              <a:spcBef>
+                <a:spcPts val="500"/>
+              </a:spcBef>
+              <a:buFont typeface="Arial" panose="020B0604020202020204" pitchFamily="34" charset="0"/>
+              <a:buChar char="•"/>
+              <a:defRPr sz="1800" kern="1200">
+                <a:solidFill>
+                  <a:schemeClr val="tx1"/>
+                </a:solidFill>
+                <a:latin typeface="+mn-lt"/>
+                <a:ea typeface="+mn-ea"/>
+                <a:cs typeface="+mn-cs"/>
+              </a:defRPr>
+            </a:lvl8pPr>
+            <a:lvl9pPr marL="3886200" indent="-228600" algn="l" defTabSz="914400" rtl="0" eaLnBrk="1" latinLnBrk="0" hangingPunct="1">
+              <a:lnSpc>
+                <a:spcPct val="90000"/>
+              </a:lnSpc>
+              <a:spcBef>
+                <a:spcPts val="500"/>
+              </a:spcBef>
+              <a:buFont typeface="Arial" panose="020B0604020202020204" pitchFamily="34" charset="0"/>
+              <a:buChar char="•"/>
+              <a:defRPr sz="1800" kern="1200">
+                <a:solidFill>
+                  <a:schemeClr val="tx1"/>
+                </a:solidFill>
+                <a:latin typeface="+mn-lt"/>
+                <a:ea typeface="+mn-ea"/>
+                <a:cs typeface="+mn-cs"/>
+              </a:defRPr>
+            </a:lvl9pPr>
+          </a:lstStyle>
+          <a:p>
+            <a:pPr marL="0" indent="0" algn="just">
+              <a:lnSpc>
+                <a:spcPct val="163636"/>
+              </a:lnSpc>
+              <a:spcBef>
+                <a:spcPts val="0"/>
+              </a:spcBef>
+              <a:buNone/>
+            </a:pPr>
+            <a:r>
+              <a:rPr lang="ru-RU" sz="2000" dirty="0">
+                <a:solidFill>
+                  <a:schemeClr val="dk1"/>
+                </a:solidFill>
+                <a:latin typeface="Times New Roman"/>
+                <a:ea typeface="Times New Roman"/>
+                <a:cs typeface="Times New Roman"/>
+                <a:sym typeface="Times New Roman"/>
+              </a:rPr>
+              <a:t>Этот метод предоставляет несколько другой подход к организации выбора решений. Вместо того, чтобы иметь чёткий набор выборов или дерево возможных действий, алгоритм предлагает изучить все действия и выбрать самое подходящее в данный момент на основе какой-либо численной характеристики полезности данного действия, где полезность — произвольная мера того, насколько важно или желательно выполнение этого действия для агента.</a:t>
+            </a:r>
+          </a:p>
+        </p:txBody>
+      </p:sp>
+    </p:spTree>
+    <p:extLst>
+      <p:ext uri="{BB962C8B-B14F-4D97-AF65-F5344CB8AC3E}">
+        <p14:creationId xmlns:p14="http://schemas.microsoft.com/office/powerpoint/2010/main" val="1578234934"/>
+      </p:ext>
+    </p:extLst>
+  </p:cSld>
+  <p:clrMapOvr>
+    <a:masterClrMapping/>
+  </p:clrMapOvr>
+</p:sld>
+</file>
+
+<file path=ppt/slides/slide16.xml><?xml version="1.0" encoding="utf-8"?>
+<p:sld xmlns:a="http://schemas.openxmlformats.org/drawingml/2006/main" xmlns:r="http://schemas.openxmlformats.org/officeDocument/2006/relationships" xmlns:p="http://schemas.openxmlformats.org/presentationml/2006/main">
+  <p:cSld>
+    <p:spTree>
+      <p:nvGrpSpPr>
+        <p:cNvPr id="1" name=""/>
+        <p:cNvGrpSpPr/>
+        <p:nvPr/>
+      </p:nvGrpSpPr>
+      <p:grpSpPr>
+        <a:xfrm>
+          <a:off x="0" y="0"/>
+          <a:ext cx="0" cy="0"/>
+          <a:chOff x="0" y="0"/>
+          <a:chExt cx="0" cy="0"/>
+        </a:xfrm>
+      </p:grpSpPr>
+      <p:sp>
+        <p:nvSpPr>
+          <p:cNvPr id="2" name="Заголовок 1">
+            <a:extLst>
+              <a:ext uri="{FF2B5EF4-FFF2-40B4-BE49-F238E27FC236}">
+                <a16:creationId xmlns:a16="http://schemas.microsoft.com/office/drawing/2014/main" id="{3CDA8824-3AC4-49F3-842D-04213F9B785E}"/>
+              </a:ext>
+            </a:extLst>
+          </p:cNvPr>
+          <p:cNvSpPr>
+            <a:spLocks noGrp="1"/>
+          </p:cNvSpPr>
+          <p:nvPr>
+            <p:ph type="title"/>
+          </p:nvPr>
+        </p:nvSpPr>
+        <p:spPr/>
+        <p:txBody>
+          <a:bodyPr>
+            <a:normAutofit fontScale="90000"/>
+          </a:bodyPr>
+          <a:lstStyle/>
+          <a:p>
+            <a:r>
+              <a:rPr lang="ru-RU" dirty="0"/>
+              <a:t>Движение агентов в пространстве</a:t>
+            </a:r>
+          </a:p>
+        </p:txBody>
+      </p:sp>
+      <p:sp>
+        <p:nvSpPr>
+          <p:cNvPr id="3" name="Google Shape;66;p14">
+            <a:extLst>
+              <a:ext uri="{FF2B5EF4-FFF2-40B4-BE49-F238E27FC236}">
+                <a16:creationId xmlns:a16="http://schemas.microsoft.com/office/drawing/2014/main" id="{CD917D13-A79F-4799-AE33-F6673133EEB2}"/>
+              </a:ext>
+            </a:extLst>
+          </p:cNvPr>
+          <p:cNvSpPr txBox="1">
+            <a:spLocks/>
+          </p:cNvSpPr>
+          <p:nvPr/>
+        </p:nvSpPr>
+        <p:spPr>
+          <a:xfrm>
+            <a:off x="140677" y="1420837"/>
+            <a:ext cx="11633745" cy="4783015"/>
+          </a:xfrm>
+          <a:prstGeom prst="rect">
+            <a:avLst/>
+          </a:prstGeom>
+        </p:spPr>
+        <p:txBody>
+          <a:bodyPr spcFirstLastPara="1" vert="horz" wrap="square" lIns="91425" tIns="91425" rIns="91425" bIns="91425" rtlCol="0" anchor="t" anchorCtr="0">
+            <a:noAutofit/>
+          </a:bodyPr>
+          <a:lstStyle>
+            <a:lvl1pPr marL="228600" indent="-228600" algn="l" defTabSz="914400" rtl="0" eaLnBrk="1" latinLnBrk="0" hangingPunct="1">
+              <a:lnSpc>
+                <a:spcPct val="90000"/>
+              </a:lnSpc>
+              <a:spcBef>
+                <a:spcPts val="1000"/>
+              </a:spcBef>
+              <a:buFont typeface="Arial" panose="020B0604020202020204" pitchFamily="34" charset="0"/>
+              <a:buChar char="•"/>
+              <a:defRPr sz="2800" kern="1200">
+                <a:solidFill>
+                  <a:schemeClr val="tx1"/>
+                </a:solidFill>
+                <a:latin typeface="+mn-lt"/>
+                <a:ea typeface="+mn-ea"/>
+                <a:cs typeface="+mn-cs"/>
+              </a:defRPr>
+            </a:lvl1pPr>
+            <a:lvl2pPr marL="685800" indent="-228600" algn="l" defTabSz="914400" rtl="0" eaLnBrk="1" latinLnBrk="0" hangingPunct="1">
+              <a:lnSpc>
+                <a:spcPct val="90000"/>
+              </a:lnSpc>
+              <a:spcBef>
+                <a:spcPts val="500"/>
+              </a:spcBef>
+              <a:buFont typeface="Arial" panose="020B0604020202020204" pitchFamily="34" charset="0"/>
+              <a:buChar char="•"/>
+              <a:defRPr sz="2400" kern="1200">
+                <a:solidFill>
+                  <a:schemeClr val="tx1"/>
+                </a:solidFill>
+                <a:latin typeface="+mn-lt"/>
+                <a:ea typeface="+mn-ea"/>
+                <a:cs typeface="+mn-cs"/>
+              </a:defRPr>
+            </a:lvl2pPr>
+            <a:lvl3pPr marL="1143000" indent="-228600" algn="l" defTabSz="914400" rtl="0" eaLnBrk="1" latinLnBrk="0" hangingPunct="1">
+              <a:lnSpc>
+                <a:spcPct val="90000"/>
+              </a:lnSpc>
+              <a:spcBef>
+                <a:spcPts val="500"/>
+              </a:spcBef>
+              <a:buFont typeface="Arial" panose="020B0604020202020204" pitchFamily="34" charset="0"/>
+              <a:buChar char="•"/>
+              <a:defRPr sz="2000" kern="1200">
+                <a:solidFill>
+                  <a:schemeClr val="tx1"/>
+                </a:solidFill>
+                <a:latin typeface="+mn-lt"/>
+                <a:ea typeface="+mn-ea"/>
+                <a:cs typeface="+mn-cs"/>
+              </a:defRPr>
+            </a:lvl3pPr>
+            <a:lvl4pPr marL="1600200" indent="-228600" algn="l" defTabSz="914400" rtl="0" eaLnBrk="1" latinLnBrk="0" hangingPunct="1">
+              <a:lnSpc>
+                <a:spcPct val="90000"/>
+              </a:lnSpc>
+              <a:spcBef>
+                <a:spcPts val="500"/>
+              </a:spcBef>
+              <a:buFont typeface="Arial" panose="020B0604020202020204" pitchFamily="34" charset="0"/>
+              <a:buChar char="•"/>
+              <a:defRPr sz="1800" kern="1200">
+                <a:solidFill>
+                  <a:schemeClr val="tx1"/>
+                </a:solidFill>
+                <a:latin typeface="+mn-lt"/>
+                <a:ea typeface="+mn-ea"/>
+                <a:cs typeface="+mn-cs"/>
+              </a:defRPr>
+            </a:lvl4pPr>
+            <a:lvl5pPr marL="2057400" indent="-228600" algn="l" defTabSz="914400" rtl="0" eaLnBrk="1" latinLnBrk="0" hangingPunct="1">
+              <a:lnSpc>
+                <a:spcPct val="90000"/>
+              </a:lnSpc>
+              <a:spcBef>
+                <a:spcPts val="500"/>
+              </a:spcBef>
+              <a:buFont typeface="Arial" panose="020B0604020202020204" pitchFamily="34" charset="0"/>
+              <a:buChar char="•"/>
+              <a:defRPr sz="1800" kern="1200">
+                <a:solidFill>
+                  <a:schemeClr val="tx1"/>
+                </a:solidFill>
+                <a:latin typeface="+mn-lt"/>
+                <a:ea typeface="+mn-ea"/>
+                <a:cs typeface="+mn-cs"/>
+              </a:defRPr>
+            </a:lvl5pPr>
+            <a:lvl6pPr marL="2514600" indent="-228600" algn="l" defTabSz="914400" rtl="0" eaLnBrk="1" latinLnBrk="0" hangingPunct="1">
+              <a:lnSpc>
+                <a:spcPct val="90000"/>
+              </a:lnSpc>
+              <a:spcBef>
+                <a:spcPts val="500"/>
+              </a:spcBef>
+              <a:buFont typeface="Arial" panose="020B0604020202020204" pitchFamily="34" charset="0"/>
+              <a:buChar char="•"/>
+              <a:defRPr sz="1800" kern="1200">
+                <a:solidFill>
+                  <a:schemeClr val="tx1"/>
+                </a:solidFill>
+                <a:latin typeface="+mn-lt"/>
+                <a:ea typeface="+mn-ea"/>
+                <a:cs typeface="+mn-cs"/>
+              </a:defRPr>
+            </a:lvl6pPr>
+            <a:lvl7pPr marL="2971800" indent="-228600" algn="l" defTabSz="914400" rtl="0" eaLnBrk="1" latinLnBrk="0" hangingPunct="1">
+              <a:lnSpc>
+                <a:spcPct val="90000"/>
+              </a:lnSpc>
+              <a:spcBef>
+                <a:spcPts val="500"/>
+              </a:spcBef>
+              <a:buFont typeface="Arial" panose="020B0604020202020204" pitchFamily="34" charset="0"/>
+              <a:buChar char="•"/>
+              <a:defRPr sz="1800" kern="1200">
+                <a:solidFill>
+                  <a:schemeClr val="tx1"/>
+                </a:solidFill>
+                <a:latin typeface="+mn-lt"/>
+                <a:ea typeface="+mn-ea"/>
+                <a:cs typeface="+mn-cs"/>
+              </a:defRPr>
+            </a:lvl7pPr>
+            <a:lvl8pPr marL="3429000" indent="-228600" algn="l" defTabSz="914400" rtl="0" eaLnBrk="1" latinLnBrk="0" hangingPunct="1">
+              <a:lnSpc>
+                <a:spcPct val="90000"/>
+              </a:lnSpc>
+              <a:spcBef>
+                <a:spcPts val="500"/>
+              </a:spcBef>
+              <a:buFont typeface="Arial" panose="020B0604020202020204" pitchFamily="34" charset="0"/>
+              <a:buChar char="•"/>
+              <a:defRPr sz="1800" kern="1200">
+                <a:solidFill>
+                  <a:schemeClr val="tx1"/>
+                </a:solidFill>
+                <a:latin typeface="+mn-lt"/>
+                <a:ea typeface="+mn-ea"/>
+                <a:cs typeface="+mn-cs"/>
+              </a:defRPr>
+            </a:lvl8pPr>
+            <a:lvl9pPr marL="3886200" indent="-228600" algn="l" defTabSz="914400" rtl="0" eaLnBrk="1" latinLnBrk="0" hangingPunct="1">
+              <a:lnSpc>
+                <a:spcPct val="90000"/>
+              </a:lnSpc>
+              <a:spcBef>
+                <a:spcPts val="500"/>
+              </a:spcBef>
+              <a:buFont typeface="Arial" panose="020B0604020202020204" pitchFamily="34" charset="0"/>
+              <a:buChar char="•"/>
+              <a:defRPr sz="1800" kern="1200">
+                <a:solidFill>
+                  <a:schemeClr val="tx1"/>
+                </a:solidFill>
+                <a:latin typeface="+mn-lt"/>
+                <a:ea typeface="+mn-ea"/>
+                <a:cs typeface="+mn-cs"/>
+              </a:defRPr>
+            </a:lvl9pPr>
+          </a:lstStyle>
+          <a:p>
+            <a:pPr marL="0" indent="0" algn="just">
+              <a:lnSpc>
+                <a:spcPct val="163636"/>
+              </a:lnSpc>
+              <a:spcBef>
+                <a:spcPts val="0"/>
+              </a:spcBef>
+              <a:buNone/>
+            </a:pPr>
+            <a:r>
+              <a:rPr lang="ru-RU" sz="2000" dirty="0">
+                <a:solidFill>
+                  <a:schemeClr val="dk1"/>
+                </a:solidFill>
+                <a:latin typeface="Times New Roman"/>
+                <a:ea typeface="Times New Roman"/>
+                <a:cs typeface="Times New Roman"/>
+                <a:sym typeface="Times New Roman"/>
+              </a:rPr>
+              <a:t>Первым вопросом, который стоит перед разработчиками почти любого искусственного интеллекта, является вопрос навигации агента в игровом пространстве.</a:t>
+            </a:r>
+          </a:p>
+          <a:p>
+            <a:pPr marL="0" indent="0" algn="just">
+              <a:lnSpc>
+                <a:spcPct val="163636"/>
+              </a:lnSpc>
+              <a:spcBef>
+                <a:spcPts val="0"/>
+              </a:spcBef>
+              <a:buNone/>
+            </a:pPr>
+            <a:r>
+              <a:rPr lang="ru-RU" sz="2000" dirty="0">
+                <a:solidFill>
+                  <a:schemeClr val="dk1"/>
+                </a:solidFill>
+                <a:latin typeface="Times New Roman"/>
+                <a:ea typeface="Times New Roman"/>
+                <a:cs typeface="Times New Roman"/>
+                <a:sym typeface="Times New Roman"/>
+              </a:rPr>
+              <a:t>И вправду игровой опыт пользователя от игры, в которой боты не способны элементарно передвигаться, скорее всего будет негативным, особенно когда речь идёт об играх с открытым миром.</a:t>
+            </a:r>
+          </a:p>
+          <a:p>
+            <a:pPr marL="0" indent="0" algn="just">
+              <a:lnSpc>
+                <a:spcPct val="163636"/>
+              </a:lnSpc>
+              <a:spcBef>
+                <a:spcPts val="0"/>
+              </a:spcBef>
+              <a:buNone/>
+            </a:pPr>
+            <a:r>
+              <a:rPr lang="ru-RU" sz="2000" dirty="0">
+                <a:solidFill>
+                  <a:schemeClr val="dk1"/>
+                </a:solidFill>
+                <a:latin typeface="Times New Roman"/>
+                <a:ea typeface="Times New Roman"/>
+                <a:cs typeface="Times New Roman"/>
+                <a:sym typeface="Times New Roman"/>
+              </a:rPr>
+              <a:t>В самых простых случаях, когда игровое пространство представляет собой открытую локацию с минимальным количеством препятствий, используют подход, называемый </a:t>
+            </a:r>
+            <a:r>
+              <a:rPr lang="ru-RU" sz="2000" dirty="0" err="1">
+                <a:solidFill>
+                  <a:schemeClr val="dk1"/>
+                </a:solidFill>
+                <a:latin typeface="Times New Roman"/>
+                <a:ea typeface="Times New Roman"/>
+                <a:cs typeface="Times New Roman"/>
+                <a:sym typeface="Times New Roman"/>
+              </a:rPr>
+              <a:t>steering</a:t>
+            </a:r>
+            <a:r>
+              <a:rPr lang="ru-RU" sz="2000" dirty="0">
+                <a:solidFill>
+                  <a:schemeClr val="dk1"/>
+                </a:solidFill>
+                <a:latin typeface="Times New Roman"/>
+                <a:ea typeface="Times New Roman"/>
+                <a:cs typeface="Times New Roman"/>
+                <a:sym typeface="Times New Roman"/>
+              </a:rPr>
+              <a:t> </a:t>
+            </a:r>
+            <a:r>
+              <a:rPr lang="ru-RU" sz="2000" dirty="0" err="1">
+                <a:solidFill>
+                  <a:schemeClr val="dk1"/>
+                </a:solidFill>
+                <a:latin typeface="Times New Roman"/>
+                <a:ea typeface="Times New Roman"/>
+                <a:cs typeface="Times New Roman"/>
+                <a:sym typeface="Times New Roman"/>
+              </a:rPr>
+              <a:t>behaviors</a:t>
+            </a:r>
+            <a:r>
+              <a:rPr lang="ru-RU" sz="2000" dirty="0">
+                <a:solidFill>
+                  <a:schemeClr val="dk1"/>
+                </a:solidFill>
+                <a:latin typeface="Times New Roman"/>
+                <a:ea typeface="Times New Roman"/>
+                <a:cs typeface="Times New Roman"/>
+                <a:sym typeface="Times New Roman"/>
+              </a:rPr>
+              <a:t>.</a:t>
+            </a:r>
+          </a:p>
+          <a:p>
+            <a:pPr marL="0" indent="0" algn="just">
+              <a:lnSpc>
+                <a:spcPct val="163636"/>
+              </a:lnSpc>
+              <a:spcBef>
+                <a:spcPts val="0"/>
+              </a:spcBef>
+              <a:buNone/>
+            </a:pPr>
+            <a:r>
+              <a:rPr lang="ru-RU" sz="2000" dirty="0" err="1">
+                <a:solidFill>
+                  <a:schemeClr val="dk1"/>
+                </a:solidFill>
+                <a:latin typeface="Times New Roman"/>
+                <a:ea typeface="Times New Roman"/>
+                <a:cs typeface="Times New Roman"/>
+                <a:sym typeface="Times New Roman"/>
+              </a:rPr>
+              <a:t>Steering</a:t>
+            </a:r>
+            <a:r>
+              <a:rPr lang="ru-RU" sz="2000" dirty="0">
+                <a:solidFill>
+                  <a:schemeClr val="dk1"/>
+                </a:solidFill>
+                <a:latin typeface="Times New Roman"/>
+                <a:ea typeface="Times New Roman"/>
+                <a:cs typeface="Times New Roman"/>
+                <a:sym typeface="Times New Roman"/>
+              </a:rPr>
+              <a:t> </a:t>
+            </a:r>
+            <a:r>
+              <a:rPr lang="ru-RU" sz="2000" dirty="0" err="1">
+                <a:solidFill>
+                  <a:schemeClr val="dk1"/>
+                </a:solidFill>
+                <a:latin typeface="Times New Roman"/>
+                <a:ea typeface="Times New Roman"/>
+                <a:cs typeface="Times New Roman"/>
+                <a:sym typeface="Times New Roman"/>
+              </a:rPr>
+              <a:t>behaviors</a:t>
+            </a:r>
+            <a:r>
+              <a:rPr lang="ru-RU" sz="2000" dirty="0">
+                <a:solidFill>
+                  <a:schemeClr val="dk1"/>
+                </a:solidFill>
+                <a:latin typeface="Times New Roman"/>
+                <a:ea typeface="Times New Roman"/>
+                <a:cs typeface="Times New Roman"/>
+                <a:sym typeface="Times New Roman"/>
+              </a:rPr>
+              <a:t> помогают автономным персонажам реалистично двигаться благодаря применению простых сил, сочетание которых создаёт естественно выглядящее и импровизированное движение по окружению.</a:t>
+            </a:r>
+          </a:p>
+        </p:txBody>
+      </p:sp>
+    </p:spTree>
+    <p:extLst>
+      <p:ext uri="{BB962C8B-B14F-4D97-AF65-F5344CB8AC3E}">
+        <p14:creationId xmlns:p14="http://schemas.microsoft.com/office/powerpoint/2010/main" val="894856756"/>
+      </p:ext>
+    </p:extLst>
+  </p:cSld>
+  <p:clrMapOvr>
+    <a:masterClrMapping/>
+  </p:clrMapOvr>
+</p:sld>
+</file>
+
+<file path=ppt/slides/slide17.xml><?xml version="1.0" encoding="utf-8"?>
+<p:sld xmlns:a="http://schemas.openxmlformats.org/drawingml/2006/main" xmlns:r="http://schemas.openxmlformats.org/officeDocument/2006/relationships" xmlns:p="http://schemas.openxmlformats.org/presentationml/2006/main">
+  <p:cSld>
+    <p:spTree>
+      <p:nvGrpSpPr>
+        <p:cNvPr id="1" name=""/>
+        <p:cNvGrpSpPr/>
+        <p:nvPr/>
+      </p:nvGrpSpPr>
+      <p:grpSpPr>
+        <a:xfrm>
+          <a:off x="0" y="0"/>
+          <a:ext cx="0" cy="0"/>
+          <a:chOff x="0" y="0"/>
+          <a:chExt cx="0" cy="0"/>
+        </a:xfrm>
+      </p:grpSpPr>
+      <p:sp>
+        <p:nvSpPr>
+          <p:cNvPr id="2" name="Заголовок 1">
+            <a:extLst>
+              <a:ext uri="{FF2B5EF4-FFF2-40B4-BE49-F238E27FC236}">
+                <a16:creationId xmlns:a16="http://schemas.microsoft.com/office/drawing/2014/main" id="{9FF0F41E-798A-4499-B5D6-1F18FA091C26}"/>
+              </a:ext>
+            </a:extLst>
+          </p:cNvPr>
+          <p:cNvSpPr>
+            <a:spLocks noGrp="1"/>
+          </p:cNvSpPr>
+          <p:nvPr>
+            <p:ph type="title"/>
+          </p:nvPr>
+        </p:nvSpPr>
+        <p:spPr/>
+        <p:txBody>
+          <a:bodyPr/>
+          <a:lstStyle/>
+          <a:p>
+            <a:r>
+              <a:rPr lang="en-US" dirty="0"/>
+              <a:t>Steering </a:t>
+            </a:r>
+            <a:r>
+              <a:rPr lang="en-US" dirty="0" err="1"/>
+              <a:t>behaviours</a:t>
+            </a:r>
+            <a:endParaRPr lang="ru-RU" dirty="0"/>
+          </a:p>
+        </p:txBody>
+      </p:sp>
+      <p:pic>
+        <p:nvPicPr>
+          <p:cNvPr id="3" name="Рисунок 2" descr="https://habrastorage.org/getpro/habr/post_images/a52/70a/1a1/a5270a1a190b739db3a8f670c47918c4.png">
+            <a:extLst>
+              <a:ext uri="{FF2B5EF4-FFF2-40B4-BE49-F238E27FC236}">
+                <a16:creationId xmlns:a16="http://schemas.microsoft.com/office/drawing/2014/main" id="{6D9E314A-27F1-42E9-8288-41C8B2E36910}"/>
+              </a:ext>
+            </a:extLst>
+          </p:cNvPr>
+          <p:cNvPicPr/>
+          <p:nvPr/>
+        </p:nvPicPr>
+        <p:blipFill>
+          <a:blip r:embed="rId2">
+            <a:extLst>
+              <a:ext uri="{28A0092B-C50C-407E-A947-70E740481C1C}">
+                <a14:useLocalDpi xmlns:a14="http://schemas.microsoft.com/office/drawing/2010/main" val="0"/>
+              </a:ext>
+            </a:extLst>
+          </a:blip>
+          <a:srcRect/>
+          <a:stretch>
+            <a:fillRect/>
+          </a:stretch>
+        </p:blipFill>
+        <p:spPr bwMode="auto">
+          <a:xfrm>
+            <a:off x="2771336" y="1249093"/>
+            <a:ext cx="3269859" cy="2179906"/>
+          </a:xfrm>
+          <a:prstGeom prst="rect">
+            <a:avLst/>
+          </a:prstGeom>
+          <a:noFill/>
+          <a:ln>
+            <a:noFill/>
+          </a:ln>
+        </p:spPr>
+      </p:pic>
+      <p:pic>
+        <p:nvPicPr>
+          <p:cNvPr id="4" name="Рисунок 3" descr="https://habrastorage.org/getpro/habr/post_images/330/78d/db5/33078ddb5d7db3e776cd56543fdbc01d.png">
+            <a:extLst>
+              <a:ext uri="{FF2B5EF4-FFF2-40B4-BE49-F238E27FC236}">
+                <a16:creationId xmlns:a16="http://schemas.microsoft.com/office/drawing/2014/main" id="{137FBD11-D4D0-4085-B9CC-C51A7DE82CEF}"/>
+              </a:ext>
+            </a:extLst>
+          </p:cNvPr>
+          <p:cNvPicPr/>
+          <p:nvPr/>
+        </p:nvPicPr>
+        <p:blipFill>
+          <a:blip r:embed="rId3">
+            <a:extLst>
+              <a:ext uri="{28A0092B-C50C-407E-A947-70E740481C1C}">
+                <a14:useLocalDpi xmlns:a14="http://schemas.microsoft.com/office/drawing/2010/main" val="0"/>
+              </a:ext>
+            </a:extLst>
+          </a:blip>
+          <a:srcRect/>
+          <a:stretch>
+            <a:fillRect/>
+          </a:stretch>
+        </p:blipFill>
+        <p:spPr bwMode="auto">
+          <a:xfrm>
+            <a:off x="5866228" y="1249094"/>
+            <a:ext cx="3269859" cy="2179906"/>
+          </a:xfrm>
+          <a:prstGeom prst="rect">
+            <a:avLst/>
+          </a:prstGeom>
+          <a:noFill/>
+          <a:ln>
+            <a:noFill/>
+          </a:ln>
+        </p:spPr>
+      </p:pic>
+      <p:sp>
+        <p:nvSpPr>
+          <p:cNvPr id="5" name="Google Shape;66;p14">
+            <a:extLst>
+              <a:ext uri="{FF2B5EF4-FFF2-40B4-BE49-F238E27FC236}">
+                <a16:creationId xmlns:a16="http://schemas.microsoft.com/office/drawing/2014/main" id="{B6EB8F7F-C446-4557-B710-D436A031A628}"/>
+              </a:ext>
+            </a:extLst>
+          </p:cNvPr>
+          <p:cNvSpPr txBox="1">
+            <a:spLocks/>
+          </p:cNvSpPr>
+          <p:nvPr/>
+        </p:nvSpPr>
+        <p:spPr>
+          <a:xfrm>
+            <a:off x="140677" y="3580013"/>
+            <a:ext cx="11633745" cy="2623839"/>
+          </a:xfrm>
+          <a:prstGeom prst="rect">
+            <a:avLst/>
+          </a:prstGeom>
+        </p:spPr>
+        <p:txBody>
+          <a:bodyPr spcFirstLastPara="1" vert="horz" wrap="square" lIns="91425" tIns="91425" rIns="91425" bIns="91425" rtlCol="0" anchor="t" anchorCtr="0">
+            <a:noAutofit/>
+          </a:bodyPr>
+          <a:lstStyle>
+            <a:lvl1pPr marL="228600" indent="-228600" algn="l" defTabSz="914400" rtl="0" eaLnBrk="1" latinLnBrk="0" hangingPunct="1">
+              <a:lnSpc>
+                <a:spcPct val="90000"/>
+              </a:lnSpc>
+              <a:spcBef>
+                <a:spcPts val="1000"/>
+              </a:spcBef>
+              <a:buFont typeface="Arial" panose="020B0604020202020204" pitchFamily="34" charset="0"/>
+              <a:buChar char="•"/>
+              <a:defRPr sz="2800" kern="1200">
+                <a:solidFill>
+                  <a:schemeClr val="tx1"/>
+                </a:solidFill>
+                <a:latin typeface="+mn-lt"/>
+                <a:ea typeface="+mn-ea"/>
+                <a:cs typeface="+mn-cs"/>
+              </a:defRPr>
+            </a:lvl1pPr>
+            <a:lvl2pPr marL="685800" indent="-228600" algn="l" defTabSz="914400" rtl="0" eaLnBrk="1" latinLnBrk="0" hangingPunct="1">
+              <a:lnSpc>
+                <a:spcPct val="90000"/>
+              </a:lnSpc>
+              <a:spcBef>
+                <a:spcPts val="500"/>
+              </a:spcBef>
+              <a:buFont typeface="Arial" panose="020B0604020202020204" pitchFamily="34" charset="0"/>
+              <a:buChar char="•"/>
+              <a:defRPr sz="2400" kern="1200">
+                <a:solidFill>
+                  <a:schemeClr val="tx1"/>
+                </a:solidFill>
+                <a:latin typeface="+mn-lt"/>
+                <a:ea typeface="+mn-ea"/>
+                <a:cs typeface="+mn-cs"/>
+              </a:defRPr>
+            </a:lvl2pPr>
+            <a:lvl3pPr marL="1143000" indent="-228600" algn="l" defTabSz="914400" rtl="0" eaLnBrk="1" latinLnBrk="0" hangingPunct="1">
+              <a:lnSpc>
+                <a:spcPct val="90000"/>
+              </a:lnSpc>
+              <a:spcBef>
+                <a:spcPts val="500"/>
+              </a:spcBef>
+              <a:buFont typeface="Arial" panose="020B0604020202020204" pitchFamily="34" charset="0"/>
+              <a:buChar char="•"/>
+              <a:defRPr sz="2000" kern="1200">
+                <a:solidFill>
+                  <a:schemeClr val="tx1"/>
+                </a:solidFill>
+                <a:latin typeface="+mn-lt"/>
+                <a:ea typeface="+mn-ea"/>
+                <a:cs typeface="+mn-cs"/>
+              </a:defRPr>
+            </a:lvl3pPr>
+            <a:lvl4pPr marL="1600200" indent="-228600" algn="l" defTabSz="914400" rtl="0" eaLnBrk="1" latinLnBrk="0" hangingPunct="1">
+              <a:lnSpc>
+                <a:spcPct val="90000"/>
+              </a:lnSpc>
+              <a:spcBef>
+                <a:spcPts val="500"/>
+              </a:spcBef>
+              <a:buFont typeface="Arial" panose="020B0604020202020204" pitchFamily="34" charset="0"/>
+              <a:buChar char="•"/>
+              <a:defRPr sz="1800" kern="1200">
+                <a:solidFill>
+                  <a:schemeClr val="tx1"/>
+                </a:solidFill>
+                <a:latin typeface="+mn-lt"/>
+                <a:ea typeface="+mn-ea"/>
+                <a:cs typeface="+mn-cs"/>
+              </a:defRPr>
+            </a:lvl4pPr>
+            <a:lvl5pPr marL="2057400" indent="-228600" algn="l" defTabSz="914400" rtl="0" eaLnBrk="1" latinLnBrk="0" hangingPunct="1">
+              <a:lnSpc>
+                <a:spcPct val="90000"/>
+              </a:lnSpc>
+              <a:spcBef>
+                <a:spcPts val="500"/>
+              </a:spcBef>
+              <a:buFont typeface="Arial" panose="020B0604020202020204" pitchFamily="34" charset="0"/>
+              <a:buChar char="•"/>
+              <a:defRPr sz="1800" kern="1200">
+                <a:solidFill>
+                  <a:schemeClr val="tx1"/>
+                </a:solidFill>
+                <a:latin typeface="+mn-lt"/>
+                <a:ea typeface="+mn-ea"/>
+                <a:cs typeface="+mn-cs"/>
+              </a:defRPr>
+            </a:lvl5pPr>
+            <a:lvl6pPr marL="2514600" indent="-228600" algn="l" defTabSz="914400" rtl="0" eaLnBrk="1" latinLnBrk="0" hangingPunct="1">
+              <a:lnSpc>
+                <a:spcPct val="90000"/>
+              </a:lnSpc>
+              <a:spcBef>
+                <a:spcPts val="500"/>
+              </a:spcBef>
+              <a:buFont typeface="Arial" panose="020B0604020202020204" pitchFamily="34" charset="0"/>
+              <a:buChar char="•"/>
+              <a:defRPr sz="1800" kern="1200">
+                <a:solidFill>
+                  <a:schemeClr val="tx1"/>
+                </a:solidFill>
+                <a:latin typeface="+mn-lt"/>
+                <a:ea typeface="+mn-ea"/>
+                <a:cs typeface="+mn-cs"/>
+              </a:defRPr>
+            </a:lvl6pPr>
+            <a:lvl7pPr marL="2971800" indent="-228600" algn="l" defTabSz="914400" rtl="0" eaLnBrk="1" latinLnBrk="0" hangingPunct="1">
+              <a:lnSpc>
+                <a:spcPct val="90000"/>
+              </a:lnSpc>
+              <a:spcBef>
+                <a:spcPts val="500"/>
+              </a:spcBef>
+              <a:buFont typeface="Arial" panose="020B0604020202020204" pitchFamily="34" charset="0"/>
+              <a:buChar char="•"/>
+              <a:defRPr sz="1800" kern="1200">
+                <a:solidFill>
+                  <a:schemeClr val="tx1"/>
+                </a:solidFill>
+                <a:latin typeface="+mn-lt"/>
+                <a:ea typeface="+mn-ea"/>
+                <a:cs typeface="+mn-cs"/>
+              </a:defRPr>
+            </a:lvl7pPr>
+            <a:lvl8pPr marL="3429000" indent="-228600" algn="l" defTabSz="914400" rtl="0" eaLnBrk="1" latinLnBrk="0" hangingPunct="1">
+              <a:lnSpc>
+                <a:spcPct val="90000"/>
+              </a:lnSpc>
+              <a:spcBef>
+                <a:spcPts val="500"/>
+              </a:spcBef>
+              <a:buFont typeface="Arial" panose="020B0604020202020204" pitchFamily="34" charset="0"/>
+              <a:buChar char="•"/>
+              <a:defRPr sz="1800" kern="1200">
+                <a:solidFill>
+                  <a:schemeClr val="tx1"/>
+                </a:solidFill>
+                <a:latin typeface="+mn-lt"/>
+                <a:ea typeface="+mn-ea"/>
+                <a:cs typeface="+mn-cs"/>
+              </a:defRPr>
+            </a:lvl8pPr>
+            <a:lvl9pPr marL="3886200" indent="-228600" algn="l" defTabSz="914400" rtl="0" eaLnBrk="1" latinLnBrk="0" hangingPunct="1">
+              <a:lnSpc>
+                <a:spcPct val="90000"/>
+              </a:lnSpc>
+              <a:spcBef>
+                <a:spcPts val="500"/>
+              </a:spcBef>
+              <a:buFont typeface="Arial" panose="020B0604020202020204" pitchFamily="34" charset="0"/>
+              <a:buChar char="•"/>
+              <a:defRPr sz="1800" kern="1200">
+                <a:solidFill>
+                  <a:schemeClr val="tx1"/>
+                </a:solidFill>
+                <a:latin typeface="+mn-lt"/>
+                <a:ea typeface="+mn-ea"/>
+                <a:cs typeface="+mn-cs"/>
+              </a:defRPr>
+            </a:lvl9pPr>
+          </a:lstStyle>
+          <a:p>
+            <a:pPr marL="0" indent="0" algn="just">
+              <a:lnSpc>
+                <a:spcPct val="163636"/>
+              </a:lnSpc>
+              <a:spcBef>
+                <a:spcPts val="0"/>
+              </a:spcBef>
+              <a:buNone/>
+            </a:pPr>
+            <a:r>
+              <a:rPr lang="en-US" sz="2000" dirty="0">
+                <a:solidFill>
+                  <a:schemeClr val="dk1"/>
+                </a:solidFill>
+                <a:latin typeface="Times New Roman"/>
+                <a:ea typeface="Times New Roman"/>
+                <a:cs typeface="Times New Roman"/>
+                <a:sym typeface="Times New Roman"/>
+              </a:rPr>
+              <a:t>steering = </a:t>
+            </a:r>
+            <a:r>
+              <a:rPr lang="en-US" sz="2000" dirty="0" err="1">
+                <a:solidFill>
+                  <a:schemeClr val="dk1"/>
+                </a:solidFill>
+                <a:latin typeface="Times New Roman"/>
+                <a:ea typeface="Times New Roman"/>
+                <a:cs typeface="Times New Roman"/>
+                <a:sym typeface="Times New Roman"/>
+              </a:rPr>
+              <a:t>desired_velocity</a:t>
+            </a:r>
+            <a:r>
+              <a:rPr lang="en-US" sz="2000" dirty="0">
+                <a:solidFill>
+                  <a:schemeClr val="dk1"/>
+                </a:solidFill>
+                <a:latin typeface="Times New Roman"/>
+                <a:ea typeface="Times New Roman"/>
+                <a:cs typeface="Times New Roman"/>
+                <a:sym typeface="Times New Roman"/>
+              </a:rPr>
+              <a:t> – velocity</a:t>
+            </a:r>
+            <a:r>
+              <a:rPr lang="ru-RU" sz="2000" dirty="0">
+                <a:solidFill>
+                  <a:schemeClr val="dk1"/>
+                </a:solidFill>
+                <a:latin typeface="Times New Roman"/>
+                <a:ea typeface="Times New Roman"/>
+                <a:cs typeface="Times New Roman"/>
+                <a:sym typeface="Times New Roman"/>
+              </a:rPr>
+              <a:t> – уравнение управляющей силы;</a:t>
+            </a:r>
+          </a:p>
+          <a:p>
+            <a:pPr marL="0" indent="0" algn="just">
+              <a:lnSpc>
+                <a:spcPct val="163636"/>
+              </a:lnSpc>
+              <a:spcBef>
+                <a:spcPts val="0"/>
+              </a:spcBef>
+              <a:buNone/>
+            </a:pPr>
+            <a:r>
+              <a:rPr lang="en-US" sz="2000" dirty="0" err="1">
+                <a:solidFill>
+                  <a:schemeClr val="dk1"/>
+                </a:solidFill>
+                <a:latin typeface="Times New Roman"/>
+                <a:ea typeface="Times New Roman"/>
+                <a:cs typeface="Times New Roman"/>
+                <a:sym typeface="Times New Roman"/>
+              </a:rPr>
+              <a:t>desired_velocity</a:t>
+            </a:r>
+            <a:r>
+              <a:rPr lang="en-US" sz="2000" dirty="0">
+                <a:solidFill>
+                  <a:schemeClr val="dk1"/>
+                </a:solidFill>
+                <a:latin typeface="Times New Roman"/>
+                <a:ea typeface="Times New Roman"/>
+                <a:cs typeface="Times New Roman"/>
+                <a:sym typeface="Times New Roman"/>
+              </a:rPr>
+              <a:t> = (target - position).normalized * </a:t>
+            </a:r>
+            <a:r>
+              <a:rPr lang="en-US" sz="2000" dirty="0" err="1">
+                <a:solidFill>
+                  <a:schemeClr val="dk1"/>
+                </a:solidFill>
+                <a:latin typeface="Times New Roman"/>
+                <a:ea typeface="Times New Roman"/>
+                <a:cs typeface="Times New Roman"/>
+                <a:sym typeface="Times New Roman"/>
+              </a:rPr>
+              <a:t>required_magnitude</a:t>
+            </a:r>
+            <a:r>
+              <a:rPr lang="ru-RU" sz="2000" dirty="0">
+                <a:solidFill>
+                  <a:schemeClr val="dk1"/>
+                </a:solidFill>
+                <a:latin typeface="Times New Roman"/>
+                <a:ea typeface="Times New Roman"/>
+                <a:cs typeface="Times New Roman"/>
+                <a:sym typeface="Times New Roman"/>
+              </a:rPr>
+              <a:t> – уравнение требуемой скорости;</a:t>
+            </a:r>
+          </a:p>
+          <a:p>
+            <a:pPr marL="0" indent="0" algn="just">
+              <a:lnSpc>
+                <a:spcPct val="163636"/>
+              </a:lnSpc>
+              <a:spcBef>
+                <a:spcPts val="0"/>
+              </a:spcBef>
+              <a:buNone/>
+            </a:pPr>
+            <a:r>
+              <a:rPr lang="en-US" sz="2000" dirty="0">
+                <a:solidFill>
+                  <a:schemeClr val="dk1"/>
+                </a:solidFill>
+                <a:latin typeface="Times New Roman"/>
+                <a:ea typeface="Times New Roman"/>
+                <a:cs typeface="Times New Roman"/>
+                <a:sym typeface="Times New Roman"/>
+              </a:rPr>
+              <a:t>velocity = truncate(velocity + steering * </a:t>
+            </a:r>
+            <a:r>
+              <a:rPr lang="en-US" sz="2000" dirty="0" err="1">
+                <a:solidFill>
+                  <a:schemeClr val="dk1"/>
+                </a:solidFill>
+                <a:latin typeface="Times New Roman"/>
+                <a:ea typeface="Times New Roman"/>
+                <a:cs typeface="Times New Roman"/>
+                <a:sym typeface="Times New Roman"/>
+              </a:rPr>
+              <a:t>delta_time</a:t>
+            </a:r>
+            <a:r>
+              <a:rPr lang="en-US" sz="2000" dirty="0">
+                <a:solidFill>
+                  <a:schemeClr val="dk1"/>
+                </a:solidFill>
+                <a:latin typeface="Times New Roman"/>
+                <a:ea typeface="Times New Roman"/>
+                <a:cs typeface="Times New Roman"/>
+                <a:sym typeface="Times New Roman"/>
+              </a:rPr>
+              <a:t>, </a:t>
+            </a:r>
+            <a:r>
+              <a:rPr lang="en-US" sz="2000" dirty="0" err="1">
+                <a:solidFill>
+                  <a:schemeClr val="dk1"/>
+                </a:solidFill>
+                <a:latin typeface="Times New Roman"/>
+                <a:ea typeface="Times New Roman"/>
+                <a:cs typeface="Times New Roman"/>
+                <a:sym typeface="Times New Roman"/>
+              </a:rPr>
+              <a:t>max_speed</a:t>
+            </a:r>
+            <a:r>
+              <a:rPr lang="en-US" sz="2000" dirty="0">
+                <a:solidFill>
+                  <a:schemeClr val="dk1"/>
+                </a:solidFill>
+                <a:latin typeface="Times New Roman"/>
+                <a:ea typeface="Times New Roman"/>
+                <a:cs typeface="Times New Roman"/>
+                <a:sym typeface="Times New Roman"/>
+              </a:rPr>
+              <a:t>)</a:t>
+            </a:r>
+            <a:r>
+              <a:rPr lang="ru-RU" sz="2000" dirty="0">
+                <a:solidFill>
+                  <a:schemeClr val="dk1"/>
+                </a:solidFill>
+                <a:latin typeface="Times New Roman"/>
+                <a:ea typeface="Times New Roman"/>
+                <a:cs typeface="Times New Roman"/>
+                <a:sym typeface="Times New Roman"/>
+              </a:rPr>
+              <a:t> – уравнение текущей скорости;</a:t>
+            </a:r>
+          </a:p>
+          <a:p>
+            <a:pPr marL="0" indent="0" algn="just">
+              <a:lnSpc>
+                <a:spcPct val="163636"/>
+              </a:lnSpc>
+              <a:spcBef>
+                <a:spcPts val="0"/>
+              </a:spcBef>
+              <a:buNone/>
+            </a:pPr>
+            <a:r>
+              <a:rPr lang="en-US" sz="2000" dirty="0">
+                <a:solidFill>
+                  <a:schemeClr val="dk1"/>
+                </a:solidFill>
+                <a:latin typeface="Times New Roman"/>
+                <a:ea typeface="Times New Roman"/>
+                <a:cs typeface="Times New Roman"/>
+                <a:sym typeface="Times New Roman"/>
+              </a:rPr>
+              <a:t>position = position + velocity * </a:t>
+            </a:r>
+            <a:r>
+              <a:rPr lang="en-US" sz="2000" dirty="0" err="1">
+                <a:solidFill>
+                  <a:schemeClr val="dk1"/>
+                </a:solidFill>
+                <a:latin typeface="Times New Roman"/>
+                <a:ea typeface="Times New Roman"/>
+                <a:cs typeface="Times New Roman"/>
+                <a:sym typeface="Times New Roman"/>
+              </a:rPr>
+              <a:t>delta_time</a:t>
+            </a:r>
+            <a:r>
+              <a:rPr lang="ru-RU" sz="2000" dirty="0">
+                <a:solidFill>
+                  <a:schemeClr val="dk1"/>
+                </a:solidFill>
+                <a:latin typeface="Times New Roman"/>
+                <a:ea typeface="Times New Roman"/>
+                <a:cs typeface="Times New Roman"/>
+                <a:sym typeface="Times New Roman"/>
+              </a:rPr>
+              <a:t> – уравнение текущей позиции.</a:t>
+            </a:r>
+          </a:p>
+        </p:txBody>
+      </p:sp>
+    </p:spTree>
+    <p:extLst>
+      <p:ext uri="{BB962C8B-B14F-4D97-AF65-F5344CB8AC3E}">
+        <p14:creationId xmlns:p14="http://schemas.microsoft.com/office/powerpoint/2010/main" val="3243280227"/>
+      </p:ext>
+    </p:extLst>
+  </p:cSld>
+  <p:clrMapOvr>
+    <a:masterClrMapping/>
+  </p:clrMapOvr>
+</p:sld>
+</file>
+
+<file path=ppt/slides/slide18.xml><?xml version="1.0" encoding="utf-8"?>
+<p:sld xmlns:a="http://schemas.openxmlformats.org/drawingml/2006/main" xmlns:r="http://schemas.openxmlformats.org/officeDocument/2006/relationships" xmlns:p="http://schemas.openxmlformats.org/presentationml/2006/main">
+  <p:cSld>
+    <p:spTree>
+      <p:nvGrpSpPr>
+        <p:cNvPr id="1" name=""/>
+        <p:cNvGrpSpPr/>
+        <p:nvPr/>
+      </p:nvGrpSpPr>
+      <p:grpSpPr>
+        <a:xfrm>
+          <a:off x="0" y="0"/>
+          <a:ext cx="0" cy="0"/>
+          <a:chOff x="0" y="0"/>
+          <a:chExt cx="0" cy="0"/>
+        </a:xfrm>
+      </p:grpSpPr>
+      <p:sp>
+        <p:nvSpPr>
+          <p:cNvPr id="2" name="Заголовок 1">
+            <a:extLst>
+              <a:ext uri="{FF2B5EF4-FFF2-40B4-BE49-F238E27FC236}">
+                <a16:creationId xmlns:a16="http://schemas.microsoft.com/office/drawing/2014/main" id="{23DA37C9-11E4-4BDC-92BB-2F8512751CB1}"/>
+              </a:ext>
+            </a:extLst>
+          </p:cNvPr>
+          <p:cNvSpPr>
+            <a:spLocks noGrp="1"/>
+          </p:cNvSpPr>
+          <p:nvPr>
+            <p:ph type="title"/>
+          </p:nvPr>
+        </p:nvSpPr>
+        <p:spPr/>
+        <p:txBody>
+          <a:bodyPr/>
+          <a:lstStyle/>
+          <a:p>
+            <a:r>
+              <a:rPr lang="en-US" dirty="0"/>
+              <a:t>Seek</a:t>
+            </a:r>
+            <a:endParaRPr lang="ru-RU" dirty="0"/>
+          </a:p>
+        </p:txBody>
+      </p:sp>
+      <p:pic>
+        <p:nvPicPr>
+          <p:cNvPr id="3" name="Рисунок 2" descr="https://habrastorage.org/getpro/habr/post_images/2a6/865/7df/2a68657dfb6280a8eebc2a80e874ee2f.png">
+            <a:extLst>
+              <a:ext uri="{FF2B5EF4-FFF2-40B4-BE49-F238E27FC236}">
+                <a16:creationId xmlns:a16="http://schemas.microsoft.com/office/drawing/2014/main" id="{BF5BE9F7-7043-4D83-AC84-A3F8FC29FFF5}"/>
+              </a:ext>
+            </a:extLst>
+          </p:cNvPr>
+          <p:cNvPicPr/>
+          <p:nvPr/>
+        </p:nvPicPr>
+        <p:blipFill>
+          <a:blip r:embed="rId2">
+            <a:extLst>
+              <a:ext uri="{28A0092B-C50C-407E-A947-70E740481C1C}">
+                <a14:useLocalDpi xmlns:a14="http://schemas.microsoft.com/office/drawing/2010/main" val="0"/>
+              </a:ext>
+            </a:extLst>
+          </a:blip>
+          <a:srcRect/>
+          <a:stretch>
+            <a:fillRect/>
+          </a:stretch>
+        </p:blipFill>
+        <p:spPr bwMode="auto">
+          <a:xfrm>
+            <a:off x="3463729" y="1674153"/>
+            <a:ext cx="5264541" cy="3509694"/>
+          </a:xfrm>
+          <a:prstGeom prst="rect">
+            <a:avLst/>
+          </a:prstGeom>
+          <a:noFill/>
+          <a:ln>
+            <a:noFill/>
+          </a:ln>
+        </p:spPr>
+      </p:pic>
+    </p:spTree>
+    <p:extLst>
+      <p:ext uri="{BB962C8B-B14F-4D97-AF65-F5344CB8AC3E}">
+        <p14:creationId xmlns:p14="http://schemas.microsoft.com/office/powerpoint/2010/main" val="4213094492"/>
+      </p:ext>
+    </p:extLst>
+  </p:cSld>
+  <p:clrMapOvr>
+    <a:masterClrMapping/>
+  </p:clrMapOvr>
+</p:sld>
+</file>
+
+<file path=ppt/slides/slide19.xml><?xml version="1.0" encoding="utf-8"?>
+<p:sld xmlns:a="http://schemas.openxmlformats.org/drawingml/2006/main" xmlns:r="http://schemas.openxmlformats.org/officeDocument/2006/relationships" xmlns:p="http://schemas.openxmlformats.org/presentationml/2006/main">
+  <p:cSld>
+    <p:spTree>
+      <p:nvGrpSpPr>
+        <p:cNvPr id="1" name=""/>
+        <p:cNvGrpSpPr/>
+        <p:nvPr/>
+      </p:nvGrpSpPr>
+      <p:grpSpPr>
+        <a:xfrm>
+          <a:off x="0" y="0"/>
+          <a:ext cx="0" cy="0"/>
+          <a:chOff x="0" y="0"/>
+          <a:chExt cx="0" cy="0"/>
+        </a:xfrm>
+      </p:grpSpPr>
+      <p:sp>
+        <p:nvSpPr>
+          <p:cNvPr id="2" name="Заголовок 1">
+            <a:extLst>
+              <a:ext uri="{FF2B5EF4-FFF2-40B4-BE49-F238E27FC236}">
+                <a16:creationId xmlns:a16="http://schemas.microsoft.com/office/drawing/2014/main" id="{55DF8FF8-77D9-4836-A132-403CB0824E33}"/>
+              </a:ext>
+            </a:extLst>
+          </p:cNvPr>
+          <p:cNvSpPr>
+            <a:spLocks noGrp="1"/>
+          </p:cNvSpPr>
+          <p:nvPr>
+            <p:ph type="title"/>
+          </p:nvPr>
+        </p:nvSpPr>
+        <p:spPr/>
+        <p:txBody>
+          <a:bodyPr/>
+          <a:lstStyle/>
+          <a:p>
+            <a:r>
+              <a:rPr lang="en-US" dirty="0"/>
+              <a:t>Flee</a:t>
+            </a:r>
+            <a:endParaRPr lang="ru-RU" dirty="0"/>
+          </a:p>
+        </p:txBody>
+      </p:sp>
+      <p:pic>
+        <p:nvPicPr>
+          <p:cNvPr id="3" name="Рисунок 2" descr="https://habrastorage.org/getpro/habr/post_images/815/17f/3db/81517f3dbf04cc6c632e9cc59e41512b.png">
+            <a:extLst>
+              <a:ext uri="{FF2B5EF4-FFF2-40B4-BE49-F238E27FC236}">
+                <a16:creationId xmlns:a16="http://schemas.microsoft.com/office/drawing/2014/main" id="{16B5A200-2469-48B6-A643-364C72668E57}"/>
+              </a:ext>
+            </a:extLst>
+          </p:cNvPr>
+          <p:cNvPicPr/>
+          <p:nvPr/>
+        </p:nvPicPr>
+        <p:blipFill>
+          <a:blip r:embed="rId2">
+            <a:extLst>
+              <a:ext uri="{28A0092B-C50C-407E-A947-70E740481C1C}">
+                <a14:useLocalDpi xmlns:a14="http://schemas.microsoft.com/office/drawing/2010/main" val="0"/>
+              </a:ext>
+            </a:extLst>
+          </a:blip>
+          <a:srcRect/>
+          <a:stretch>
+            <a:fillRect/>
+          </a:stretch>
+        </p:blipFill>
+        <p:spPr bwMode="auto">
+          <a:xfrm>
+            <a:off x="3014398" y="1888199"/>
+            <a:ext cx="6163204" cy="3081602"/>
+          </a:xfrm>
+          <a:prstGeom prst="rect">
+            <a:avLst/>
+          </a:prstGeom>
+          <a:noFill/>
+          <a:ln>
+            <a:noFill/>
+          </a:ln>
+        </p:spPr>
+      </p:pic>
+    </p:spTree>
+    <p:extLst>
+      <p:ext uri="{BB962C8B-B14F-4D97-AF65-F5344CB8AC3E}">
+        <p14:creationId xmlns:p14="http://schemas.microsoft.com/office/powerpoint/2010/main" val="1667567710"/>
+      </p:ext>
+    </p:extLst>
+  </p:cSld>
+  <p:clrMapOvr>
+    <a:masterClrMapping/>
+  </p:clrMapOvr>
+</p:sld>
+</file>
+
 <file path=ppt/slides/slide2.xml><?xml version="1.0" encoding="utf-8"?>
 <p:sld xmlns:a="http://schemas.openxmlformats.org/drawingml/2006/main" xmlns:r="http://schemas.openxmlformats.org/officeDocument/2006/relationships" xmlns:p="http://schemas.openxmlformats.org/presentationml/2006/main">
   <p:cSld>
@@ -4200,6 +7215,4453 @@
     <p:extLst>
       <p:ext uri="{BB962C8B-B14F-4D97-AF65-F5344CB8AC3E}">
         <p14:creationId xmlns:p14="http://schemas.microsoft.com/office/powerpoint/2010/main" val="283513931"/>
+      </p:ext>
+    </p:extLst>
+  </p:cSld>
+  <p:clrMapOvr>
+    <a:masterClrMapping/>
+  </p:clrMapOvr>
+</p:sld>
+</file>
+
+<file path=ppt/slides/slide20.xml><?xml version="1.0" encoding="utf-8"?>
+<p:sld xmlns:a="http://schemas.openxmlformats.org/drawingml/2006/main" xmlns:r="http://schemas.openxmlformats.org/officeDocument/2006/relationships" xmlns:p="http://schemas.openxmlformats.org/presentationml/2006/main">
+  <p:cSld>
+    <p:spTree>
+      <p:nvGrpSpPr>
+        <p:cNvPr id="1" name=""/>
+        <p:cNvGrpSpPr/>
+        <p:nvPr/>
+      </p:nvGrpSpPr>
+      <p:grpSpPr>
+        <a:xfrm>
+          <a:off x="0" y="0"/>
+          <a:ext cx="0" cy="0"/>
+          <a:chOff x="0" y="0"/>
+          <a:chExt cx="0" cy="0"/>
+        </a:xfrm>
+      </p:grpSpPr>
+      <p:sp>
+        <p:nvSpPr>
+          <p:cNvPr id="2" name="Заголовок 1">
+            <a:extLst>
+              <a:ext uri="{FF2B5EF4-FFF2-40B4-BE49-F238E27FC236}">
+                <a16:creationId xmlns:a16="http://schemas.microsoft.com/office/drawing/2014/main" id="{0C35CF4C-399C-4F64-84FF-419650EAD193}"/>
+              </a:ext>
+            </a:extLst>
+          </p:cNvPr>
+          <p:cNvSpPr>
+            <a:spLocks noGrp="1"/>
+          </p:cNvSpPr>
+          <p:nvPr>
+            <p:ph type="title"/>
+          </p:nvPr>
+        </p:nvSpPr>
+        <p:spPr/>
+        <p:txBody>
+          <a:bodyPr/>
+          <a:lstStyle/>
+          <a:p>
+            <a:r>
+              <a:rPr lang="en-US" dirty="0"/>
+              <a:t>Arrival</a:t>
+            </a:r>
+            <a:endParaRPr lang="ru-RU" dirty="0"/>
+          </a:p>
+        </p:txBody>
+      </p:sp>
+      <p:pic>
+        <p:nvPicPr>
+          <p:cNvPr id="3" name="Рисунок 2" descr="https://habrastorage.org/getpro/habr/post_images/08f/d48/702/08fd4870236801b12ad76c5ceca2957f.png">
+            <a:extLst>
+              <a:ext uri="{FF2B5EF4-FFF2-40B4-BE49-F238E27FC236}">
+                <a16:creationId xmlns:a16="http://schemas.microsoft.com/office/drawing/2014/main" id="{3672B9FB-E1D2-47C2-BF9F-7FEE9805558A}"/>
+              </a:ext>
+            </a:extLst>
+          </p:cNvPr>
+          <p:cNvPicPr/>
+          <p:nvPr/>
+        </p:nvPicPr>
+        <p:blipFill>
+          <a:blip r:embed="rId2">
+            <a:extLst>
+              <a:ext uri="{28A0092B-C50C-407E-A947-70E740481C1C}">
+                <a14:useLocalDpi xmlns:a14="http://schemas.microsoft.com/office/drawing/2010/main" val="0"/>
+              </a:ext>
+            </a:extLst>
+          </a:blip>
+          <a:srcRect/>
+          <a:stretch>
+            <a:fillRect/>
+          </a:stretch>
+        </p:blipFill>
+        <p:spPr bwMode="auto">
+          <a:xfrm>
+            <a:off x="3706251" y="1259058"/>
+            <a:ext cx="4779498" cy="3584624"/>
+          </a:xfrm>
+          <a:prstGeom prst="rect">
+            <a:avLst/>
+          </a:prstGeom>
+          <a:noFill/>
+          <a:ln>
+            <a:noFill/>
+          </a:ln>
+        </p:spPr>
+      </p:pic>
+      <p:sp>
+        <p:nvSpPr>
+          <p:cNvPr id="4" name="Google Shape;66;p14">
+            <a:extLst>
+              <a:ext uri="{FF2B5EF4-FFF2-40B4-BE49-F238E27FC236}">
+                <a16:creationId xmlns:a16="http://schemas.microsoft.com/office/drawing/2014/main" id="{F2D2757E-CFAC-4B54-BD0E-94CC3B1C73CA}"/>
+              </a:ext>
+            </a:extLst>
+          </p:cNvPr>
+          <p:cNvSpPr txBox="1">
+            <a:spLocks/>
+          </p:cNvSpPr>
+          <p:nvPr/>
+        </p:nvSpPr>
+        <p:spPr>
+          <a:xfrm>
+            <a:off x="279127" y="4843682"/>
+            <a:ext cx="11633745" cy="1360170"/>
+          </a:xfrm>
+          <a:prstGeom prst="rect">
+            <a:avLst/>
+          </a:prstGeom>
+        </p:spPr>
+        <p:txBody>
+          <a:bodyPr spcFirstLastPara="1" vert="horz" wrap="square" lIns="91425" tIns="91425" rIns="91425" bIns="91425" rtlCol="0" anchor="t" anchorCtr="0">
+            <a:noAutofit/>
+          </a:bodyPr>
+          <a:lstStyle>
+            <a:lvl1pPr marL="228600" indent="-228600" algn="l" defTabSz="914400" rtl="0" eaLnBrk="1" latinLnBrk="0" hangingPunct="1">
+              <a:lnSpc>
+                <a:spcPct val="90000"/>
+              </a:lnSpc>
+              <a:spcBef>
+                <a:spcPts val="1000"/>
+              </a:spcBef>
+              <a:buFont typeface="Arial" panose="020B0604020202020204" pitchFamily="34" charset="0"/>
+              <a:buChar char="•"/>
+              <a:defRPr sz="2800" kern="1200">
+                <a:solidFill>
+                  <a:schemeClr val="tx1"/>
+                </a:solidFill>
+                <a:latin typeface="+mn-lt"/>
+                <a:ea typeface="+mn-ea"/>
+                <a:cs typeface="+mn-cs"/>
+              </a:defRPr>
+            </a:lvl1pPr>
+            <a:lvl2pPr marL="685800" indent="-228600" algn="l" defTabSz="914400" rtl="0" eaLnBrk="1" latinLnBrk="0" hangingPunct="1">
+              <a:lnSpc>
+                <a:spcPct val="90000"/>
+              </a:lnSpc>
+              <a:spcBef>
+                <a:spcPts val="500"/>
+              </a:spcBef>
+              <a:buFont typeface="Arial" panose="020B0604020202020204" pitchFamily="34" charset="0"/>
+              <a:buChar char="•"/>
+              <a:defRPr sz="2400" kern="1200">
+                <a:solidFill>
+                  <a:schemeClr val="tx1"/>
+                </a:solidFill>
+                <a:latin typeface="+mn-lt"/>
+                <a:ea typeface="+mn-ea"/>
+                <a:cs typeface="+mn-cs"/>
+              </a:defRPr>
+            </a:lvl2pPr>
+            <a:lvl3pPr marL="1143000" indent="-228600" algn="l" defTabSz="914400" rtl="0" eaLnBrk="1" latinLnBrk="0" hangingPunct="1">
+              <a:lnSpc>
+                <a:spcPct val="90000"/>
+              </a:lnSpc>
+              <a:spcBef>
+                <a:spcPts val="500"/>
+              </a:spcBef>
+              <a:buFont typeface="Arial" panose="020B0604020202020204" pitchFamily="34" charset="0"/>
+              <a:buChar char="•"/>
+              <a:defRPr sz="2000" kern="1200">
+                <a:solidFill>
+                  <a:schemeClr val="tx1"/>
+                </a:solidFill>
+                <a:latin typeface="+mn-lt"/>
+                <a:ea typeface="+mn-ea"/>
+                <a:cs typeface="+mn-cs"/>
+              </a:defRPr>
+            </a:lvl3pPr>
+            <a:lvl4pPr marL="1600200" indent="-228600" algn="l" defTabSz="914400" rtl="0" eaLnBrk="1" latinLnBrk="0" hangingPunct="1">
+              <a:lnSpc>
+                <a:spcPct val="90000"/>
+              </a:lnSpc>
+              <a:spcBef>
+                <a:spcPts val="500"/>
+              </a:spcBef>
+              <a:buFont typeface="Arial" panose="020B0604020202020204" pitchFamily="34" charset="0"/>
+              <a:buChar char="•"/>
+              <a:defRPr sz="1800" kern="1200">
+                <a:solidFill>
+                  <a:schemeClr val="tx1"/>
+                </a:solidFill>
+                <a:latin typeface="+mn-lt"/>
+                <a:ea typeface="+mn-ea"/>
+                <a:cs typeface="+mn-cs"/>
+              </a:defRPr>
+            </a:lvl4pPr>
+            <a:lvl5pPr marL="2057400" indent="-228600" algn="l" defTabSz="914400" rtl="0" eaLnBrk="1" latinLnBrk="0" hangingPunct="1">
+              <a:lnSpc>
+                <a:spcPct val="90000"/>
+              </a:lnSpc>
+              <a:spcBef>
+                <a:spcPts val="500"/>
+              </a:spcBef>
+              <a:buFont typeface="Arial" panose="020B0604020202020204" pitchFamily="34" charset="0"/>
+              <a:buChar char="•"/>
+              <a:defRPr sz="1800" kern="1200">
+                <a:solidFill>
+                  <a:schemeClr val="tx1"/>
+                </a:solidFill>
+                <a:latin typeface="+mn-lt"/>
+                <a:ea typeface="+mn-ea"/>
+                <a:cs typeface="+mn-cs"/>
+              </a:defRPr>
+            </a:lvl5pPr>
+            <a:lvl6pPr marL="2514600" indent="-228600" algn="l" defTabSz="914400" rtl="0" eaLnBrk="1" latinLnBrk="0" hangingPunct="1">
+              <a:lnSpc>
+                <a:spcPct val="90000"/>
+              </a:lnSpc>
+              <a:spcBef>
+                <a:spcPts val="500"/>
+              </a:spcBef>
+              <a:buFont typeface="Arial" panose="020B0604020202020204" pitchFamily="34" charset="0"/>
+              <a:buChar char="•"/>
+              <a:defRPr sz="1800" kern="1200">
+                <a:solidFill>
+                  <a:schemeClr val="tx1"/>
+                </a:solidFill>
+                <a:latin typeface="+mn-lt"/>
+                <a:ea typeface="+mn-ea"/>
+                <a:cs typeface="+mn-cs"/>
+              </a:defRPr>
+            </a:lvl6pPr>
+            <a:lvl7pPr marL="2971800" indent="-228600" algn="l" defTabSz="914400" rtl="0" eaLnBrk="1" latinLnBrk="0" hangingPunct="1">
+              <a:lnSpc>
+                <a:spcPct val="90000"/>
+              </a:lnSpc>
+              <a:spcBef>
+                <a:spcPts val="500"/>
+              </a:spcBef>
+              <a:buFont typeface="Arial" panose="020B0604020202020204" pitchFamily="34" charset="0"/>
+              <a:buChar char="•"/>
+              <a:defRPr sz="1800" kern="1200">
+                <a:solidFill>
+                  <a:schemeClr val="tx1"/>
+                </a:solidFill>
+                <a:latin typeface="+mn-lt"/>
+                <a:ea typeface="+mn-ea"/>
+                <a:cs typeface="+mn-cs"/>
+              </a:defRPr>
+            </a:lvl7pPr>
+            <a:lvl8pPr marL="3429000" indent="-228600" algn="l" defTabSz="914400" rtl="0" eaLnBrk="1" latinLnBrk="0" hangingPunct="1">
+              <a:lnSpc>
+                <a:spcPct val="90000"/>
+              </a:lnSpc>
+              <a:spcBef>
+                <a:spcPts val="500"/>
+              </a:spcBef>
+              <a:buFont typeface="Arial" panose="020B0604020202020204" pitchFamily="34" charset="0"/>
+              <a:buChar char="•"/>
+              <a:defRPr sz="1800" kern="1200">
+                <a:solidFill>
+                  <a:schemeClr val="tx1"/>
+                </a:solidFill>
+                <a:latin typeface="+mn-lt"/>
+                <a:ea typeface="+mn-ea"/>
+                <a:cs typeface="+mn-cs"/>
+              </a:defRPr>
+            </a:lvl8pPr>
+            <a:lvl9pPr marL="3886200" indent="-228600" algn="l" defTabSz="914400" rtl="0" eaLnBrk="1" latinLnBrk="0" hangingPunct="1">
+              <a:lnSpc>
+                <a:spcPct val="90000"/>
+              </a:lnSpc>
+              <a:spcBef>
+                <a:spcPts val="500"/>
+              </a:spcBef>
+              <a:buFont typeface="Arial" panose="020B0604020202020204" pitchFamily="34" charset="0"/>
+              <a:buChar char="•"/>
+              <a:defRPr sz="1800" kern="1200">
+                <a:solidFill>
+                  <a:schemeClr val="tx1"/>
+                </a:solidFill>
+                <a:latin typeface="+mn-lt"/>
+                <a:ea typeface="+mn-ea"/>
+                <a:cs typeface="+mn-cs"/>
+              </a:defRPr>
+            </a:lvl9pPr>
+          </a:lstStyle>
+          <a:p>
+            <a:pPr marL="0" indent="0" algn="just">
+              <a:lnSpc>
+                <a:spcPct val="163636"/>
+              </a:lnSpc>
+              <a:spcBef>
+                <a:spcPts val="0"/>
+              </a:spcBef>
+              <a:buNone/>
+            </a:pPr>
+            <a:r>
+              <a:rPr lang="en-US" sz="2000" dirty="0" err="1">
+                <a:solidFill>
+                  <a:schemeClr val="dk1"/>
+                </a:solidFill>
+                <a:latin typeface="Times New Roman"/>
+                <a:ea typeface="Times New Roman"/>
+                <a:cs typeface="Times New Roman"/>
+                <a:sym typeface="Times New Roman"/>
+              </a:rPr>
+              <a:t>desired_velocity</a:t>
+            </a:r>
+            <a:r>
+              <a:rPr lang="en-US" sz="2000" dirty="0">
+                <a:solidFill>
+                  <a:schemeClr val="dk1"/>
+                </a:solidFill>
+                <a:latin typeface="Times New Roman"/>
+                <a:ea typeface="Times New Roman"/>
+                <a:cs typeface="Times New Roman"/>
+                <a:sym typeface="Times New Roman"/>
+              </a:rPr>
+              <a:t> = (target – position).normalized * </a:t>
+            </a:r>
+            <a:r>
+              <a:rPr lang="en-US" sz="2000" dirty="0" err="1">
+                <a:solidFill>
+                  <a:schemeClr val="dk1"/>
+                </a:solidFill>
+                <a:latin typeface="Times New Roman"/>
+                <a:ea typeface="Times New Roman"/>
+                <a:cs typeface="Times New Roman"/>
+                <a:sym typeface="Times New Roman"/>
+              </a:rPr>
+              <a:t>required_magnitude</a:t>
+            </a:r>
+            <a:r>
+              <a:rPr lang="en-US" sz="2000" dirty="0">
+                <a:solidFill>
+                  <a:schemeClr val="dk1"/>
+                </a:solidFill>
+                <a:latin typeface="Times New Roman"/>
+                <a:ea typeface="Times New Roman"/>
+                <a:cs typeface="Times New Roman"/>
+                <a:sym typeface="Times New Roman"/>
+              </a:rPr>
+              <a:t> * (distance / </a:t>
+            </a:r>
+            <a:r>
+              <a:rPr lang="en-US" sz="2000" dirty="0" err="1">
+                <a:solidFill>
+                  <a:schemeClr val="dk1"/>
+                </a:solidFill>
+                <a:latin typeface="Times New Roman"/>
+                <a:ea typeface="Times New Roman"/>
+                <a:cs typeface="Times New Roman"/>
+                <a:sym typeface="Times New Roman"/>
+              </a:rPr>
+              <a:t>slowing_radius</a:t>
+            </a:r>
+            <a:r>
+              <a:rPr lang="en-US" sz="2000" dirty="0">
+                <a:solidFill>
+                  <a:schemeClr val="dk1"/>
+                </a:solidFill>
+                <a:latin typeface="Times New Roman"/>
+                <a:ea typeface="Times New Roman"/>
+                <a:cs typeface="Times New Roman"/>
+                <a:sym typeface="Times New Roman"/>
+              </a:rPr>
+              <a:t>).</a:t>
+            </a:r>
+            <a:endParaRPr lang="ru-RU" sz="2000" dirty="0">
+              <a:solidFill>
+                <a:schemeClr val="dk1"/>
+              </a:solidFill>
+              <a:latin typeface="Times New Roman"/>
+              <a:ea typeface="Times New Roman"/>
+              <a:cs typeface="Times New Roman"/>
+              <a:sym typeface="Times New Roman"/>
+            </a:endParaRPr>
+          </a:p>
+        </p:txBody>
+      </p:sp>
+    </p:spTree>
+    <p:extLst>
+      <p:ext uri="{BB962C8B-B14F-4D97-AF65-F5344CB8AC3E}">
+        <p14:creationId xmlns:p14="http://schemas.microsoft.com/office/powerpoint/2010/main" val="583062550"/>
+      </p:ext>
+    </p:extLst>
+  </p:cSld>
+  <p:clrMapOvr>
+    <a:masterClrMapping/>
+  </p:clrMapOvr>
+</p:sld>
+</file>
+
+<file path=ppt/slides/slide21.xml><?xml version="1.0" encoding="utf-8"?>
+<p:sld xmlns:a="http://schemas.openxmlformats.org/drawingml/2006/main" xmlns:r="http://schemas.openxmlformats.org/officeDocument/2006/relationships" xmlns:p="http://schemas.openxmlformats.org/presentationml/2006/main">
+  <p:cSld>
+    <p:spTree>
+      <p:nvGrpSpPr>
+        <p:cNvPr id="1" name=""/>
+        <p:cNvGrpSpPr/>
+        <p:nvPr/>
+      </p:nvGrpSpPr>
+      <p:grpSpPr>
+        <a:xfrm>
+          <a:off x="0" y="0"/>
+          <a:ext cx="0" cy="0"/>
+          <a:chOff x="0" y="0"/>
+          <a:chExt cx="0" cy="0"/>
+        </a:xfrm>
+      </p:grpSpPr>
+      <p:sp>
+        <p:nvSpPr>
+          <p:cNvPr id="2" name="Заголовок 1">
+            <a:extLst>
+              <a:ext uri="{FF2B5EF4-FFF2-40B4-BE49-F238E27FC236}">
+                <a16:creationId xmlns:a16="http://schemas.microsoft.com/office/drawing/2014/main" id="{DD2F5747-01B2-400A-8521-8C23D97D4BE5}"/>
+              </a:ext>
+            </a:extLst>
+          </p:cNvPr>
+          <p:cNvSpPr>
+            <a:spLocks noGrp="1"/>
+          </p:cNvSpPr>
+          <p:nvPr>
+            <p:ph type="title"/>
+          </p:nvPr>
+        </p:nvSpPr>
+        <p:spPr/>
+        <p:txBody>
+          <a:bodyPr/>
+          <a:lstStyle/>
+          <a:p>
+            <a:r>
+              <a:rPr lang="en-US" dirty="0"/>
+              <a:t>Pursuit</a:t>
+            </a:r>
+            <a:endParaRPr lang="ru-RU" dirty="0"/>
+          </a:p>
+        </p:txBody>
+      </p:sp>
+      <p:pic>
+        <p:nvPicPr>
+          <p:cNvPr id="3" name="Рисунок 2" descr="https://habrastorage.org/getpro/habr/post_images/d8c/568/9f9/d8c5689f994bda486ab7663427bed7ed.png">
+            <a:extLst>
+              <a:ext uri="{FF2B5EF4-FFF2-40B4-BE49-F238E27FC236}">
+                <a16:creationId xmlns:a16="http://schemas.microsoft.com/office/drawing/2014/main" id="{C7617AD0-D5E0-427D-B8C9-7F67A41C7CAA}"/>
+              </a:ext>
+            </a:extLst>
+          </p:cNvPr>
+          <p:cNvPicPr/>
+          <p:nvPr/>
+        </p:nvPicPr>
+        <p:blipFill>
+          <a:blip r:embed="rId2">
+            <a:extLst>
+              <a:ext uri="{28A0092B-C50C-407E-A947-70E740481C1C}">
+                <a14:useLocalDpi xmlns:a14="http://schemas.microsoft.com/office/drawing/2010/main" val="0"/>
+              </a:ext>
+            </a:extLst>
+          </a:blip>
+          <a:srcRect/>
+          <a:stretch>
+            <a:fillRect/>
+          </a:stretch>
+        </p:blipFill>
+        <p:spPr bwMode="auto">
+          <a:xfrm>
+            <a:off x="3305321" y="1379806"/>
+            <a:ext cx="5581357" cy="2790679"/>
+          </a:xfrm>
+          <a:prstGeom prst="rect">
+            <a:avLst/>
+          </a:prstGeom>
+          <a:noFill/>
+          <a:ln>
+            <a:noFill/>
+          </a:ln>
+        </p:spPr>
+      </p:pic>
+      <p:sp>
+        <p:nvSpPr>
+          <p:cNvPr id="4" name="Google Shape;66;p14">
+            <a:extLst>
+              <a:ext uri="{FF2B5EF4-FFF2-40B4-BE49-F238E27FC236}">
+                <a16:creationId xmlns:a16="http://schemas.microsoft.com/office/drawing/2014/main" id="{6BEAE2A3-E80C-4D50-8FBC-CB9DA2C5DA66}"/>
+              </a:ext>
+            </a:extLst>
+          </p:cNvPr>
+          <p:cNvSpPr txBox="1">
+            <a:spLocks/>
+          </p:cNvSpPr>
+          <p:nvPr/>
+        </p:nvSpPr>
+        <p:spPr>
+          <a:xfrm>
+            <a:off x="279127" y="4843682"/>
+            <a:ext cx="11633745" cy="1360170"/>
+          </a:xfrm>
+          <a:prstGeom prst="rect">
+            <a:avLst/>
+          </a:prstGeom>
+        </p:spPr>
+        <p:txBody>
+          <a:bodyPr spcFirstLastPara="1" vert="horz" wrap="square" lIns="91425" tIns="91425" rIns="91425" bIns="91425" rtlCol="0" anchor="t" anchorCtr="0">
+            <a:noAutofit/>
+          </a:bodyPr>
+          <a:lstStyle>
+            <a:lvl1pPr marL="228600" indent="-228600" algn="l" defTabSz="914400" rtl="0" eaLnBrk="1" latinLnBrk="0" hangingPunct="1">
+              <a:lnSpc>
+                <a:spcPct val="90000"/>
+              </a:lnSpc>
+              <a:spcBef>
+                <a:spcPts val="1000"/>
+              </a:spcBef>
+              <a:buFont typeface="Arial" panose="020B0604020202020204" pitchFamily="34" charset="0"/>
+              <a:buChar char="•"/>
+              <a:defRPr sz="2800" kern="1200">
+                <a:solidFill>
+                  <a:schemeClr val="tx1"/>
+                </a:solidFill>
+                <a:latin typeface="+mn-lt"/>
+                <a:ea typeface="+mn-ea"/>
+                <a:cs typeface="+mn-cs"/>
+              </a:defRPr>
+            </a:lvl1pPr>
+            <a:lvl2pPr marL="685800" indent="-228600" algn="l" defTabSz="914400" rtl="0" eaLnBrk="1" latinLnBrk="0" hangingPunct="1">
+              <a:lnSpc>
+                <a:spcPct val="90000"/>
+              </a:lnSpc>
+              <a:spcBef>
+                <a:spcPts val="500"/>
+              </a:spcBef>
+              <a:buFont typeface="Arial" panose="020B0604020202020204" pitchFamily="34" charset="0"/>
+              <a:buChar char="•"/>
+              <a:defRPr sz="2400" kern="1200">
+                <a:solidFill>
+                  <a:schemeClr val="tx1"/>
+                </a:solidFill>
+                <a:latin typeface="+mn-lt"/>
+                <a:ea typeface="+mn-ea"/>
+                <a:cs typeface="+mn-cs"/>
+              </a:defRPr>
+            </a:lvl2pPr>
+            <a:lvl3pPr marL="1143000" indent="-228600" algn="l" defTabSz="914400" rtl="0" eaLnBrk="1" latinLnBrk="0" hangingPunct="1">
+              <a:lnSpc>
+                <a:spcPct val="90000"/>
+              </a:lnSpc>
+              <a:spcBef>
+                <a:spcPts val="500"/>
+              </a:spcBef>
+              <a:buFont typeface="Arial" panose="020B0604020202020204" pitchFamily="34" charset="0"/>
+              <a:buChar char="•"/>
+              <a:defRPr sz="2000" kern="1200">
+                <a:solidFill>
+                  <a:schemeClr val="tx1"/>
+                </a:solidFill>
+                <a:latin typeface="+mn-lt"/>
+                <a:ea typeface="+mn-ea"/>
+                <a:cs typeface="+mn-cs"/>
+              </a:defRPr>
+            </a:lvl3pPr>
+            <a:lvl4pPr marL="1600200" indent="-228600" algn="l" defTabSz="914400" rtl="0" eaLnBrk="1" latinLnBrk="0" hangingPunct="1">
+              <a:lnSpc>
+                <a:spcPct val="90000"/>
+              </a:lnSpc>
+              <a:spcBef>
+                <a:spcPts val="500"/>
+              </a:spcBef>
+              <a:buFont typeface="Arial" panose="020B0604020202020204" pitchFamily="34" charset="0"/>
+              <a:buChar char="•"/>
+              <a:defRPr sz="1800" kern="1200">
+                <a:solidFill>
+                  <a:schemeClr val="tx1"/>
+                </a:solidFill>
+                <a:latin typeface="+mn-lt"/>
+                <a:ea typeface="+mn-ea"/>
+                <a:cs typeface="+mn-cs"/>
+              </a:defRPr>
+            </a:lvl4pPr>
+            <a:lvl5pPr marL="2057400" indent="-228600" algn="l" defTabSz="914400" rtl="0" eaLnBrk="1" latinLnBrk="0" hangingPunct="1">
+              <a:lnSpc>
+                <a:spcPct val="90000"/>
+              </a:lnSpc>
+              <a:spcBef>
+                <a:spcPts val="500"/>
+              </a:spcBef>
+              <a:buFont typeface="Arial" panose="020B0604020202020204" pitchFamily="34" charset="0"/>
+              <a:buChar char="•"/>
+              <a:defRPr sz="1800" kern="1200">
+                <a:solidFill>
+                  <a:schemeClr val="tx1"/>
+                </a:solidFill>
+                <a:latin typeface="+mn-lt"/>
+                <a:ea typeface="+mn-ea"/>
+                <a:cs typeface="+mn-cs"/>
+              </a:defRPr>
+            </a:lvl5pPr>
+            <a:lvl6pPr marL="2514600" indent="-228600" algn="l" defTabSz="914400" rtl="0" eaLnBrk="1" latinLnBrk="0" hangingPunct="1">
+              <a:lnSpc>
+                <a:spcPct val="90000"/>
+              </a:lnSpc>
+              <a:spcBef>
+                <a:spcPts val="500"/>
+              </a:spcBef>
+              <a:buFont typeface="Arial" panose="020B0604020202020204" pitchFamily="34" charset="0"/>
+              <a:buChar char="•"/>
+              <a:defRPr sz="1800" kern="1200">
+                <a:solidFill>
+                  <a:schemeClr val="tx1"/>
+                </a:solidFill>
+                <a:latin typeface="+mn-lt"/>
+                <a:ea typeface="+mn-ea"/>
+                <a:cs typeface="+mn-cs"/>
+              </a:defRPr>
+            </a:lvl6pPr>
+            <a:lvl7pPr marL="2971800" indent="-228600" algn="l" defTabSz="914400" rtl="0" eaLnBrk="1" latinLnBrk="0" hangingPunct="1">
+              <a:lnSpc>
+                <a:spcPct val="90000"/>
+              </a:lnSpc>
+              <a:spcBef>
+                <a:spcPts val="500"/>
+              </a:spcBef>
+              <a:buFont typeface="Arial" panose="020B0604020202020204" pitchFamily="34" charset="0"/>
+              <a:buChar char="•"/>
+              <a:defRPr sz="1800" kern="1200">
+                <a:solidFill>
+                  <a:schemeClr val="tx1"/>
+                </a:solidFill>
+                <a:latin typeface="+mn-lt"/>
+                <a:ea typeface="+mn-ea"/>
+                <a:cs typeface="+mn-cs"/>
+              </a:defRPr>
+            </a:lvl7pPr>
+            <a:lvl8pPr marL="3429000" indent="-228600" algn="l" defTabSz="914400" rtl="0" eaLnBrk="1" latinLnBrk="0" hangingPunct="1">
+              <a:lnSpc>
+                <a:spcPct val="90000"/>
+              </a:lnSpc>
+              <a:spcBef>
+                <a:spcPts val="500"/>
+              </a:spcBef>
+              <a:buFont typeface="Arial" panose="020B0604020202020204" pitchFamily="34" charset="0"/>
+              <a:buChar char="•"/>
+              <a:defRPr sz="1800" kern="1200">
+                <a:solidFill>
+                  <a:schemeClr val="tx1"/>
+                </a:solidFill>
+                <a:latin typeface="+mn-lt"/>
+                <a:ea typeface="+mn-ea"/>
+                <a:cs typeface="+mn-cs"/>
+              </a:defRPr>
+            </a:lvl8pPr>
+            <a:lvl9pPr marL="3886200" indent="-228600" algn="l" defTabSz="914400" rtl="0" eaLnBrk="1" latinLnBrk="0" hangingPunct="1">
+              <a:lnSpc>
+                <a:spcPct val="90000"/>
+              </a:lnSpc>
+              <a:spcBef>
+                <a:spcPts val="500"/>
+              </a:spcBef>
+              <a:buFont typeface="Arial" panose="020B0604020202020204" pitchFamily="34" charset="0"/>
+              <a:buChar char="•"/>
+              <a:defRPr sz="1800" kern="1200">
+                <a:solidFill>
+                  <a:schemeClr val="tx1"/>
+                </a:solidFill>
+                <a:latin typeface="+mn-lt"/>
+                <a:ea typeface="+mn-ea"/>
+                <a:cs typeface="+mn-cs"/>
+              </a:defRPr>
+            </a:lvl9pPr>
+          </a:lstStyle>
+          <a:p>
+            <a:pPr marL="0" indent="0" algn="just">
+              <a:lnSpc>
+                <a:spcPct val="163636"/>
+              </a:lnSpc>
+              <a:spcBef>
+                <a:spcPts val="0"/>
+              </a:spcBef>
+              <a:buNone/>
+            </a:pPr>
+            <a:r>
+              <a:rPr lang="fr-FR" sz="2000" dirty="0">
+                <a:solidFill>
+                  <a:schemeClr val="dk1"/>
+                </a:solidFill>
+                <a:latin typeface="Times New Roman"/>
+                <a:ea typeface="Times New Roman"/>
+                <a:cs typeface="Times New Roman"/>
+                <a:sym typeface="Times New Roman"/>
+              </a:rPr>
+              <a:t>future_position = position + velocity * T,</a:t>
+            </a:r>
+          </a:p>
+          <a:p>
+            <a:pPr marL="0" indent="0" algn="just">
+              <a:lnSpc>
+                <a:spcPct val="163636"/>
+              </a:lnSpc>
+              <a:spcBef>
+                <a:spcPts val="0"/>
+              </a:spcBef>
+              <a:buNone/>
+            </a:pPr>
+            <a:r>
+              <a:rPr lang="en-US" sz="2000" dirty="0">
+                <a:solidFill>
+                  <a:schemeClr val="dk1"/>
+                </a:solidFill>
+                <a:latin typeface="Times New Roman"/>
+                <a:ea typeface="Times New Roman"/>
+                <a:cs typeface="Times New Roman"/>
+                <a:sym typeface="Times New Roman"/>
+              </a:rPr>
+              <a:t>T = </a:t>
+            </a:r>
+            <a:r>
+              <a:rPr lang="en-US" sz="2000" dirty="0" err="1">
+                <a:solidFill>
+                  <a:schemeClr val="dk1"/>
+                </a:solidFill>
+                <a:latin typeface="Times New Roman"/>
+                <a:ea typeface="Times New Roman"/>
+                <a:cs typeface="Times New Roman"/>
+                <a:sym typeface="Times New Roman"/>
+              </a:rPr>
+              <a:t>distance_between_target_and_pursuer</a:t>
+            </a:r>
+            <a:r>
+              <a:rPr lang="en-US" sz="2000" dirty="0">
+                <a:solidFill>
+                  <a:schemeClr val="dk1"/>
+                </a:solidFill>
+                <a:latin typeface="Times New Roman"/>
+                <a:ea typeface="Times New Roman"/>
+                <a:cs typeface="Times New Roman"/>
+                <a:sym typeface="Times New Roman"/>
+              </a:rPr>
+              <a:t> / </a:t>
+            </a:r>
+            <a:r>
+              <a:rPr lang="en-US" sz="2000" dirty="0" err="1">
+                <a:solidFill>
+                  <a:schemeClr val="dk1"/>
+                </a:solidFill>
+                <a:latin typeface="Times New Roman"/>
+                <a:ea typeface="Times New Roman"/>
+                <a:cs typeface="Times New Roman"/>
+                <a:sym typeface="Times New Roman"/>
+              </a:rPr>
+              <a:t>max_velocity</a:t>
+            </a:r>
+            <a:r>
+              <a:rPr lang="en-US" sz="2000" dirty="0">
+                <a:solidFill>
+                  <a:schemeClr val="dk1"/>
+                </a:solidFill>
+                <a:latin typeface="Times New Roman"/>
+                <a:ea typeface="Times New Roman"/>
+                <a:cs typeface="Times New Roman"/>
+                <a:sym typeface="Times New Roman"/>
+              </a:rPr>
+              <a:t>.</a:t>
+            </a:r>
+            <a:endParaRPr lang="ru-RU" sz="2000" dirty="0">
+              <a:solidFill>
+                <a:schemeClr val="dk1"/>
+              </a:solidFill>
+              <a:latin typeface="Times New Roman"/>
+              <a:ea typeface="Times New Roman"/>
+              <a:cs typeface="Times New Roman"/>
+              <a:sym typeface="Times New Roman"/>
+            </a:endParaRPr>
+          </a:p>
+        </p:txBody>
+      </p:sp>
+    </p:spTree>
+    <p:extLst>
+      <p:ext uri="{BB962C8B-B14F-4D97-AF65-F5344CB8AC3E}">
+        <p14:creationId xmlns:p14="http://schemas.microsoft.com/office/powerpoint/2010/main" val="3664424558"/>
+      </p:ext>
+    </p:extLst>
+  </p:cSld>
+  <p:clrMapOvr>
+    <a:masterClrMapping/>
+  </p:clrMapOvr>
+</p:sld>
+</file>
+
+<file path=ppt/slides/slide22.xml><?xml version="1.0" encoding="utf-8"?>
+<p:sld xmlns:a="http://schemas.openxmlformats.org/drawingml/2006/main" xmlns:r="http://schemas.openxmlformats.org/officeDocument/2006/relationships" xmlns:p="http://schemas.openxmlformats.org/presentationml/2006/main">
+  <p:cSld>
+    <p:spTree>
+      <p:nvGrpSpPr>
+        <p:cNvPr id="1" name=""/>
+        <p:cNvGrpSpPr/>
+        <p:nvPr/>
+      </p:nvGrpSpPr>
+      <p:grpSpPr>
+        <a:xfrm>
+          <a:off x="0" y="0"/>
+          <a:ext cx="0" cy="0"/>
+          <a:chOff x="0" y="0"/>
+          <a:chExt cx="0" cy="0"/>
+        </a:xfrm>
+      </p:grpSpPr>
+      <p:sp>
+        <p:nvSpPr>
+          <p:cNvPr id="2" name="Заголовок 1">
+            <a:extLst>
+              <a:ext uri="{FF2B5EF4-FFF2-40B4-BE49-F238E27FC236}">
+                <a16:creationId xmlns:a16="http://schemas.microsoft.com/office/drawing/2014/main" id="{BCE22E49-7696-4455-8F31-7EE48509D0B2}"/>
+              </a:ext>
+            </a:extLst>
+          </p:cNvPr>
+          <p:cNvSpPr>
+            <a:spLocks noGrp="1"/>
+          </p:cNvSpPr>
+          <p:nvPr>
+            <p:ph type="title"/>
+          </p:nvPr>
+        </p:nvSpPr>
+        <p:spPr/>
+        <p:txBody>
+          <a:bodyPr/>
+          <a:lstStyle/>
+          <a:p>
+            <a:r>
+              <a:rPr lang="en-US" dirty="0"/>
+              <a:t>Evade</a:t>
+            </a:r>
+            <a:endParaRPr lang="ru-RU" dirty="0"/>
+          </a:p>
+        </p:txBody>
+      </p:sp>
+      <p:pic>
+        <p:nvPicPr>
+          <p:cNvPr id="3" name="Рисунок 2" descr="https://habrastorage.org/getpro/habr/post_images/fda/475/95e/fda47595e44b10b0e53e08ffa75db428.png">
+            <a:extLst>
+              <a:ext uri="{FF2B5EF4-FFF2-40B4-BE49-F238E27FC236}">
+                <a16:creationId xmlns:a16="http://schemas.microsoft.com/office/drawing/2014/main" id="{D9AFAE15-237E-4D12-B31B-E407301E7F20}"/>
+              </a:ext>
+            </a:extLst>
+          </p:cNvPr>
+          <p:cNvPicPr/>
+          <p:nvPr/>
+        </p:nvPicPr>
+        <p:blipFill>
+          <a:blip r:embed="rId2">
+            <a:extLst>
+              <a:ext uri="{28A0092B-C50C-407E-A947-70E740481C1C}">
+                <a14:useLocalDpi xmlns:a14="http://schemas.microsoft.com/office/drawing/2010/main" val="0"/>
+              </a:ext>
+            </a:extLst>
+          </a:blip>
+          <a:srcRect/>
+          <a:stretch>
+            <a:fillRect/>
+          </a:stretch>
+        </p:blipFill>
+        <p:spPr bwMode="auto">
+          <a:xfrm>
+            <a:off x="3664047" y="1605035"/>
+            <a:ext cx="4863905" cy="3647929"/>
+          </a:xfrm>
+          <a:prstGeom prst="rect">
+            <a:avLst/>
+          </a:prstGeom>
+          <a:noFill/>
+          <a:ln>
+            <a:noFill/>
+          </a:ln>
+        </p:spPr>
+      </p:pic>
+    </p:spTree>
+    <p:extLst>
+      <p:ext uri="{BB962C8B-B14F-4D97-AF65-F5344CB8AC3E}">
+        <p14:creationId xmlns:p14="http://schemas.microsoft.com/office/powerpoint/2010/main" val="2089197509"/>
+      </p:ext>
+    </p:extLst>
+  </p:cSld>
+  <p:clrMapOvr>
+    <a:masterClrMapping/>
+  </p:clrMapOvr>
+</p:sld>
+</file>
+
+<file path=ppt/slides/slide23.xml><?xml version="1.0" encoding="utf-8"?>
+<p:sld xmlns:a="http://schemas.openxmlformats.org/drawingml/2006/main" xmlns:r="http://schemas.openxmlformats.org/officeDocument/2006/relationships" xmlns:p="http://schemas.openxmlformats.org/presentationml/2006/main">
+  <p:cSld>
+    <p:spTree>
+      <p:nvGrpSpPr>
+        <p:cNvPr id="1" name=""/>
+        <p:cNvGrpSpPr/>
+        <p:nvPr/>
+      </p:nvGrpSpPr>
+      <p:grpSpPr>
+        <a:xfrm>
+          <a:off x="0" y="0"/>
+          <a:ext cx="0" cy="0"/>
+          <a:chOff x="0" y="0"/>
+          <a:chExt cx="0" cy="0"/>
+        </a:xfrm>
+      </p:grpSpPr>
+      <p:sp>
+        <p:nvSpPr>
+          <p:cNvPr id="2" name="Заголовок 1">
+            <a:extLst>
+              <a:ext uri="{FF2B5EF4-FFF2-40B4-BE49-F238E27FC236}">
+                <a16:creationId xmlns:a16="http://schemas.microsoft.com/office/drawing/2014/main" id="{51589079-B499-4B8E-B31A-876D63C8BF98}"/>
+              </a:ext>
+            </a:extLst>
+          </p:cNvPr>
+          <p:cNvSpPr>
+            <a:spLocks noGrp="1"/>
+          </p:cNvSpPr>
+          <p:nvPr>
+            <p:ph type="title"/>
+          </p:nvPr>
+        </p:nvSpPr>
+        <p:spPr/>
+        <p:txBody>
+          <a:bodyPr/>
+          <a:lstStyle/>
+          <a:p>
+            <a:r>
+              <a:rPr lang="ru-RU" dirty="0"/>
+              <a:t>Комбинирование паттернов</a:t>
+            </a:r>
+          </a:p>
+        </p:txBody>
+      </p:sp>
+      <p:sp>
+        <p:nvSpPr>
+          <p:cNvPr id="3" name="Google Shape;66;p14">
+            <a:extLst>
+              <a:ext uri="{FF2B5EF4-FFF2-40B4-BE49-F238E27FC236}">
+                <a16:creationId xmlns:a16="http://schemas.microsoft.com/office/drawing/2014/main" id="{5EC70009-A7A0-4B0A-8649-CD8ECADC9E10}"/>
+              </a:ext>
+            </a:extLst>
+          </p:cNvPr>
+          <p:cNvSpPr txBox="1">
+            <a:spLocks/>
+          </p:cNvSpPr>
+          <p:nvPr/>
+        </p:nvSpPr>
+        <p:spPr>
+          <a:xfrm>
+            <a:off x="279127" y="1448972"/>
+            <a:ext cx="11633745" cy="4754880"/>
+          </a:xfrm>
+          <a:prstGeom prst="rect">
+            <a:avLst/>
+          </a:prstGeom>
+        </p:spPr>
+        <p:txBody>
+          <a:bodyPr spcFirstLastPara="1" vert="horz" wrap="square" lIns="91425" tIns="91425" rIns="91425" bIns="91425" rtlCol="0" anchor="t" anchorCtr="0">
+            <a:noAutofit/>
+          </a:bodyPr>
+          <a:lstStyle>
+            <a:lvl1pPr marL="228600" indent="-228600" algn="l" defTabSz="914400" rtl="0" eaLnBrk="1" latinLnBrk="0" hangingPunct="1">
+              <a:lnSpc>
+                <a:spcPct val="90000"/>
+              </a:lnSpc>
+              <a:spcBef>
+                <a:spcPts val="1000"/>
+              </a:spcBef>
+              <a:buFont typeface="Arial" panose="020B0604020202020204" pitchFamily="34" charset="0"/>
+              <a:buChar char="•"/>
+              <a:defRPr sz="2800" kern="1200">
+                <a:solidFill>
+                  <a:schemeClr val="tx1"/>
+                </a:solidFill>
+                <a:latin typeface="+mn-lt"/>
+                <a:ea typeface="+mn-ea"/>
+                <a:cs typeface="+mn-cs"/>
+              </a:defRPr>
+            </a:lvl1pPr>
+            <a:lvl2pPr marL="685800" indent="-228600" algn="l" defTabSz="914400" rtl="0" eaLnBrk="1" latinLnBrk="0" hangingPunct="1">
+              <a:lnSpc>
+                <a:spcPct val="90000"/>
+              </a:lnSpc>
+              <a:spcBef>
+                <a:spcPts val="500"/>
+              </a:spcBef>
+              <a:buFont typeface="Arial" panose="020B0604020202020204" pitchFamily="34" charset="0"/>
+              <a:buChar char="•"/>
+              <a:defRPr sz="2400" kern="1200">
+                <a:solidFill>
+                  <a:schemeClr val="tx1"/>
+                </a:solidFill>
+                <a:latin typeface="+mn-lt"/>
+                <a:ea typeface="+mn-ea"/>
+                <a:cs typeface="+mn-cs"/>
+              </a:defRPr>
+            </a:lvl2pPr>
+            <a:lvl3pPr marL="1143000" indent="-228600" algn="l" defTabSz="914400" rtl="0" eaLnBrk="1" latinLnBrk="0" hangingPunct="1">
+              <a:lnSpc>
+                <a:spcPct val="90000"/>
+              </a:lnSpc>
+              <a:spcBef>
+                <a:spcPts val="500"/>
+              </a:spcBef>
+              <a:buFont typeface="Arial" panose="020B0604020202020204" pitchFamily="34" charset="0"/>
+              <a:buChar char="•"/>
+              <a:defRPr sz="2000" kern="1200">
+                <a:solidFill>
+                  <a:schemeClr val="tx1"/>
+                </a:solidFill>
+                <a:latin typeface="+mn-lt"/>
+                <a:ea typeface="+mn-ea"/>
+                <a:cs typeface="+mn-cs"/>
+              </a:defRPr>
+            </a:lvl3pPr>
+            <a:lvl4pPr marL="1600200" indent="-228600" algn="l" defTabSz="914400" rtl="0" eaLnBrk="1" latinLnBrk="0" hangingPunct="1">
+              <a:lnSpc>
+                <a:spcPct val="90000"/>
+              </a:lnSpc>
+              <a:spcBef>
+                <a:spcPts val="500"/>
+              </a:spcBef>
+              <a:buFont typeface="Arial" panose="020B0604020202020204" pitchFamily="34" charset="0"/>
+              <a:buChar char="•"/>
+              <a:defRPr sz="1800" kern="1200">
+                <a:solidFill>
+                  <a:schemeClr val="tx1"/>
+                </a:solidFill>
+                <a:latin typeface="+mn-lt"/>
+                <a:ea typeface="+mn-ea"/>
+                <a:cs typeface="+mn-cs"/>
+              </a:defRPr>
+            </a:lvl4pPr>
+            <a:lvl5pPr marL="2057400" indent="-228600" algn="l" defTabSz="914400" rtl="0" eaLnBrk="1" latinLnBrk="0" hangingPunct="1">
+              <a:lnSpc>
+                <a:spcPct val="90000"/>
+              </a:lnSpc>
+              <a:spcBef>
+                <a:spcPts val="500"/>
+              </a:spcBef>
+              <a:buFont typeface="Arial" panose="020B0604020202020204" pitchFamily="34" charset="0"/>
+              <a:buChar char="•"/>
+              <a:defRPr sz="1800" kern="1200">
+                <a:solidFill>
+                  <a:schemeClr val="tx1"/>
+                </a:solidFill>
+                <a:latin typeface="+mn-lt"/>
+                <a:ea typeface="+mn-ea"/>
+                <a:cs typeface="+mn-cs"/>
+              </a:defRPr>
+            </a:lvl5pPr>
+            <a:lvl6pPr marL="2514600" indent="-228600" algn="l" defTabSz="914400" rtl="0" eaLnBrk="1" latinLnBrk="0" hangingPunct="1">
+              <a:lnSpc>
+                <a:spcPct val="90000"/>
+              </a:lnSpc>
+              <a:spcBef>
+                <a:spcPts val="500"/>
+              </a:spcBef>
+              <a:buFont typeface="Arial" panose="020B0604020202020204" pitchFamily="34" charset="0"/>
+              <a:buChar char="•"/>
+              <a:defRPr sz="1800" kern="1200">
+                <a:solidFill>
+                  <a:schemeClr val="tx1"/>
+                </a:solidFill>
+                <a:latin typeface="+mn-lt"/>
+                <a:ea typeface="+mn-ea"/>
+                <a:cs typeface="+mn-cs"/>
+              </a:defRPr>
+            </a:lvl6pPr>
+            <a:lvl7pPr marL="2971800" indent="-228600" algn="l" defTabSz="914400" rtl="0" eaLnBrk="1" latinLnBrk="0" hangingPunct="1">
+              <a:lnSpc>
+                <a:spcPct val="90000"/>
+              </a:lnSpc>
+              <a:spcBef>
+                <a:spcPts val="500"/>
+              </a:spcBef>
+              <a:buFont typeface="Arial" panose="020B0604020202020204" pitchFamily="34" charset="0"/>
+              <a:buChar char="•"/>
+              <a:defRPr sz="1800" kern="1200">
+                <a:solidFill>
+                  <a:schemeClr val="tx1"/>
+                </a:solidFill>
+                <a:latin typeface="+mn-lt"/>
+                <a:ea typeface="+mn-ea"/>
+                <a:cs typeface="+mn-cs"/>
+              </a:defRPr>
+            </a:lvl7pPr>
+            <a:lvl8pPr marL="3429000" indent="-228600" algn="l" defTabSz="914400" rtl="0" eaLnBrk="1" latinLnBrk="0" hangingPunct="1">
+              <a:lnSpc>
+                <a:spcPct val="90000"/>
+              </a:lnSpc>
+              <a:spcBef>
+                <a:spcPts val="500"/>
+              </a:spcBef>
+              <a:buFont typeface="Arial" panose="020B0604020202020204" pitchFamily="34" charset="0"/>
+              <a:buChar char="•"/>
+              <a:defRPr sz="1800" kern="1200">
+                <a:solidFill>
+                  <a:schemeClr val="tx1"/>
+                </a:solidFill>
+                <a:latin typeface="+mn-lt"/>
+                <a:ea typeface="+mn-ea"/>
+                <a:cs typeface="+mn-cs"/>
+              </a:defRPr>
+            </a:lvl8pPr>
+            <a:lvl9pPr marL="3886200" indent="-228600" algn="l" defTabSz="914400" rtl="0" eaLnBrk="1" latinLnBrk="0" hangingPunct="1">
+              <a:lnSpc>
+                <a:spcPct val="90000"/>
+              </a:lnSpc>
+              <a:spcBef>
+                <a:spcPts val="500"/>
+              </a:spcBef>
+              <a:buFont typeface="Arial" panose="020B0604020202020204" pitchFamily="34" charset="0"/>
+              <a:buChar char="•"/>
+              <a:defRPr sz="1800" kern="1200">
+                <a:solidFill>
+                  <a:schemeClr val="tx1"/>
+                </a:solidFill>
+                <a:latin typeface="+mn-lt"/>
+                <a:ea typeface="+mn-ea"/>
+                <a:cs typeface="+mn-cs"/>
+              </a:defRPr>
+            </a:lvl9pPr>
+          </a:lstStyle>
+          <a:p>
+            <a:pPr marL="0" indent="0" algn="just">
+              <a:lnSpc>
+                <a:spcPct val="163636"/>
+              </a:lnSpc>
+              <a:spcBef>
+                <a:spcPts val="0"/>
+              </a:spcBef>
+              <a:buNone/>
+            </a:pPr>
+            <a:r>
+              <a:rPr lang="ru-RU" sz="2000" dirty="0">
+                <a:solidFill>
+                  <a:schemeClr val="dk1"/>
+                </a:solidFill>
+                <a:latin typeface="Times New Roman"/>
+                <a:ea typeface="Times New Roman"/>
+                <a:cs typeface="Times New Roman"/>
+                <a:sym typeface="Times New Roman"/>
+              </a:rPr>
+              <a:t>Элегантность </a:t>
+            </a:r>
+            <a:r>
+              <a:rPr lang="ru-RU" sz="2000" dirty="0" err="1">
+                <a:solidFill>
+                  <a:schemeClr val="dk1"/>
+                </a:solidFill>
+                <a:latin typeface="Times New Roman"/>
+                <a:ea typeface="Times New Roman"/>
+                <a:cs typeface="Times New Roman"/>
+                <a:sym typeface="Times New Roman"/>
+              </a:rPr>
+              <a:t>steering</a:t>
+            </a:r>
+            <a:r>
+              <a:rPr lang="ru-RU" sz="2000" dirty="0">
+                <a:solidFill>
+                  <a:schemeClr val="dk1"/>
+                </a:solidFill>
+                <a:latin typeface="Times New Roman"/>
+                <a:ea typeface="Times New Roman"/>
+                <a:cs typeface="Times New Roman"/>
+                <a:sym typeface="Times New Roman"/>
+              </a:rPr>
+              <a:t> </a:t>
+            </a:r>
+            <a:r>
+              <a:rPr lang="ru-RU" sz="2000" dirty="0" err="1">
+                <a:solidFill>
+                  <a:schemeClr val="dk1"/>
+                </a:solidFill>
+                <a:latin typeface="Times New Roman"/>
+                <a:ea typeface="Times New Roman"/>
+                <a:cs typeface="Times New Roman"/>
+                <a:sym typeface="Times New Roman"/>
+              </a:rPr>
+              <a:t>behaviors</a:t>
+            </a:r>
+            <a:r>
+              <a:rPr lang="ru-RU" sz="2000" dirty="0">
+                <a:solidFill>
+                  <a:schemeClr val="dk1"/>
+                </a:solidFill>
+                <a:latin typeface="Times New Roman"/>
+                <a:ea typeface="Times New Roman"/>
+                <a:cs typeface="Times New Roman"/>
+                <a:sym typeface="Times New Roman"/>
+              </a:rPr>
+              <a:t> заключается в том, что все выше описанные паттерны можно легко комбинировать. Например, если агент должен одновременно достичь какой-либо цели, но в то же время убежать от другого агента. В этом случае напрашиваются паттерны </a:t>
+            </a:r>
+            <a:r>
+              <a:rPr lang="ru-RU" sz="2000" dirty="0" err="1">
+                <a:solidFill>
+                  <a:schemeClr val="dk1"/>
+                </a:solidFill>
+                <a:latin typeface="Times New Roman"/>
+                <a:ea typeface="Times New Roman"/>
+                <a:cs typeface="Times New Roman"/>
+                <a:sym typeface="Times New Roman"/>
+              </a:rPr>
+              <a:t>seek</a:t>
+            </a:r>
+            <a:r>
+              <a:rPr lang="ru-RU" sz="2000" dirty="0">
+                <a:solidFill>
+                  <a:schemeClr val="dk1"/>
+                </a:solidFill>
+                <a:latin typeface="Times New Roman"/>
+                <a:ea typeface="Times New Roman"/>
+                <a:cs typeface="Times New Roman"/>
+                <a:sym typeface="Times New Roman"/>
+              </a:rPr>
+              <a:t> и </a:t>
+            </a:r>
+            <a:r>
+              <a:rPr lang="ru-RU" sz="2000" dirty="0" err="1">
+                <a:solidFill>
+                  <a:schemeClr val="dk1"/>
+                </a:solidFill>
+                <a:latin typeface="Times New Roman"/>
+                <a:ea typeface="Times New Roman"/>
+                <a:cs typeface="Times New Roman"/>
+                <a:sym typeface="Times New Roman"/>
+              </a:rPr>
+              <a:t>evade</a:t>
+            </a:r>
+            <a:r>
+              <a:rPr lang="ru-RU" sz="2000" dirty="0">
+                <a:solidFill>
+                  <a:schemeClr val="dk1"/>
+                </a:solidFill>
+                <a:latin typeface="Times New Roman"/>
+                <a:ea typeface="Times New Roman"/>
+                <a:cs typeface="Times New Roman"/>
+                <a:sym typeface="Times New Roman"/>
+              </a:rPr>
+              <a:t>. Для применения обоих паттернов одновременно нужно просто вычислить значения управляющих сил для каждого из паттернов и сложить их. Полученный вектор необходимо </a:t>
+            </a:r>
+            <a:r>
+              <a:rPr lang="ru-RU" sz="2000" dirty="0" err="1">
+                <a:solidFill>
+                  <a:schemeClr val="dk1"/>
+                </a:solidFill>
+                <a:latin typeface="Times New Roman"/>
+                <a:ea typeface="Times New Roman"/>
+                <a:cs typeface="Times New Roman"/>
+                <a:sym typeface="Times New Roman"/>
+              </a:rPr>
+              <a:t>промасштабировать</a:t>
+            </a:r>
+            <a:r>
+              <a:rPr lang="ru-RU" sz="2000" dirty="0">
+                <a:solidFill>
+                  <a:schemeClr val="dk1"/>
+                </a:solidFill>
+                <a:latin typeface="Times New Roman"/>
+                <a:ea typeface="Times New Roman"/>
+                <a:cs typeface="Times New Roman"/>
+                <a:sym typeface="Times New Roman"/>
+              </a:rPr>
+              <a:t> и применить к скорости по уже известной формуле.</a:t>
+            </a:r>
+          </a:p>
+        </p:txBody>
+      </p:sp>
+    </p:spTree>
+    <p:extLst>
+      <p:ext uri="{BB962C8B-B14F-4D97-AF65-F5344CB8AC3E}">
+        <p14:creationId xmlns:p14="http://schemas.microsoft.com/office/powerpoint/2010/main" val="1601905764"/>
+      </p:ext>
+    </p:extLst>
+  </p:cSld>
+  <p:clrMapOvr>
+    <a:masterClrMapping/>
+  </p:clrMapOvr>
+</p:sld>
+</file>
+
+<file path=ppt/slides/slide24.xml><?xml version="1.0" encoding="utf-8"?>
+<p:sld xmlns:a="http://schemas.openxmlformats.org/drawingml/2006/main" xmlns:r="http://schemas.openxmlformats.org/officeDocument/2006/relationships" xmlns:p="http://schemas.openxmlformats.org/presentationml/2006/main">
+  <p:cSld>
+    <p:spTree>
+      <p:nvGrpSpPr>
+        <p:cNvPr id="1" name=""/>
+        <p:cNvGrpSpPr/>
+        <p:nvPr/>
+      </p:nvGrpSpPr>
+      <p:grpSpPr>
+        <a:xfrm>
+          <a:off x="0" y="0"/>
+          <a:ext cx="0" cy="0"/>
+          <a:chOff x="0" y="0"/>
+          <a:chExt cx="0" cy="0"/>
+        </a:xfrm>
+      </p:grpSpPr>
+      <p:sp>
+        <p:nvSpPr>
+          <p:cNvPr id="2" name="Заголовок 1">
+            <a:extLst>
+              <a:ext uri="{FF2B5EF4-FFF2-40B4-BE49-F238E27FC236}">
+                <a16:creationId xmlns:a16="http://schemas.microsoft.com/office/drawing/2014/main" id="{4C5CB5EA-B2FC-43CF-BA7C-F47EE98D1C13}"/>
+              </a:ext>
+            </a:extLst>
+          </p:cNvPr>
+          <p:cNvSpPr>
+            <a:spLocks noGrp="1"/>
+          </p:cNvSpPr>
+          <p:nvPr>
+            <p:ph type="title"/>
+          </p:nvPr>
+        </p:nvSpPr>
+        <p:spPr/>
+        <p:txBody>
+          <a:bodyPr/>
+          <a:lstStyle/>
+          <a:p>
+            <a:r>
+              <a:rPr lang="ru-RU" dirty="0"/>
+              <a:t>Поиск наикратчайшего пути</a:t>
+            </a:r>
+          </a:p>
+        </p:txBody>
+      </p:sp>
+      <p:pic>
+        <p:nvPicPr>
+          <p:cNvPr id="3" name="Рисунок 2" descr="https://habrastorage.org/web/223/5a7/6b6/2235a76b6c944a11b9eaed273da74860.png">
+            <a:extLst>
+              <a:ext uri="{FF2B5EF4-FFF2-40B4-BE49-F238E27FC236}">
+                <a16:creationId xmlns:a16="http://schemas.microsoft.com/office/drawing/2014/main" id="{F7800026-B36F-4DE0-985B-BBDB10BE0B2A}"/>
+              </a:ext>
+            </a:extLst>
+          </p:cNvPr>
+          <p:cNvPicPr/>
+          <p:nvPr/>
+        </p:nvPicPr>
+        <p:blipFill>
+          <a:blip r:embed="rId2">
+            <a:extLst>
+              <a:ext uri="{28A0092B-C50C-407E-A947-70E740481C1C}">
+                <a14:useLocalDpi xmlns:a14="http://schemas.microsoft.com/office/drawing/2010/main" val="0"/>
+              </a:ext>
+            </a:extLst>
+          </a:blip>
+          <a:srcRect/>
+          <a:stretch>
+            <a:fillRect/>
+          </a:stretch>
+        </p:blipFill>
+        <p:spPr bwMode="auto">
+          <a:xfrm>
+            <a:off x="1342146" y="2351943"/>
+            <a:ext cx="5724525" cy="2857500"/>
+          </a:xfrm>
+          <a:prstGeom prst="rect">
+            <a:avLst/>
+          </a:prstGeom>
+          <a:noFill/>
+          <a:ln>
+            <a:noFill/>
+          </a:ln>
+        </p:spPr>
+      </p:pic>
+      <p:pic>
+        <p:nvPicPr>
+          <p:cNvPr id="4" name="Рисунок 3">
+            <a:extLst>
+              <a:ext uri="{FF2B5EF4-FFF2-40B4-BE49-F238E27FC236}">
+                <a16:creationId xmlns:a16="http://schemas.microsoft.com/office/drawing/2014/main" id="{BB52BEA7-39AD-483B-A2EA-27D13C174159}"/>
+              </a:ext>
+            </a:extLst>
+          </p:cNvPr>
+          <p:cNvPicPr/>
+          <p:nvPr/>
+        </p:nvPicPr>
+        <p:blipFill>
+          <a:blip r:embed="rId3"/>
+          <a:stretch>
+            <a:fillRect/>
+          </a:stretch>
+        </p:blipFill>
+        <p:spPr>
+          <a:xfrm>
+            <a:off x="7066671" y="2351943"/>
+            <a:ext cx="4060874" cy="2857652"/>
+          </a:xfrm>
+          <a:prstGeom prst="rect">
+            <a:avLst/>
+          </a:prstGeom>
+        </p:spPr>
+      </p:pic>
+    </p:spTree>
+    <p:extLst>
+      <p:ext uri="{BB962C8B-B14F-4D97-AF65-F5344CB8AC3E}">
+        <p14:creationId xmlns:p14="http://schemas.microsoft.com/office/powerpoint/2010/main" val="2607306145"/>
+      </p:ext>
+    </p:extLst>
+  </p:cSld>
+  <p:clrMapOvr>
+    <a:masterClrMapping/>
+  </p:clrMapOvr>
+</p:sld>
+</file>
+
+<file path=ppt/slides/slide25.xml><?xml version="1.0" encoding="utf-8"?>
+<p:sld xmlns:a="http://schemas.openxmlformats.org/drawingml/2006/main" xmlns:r="http://schemas.openxmlformats.org/officeDocument/2006/relationships" xmlns:p="http://schemas.openxmlformats.org/presentationml/2006/main">
+  <p:cSld>
+    <p:spTree>
+      <p:nvGrpSpPr>
+        <p:cNvPr id="1" name=""/>
+        <p:cNvGrpSpPr/>
+        <p:nvPr/>
+      </p:nvGrpSpPr>
+      <p:grpSpPr>
+        <a:xfrm>
+          <a:off x="0" y="0"/>
+          <a:ext cx="0" cy="0"/>
+          <a:chOff x="0" y="0"/>
+          <a:chExt cx="0" cy="0"/>
+        </a:xfrm>
+      </p:grpSpPr>
+      <p:sp>
+        <p:nvSpPr>
+          <p:cNvPr id="2" name="Заголовок 1">
+            <a:extLst>
+              <a:ext uri="{FF2B5EF4-FFF2-40B4-BE49-F238E27FC236}">
+                <a16:creationId xmlns:a16="http://schemas.microsoft.com/office/drawing/2014/main" id="{0ACF9486-4A70-4ED9-A92F-D5B2478736B1}"/>
+              </a:ext>
+            </a:extLst>
+          </p:cNvPr>
+          <p:cNvSpPr>
+            <a:spLocks noGrp="1"/>
+          </p:cNvSpPr>
+          <p:nvPr>
+            <p:ph type="title"/>
+          </p:nvPr>
+        </p:nvSpPr>
+        <p:spPr/>
+        <p:txBody>
+          <a:bodyPr/>
+          <a:lstStyle/>
+          <a:p>
+            <a:r>
+              <a:rPr lang="ru-RU" dirty="0"/>
+              <a:t>Алгоритм </a:t>
+            </a:r>
+            <a:r>
+              <a:rPr lang="en-US" dirty="0"/>
+              <a:t>A</a:t>
+            </a:r>
+            <a:r>
+              <a:rPr lang="ru-RU" baseline="30000" dirty="0"/>
+              <a:t>*</a:t>
+            </a:r>
+            <a:endParaRPr lang="ru-RU" dirty="0"/>
+          </a:p>
+        </p:txBody>
+      </p:sp>
+      <p:sp>
+        <p:nvSpPr>
+          <p:cNvPr id="3" name="Google Shape;66;p14">
+            <a:extLst>
+              <a:ext uri="{FF2B5EF4-FFF2-40B4-BE49-F238E27FC236}">
+                <a16:creationId xmlns:a16="http://schemas.microsoft.com/office/drawing/2014/main" id="{3F0898F5-0C49-4070-8E14-FC02660D7E9B}"/>
+              </a:ext>
+            </a:extLst>
+          </p:cNvPr>
+          <p:cNvSpPr txBox="1">
+            <a:spLocks/>
+          </p:cNvSpPr>
+          <p:nvPr/>
+        </p:nvSpPr>
+        <p:spPr>
+          <a:xfrm>
+            <a:off x="2951871" y="1519310"/>
+            <a:ext cx="6288258" cy="4754880"/>
+          </a:xfrm>
+          <a:prstGeom prst="rect">
+            <a:avLst/>
+          </a:prstGeom>
+        </p:spPr>
+        <p:txBody>
+          <a:bodyPr spcFirstLastPara="1" vert="horz" wrap="square" lIns="91425" tIns="91425" rIns="91425" bIns="91425" rtlCol="0" anchor="t" anchorCtr="0">
+            <a:noAutofit/>
+          </a:bodyPr>
+          <a:lstStyle>
+            <a:lvl1pPr marL="228600" indent="-228600" algn="l" defTabSz="914400" rtl="0" eaLnBrk="1" latinLnBrk="0" hangingPunct="1">
+              <a:lnSpc>
+                <a:spcPct val="90000"/>
+              </a:lnSpc>
+              <a:spcBef>
+                <a:spcPts val="1000"/>
+              </a:spcBef>
+              <a:buFont typeface="Arial" panose="020B0604020202020204" pitchFamily="34" charset="0"/>
+              <a:buChar char="•"/>
+              <a:defRPr sz="2800" kern="1200">
+                <a:solidFill>
+                  <a:schemeClr val="tx1"/>
+                </a:solidFill>
+                <a:latin typeface="+mn-lt"/>
+                <a:ea typeface="+mn-ea"/>
+                <a:cs typeface="+mn-cs"/>
+              </a:defRPr>
+            </a:lvl1pPr>
+            <a:lvl2pPr marL="685800" indent="-228600" algn="l" defTabSz="914400" rtl="0" eaLnBrk="1" latinLnBrk="0" hangingPunct="1">
+              <a:lnSpc>
+                <a:spcPct val="90000"/>
+              </a:lnSpc>
+              <a:spcBef>
+                <a:spcPts val="500"/>
+              </a:spcBef>
+              <a:buFont typeface="Arial" panose="020B0604020202020204" pitchFamily="34" charset="0"/>
+              <a:buChar char="•"/>
+              <a:defRPr sz="2400" kern="1200">
+                <a:solidFill>
+                  <a:schemeClr val="tx1"/>
+                </a:solidFill>
+                <a:latin typeface="+mn-lt"/>
+                <a:ea typeface="+mn-ea"/>
+                <a:cs typeface="+mn-cs"/>
+              </a:defRPr>
+            </a:lvl2pPr>
+            <a:lvl3pPr marL="1143000" indent="-228600" algn="l" defTabSz="914400" rtl="0" eaLnBrk="1" latinLnBrk="0" hangingPunct="1">
+              <a:lnSpc>
+                <a:spcPct val="90000"/>
+              </a:lnSpc>
+              <a:spcBef>
+                <a:spcPts val="500"/>
+              </a:spcBef>
+              <a:buFont typeface="Arial" panose="020B0604020202020204" pitchFamily="34" charset="0"/>
+              <a:buChar char="•"/>
+              <a:defRPr sz="2000" kern="1200">
+                <a:solidFill>
+                  <a:schemeClr val="tx1"/>
+                </a:solidFill>
+                <a:latin typeface="+mn-lt"/>
+                <a:ea typeface="+mn-ea"/>
+                <a:cs typeface="+mn-cs"/>
+              </a:defRPr>
+            </a:lvl3pPr>
+            <a:lvl4pPr marL="1600200" indent="-228600" algn="l" defTabSz="914400" rtl="0" eaLnBrk="1" latinLnBrk="0" hangingPunct="1">
+              <a:lnSpc>
+                <a:spcPct val="90000"/>
+              </a:lnSpc>
+              <a:spcBef>
+                <a:spcPts val="500"/>
+              </a:spcBef>
+              <a:buFont typeface="Arial" panose="020B0604020202020204" pitchFamily="34" charset="0"/>
+              <a:buChar char="•"/>
+              <a:defRPr sz="1800" kern="1200">
+                <a:solidFill>
+                  <a:schemeClr val="tx1"/>
+                </a:solidFill>
+                <a:latin typeface="+mn-lt"/>
+                <a:ea typeface="+mn-ea"/>
+                <a:cs typeface="+mn-cs"/>
+              </a:defRPr>
+            </a:lvl4pPr>
+            <a:lvl5pPr marL="2057400" indent="-228600" algn="l" defTabSz="914400" rtl="0" eaLnBrk="1" latinLnBrk="0" hangingPunct="1">
+              <a:lnSpc>
+                <a:spcPct val="90000"/>
+              </a:lnSpc>
+              <a:spcBef>
+                <a:spcPts val="500"/>
+              </a:spcBef>
+              <a:buFont typeface="Arial" panose="020B0604020202020204" pitchFamily="34" charset="0"/>
+              <a:buChar char="•"/>
+              <a:defRPr sz="1800" kern="1200">
+                <a:solidFill>
+                  <a:schemeClr val="tx1"/>
+                </a:solidFill>
+                <a:latin typeface="+mn-lt"/>
+                <a:ea typeface="+mn-ea"/>
+                <a:cs typeface="+mn-cs"/>
+              </a:defRPr>
+            </a:lvl5pPr>
+            <a:lvl6pPr marL="2514600" indent="-228600" algn="l" defTabSz="914400" rtl="0" eaLnBrk="1" latinLnBrk="0" hangingPunct="1">
+              <a:lnSpc>
+                <a:spcPct val="90000"/>
+              </a:lnSpc>
+              <a:spcBef>
+                <a:spcPts val="500"/>
+              </a:spcBef>
+              <a:buFont typeface="Arial" panose="020B0604020202020204" pitchFamily="34" charset="0"/>
+              <a:buChar char="•"/>
+              <a:defRPr sz="1800" kern="1200">
+                <a:solidFill>
+                  <a:schemeClr val="tx1"/>
+                </a:solidFill>
+                <a:latin typeface="+mn-lt"/>
+                <a:ea typeface="+mn-ea"/>
+                <a:cs typeface="+mn-cs"/>
+              </a:defRPr>
+            </a:lvl6pPr>
+            <a:lvl7pPr marL="2971800" indent="-228600" algn="l" defTabSz="914400" rtl="0" eaLnBrk="1" latinLnBrk="0" hangingPunct="1">
+              <a:lnSpc>
+                <a:spcPct val="90000"/>
+              </a:lnSpc>
+              <a:spcBef>
+                <a:spcPts val="500"/>
+              </a:spcBef>
+              <a:buFont typeface="Arial" panose="020B0604020202020204" pitchFamily="34" charset="0"/>
+              <a:buChar char="•"/>
+              <a:defRPr sz="1800" kern="1200">
+                <a:solidFill>
+                  <a:schemeClr val="tx1"/>
+                </a:solidFill>
+                <a:latin typeface="+mn-lt"/>
+                <a:ea typeface="+mn-ea"/>
+                <a:cs typeface="+mn-cs"/>
+              </a:defRPr>
+            </a:lvl7pPr>
+            <a:lvl8pPr marL="3429000" indent="-228600" algn="l" defTabSz="914400" rtl="0" eaLnBrk="1" latinLnBrk="0" hangingPunct="1">
+              <a:lnSpc>
+                <a:spcPct val="90000"/>
+              </a:lnSpc>
+              <a:spcBef>
+                <a:spcPts val="500"/>
+              </a:spcBef>
+              <a:buFont typeface="Arial" panose="020B0604020202020204" pitchFamily="34" charset="0"/>
+              <a:buChar char="•"/>
+              <a:defRPr sz="1800" kern="1200">
+                <a:solidFill>
+                  <a:schemeClr val="tx1"/>
+                </a:solidFill>
+                <a:latin typeface="+mn-lt"/>
+                <a:ea typeface="+mn-ea"/>
+                <a:cs typeface="+mn-cs"/>
+              </a:defRPr>
+            </a:lvl8pPr>
+            <a:lvl9pPr marL="3886200" indent="-228600" algn="l" defTabSz="914400" rtl="0" eaLnBrk="1" latinLnBrk="0" hangingPunct="1">
+              <a:lnSpc>
+                <a:spcPct val="90000"/>
+              </a:lnSpc>
+              <a:spcBef>
+                <a:spcPts val="500"/>
+              </a:spcBef>
+              <a:buFont typeface="Arial" panose="020B0604020202020204" pitchFamily="34" charset="0"/>
+              <a:buChar char="•"/>
+              <a:defRPr sz="1800" kern="1200">
+                <a:solidFill>
+                  <a:schemeClr val="tx1"/>
+                </a:solidFill>
+                <a:latin typeface="+mn-lt"/>
+                <a:ea typeface="+mn-ea"/>
+                <a:cs typeface="+mn-cs"/>
+              </a:defRPr>
+            </a:lvl9pPr>
+          </a:lstStyle>
+          <a:p>
+            <a:pPr marL="0" indent="0" algn="just">
+              <a:lnSpc>
+                <a:spcPct val="163636"/>
+              </a:lnSpc>
+              <a:spcBef>
+                <a:spcPts val="0"/>
+              </a:spcBef>
+              <a:buNone/>
+            </a:pPr>
+            <a:r>
+              <a:rPr lang="en-US" sz="2000" dirty="0">
+                <a:solidFill>
+                  <a:schemeClr val="dk1"/>
+                </a:solidFill>
+                <a:latin typeface="Times New Roman"/>
+                <a:ea typeface="Times New Roman"/>
+                <a:cs typeface="Times New Roman"/>
+                <a:sym typeface="Times New Roman"/>
+              </a:rPr>
+              <a:t>function </a:t>
+            </a:r>
+            <a:r>
+              <a:rPr lang="en-US" sz="2000" dirty="0" err="1">
+                <a:solidFill>
+                  <a:schemeClr val="dk1"/>
+                </a:solidFill>
+                <a:latin typeface="Times New Roman"/>
+                <a:ea typeface="Times New Roman"/>
+                <a:cs typeface="Times New Roman"/>
+                <a:sym typeface="Times New Roman"/>
+              </a:rPr>
+              <a:t>AStarAlgorithm</a:t>
+            </a:r>
+            <a:r>
+              <a:rPr lang="en-US" sz="2000" dirty="0">
+                <a:solidFill>
+                  <a:schemeClr val="dk1"/>
+                </a:solidFill>
+                <a:latin typeface="Times New Roman"/>
+                <a:ea typeface="Times New Roman"/>
+                <a:cs typeface="Times New Roman"/>
+                <a:sym typeface="Times New Roman"/>
+              </a:rPr>
+              <a:t>(start, finish, graph):</a:t>
+            </a:r>
+          </a:p>
+          <a:p>
+            <a:pPr marL="0" indent="0" algn="just">
+              <a:lnSpc>
+                <a:spcPct val="163636"/>
+              </a:lnSpc>
+              <a:spcBef>
+                <a:spcPts val="0"/>
+              </a:spcBef>
+              <a:buNone/>
+            </a:pPr>
+            <a:r>
+              <a:rPr lang="ru-RU" sz="2000" dirty="0">
+                <a:solidFill>
+                  <a:schemeClr val="dk1"/>
+                </a:solidFill>
+                <a:latin typeface="Times New Roman"/>
+                <a:ea typeface="Times New Roman"/>
+                <a:cs typeface="Times New Roman"/>
+                <a:sym typeface="Times New Roman"/>
+              </a:rPr>
+              <a:t>	</a:t>
+            </a:r>
+            <a:r>
+              <a:rPr lang="en-US" sz="2000" dirty="0" err="1">
+                <a:solidFill>
+                  <a:schemeClr val="dk1"/>
+                </a:solidFill>
+                <a:latin typeface="Times New Roman"/>
+                <a:ea typeface="Times New Roman"/>
+                <a:cs typeface="Times New Roman"/>
+                <a:sym typeface="Times New Roman"/>
+              </a:rPr>
+              <a:t>PriorityQueue</a:t>
+            </a:r>
+            <a:r>
+              <a:rPr lang="en-US" sz="2000" dirty="0">
+                <a:solidFill>
+                  <a:schemeClr val="dk1"/>
+                </a:solidFill>
+                <a:latin typeface="Times New Roman"/>
+                <a:ea typeface="Times New Roman"/>
+                <a:cs typeface="Times New Roman"/>
+                <a:sym typeface="Times New Roman"/>
+              </a:rPr>
+              <a:t> frontier = new </a:t>
+            </a:r>
+            <a:r>
+              <a:rPr lang="en-US" sz="2000" dirty="0" err="1">
+                <a:solidFill>
+                  <a:schemeClr val="dk1"/>
+                </a:solidFill>
+                <a:latin typeface="Times New Roman"/>
+                <a:ea typeface="Times New Roman"/>
+                <a:cs typeface="Times New Roman"/>
+                <a:sym typeface="Times New Roman"/>
+              </a:rPr>
+              <a:t>PriorityQueue</a:t>
+            </a:r>
+            <a:r>
+              <a:rPr lang="en-US" sz="2000" dirty="0">
+                <a:solidFill>
+                  <a:schemeClr val="dk1"/>
+                </a:solidFill>
+                <a:latin typeface="Times New Roman"/>
+                <a:ea typeface="Times New Roman"/>
+                <a:cs typeface="Times New Roman"/>
+                <a:sym typeface="Times New Roman"/>
+              </a:rPr>
+              <a:t>()</a:t>
+            </a:r>
+            <a:endParaRPr lang="ru-RU" sz="2000" dirty="0">
+              <a:solidFill>
+                <a:schemeClr val="dk1"/>
+              </a:solidFill>
+              <a:latin typeface="Times New Roman"/>
+              <a:ea typeface="Times New Roman"/>
+              <a:cs typeface="Times New Roman"/>
+              <a:sym typeface="Times New Roman"/>
+            </a:endParaRPr>
+          </a:p>
+          <a:p>
+            <a:pPr marL="0" indent="0" algn="just">
+              <a:lnSpc>
+                <a:spcPct val="163636"/>
+              </a:lnSpc>
+              <a:spcBef>
+                <a:spcPts val="0"/>
+              </a:spcBef>
+              <a:buNone/>
+            </a:pPr>
+            <a:r>
+              <a:rPr lang="ru-RU" sz="2000" dirty="0">
+                <a:solidFill>
+                  <a:schemeClr val="dk1"/>
+                </a:solidFill>
+                <a:latin typeface="Times New Roman"/>
+                <a:ea typeface="Times New Roman"/>
+                <a:cs typeface="Times New Roman"/>
+                <a:sym typeface="Times New Roman"/>
+              </a:rPr>
+              <a:t>	</a:t>
+            </a:r>
+            <a:r>
+              <a:rPr lang="en-US" sz="2000" dirty="0" err="1">
+                <a:solidFill>
+                  <a:schemeClr val="dk1"/>
+                </a:solidFill>
+                <a:latin typeface="Times New Roman"/>
+                <a:ea typeface="Times New Roman"/>
+                <a:cs typeface="Times New Roman"/>
+                <a:sym typeface="Times New Roman"/>
+              </a:rPr>
+              <a:t>Frontier.Put</a:t>
+            </a:r>
+            <a:r>
+              <a:rPr lang="en-US" sz="2000" dirty="0">
+                <a:solidFill>
+                  <a:schemeClr val="dk1"/>
+                </a:solidFill>
+                <a:latin typeface="Times New Roman"/>
+                <a:ea typeface="Times New Roman"/>
+                <a:cs typeface="Times New Roman"/>
+                <a:sym typeface="Times New Roman"/>
+              </a:rPr>
+              <a:t>(start, 0 + </a:t>
+            </a:r>
+            <a:r>
+              <a:rPr lang="en-US" sz="2000" dirty="0" err="1">
+                <a:solidFill>
+                  <a:schemeClr val="dk1"/>
+                </a:solidFill>
+                <a:latin typeface="Times New Roman"/>
+                <a:ea typeface="Times New Roman"/>
+                <a:cs typeface="Times New Roman"/>
+                <a:sym typeface="Times New Roman"/>
+              </a:rPr>
+              <a:t>HeuristicFunc</a:t>
+            </a:r>
+            <a:r>
+              <a:rPr lang="en-US" sz="2000" dirty="0">
+                <a:solidFill>
+                  <a:schemeClr val="dk1"/>
+                </a:solidFill>
+                <a:latin typeface="Times New Roman"/>
+                <a:ea typeface="Times New Roman"/>
+                <a:cs typeface="Times New Roman"/>
+                <a:sym typeface="Times New Roman"/>
+              </a:rPr>
+              <a:t>(start, finish))</a:t>
+            </a:r>
+            <a:endParaRPr lang="ru-RU" sz="2000" dirty="0">
+              <a:solidFill>
+                <a:schemeClr val="dk1"/>
+              </a:solidFill>
+              <a:latin typeface="Times New Roman"/>
+              <a:ea typeface="Times New Roman"/>
+              <a:cs typeface="Times New Roman"/>
+              <a:sym typeface="Times New Roman"/>
+            </a:endParaRPr>
+          </a:p>
+          <a:p>
+            <a:pPr marL="0" indent="0" algn="just">
+              <a:lnSpc>
+                <a:spcPct val="163636"/>
+              </a:lnSpc>
+              <a:spcBef>
+                <a:spcPts val="0"/>
+              </a:spcBef>
+              <a:buNone/>
+            </a:pPr>
+            <a:r>
+              <a:rPr lang="ru-RU" sz="2000" dirty="0">
+                <a:solidFill>
+                  <a:schemeClr val="dk1"/>
+                </a:solidFill>
+                <a:latin typeface="Times New Roman"/>
+                <a:ea typeface="Times New Roman"/>
+                <a:cs typeface="Times New Roman"/>
+                <a:sym typeface="Times New Roman"/>
+              </a:rPr>
+              <a:t>	</a:t>
+            </a:r>
+            <a:r>
+              <a:rPr lang="en-US" sz="2000" dirty="0">
+                <a:solidFill>
+                  <a:schemeClr val="dk1"/>
+                </a:solidFill>
+                <a:latin typeface="Times New Roman"/>
+                <a:ea typeface="Times New Roman"/>
+                <a:cs typeface="Times New Roman"/>
+                <a:sym typeface="Times New Roman"/>
+              </a:rPr>
+              <a:t>Map </a:t>
+            </a:r>
+            <a:r>
+              <a:rPr lang="en-US" sz="2000" dirty="0" err="1">
+                <a:solidFill>
+                  <a:schemeClr val="dk1"/>
+                </a:solidFill>
+                <a:latin typeface="Times New Roman"/>
+                <a:ea typeface="Times New Roman"/>
+                <a:cs typeface="Times New Roman"/>
+                <a:sym typeface="Times New Roman"/>
+              </a:rPr>
+              <a:t>cameFrom</a:t>
+            </a:r>
+            <a:r>
+              <a:rPr lang="en-US" sz="2000" dirty="0">
+                <a:solidFill>
+                  <a:schemeClr val="dk1"/>
+                </a:solidFill>
+                <a:latin typeface="Times New Roman"/>
+                <a:ea typeface="Times New Roman"/>
+                <a:cs typeface="Times New Roman"/>
+                <a:sym typeface="Times New Roman"/>
+              </a:rPr>
+              <a:t> = </a:t>
+            </a:r>
+            <a:r>
+              <a:rPr lang="en-US" sz="2000" dirty="0" err="1">
+                <a:solidFill>
+                  <a:schemeClr val="dk1"/>
+                </a:solidFill>
+                <a:latin typeface="Times New Roman"/>
+                <a:ea typeface="Times New Roman"/>
+                <a:cs typeface="Times New Roman"/>
+                <a:sym typeface="Times New Roman"/>
+              </a:rPr>
+              <a:t>newMap</a:t>
+            </a:r>
+            <a:r>
+              <a:rPr lang="en-US" sz="2000" dirty="0">
+                <a:solidFill>
+                  <a:schemeClr val="dk1"/>
+                </a:solidFill>
+                <a:latin typeface="Times New Roman"/>
+                <a:ea typeface="Times New Roman"/>
+                <a:cs typeface="Times New Roman"/>
+                <a:sym typeface="Times New Roman"/>
+              </a:rPr>
+              <a:t>()</a:t>
+            </a:r>
+            <a:endParaRPr lang="ru-RU" sz="2000" dirty="0">
+              <a:solidFill>
+                <a:schemeClr val="dk1"/>
+              </a:solidFill>
+              <a:latin typeface="Times New Roman"/>
+              <a:ea typeface="Times New Roman"/>
+              <a:cs typeface="Times New Roman"/>
+              <a:sym typeface="Times New Roman"/>
+            </a:endParaRPr>
+          </a:p>
+          <a:p>
+            <a:pPr marL="0" indent="0" algn="just">
+              <a:lnSpc>
+                <a:spcPct val="163636"/>
+              </a:lnSpc>
+              <a:spcBef>
+                <a:spcPts val="0"/>
+              </a:spcBef>
+              <a:buNone/>
+            </a:pPr>
+            <a:r>
+              <a:rPr lang="ru-RU" sz="2000" dirty="0">
+                <a:solidFill>
+                  <a:schemeClr val="dk1"/>
+                </a:solidFill>
+                <a:latin typeface="Times New Roman"/>
+                <a:ea typeface="Times New Roman"/>
+                <a:cs typeface="Times New Roman"/>
+                <a:sym typeface="Times New Roman"/>
+              </a:rPr>
+              <a:t>	</a:t>
+            </a:r>
+            <a:r>
+              <a:rPr lang="en-US" sz="2000" dirty="0" err="1">
+                <a:solidFill>
+                  <a:schemeClr val="dk1"/>
+                </a:solidFill>
+                <a:latin typeface="Times New Roman"/>
+                <a:ea typeface="Times New Roman"/>
+                <a:cs typeface="Times New Roman"/>
+                <a:sym typeface="Times New Roman"/>
+              </a:rPr>
+              <a:t>cameFrom</a:t>
+            </a:r>
+            <a:r>
+              <a:rPr lang="en-US" sz="2000" dirty="0">
+                <a:solidFill>
+                  <a:schemeClr val="dk1"/>
+                </a:solidFill>
+                <a:latin typeface="Times New Roman"/>
+                <a:ea typeface="Times New Roman"/>
+                <a:cs typeface="Times New Roman"/>
+                <a:sym typeface="Times New Roman"/>
+              </a:rPr>
+              <a:t>[start] = null</a:t>
+            </a:r>
+            <a:endParaRPr lang="ru-RU" sz="2000" dirty="0">
+              <a:solidFill>
+                <a:schemeClr val="dk1"/>
+              </a:solidFill>
+              <a:latin typeface="Times New Roman"/>
+              <a:ea typeface="Times New Roman"/>
+              <a:cs typeface="Times New Roman"/>
+              <a:sym typeface="Times New Roman"/>
+            </a:endParaRPr>
+          </a:p>
+          <a:p>
+            <a:pPr marL="0" indent="0" algn="just">
+              <a:lnSpc>
+                <a:spcPct val="163636"/>
+              </a:lnSpc>
+              <a:spcBef>
+                <a:spcPts val="0"/>
+              </a:spcBef>
+              <a:buNone/>
+            </a:pPr>
+            <a:r>
+              <a:rPr lang="ru-RU" sz="2000" dirty="0">
+                <a:solidFill>
+                  <a:schemeClr val="dk1"/>
+                </a:solidFill>
+                <a:latin typeface="Times New Roman"/>
+                <a:ea typeface="Times New Roman"/>
+                <a:cs typeface="Times New Roman"/>
+                <a:sym typeface="Times New Roman"/>
+              </a:rPr>
+              <a:t>	</a:t>
+            </a:r>
+            <a:r>
+              <a:rPr lang="en-US" sz="2000" dirty="0">
+                <a:solidFill>
+                  <a:schemeClr val="dk1"/>
+                </a:solidFill>
+                <a:latin typeface="Times New Roman"/>
+                <a:ea typeface="Times New Roman"/>
+                <a:cs typeface="Times New Roman"/>
+                <a:sym typeface="Times New Roman"/>
+              </a:rPr>
+              <a:t>Map </a:t>
+            </a:r>
+            <a:r>
+              <a:rPr lang="en-US" sz="2000" dirty="0" err="1">
+                <a:solidFill>
+                  <a:schemeClr val="dk1"/>
+                </a:solidFill>
+                <a:latin typeface="Times New Roman"/>
+                <a:ea typeface="Times New Roman"/>
+                <a:cs typeface="Times New Roman"/>
+                <a:sym typeface="Times New Roman"/>
+              </a:rPr>
+              <a:t>costSoFar</a:t>
+            </a:r>
+            <a:r>
+              <a:rPr lang="en-US" sz="2000" dirty="0">
+                <a:solidFill>
+                  <a:schemeClr val="dk1"/>
+                </a:solidFill>
+                <a:latin typeface="Times New Roman"/>
+                <a:ea typeface="Times New Roman"/>
+                <a:cs typeface="Times New Roman"/>
+                <a:sym typeface="Times New Roman"/>
+              </a:rPr>
+              <a:t> = </a:t>
+            </a:r>
+            <a:r>
+              <a:rPr lang="en-US" sz="2000" dirty="0" err="1">
+                <a:solidFill>
+                  <a:schemeClr val="dk1"/>
+                </a:solidFill>
+                <a:latin typeface="Times New Roman"/>
+                <a:ea typeface="Times New Roman"/>
+                <a:cs typeface="Times New Roman"/>
+                <a:sym typeface="Times New Roman"/>
+              </a:rPr>
+              <a:t>newMap</a:t>
+            </a:r>
+            <a:r>
+              <a:rPr lang="en-US" sz="2000" dirty="0">
+                <a:solidFill>
+                  <a:schemeClr val="dk1"/>
+                </a:solidFill>
+                <a:latin typeface="Times New Roman"/>
+                <a:ea typeface="Times New Roman"/>
+                <a:cs typeface="Times New Roman"/>
+                <a:sym typeface="Times New Roman"/>
+              </a:rPr>
+              <a:t>()</a:t>
+            </a:r>
+          </a:p>
+          <a:p>
+            <a:pPr marL="0" indent="0" algn="just">
+              <a:lnSpc>
+                <a:spcPct val="163636"/>
+              </a:lnSpc>
+              <a:spcBef>
+                <a:spcPts val="0"/>
+              </a:spcBef>
+              <a:buNone/>
+            </a:pPr>
+            <a:r>
+              <a:rPr lang="ru-RU" sz="2000" dirty="0">
+                <a:solidFill>
+                  <a:schemeClr val="dk1"/>
+                </a:solidFill>
+                <a:latin typeface="Times New Roman"/>
+                <a:ea typeface="Times New Roman"/>
+                <a:cs typeface="Times New Roman"/>
+                <a:sym typeface="Times New Roman"/>
+              </a:rPr>
+              <a:t>	</a:t>
+            </a:r>
+            <a:r>
+              <a:rPr lang="en-US" sz="2000" dirty="0" err="1">
+                <a:solidFill>
+                  <a:schemeClr val="dk1"/>
+                </a:solidFill>
+                <a:latin typeface="Times New Roman"/>
+                <a:ea typeface="Times New Roman"/>
+                <a:cs typeface="Times New Roman"/>
+                <a:sym typeface="Times New Roman"/>
+              </a:rPr>
+              <a:t>costSoFar</a:t>
+            </a:r>
+            <a:r>
+              <a:rPr lang="en-US" sz="2000" dirty="0">
+                <a:solidFill>
+                  <a:schemeClr val="dk1"/>
+                </a:solidFill>
+                <a:latin typeface="Times New Roman"/>
+                <a:ea typeface="Times New Roman"/>
+                <a:cs typeface="Times New Roman"/>
+                <a:sym typeface="Times New Roman"/>
+              </a:rPr>
+              <a:t>[start] = 0</a:t>
+            </a:r>
+          </a:p>
+          <a:p>
+            <a:pPr marL="0" indent="0" algn="just">
+              <a:lnSpc>
+                <a:spcPct val="163636"/>
+              </a:lnSpc>
+              <a:spcBef>
+                <a:spcPts val="0"/>
+              </a:spcBef>
+              <a:buNone/>
+            </a:pPr>
+            <a:endParaRPr lang="en-US" sz="2000" dirty="0">
+              <a:solidFill>
+                <a:schemeClr val="dk1"/>
+              </a:solidFill>
+              <a:latin typeface="Times New Roman"/>
+              <a:ea typeface="Times New Roman"/>
+              <a:cs typeface="Times New Roman"/>
+              <a:sym typeface="Times New Roman"/>
+            </a:endParaRPr>
+          </a:p>
+        </p:txBody>
+      </p:sp>
+    </p:spTree>
+    <p:extLst>
+      <p:ext uri="{BB962C8B-B14F-4D97-AF65-F5344CB8AC3E}">
+        <p14:creationId xmlns:p14="http://schemas.microsoft.com/office/powerpoint/2010/main" val="1432659554"/>
+      </p:ext>
+    </p:extLst>
+  </p:cSld>
+  <p:clrMapOvr>
+    <a:masterClrMapping/>
+  </p:clrMapOvr>
+</p:sld>
+</file>
+
+<file path=ppt/slides/slide26.xml><?xml version="1.0" encoding="utf-8"?>
+<p:sld xmlns:a="http://schemas.openxmlformats.org/drawingml/2006/main" xmlns:r="http://schemas.openxmlformats.org/officeDocument/2006/relationships" xmlns:p="http://schemas.openxmlformats.org/presentationml/2006/main">
+  <p:cSld>
+    <p:spTree>
+      <p:nvGrpSpPr>
+        <p:cNvPr id="1" name=""/>
+        <p:cNvGrpSpPr/>
+        <p:nvPr/>
+      </p:nvGrpSpPr>
+      <p:grpSpPr>
+        <a:xfrm>
+          <a:off x="0" y="0"/>
+          <a:ext cx="0" cy="0"/>
+          <a:chOff x="0" y="0"/>
+          <a:chExt cx="0" cy="0"/>
+        </a:xfrm>
+      </p:grpSpPr>
+      <p:sp>
+        <p:nvSpPr>
+          <p:cNvPr id="2" name="Заголовок 1">
+            <a:extLst>
+              <a:ext uri="{FF2B5EF4-FFF2-40B4-BE49-F238E27FC236}">
+                <a16:creationId xmlns:a16="http://schemas.microsoft.com/office/drawing/2014/main" id="{EF7C6FD2-7C4B-447F-B992-86EFDC664EED}"/>
+              </a:ext>
+            </a:extLst>
+          </p:cNvPr>
+          <p:cNvSpPr>
+            <a:spLocks noGrp="1"/>
+          </p:cNvSpPr>
+          <p:nvPr>
+            <p:ph type="title"/>
+          </p:nvPr>
+        </p:nvSpPr>
+        <p:spPr/>
+        <p:txBody>
+          <a:bodyPr/>
+          <a:lstStyle/>
+          <a:p>
+            <a:r>
+              <a:rPr lang="ru-RU" dirty="0"/>
+              <a:t>Алгоритм </a:t>
+            </a:r>
+            <a:r>
+              <a:rPr lang="en-US" dirty="0"/>
+              <a:t>A</a:t>
+            </a:r>
+            <a:r>
+              <a:rPr lang="ru-RU" baseline="30000" dirty="0"/>
+              <a:t>*</a:t>
+            </a:r>
+            <a:endParaRPr lang="ru-RU" dirty="0"/>
+          </a:p>
+        </p:txBody>
+      </p:sp>
+      <p:sp>
+        <p:nvSpPr>
+          <p:cNvPr id="3" name="Google Shape;66;p14">
+            <a:extLst>
+              <a:ext uri="{FF2B5EF4-FFF2-40B4-BE49-F238E27FC236}">
+                <a16:creationId xmlns:a16="http://schemas.microsoft.com/office/drawing/2014/main" id="{6D6930BD-F9AE-4551-9045-DED2C7295430}"/>
+              </a:ext>
+            </a:extLst>
+          </p:cNvPr>
+          <p:cNvSpPr txBox="1">
+            <a:spLocks/>
+          </p:cNvSpPr>
+          <p:nvPr/>
+        </p:nvSpPr>
+        <p:spPr>
+          <a:xfrm>
+            <a:off x="4372707" y="1448972"/>
+            <a:ext cx="3446585" cy="4754880"/>
+          </a:xfrm>
+          <a:prstGeom prst="rect">
+            <a:avLst/>
+          </a:prstGeom>
+        </p:spPr>
+        <p:txBody>
+          <a:bodyPr spcFirstLastPara="1" vert="horz" wrap="square" lIns="91425" tIns="91425" rIns="91425" bIns="91425" rtlCol="0" anchor="t" anchorCtr="0">
+            <a:noAutofit/>
+          </a:bodyPr>
+          <a:lstStyle>
+            <a:lvl1pPr marL="228600" indent="-228600" algn="l" defTabSz="914400" rtl="0" eaLnBrk="1" latinLnBrk="0" hangingPunct="1">
+              <a:lnSpc>
+                <a:spcPct val="90000"/>
+              </a:lnSpc>
+              <a:spcBef>
+                <a:spcPts val="1000"/>
+              </a:spcBef>
+              <a:buFont typeface="Arial" panose="020B0604020202020204" pitchFamily="34" charset="0"/>
+              <a:buChar char="•"/>
+              <a:defRPr sz="2800" kern="1200">
+                <a:solidFill>
+                  <a:schemeClr val="tx1"/>
+                </a:solidFill>
+                <a:latin typeface="+mn-lt"/>
+                <a:ea typeface="+mn-ea"/>
+                <a:cs typeface="+mn-cs"/>
+              </a:defRPr>
+            </a:lvl1pPr>
+            <a:lvl2pPr marL="685800" indent="-228600" algn="l" defTabSz="914400" rtl="0" eaLnBrk="1" latinLnBrk="0" hangingPunct="1">
+              <a:lnSpc>
+                <a:spcPct val="90000"/>
+              </a:lnSpc>
+              <a:spcBef>
+                <a:spcPts val="500"/>
+              </a:spcBef>
+              <a:buFont typeface="Arial" panose="020B0604020202020204" pitchFamily="34" charset="0"/>
+              <a:buChar char="•"/>
+              <a:defRPr sz="2400" kern="1200">
+                <a:solidFill>
+                  <a:schemeClr val="tx1"/>
+                </a:solidFill>
+                <a:latin typeface="+mn-lt"/>
+                <a:ea typeface="+mn-ea"/>
+                <a:cs typeface="+mn-cs"/>
+              </a:defRPr>
+            </a:lvl2pPr>
+            <a:lvl3pPr marL="1143000" indent="-228600" algn="l" defTabSz="914400" rtl="0" eaLnBrk="1" latinLnBrk="0" hangingPunct="1">
+              <a:lnSpc>
+                <a:spcPct val="90000"/>
+              </a:lnSpc>
+              <a:spcBef>
+                <a:spcPts val="500"/>
+              </a:spcBef>
+              <a:buFont typeface="Arial" panose="020B0604020202020204" pitchFamily="34" charset="0"/>
+              <a:buChar char="•"/>
+              <a:defRPr sz="2000" kern="1200">
+                <a:solidFill>
+                  <a:schemeClr val="tx1"/>
+                </a:solidFill>
+                <a:latin typeface="+mn-lt"/>
+                <a:ea typeface="+mn-ea"/>
+                <a:cs typeface="+mn-cs"/>
+              </a:defRPr>
+            </a:lvl3pPr>
+            <a:lvl4pPr marL="1600200" indent="-228600" algn="l" defTabSz="914400" rtl="0" eaLnBrk="1" latinLnBrk="0" hangingPunct="1">
+              <a:lnSpc>
+                <a:spcPct val="90000"/>
+              </a:lnSpc>
+              <a:spcBef>
+                <a:spcPts val="500"/>
+              </a:spcBef>
+              <a:buFont typeface="Arial" panose="020B0604020202020204" pitchFamily="34" charset="0"/>
+              <a:buChar char="•"/>
+              <a:defRPr sz="1800" kern="1200">
+                <a:solidFill>
+                  <a:schemeClr val="tx1"/>
+                </a:solidFill>
+                <a:latin typeface="+mn-lt"/>
+                <a:ea typeface="+mn-ea"/>
+                <a:cs typeface="+mn-cs"/>
+              </a:defRPr>
+            </a:lvl4pPr>
+            <a:lvl5pPr marL="2057400" indent="-228600" algn="l" defTabSz="914400" rtl="0" eaLnBrk="1" latinLnBrk="0" hangingPunct="1">
+              <a:lnSpc>
+                <a:spcPct val="90000"/>
+              </a:lnSpc>
+              <a:spcBef>
+                <a:spcPts val="500"/>
+              </a:spcBef>
+              <a:buFont typeface="Arial" panose="020B0604020202020204" pitchFamily="34" charset="0"/>
+              <a:buChar char="•"/>
+              <a:defRPr sz="1800" kern="1200">
+                <a:solidFill>
+                  <a:schemeClr val="tx1"/>
+                </a:solidFill>
+                <a:latin typeface="+mn-lt"/>
+                <a:ea typeface="+mn-ea"/>
+                <a:cs typeface="+mn-cs"/>
+              </a:defRPr>
+            </a:lvl5pPr>
+            <a:lvl6pPr marL="2514600" indent="-228600" algn="l" defTabSz="914400" rtl="0" eaLnBrk="1" latinLnBrk="0" hangingPunct="1">
+              <a:lnSpc>
+                <a:spcPct val="90000"/>
+              </a:lnSpc>
+              <a:spcBef>
+                <a:spcPts val="500"/>
+              </a:spcBef>
+              <a:buFont typeface="Arial" panose="020B0604020202020204" pitchFamily="34" charset="0"/>
+              <a:buChar char="•"/>
+              <a:defRPr sz="1800" kern="1200">
+                <a:solidFill>
+                  <a:schemeClr val="tx1"/>
+                </a:solidFill>
+                <a:latin typeface="+mn-lt"/>
+                <a:ea typeface="+mn-ea"/>
+                <a:cs typeface="+mn-cs"/>
+              </a:defRPr>
+            </a:lvl6pPr>
+            <a:lvl7pPr marL="2971800" indent="-228600" algn="l" defTabSz="914400" rtl="0" eaLnBrk="1" latinLnBrk="0" hangingPunct="1">
+              <a:lnSpc>
+                <a:spcPct val="90000"/>
+              </a:lnSpc>
+              <a:spcBef>
+                <a:spcPts val="500"/>
+              </a:spcBef>
+              <a:buFont typeface="Arial" panose="020B0604020202020204" pitchFamily="34" charset="0"/>
+              <a:buChar char="•"/>
+              <a:defRPr sz="1800" kern="1200">
+                <a:solidFill>
+                  <a:schemeClr val="tx1"/>
+                </a:solidFill>
+                <a:latin typeface="+mn-lt"/>
+                <a:ea typeface="+mn-ea"/>
+                <a:cs typeface="+mn-cs"/>
+              </a:defRPr>
+            </a:lvl7pPr>
+            <a:lvl8pPr marL="3429000" indent="-228600" algn="l" defTabSz="914400" rtl="0" eaLnBrk="1" latinLnBrk="0" hangingPunct="1">
+              <a:lnSpc>
+                <a:spcPct val="90000"/>
+              </a:lnSpc>
+              <a:spcBef>
+                <a:spcPts val="500"/>
+              </a:spcBef>
+              <a:buFont typeface="Arial" panose="020B0604020202020204" pitchFamily="34" charset="0"/>
+              <a:buChar char="•"/>
+              <a:defRPr sz="1800" kern="1200">
+                <a:solidFill>
+                  <a:schemeClr val="tx1"/>
+                </a:solidFill>
+                <a:latin typeface="+mn-lt"/>
+                <a:ea typeface="+mn-ea"/>
+                <a:cs typeface="+mn-cs"/>
+              </a:defRPr>
+            </a:lvl8pPr>
+            <a:lvl9pPr marL="3886200" indent="-228600" algn="l" defTabSz="914400" rtl="0" eaLnBrk="1" latinLnBrk="0" hangingPunct="1">
+              <a:lnSpc>
+                <a:spcPct val="90000"/>
+              </a:lnSpc>
+              <a:spcBef>
+                <a:spcPts val="500"/>
+              </a:spcBef>
+              <a:buFont typeface="Arial" panose="020B0604020202020204" pitchFamily="34" charset="0"/>
+              <a:buChar char="•"/>
+              <a:defRPr sz="1800" kern="1200">
+                <a:solidFill>
+                  <a:schemeClr val="tx1"/>
+                </a:solidFill>
+                <a:latin typeface="+mn-lt"/>
+                <a:ea typeface="+mn-ea"/>
+                <a:cs typeface="+mn-cs"/>
+              </a:defRPr>
+            </a:lvl9pPr>
+          </a:lstStyle>
+          <a:p>
+            <a:pPr marL="0" indent="0" algn="just">
+              <a:lnSpc>
+                <a:spcPct val="163636"/>
+              </a:lnSpc>
+              <a:spcBef>
+                <a:spcPts val="0"/>
+              </a:spcBef>
+              <a:buNone/>
+            </a:pPr>
+            <a:r>
+              <a:rPr lang="en-US" sz="2000" dirty="0">
+                <a:solidFill>
+                  <a:schemeClr val="dk1"/>
+                </a:solidFill>
+                <a:latin typeface="Times New Roman"/>
+                <a:ea typeface="Times New Roman"/>
+                <a:cs typeface="Times New Roman"/>
+                <a:sym typeface="Times New Roman"/>
+              </a:rPr>
+              <a:t>while (</a:t>
+            </a:r>
+            <a:r>
+              <a:rPr lang="en-US" sz="2000" dirty="0" err="1">
+                <a:solidFill>
+                  <a:schemeClr val="dk1"/>
+                </a:solidFill>
+                <a:latin typeface="Times New Roman"/>
+                <a:ea typeface="Times New Roman"/>
+                <a:cs typeface="Times New Roman"/>
+                <a:sym typeface="Times New Roman"/>
+              </a:rPr>
+              <a:t>frontier.NotEmpty</a:t>
+            </a:r>
+            <a:r>
+              <a:rPr lang="en-US" sz="2000" dirty="0">
+                <a:solidFill>
+                  <a:schemeClr val="dk1"/>
+                </a:solidFill>
+                <a:latin typeface="Times New Roman"/>
+                <a:ea typeface="Times New Roman"/>
+                <a:cs typeface="Times New Roman"/>
+                <a:sym typeface="Times New Roman"/>
+              </a:rPr>
+              <a:t>())</a:t>
+            </a:r>
+          </a:p>
+          <a:p>
+            <a:pPr marL="0" indent="0" algn="just">
+              <a:lnSpc>
+                <a:spcPct val="163636"/>
+              </a:lnSpc>
+              <a:spcBef>
+                <a:spcPts val="0"/>
+              </a:spcBef>
+              <a:buNone/>
+            </a:pPr>
+            <a:r>
+              <a:rPr lang="en-US" sz="2000" dirty="0">
+                <a:solidFill>
+                  <a:schemeClr val="dk1"/>
+                </a:solidFill>
+                <a:latin typeface="Times New Roman"/>
+                <a:ea typeface="Times New Roman"/>
+                <a:cs typeface="Times New Roman"/>
+                <a:sym typeface="Times New Roman"/>
+              </a:rPr>
+              <a:t>	current = </a:t>
+            </a:r>
+            <a:r>
+              <a:rPr lang="en-US" sz="2000" dirty="0" err="1">
+                <a:solidFill>
+                  <a:schemeClr val="dk1"/>
+                </a:solidFill>
+                <a:latin typeface="Times New Roman"/>
+                <a:ea typeface="Times New Roman"/>
+                <a:cs typeface="Times New Roman"/>
+                <a:sym typeface="Times New Roman"/>
+              </a:rPr>
+              <a:t>frontier.Get</a:t>
+            </a:r>
+            <a:r>
+              <a:rPr lang="en-US" sz="2000" dirty="0">
+                <a:solidFill>
+                  <a:schemeClr val="dk1"/>
+                </a:solidFill>
+                <a:latin typeface="Times New Roman"/>
+                <a:ea typeface="Times New Roman"/>
+                <a:cs typeface="Times New Roman"/>
+                <a:sym typeface="Times New Roman"/>
+              </a:rPr>
+              <a:t>()</a:t>
+            </a:r>
+          </a:p>
+          <a:p>
+            <a:pPr marL="0" indent="0" algn="just">
+              <a:lnSpc>
+                <a:spcPct val="163636"/>
+              </a:lnSpc>
+              <a:spcBef>
+                <a:spcPts val="0"/>
+              </a:spcBef>
+              <a:buNone/>
+            </a:pPr>
+            <a:r>
+              <a:rPr lang="en-US" sz="2000" dirty="0">
+                <a:solidFill>
+                  <a:schemeClr val="dk1"/>
+                </a:solidFill>
+                <a:latin typeface="Times New Roman"/>
+                <a:ea typeface="Times New Roman"/>
+                <a:cs typeface="Times New Roman"/>
+                <a:sym typeface="Times New Roman"/>
+              </a:rPr>
+              <a:t>	</a:t>
+            </a:r>
+            <a:r>
+              <a:rPr lang="en-US" sz="2000" dirty="0" err="1">
+                <a:solidFill>
+                  <a:schemeClr val="dk1"/>
+                </a:solidFill>
+                <a:latin typeface="Times New Roman"/>
+                <a:ea typeface="Times New Roman"/>
+                <a:cs typeface="Times New Roman"/>
+                <a:sym typeface="Times New Roman"/>
+              </a:rPr>
+              <a:t>frontier.Pop</a:t>
+            </a:r>
+            <a:r>
+              <a:rPr lang="en-US" sz="2000" dirty="0">
+                <a:solidFill>
+                  <a:schemeClr val="dk1"/>
+                </a:solidFill>
+                <a:latin typeface="Times New Roman"/>
+                <a:ea typeface="Times New Roman"/>
+                <a:cs typeface="Times New Roman"/>
+                <a:sym typeface="Times New Roman"/>
+              </a:rPr>
+              <a:t>()</a:t>
+            </a:r>
+          </a:p>
+          <a:p>
+            <a:pPr marL="0" indent="0" algn="just">
+              <a:lnSpc>
+                <a:spcPct val="163636"/>
+              </a:lnSpc>
+              <a:spcBef>
+                <a:spcPts val="0"/>
+              </a:spcBef>
+              <a:buNone/>
+            </a:pPr>
+            <a:r>
+              <a:rPr lang="en-US" sz="2000" dirty="0">
+                <a:solidFill>
+                  <a:schemeClr val="dk1"/>
+                </a:solidFill>
+                <a:latin typeface="Times New Roman"/>
+                <a:ea typeface="Times New Roman"/>
+                <a:cs typeface="Times New Roman"/>
+                <a:sym typeface="Times New Roman"/>
+              </a:rPr>
+              <a:t>  	if (current == finish)</a:t>
+            </a:r>
+          </a:p>
+          <a:p>
+            <a:pPr marL="0" indent="0" algn="just">
+              <a:lnSpc>
+                <a:spcPct val="163636"/>
+              </a:lnSpc>
+              <a:spcBef>
+                <a:spcPts val="0"/>
+              </a:spcBef>
+              <a:buNone/>
+            </a:pPr>
+            <a:r>
+              <a:rPr lang="en-US" sz="2000" dirty="0">
+                <a:solidFill>
+                  <a:schemeClr val="dk1"/>
+                </a:solidFill>
+                <a:latin typeface="Times New Roman"/>
+                <a:ea typeface="Times New Roman"/>
+                <a:cs typeface="Times New Roman"/>
+                <a:sym typeface="Times New Roman"/>
+              </a:rPr>
+              <a:t>      		break</a:t>
+            </a:r>
+          </a:p>
+          <a:p>
+            <a:pPr marL="0" indent="0" algn="just">
+              <a:lnSpc>
+                <a:spcPct val="163636"/>
+              </a:lnSpc>
+              <a:spcBef>
+                <a:spcPts val="0"/>
+              </a:spcBef>
+              <a:buNone/>
+            </a:pPr>
+            <a:endParaRPr lang="en-US" sz="2000" dirty="0">
+              <a:solidFill>
+                <a:schemeClr val="dk1"/>
+              </a:solidFill>
+              <a:latin typeface="Times New Roman"/>
+              <a:ea typeface="Times New Roman"/>
+              <a:cs typeface="Times New Roman"/>
+              <a:sym typeface="Times New Roman"/>
+            </a:endParaRPr>
+          </a:p>
+        </p:txBody>
+      </p:sp>
+    </p:spTree>
+    <p:extLst>
+      <p:ext uri="{BB962C8B-B14F-4D97-AF65-F5344CB8AC3E}">
+        <p14:creationId xmlns:p14="http://schemas.microsoft.com/office/powerpoint/2010/main" val="3925869179"/>
+      </p:ext>
+    </p:extLst>
+  </p:cSld>
+  <p:clrMapOvr>
+    <a:masterClrMapping/>
+  </p:clrMapOvr>
+</p:sld>
+</file>
+
+<file path=ppt/slides/slide27.xml><?xml version="1.0" encoding="utf-8"?>
+<p:sld xmlns:a="http://schemas.openxmlformats.org/drawingml/2006/main" xmlns:r="http://schemas.openxmlformats.org/officeDocument/2006/relationships" xmlns:p="http://schemas.openxmlformats.org/presentationml/2006/main">
+  <p:cSld>
+    <p:spTree>
+      <p:nvGrpSpPr>
+        <p:cNvPr id="1" name=""/>
+        <p:cNvGrpSpPr/>
+        <p:nvPr/>
+      </p:nvGrpSpPr>
+      <p:grpSpPr>
+        <a:xfrm>
+          <a:off x="0" y="0"/>
+          <a:ext cx="0" cy="0"/>
+          <a:chOff x="0" y="0"/>
+          <a:chExt cx="0" cy="0"/>
+        </a:xfrm>
+      </p:grpSpPr>
+      <p:sp>
+        <p:nvSpPr>
+          <p:cNvPr id="2" name="Заголовок 1">
+            <a:extLst>
+              <a:ext uri="{FF2B5EF4-FFF2-40B4-BE49-F238E27FC236}">
+                <a16:creationId xmlns:a16="http://schemas.microsoft.com/office/drawing/2014/main" id="{D62DA4B3-6426-4FD5-A907-9EAC2FEC619D}"/>
+              </a:ext>
+            </a:extLst>
+          </p:cNvPr>
+          <p:cNvSpPr>
+            <a:spLocks noGrp="1"/>
+          </p:cNvSpPr>
+          <p:nvPr>
+            <p:ph type="title"/>
+          </p:nvPr>
+        </p:nvSpPr>
+        <p:spPr/>
+        <p:txBody>
+          <a:bodyPr/>
+          <a:lstStyle/>
+          <a:p>
+            <a:r>
+              <a:rPr lang="ru-RU" dirty="0"/>
+              <a:t>Алгоритм </a:t>
+            </a:r>
+            <a:r>
+              <a:rPr lang="en-US" dirty="0"/>
+              <a:t>A</a:t>
+            </a:r>
+            <a:r>
+              <a:rPr lang="ru-RU" baseline="30000" dirty="0"/>
+              <a:t>*</a:t>
+            </a:r>
+            <a:endParaRPr lang="ru-RU" dirty="0"/>
+          </a:p>
+        </p:txBody>
+      </p:sp>
+      <p:sp>
+        <p:nvSpPr>
+          <p:cNvPr id="3" name="Google Shape;66;p14">
+            <a:extLst>
+              <a:ext uri="{FF2B5EF4-FFF2-40B4-BE49-F238E27FC236}">
+                <a16:creationId xmlns:a16="http://schemas.microsoft.com/office/drawing/2014/main" id="{7C145655-B93E-4C43-B440-DBF06B85DAA3}"/>
+              </a:ext>
+            </a:extLst>
+          </p:cNvPr>
+          <p:cNvSpPr txBox="1">
+            <a:spLocks/>
+          </p:cNvSpPr>
+          <p:nvPr/>
+        </p:nvSpPr>
+        <p:spPr>
+          <a:xfrm>
+            <a:off x="2032781" y="1575582"/>
+            <a:ext cx="8126437" cy="4754880"/>
+          </a:xfrm>
+          <a:prstGeom prst="rect">
+            <a:avLst/>
+          </a:prstGeom>
+        </p:spPr>
+        <p:txBody>
+          <a:bodyPr spcFirstLastPara="1" vert="horz" wrap="square" lIns="91425" tIns="91425" rIns="91425" bIns="91425" rtlCol="0" anchor="t" anchorCtr="0">
+            <a:noAutofit/>
+          </a:bodyPr>
+          <a:lstStyle>
+            <a:lvl1pPr marL="228600" indent="-228600" algn="l" defTabSz="914400" rtl="0" eaLnBrk="1" latinLnBrk="0" hangingPunct="1">
+              <a:lnSpc>
+                <a:spcPct val="90000"/>
+              </a:lnSpc>
+              <a:spcBef>
+                <a:spcPts val="1000"/>
+              </a:spcBef>
+              <a:buFont typeface="Arial" panose="020B0604020202020204" pitchFamily="34" charset="0"/>
+              <a:buChar char="•"/>
+              <a:defRPr sz="2800" kern="1200">
+                <a:solidFill>
+                  <a:schemeClr val="tx1"/>
+                </a:solidFill>
+                <a:latin typeface="+mn-lt"/>
+                <a:ea typeface="+mn-ea"/>
+                <a:cs typeface="+mn-cs"/>
+              </a:defRPr>
+            </a:lvl1pPr>
+            <a:lvl2pPr marL="685800" indent="-228600" algn="l" defTabSz="914400" rtl="0" eaLnBrk="1" latinLnBrk="0" hangingPunct="1">
+              <a:lnSpc>
+                <a:spcPct val="90000"/>
+              </a:lnSpc>
+              <a:spcBef>
+                <a:spcPts val="500"/>
+              </a:spcBef>
+              <a:buFont typeface="Arial" panose="020B0604020202020204" pitchFamily="34" charset="0"/>
+              <a:buChar char="•"/>
+              <a:defRPr sz="2400" kern="1200">
+                <a:solidFill>
+                  <a:schemeClr val="tx1"/>
+                </a:solidFill>
+                <a:latin typeface="+mn-lt"/>
+                <a:ea typeface="+mn-ea"/>
+                <a:cs typeface="+mn-cs"/>
+              </a:defRPr>
+            </a:lvl2pPr>
+            <a:lvl3pPr marL="1143000" indent="-228600" algn="l" defTabSz="914400" rtl="0" eaLnBrk="1" latinLnBrk="0" hangingPunct="1">
+              <a:lnSpc>
+                <a:spcPct val="90000"/>
+              </a:lnSpc>
+              <a:spcBef>
+                <a:spcPts val="500"/>
+              </a:spcBef>
+              <a:buFont typeface="Arial" panose="020B0604020202020204" pitchFamily="34" charset="0"/>
+              <a:buChar char="•"/>
+              <a:defRPr sz="2000" kern="1200">
+                <a:solidFill>
+                  <a:schemeClr val="tx1"/>
+                </a:solidFill>
+                <a:latin typeface="+mn-lt"/>
+                <a:ea typeface="+mn-ea"/>
+                <a:cs typeface="+mn-cs"/>
+              </a:defRPr>
+            </a:lvl3pPr>
+            <a:lvl4pPr marL="1600200" indent="-228600" algn="l" defTabSz="914400" rtl="0" eaLnBrk="1" latinLnBrk="0" hangingPunct="1">
+              <a:lnSpc>
+                <a:spcPct val="90000"/>
+              </a:lnSpc>
+              <a:spcBef>
+                <a:spcPts val="500"/>
+              </a:spcBef>
+              <a:buFont typeface="Arial" panose="020B0604020202020204" pitchFamily="34" charset="0"/>
+              <a:buChar char="•"/>
+              <a:defRPr sz="1800" kern="1200">
+                <a:solidFill>
+                  <a:schemeClr val="tx1"/>
+                </a:solidFill>
+                <a:latin typeface="+mn-lt"/>
+                <a:ea typeface="+mn-ea"/>
+                <a:cs typeface="+mn-cs"/>
+              </a:defRPr>
+            </a:lvl4pPr>
+            <a:lvl5pPr marL="2057400" indent="-228600" algn="l" defTabSz="914400" rtl="0" eaLnBrk="1" latinLnBrk="0" hangingPunct="1">
+              <a:lnSpc>
+                <a:spcPct val="90000"/>
+              </a:lnSpc>
+              <a:spcBef>
+                <a:spcPts val="500"/>
+              </a:spcBef>
+              <a:buFont typeface="Arial" panose="020B0604020202020204" pitchFamily="34" charset="0"/>
+              <a:buChar char="•"/>
+              <a:defRPr sz="1800" kern="1200">
+                <a:solidFill>
+                  <a:schemeClr val="tx1"/>
+                </a:solidFill>
+                <a:latin typeface="+mn-lt"/>
+                <a:ea typeface="+mn-ea"/>
+                <a:cs typeface="+mn-cs"/>
+              </a:defRPr>
+            </a:lvl5pPr>
+            <a:lvl6pPr marL="2514600" indent="-228600" algn="l" defTabSz="914400" rtl="0" eaLnBrk="1" latinLnBrk="0" hangingPunct="1">
+              <a:lnSpc>
+                <a:spcPct val="90000"/>
+              </a:lnSpc>
+              <a:spcBef>
+                <a:spcPts val="500"/>
+              </a:spcBef>
+              <a:buFont typeface="Arial" panose="020B0604020202020204" pitchFamily="34" charset="0"/>
+              <a:buChar char="•"/>
+              <a:defRPr sz="1800" kern="1200">
+                <a:solidFill>
+                  <a:schemeClr val="tx1"/>
+                </a:solidFill>
+                <a:latin typeface="+mn-lt"/>
+                <a:ea typeface="+mn-ea"/>
+                <a:cs typeface="+mn-cs"/>
+              </a:defRPr>
+            </a:lvl6pPr>
+            <a:lvl7pPr marL="2971800" indent="-228600" algn="l" defTabSz="914400" rtl="0" eaLnBrk="1" latinLnBrk="0" hangingPunct="1">
+              <a:lnSpc>
+                <a:spcPct val="90000"/>
+              </a:lnSpc>
+              <a:spcBef>
+                <a:spcPts val="500"/>
+              </a:spcBef>
+              <a:buFont typeface="Arial" panose="020B0604020202020204" pitchFamily="34" charset="0"/>
+              <a:buChar char="•"/>
+              <a:defRPr sz="1800" kern="1200">
+                <a:solidFill>
+                  <a:schemeClr val="tx1"/>
+                </a:solidFill>
+                <a:latin typeface="+mn-lt"/>
+                <a:ea typeface="+mn-ea"/>
+                <a:cs typeface="+mn-cs"/>
+              </a:defRPr>
+            </a:lvl7pPr>
+            <a:lvl8pPr marL="3429000" indent="-228600" algn="l" defTabSz="914400" rtl="0" eaLnBrk="1" latinLnBrk="0" hangingPunct="1">
+              <a:lnSpc>
+                <a:spcPct val="90000"/>
+              </a:lnSpc>
+              <a:spcBef>
+                <a:spcPts val="500"/>
+              </a:spcBef>
+              <a:buFont typeface="Arial" panose="020B0604020202020204" pitchFamily="34" charset="0"/>
+              <a:buChar char="•"/>
+              <a:defRPr sz="1800" kern="1200">
+                <a:solidFill>
+                  <a:schemeClr val="tx1"/>
+                </a:solidFill>
+                <a:latin typeface="+mn-lt"/>
+                <a:ea typeface="+mn-ea"/>
+                <a:cs typeface="+mn-cs"/>
+              </a:defRPr>
+            </a:lvl8pPr>
+            <a:lvl9pPr marL="3886200" indent="-228600" algn="l" defTabSz="914400" rtl="0" eaLnBrk="1" latinLnBrk="0" hangingPunct="1">
+              <a:lnSpc>
+                <a:spcPct val="90000"/>
+              </a:lnSpc>
+              <a:spcBef>
+                <a:spcPts val="500"/>
+              </a:spcBef>
+              <a:buFont typeface="Arial" panose="020B0604020202020204" pitchFamily="34" charset="0"/>
+              <a:buChar char="•"/>
+              <a:defRPr sz="1800" kern="1200">
+                <a:solidFill>
+                  <a:schemeClr val="tx1"/>
+                </a:solidFill>
+                <a:latin typeface="+mn-lt"/>
+                <a:ea typeface="+mn-ea"/>
+                <a:cs typeface="+mn-cs"/>
+              </a:defRPr>
+            </a:lvl9pPr>
+          </a:lstStyle>
+          <a:p>
+            <a:pPr marL="0" indent="0" algn="just">
+              <a:lnSpc>
+                <a:spcPct val="163636"/>
+              </a:lnSpc>
+              <a:spcBef>
+                <a:spcPts val="0"/>
+              </a:spcBef>
+              <a:buNone/>
+            </a:pPr>
+            <a:r>
+              <a:rPr lang="en-US" sz="2000" dirty="0">
+                <a:solidFill>
+                  <a:schemeClr val="dk1"/>
+                </a:solidFill>
+                <a:latin typeface="Times New Roman"/>
+                <a:ea typeface="Times New Roman"/>
+                <a:cs typeface="Times New Roman"/>
+                <a:sym typeface="Times New Roman"/>
+              </a:rPr>
+              <a:t>for neighbor in </a:t>
+            </a:r>
+            <a:r>
+              <a:rPr lang="en-US" sz="2000" dirty="0" err="1">
+                <a:solidFill>
+                  <a:schemeClr val="dk1"/>
+                </a:solidFill>
+                <a:latin typeface="Times New Roman"/>
+                <a:ea typeface="Times New Roman"/>
+                <a:cs typeface="Times New Roman"/>
+                <a:sym typeface="Times New Roman"/>
+              </a:rPr>
+              <a:t>graph.Neighbors</a:t>
+            </a:r>
+            <a:r>
+              <a:rPr lang="en-US" sz="2000" dirty="0">
+                <a:solidFill>
+                  <a:schemeClr val="dk1"/>
+                </a:solidFill>
+                <a:latin typeface="Times New Roman"/>
+                <a:ea typeface="Times New Roman"/>
+                <a:cs typeface="Times New Roman"/>
+                <a:sym typeface="Times New Roman"/>
+              </a:rPr>
+              <a:t>(current)</a:t>
+            </a:r>
+          </a:p>
+          <a:p>
+            <a:pPr marL="0" indent="0" algn="just">
+              <a:lnSpc>
+                <a:spcPct val="163636"/>
+              </a:lnSpc>
+              <a:spcBef>
+                <a:spcPts val="0"/>
+              </a:spcBef>
+              <a:buNone/>
+            </a:pPr>
+            <a:r>
+              <a:rPr lang="en-US" sz="2000" dirty="0">
+                <a:solidFill>
+                  <a:schemeClr val="dk1"/>
+                </a:solidFill>
+                <a:latin typeface="Times New Roman"/>
+                <a:ea typeface="Times New Roman"/>
+                <a:cs typeface="Times New Roman"/>
+                <a:sym typeface="Times New Roman"/>
+              </a:rPr>
+              <a:t>      	</a:t>
+            </a:r>
+            <a:r>
+              <a:rPr lang="en-US" sz="2000" dirty="0" err="1">
+                <a:solidFill>
+                  <a:schemeClr val="dk1"/>
+                </a:solidFill>
+                <a:latin typeface="Times New Roman"/>
+                <a:ea typeface="Times New Roman"/>
+                <a:cs typeface="Times New Roman"/>
+                <a:sym typeface="Times New Roman"/>
+              </a:rPr>
+              <a:t>newCost</a:t>
+            </a:r>
+            <a:r>
+              <a:rPr lang="en-US" sz="2000" dirty="0">
+                <a:solidFill>
+                  <a:schemeClr val="dk1"/>
+                </a:solidFill>
+                <a:latin typeface="Times New Roman"/>
+                <a:ea typeface="Times New Roman"/>
+                <a:cs typeface="Times New Roman"/>
+                <a:sym typeface="Times New Roman"/>
+              </a:rPr>
+              <a:t> = </a:t>
+            </a:r>
+            <a:r>
+              <a:rPr lang="en-US" sz="2000" dirty="0" err="1">
+                <a:solidFill>
+                  <a:schemeClr val="dk1"/>
+                </a:solidFill>
+                <a:latin typeface="Times New Roman"/>
+                <a:ea typeface="Times New Roman"/>
+                <a:cs typeface="Times New Roman"/>
+                <a:sym typeface="Times New Roman"/>
+              </a:rPr>
+              <a:t>costSoFar</a:t>
+            </a:r>
+            <a:r>
+              <a:rPr lang="en-US" sz="2000" dirty="0">
+                <a:solidFill>
+                  <a:schemeClr val="dk1"/>
+                </a:solidFill>
+                <a:latin typeface="Times New Roman"/>
+                <a:ea typeface="Times New Roman"/>
+                <a:cs typeface="Times New Roman"/>
+                <a:sym typeface="Times New Roman"/>
+              </a:rPr>
+              <a:t>[current] + </a:t>
+            </a:r>
+            <a:r>
+              <a:rPr lang="en-US" sz="2000" dirty="0" err="1">
+                <a:solidFill>
+                  <a:schemeClr val="dk1"/>
+                </a:solidFill>
+                <a:latin typeface="Times New Roman"/>
+                <a:ea typeface="Times New Roman"/>
+                <a:cs typeface="Times New Roman"/>
+                <a:sym typeface="Times New Roman"/>
+              </a:rPr>
+              <a:t>graph.Cost</a:t>
+            </a:r>
+            <a:r>
+              <a:rPr lang="en-US" sz="2000" dirty="0">
+                <a:solidFill>
+                  <a:schemeClr val="dk1"/>
+                </a:solidFill>
+                <a:latin typeface="Times New Roman"/>
+                <a:ea typeface="Times New Roman"/>
+                <a:cs typeface="Times New Roman"/>
+                <a:sym typeface="Times New Roman"/>
+              </a:rPr>
+              <a:t>(current, neighbor)</a:t>
+            </a:r>
+          </a:p>
+          <a:p>
+            <a:pPr marL="0" indent="0" algn="just">
+              <a:lnSpc>
+                <a:spcPct val="163636"/>
+              </a:lnSpc>
+              <a:spcBef>
+                <a:spcPts val="0"/>
+              </a:spcBef>
+              <a:buNone/>
+            </a:pPr>
+            <a:r>
+              <a:rPr lang="en-US" sz="2000" dirty="0">
+                <a:solidFill>
+                  <a:schemeClr val="dk1"/>
+                </a:solidFill>
+                <a:latin typeface="Times New Roman"/>
+                <a:ea typeface="Times New Roman"/>
+                <a:cs typeface="Times New Roman"/>
+                <a:sym typeface="Times New Roman"/>
+              </a:rPr>
+              <a:t>      	if neighbor not in </a:t>
+            </a:r>
+            <a:r>
+              <a:rPr lang="en-US" sz="2000" dirty="0" err="1">
+                <a:solidFill>
+                  <a:schemeClr val="dk1"/>
+                </a:solidFill>
+                <a:latin typeface="Times New Roman"/>
+                <a:ea typeface="Times New Roman"/>
+                <a:cs typeface="Times New Roman"/>
+                <a:sym typeface="Times New Roman"/>
+              </a:rPr>
+              <a:t>costSoFar</a:t>
+            </a:r>
+            <a:r>
+              <a:rPr lang="en-US" sz="2000" dirty="0">
+                <a:solidFill>
+                  <a:schemeClr val="dk1"/>
+                </a:solidFill>
+                <a:latin typeface="Times New Roman"/>
+                <a:ea typeface="Times New Roman"/>
+                <a:cs typeface="Times New Roman"/>
+                <a:sym typeface="Times New Roman"/>
+              </a:rPr>
+              <a:t> or </a:t>
+            </a:r>
+            <a:r>
+              <a:rPr lang="en-US" sz="2000" dirty="0" err="1">
+                <a:solidFill>
+                  <a:schemeClr val="dk1"/>
+                </a:solidFill>
+                <a:latin typeface="Times New Roman"/>
+                <a:ea typeface="Times New Roman"/>
+                <a:cs typeface="Times New Roman"/>
+                <a:sym typeface="Times New Roman"/>
+              </a:rPr>
+              <a:t>newCost</a:t>
+            </a:r>
+            <a:r>
+              <a:rPr lang="en-US" sz="2000" dirty="0">
+                <a:solidFill>
+                  <a:schemeClr val="dk1"/>
+                </a:solidFill>
+                <a:latin typeface="Times New Roman"/>
+                <a:ea typeface="Times New Roman"/>
+                <a:cs typeface="Times New Roman"/>
+                <a:sym typeface="Times New Roman"/>
+              </a:rPr>
+              <a:t> &lt; </a:t>
+            </a:r>
+            <a:r>
+              <a:rPr lang="en-US" sz="2000" dirty="0" err="1">
+                <a:solidFill>
+                  <a:schemeClr val="dk1"/>
+                </a:solidFill>
+                <a:latin typeface="Times New Roman"/>
+                <a:ea typeface="Times New Roman"/>
+                <a:cs typeface="Times New Roman"/>
+                <a:sym typeface="Times New Roman"/>
+              </a:rPr>
+              <a:t>costSoFar</a:t>
+            </a:r>
+            <a:r>
+              <a:rPr lang="en-US" sz="2000" dirty="0">
+                <a:solidFill>
+                  <a:schemeClr val="dk1"/>
+                </a:solidFill>
+                <a:latin typeface="Times New Roman"/>
+                <a:ea typeface="Times New Roman"/>
+                <a:cs typeface="Times New Roman"/>
+                <a:sym typeface="Times New Roman"/>
+              </a:rPr>
+              <a:t>[neighbor]:</a:t>
+            </a:r>
+          </a:p>
+          <a:p>
+            <a:pPr marL="0" indent="0" algn="just">
+              <a:lnSpc>
+                <a:spcPct val="163636"/>
+              </a:lnSpc>
+              <a:spcBef>
+                <a:spcPts val="0"/>
+              </a:spcBef>
+              <a:buNone/>
+            </a:pPr>
+            <a:r>
+              <a:rPr lang="en-US" sz="2000" dirty="0">
+                <a:solidFill>
+                  <a:schemeClr val="dk1"/>
+                </a:solidFill>
+                <a:latin typeface="Times New Roman"/>
+                <a:ea typeface="Times New Roman"/>
+                <a:cs typeface="Times New Roman"/>
+                <a:sym typeface="Times New Roman"/>
+              </a:rPr>
+              <a:t>         		</a:t>
+            </a:r>
+            <a:r>
+              <a:rPr lang="en-US" sz="2000" dirty="0" err="1">
+                <a:solidFill>
+                  <a:schemeClr val="dk1"/>
+                </a:solidFill>
+                <a:latin typeface="Times New Roman"/>
+                <a:ea typeface="Times New Roman"/>
+                <a:cs typeface="Times New Roman"/>
+                <a:sym typeface="Times New Roman"/>
+              </a:rPr>
+              <a:t>costSoFar</a:t>
+            </a:r>
+            <a:r>
+              <a:rPr lang="en-US" sz="2000" dirty="0">
+                <a:solidFill>
+                  <a:schemeClr val="dk1"/>
+                </a:solidFill>
+                <a:latin typeface="Times New Roman"/>
+                <a:ea typeface="Times New Roman"/>
+                <a:cs typeface="Times New Roman"/>
+                <a:sym typeface="Times New Roman"/>
+              </a:rPr>
+              <a:t>[neighbor] = </a:t>
+            </a:r>
+            <a:r>
+              <a:rPr lang="en-US" sz="2000" dirty="0" err="1">
+                <a:solidFill>
+                  <a:schemeClr val="dk1"/>
+                </a:solidFill>
+                <a:latin typeface="Times New Roman"/>
+                <a:ea typeface="Times New Roman"/>
+                <a:cs typeface="Times New Roman"/>
+                <a:sym typeface="Times New Roman"/>
+              </a:rPr>
+              <a:t>newCost</a:t>
+            </a:r>
+            <a:endParaRPr lang="en-US" sz="2000" dirty="0">
+              <a:solidFill>
+                <a:schemeClr val="dk1"/>
+              </a:solidFill>
+              <a:latin typeface="Times New Roman"/>
+              <a:ea typeface="Times New Roman"/>
+              <a:cs typeface="Times New Roman"/>
+              <a:sym typeface="Times New Roman"/>
+            </a:endParaRPr>
+          </a:p>
+          <a:p>
+            <a:pPr marL="0" indent="0" algn="just">
+              <a:lnSpc>
+                <a:spcPct val="163636"/>
+              </a:lnSpc>
+              <a:spcBef>
+                <a:spcPts val="0"/>
+              </a:spcBef>
+              <a:buNone/>
+            </a:pPr>
+            <a:r>
+              <a:rPr lang="en-US" sz="2000" dirty="0">
+                <a:solidFill>
+                  <a:schemeClr val="dk1"/>
+                </a:solidFill>
+                <a:latin typeface="Times New Roman"/>
+                <a:ea typeface="Times New Roman"/>
+                <a:cs typeface="Times New Roman"/>
+                <a:sym typeface="Times New Roman"/>
+              </a:rPr>
+              <a:t>         		priority = </a:t>
+            </a:r>
+            <a:r>
+              <a:rPr lang="en-US" sz="2000" dirty="0" err="1">
+                <a:solidFill>
+                  <a:schemeClr val="dk1"/>
+                </a:solidFill>
+                <a:latin typeface="Times New Roman"/>
+                <a:ea typeface="Times New Roman"/>
+                <a:cs typeface="Times New Roman"/>
+                <a:sym typeface="Times New Roman"/>
+              </a:rPr>
+              <a:t>newCost</a:t>
+            </a:r>
+            <a:r>
+              <a:rPr lang="en-US" sz="2000" dirty="0">
+                <a:solidFill>
+                  <a:schemeClr val="dk1"/>
+                </a:solidFill>
+                <a:latin typeface="Times New Roman"/>
+                <a:ea typeface="Times New Roman"/>
+                <a:cs typeface="Times New Roman"/>
+                <a:sym typeface="Times New Roman"/>
+              </a:rPr>
+              <a:t> + </a:t>
+            </a:r>
+            <a:r>
+              <a:rPr lang="en-US" sz="2000" dirty="0" err="1">
+                <a:solidFill>
+                  <a:schemeClr val="dk1"/>
+                </a:solidFill>
+                <a:latin typeface="Times New Roman"/>
+                <a:ea typeface="Times New Roman"/>
+                <a:cs typeface="Times New Roman"/>
+                <a:sym typeface="Times New Roman"/>
+              </a:rPr>
+              <a:t>HeuristicFunc</a:t>
+            </a:r>
+            <a:r>
+              <a:rPr lang="en-US" sz="2000" dirty="0">
+                <a:solidFill>
+                  <a:schemeClr val="dk1"/>
+                </a:solidFill>
+                <a:latin typeface="Times New Roman"/>
+                <a:ea typeface="Times New Roman"/>
+                <a:cs typeface="Times New Roman"/>
+                <a:sym typeface="Times New Roman"/>
+              </a:rPr>
+              <a:t>(finish, neighbor)</a:t>
+            </a:r>
+          </a:p>
+          <a:p>
+            <a:pPr marL="0" indent="0" algn="just">
+              <a:lnSpc>
+                <a:spcPct val="163636"/>
+              </a:lnSpc>
+              <a:spcBef>
+                <a:spcPts val="0"/>
+              </a:spcBef>
+              <a:buNone/>
+            </a:pPr>
+            <a:r>
+              <a:rPr lang="en-US" sz="2000" dirty="0">
+                <a:solidFill>
+                  <a:schemeClr val="dk1"/>
+                </a:solidFill>
+                <a:latin typeface="Times New Roman"/>
+                <a:ea typeface="Times New Roman"/>
+                <a:cs typeface="Times New Roman"/>
+                <a:sym typeface="Times New Roman"/>
+              </a:rPr>
+              <a:t>         		</a:t>
+            </a:r>
+            <a:r>
+              <a:rPr lang="en-US" sz="2000" dirty="0" err="1">
+                <a:solidFill>
+                  <a:schemeClr val="dk1"/>
+                </a:solidFill>
+                <a:latin typeface="Times New Roman"/>
+                <a:ea typeface="Times New Roman"/>
+                <a:cs typeface="Times New Roman"/>
+                <a:sym typeface="Times New Roman"/>
+              </a:rPr>
+              <a:t>frontier.Put</a:t>
+            </a:r>
+            <a:r>
+              <a:rPr lang="en-US" sz="2000" dirty="0">
+                <a:solidFill>
+                  <a:schemeClr val="dk1"/>
+                </a:solidFill>
+                <a:latin typeface="Times New Roman"/>
+                <a:ea typeface="Times New Roman"/>
+                <a:cs typeface="Times New Roman"/>
+                <a:sym typeface="Times New Roman"/>
+              </a:rPr>
+              <a:t>(neighbor, priority)</a:t>
+            </a:r>
+          </a:p>
+          <a:p>
+            <a:pPr marL="0" indent="0" algn="just">
+              <a:lnSpc>
+                <a:spcPct val="163636"/>
+              </a:lnSpc>
+              <a:spcBef>
+                <a:spcPts val="0"/>
+              </a:spcBef>
+              <a:buNone/>
+            </a:pPr>
+            <a:r>
+              <a:rPr lang="en-US" sz="2000" dirty="0">
+                <a:solidFill>
+                  <a:schemeClr val="dk1"/>
+                </a:solidFill>
+                <a:latin typeface="Times New Roman"/>
+                <a:ea typeface="Times New Roman"/>
+                <a:cs typeface="Times New Roman"/>
+                <a:sym typeface="Times New Roman"/>
+              </a:rPr>
+              <a:t>         		</a:t>
+            </a:r>
+            <a:r>
+              <a:rPr lang="en-US" sz="2000" dirty="0" err="1">
+                <a:solidFill>
+                  <a:schemeClr val="dk1"/>
+                </a:solidFill>
+                <a:latin typeface="Times New Roman"/>
+                <a:ea typeface="Times New Roman"/>
+                <a:cs typeface="Times New Roman"/>
+                <a:sym typeface="Times New Roman"/>
+              </a:rPr>
+              <a:t>cameFrom</a:t>
+            </a:r>
+            <a:r>
+              <a:rPr lang="en-US" sz="2000" dirty="0">
+                <a:solidFill>
+                  <a:schemeClr val="dk1"/>
+                </a:solidFill>
+                <a:latin typeface="Times New Roman"/>
+                <a:ea typeface="Times New Roman"/>
+                <a:cs typeface="Times New Roman"/>
+                <a:sym typeface="Times New Roman"/>
+              </a:rPr>
+              <a:t>[neighbor] = current</a:t>
+            </a:r>
+          </a:p>
+        </p:txBody>
+      </p:sp>
+    </p:spTree>
+    <p:extLst>
+      <p:ext uri="{BB962C8B-B14F-4D97-AF65-F5344CB8AC3E}">
+        <p14:creationId xmlns:p14="http://schemas.microsoft.com/office/powerpoint/2010/main" val="2832237828"/>
+      </p:ext>
+    </p:extLst>
+  </p:cSld>
+  <p:clrMapOvr>
+    <a:masterClrMapping/>
+  </p:clrMapOvr>
+</p:sld>
+</file>
+
+<file path=ppt/slides/slide28.xml><?xml version="1.0" encoding="utf-8"?>
+<p:sld xmlns:a="http://schemas.openxmlformats.org/drawingml/2006/main" xmlns:r="http://schemas.openxmlformats.org/officeDocument/2006/relationships" xmlns:p="http://schemas.openxmlformats.org/presentationml/2006/main">
+  <p:cSld>
+    <p:spTree>
+      <p:nvGrpSpPr>
+        <p:cNvPr id="1" name=""/>
+        <p:cNvGrpSpPr/>
+        <p:nvPr/>
+      </p:nvGrpSpPr>
+      <p:grpSpPr>
+        <a:xfrm>
+          <a:off x="0" y="0"/>
+          <a:ext cx="0" cy="0"/>
+          <a:chOff x="0" y="0"/>
+          <a:chExt cx="0" cy="0"/>
+        </a:xfrm>
+      </p:grpSpPr>
+      <p:sp>
+        <p:nvSpPr>
+          <p:cNvPr id="2" name="Заголовок 1">
+            <a:extLst>
+              <a:ext uri="{FF2B5EF4-FFF2-40B4-BE49-F238E27FC236}">
+                <a16:creationId xmlns:a16="http://schemas.microsoft.com/office/drawing/2014/main" id="{1AC43E6A-26B1-4DA4-86F2-C47AD9E89958}"/>
+              </a:ext>
+            </a:extLst>
+          </p:cNvPr>
+          <p:cNvSpPr>
+            <a:spLocks noGrp="1"/>
+          </p:cNvSpPr>
+          <p:nvPr>
+            <p:ph type="title"/>
+          </p:nvPr>
+        </p:nvSpPr>
+        <p:spPr/>
+        <p:txBody>
+          <a:bodyPr/>
+          <a:lstStyle/>
+          <a:p>
+            <a:r>
+              <a:rPr lang="ru-RU" dirty="0"/>
+              <a:t>Алгоритм </a:t>
+            </a:r>
+            <a:r>
+              <a:rPr lang="en-US" dirty="0"/>
+              <a:t>A</a:t>
+            </a:r>
+            <a:r>
+              <a:rPr lang="ru-RU" baseline="30000" dirty="0"/>
+              <a:t>*</a:t>
+            </a:r>
+            <a:endParaRPr lang="ru-RU" dirty="0"/>
+          </a:p>
+        </p:txBody>
+      </p:sp>
+      <p:sp>
+        <p:nvSpPr>
+          <p:cNvPr id="4" name="Google Shape;66;p14">
+            <a:extLst>
+              <a:ext uri="{FF2B5EF4-FFF2-40B4-BE49-F238E27FC236}">
+                <a16:creationId xmlns:a16="http://schemas.microsoft.com/office/drawing/2014/main" id="{03345126-641F-4FC0-AFE3-E4B844776BC4}"/>
+              </a:ext>
+            </a:extLst>
+          </p:cNvPr>
+          <p:cNvSpPr txBox="1">
+            <a:spLocks/>
+          </p:cNvSpPr>
+          <p:nvPr/>
+        </p:nvSpPr>
+        <p:spPr>
+          <a:xfrm>
+            <a:off x="3919024" y="1547447"/>
+            <a:ext cx="4353951" cy="4754880"/>
+          </a:xfrm>
+          <a:prstGeom prst="rect">
+            <a:avLst/>
+          </a:prstGeom>
+        </p:spPr>
+        <p:txBody>
+          <a:bodyPr spcFirstLastPara="1" vert="horz" wrap="square" lIns="91425" tIns="91425" rIns="91425" bIns="91425" rtlCol="0" anchor="t" anchorCtr="0">
+            <a:noAutofit/>
+          </a:bodyPr>
+          <a:lstStyle>
+            <a:lvl1pPr marL="228600" indent="-228600" algn="l" defTabSz="914400" rtl="0" eaLnBrk="1" latinLnBrk="0" hangingPunct="1">
+              <a:lnSpc>
+                <a:spcPct val="90000"/>
+              </a:lnSpc>
+              <a:spcBef>
+                <a:spcPts val="1000"/>
+              </a:spcBef>
+              <a:buFont typeface="Arial" panose="020B0604020202020204" pitchFamily="34" charset="0"/>
+              <a:buChar char="•"/>
+              <a:defRPr sz="2800" kern="1200">
+                <a:solidFill>
+                  <a:schemeClr val="tx1"/>
+                </a:solidFill>
+                <a:latin typeface="+mn-lt"/>
+                <a:ea typeface="+mn-ea"/>
+                <a:cs typeface="+mn-cs"/>
+              </a:defRPr>
+            </a:lvl1pPr>
+            <a:lvl2pPr marL="685800" indent="-228600" algn="l" defTabSz="914400" rtl="0" eaLnBrk="1" latinLnBrk="0" hangingPunct="1">
+              <a:lnSpc>
+                <a:spcPct val="90000"/>
+              </a:lnSpc>
+              <a:spcBef>
+                <a:spcPts val="500"/>
+              </a:spcBef>
+              <a:buFont typeface="Arial" panose="020B0604020202020204" pitchFamily="34" charset="0"/>
+              <a:buChar char="•"/>
+              <a:defRPr sz="2400" kern="1200">
+                <a:solidFill>
+                  <a:schemeClr val="tx1"/>
+                </a:solidFill>
+                <a:latin typeface="+mn-lt"/>
+                <a:ea typeface="+mn-ea"/>
+                <a:cs typeface="+mn-cs"/>
+              </a:defRPr>
+            </a:lvl2pPr>
+            <a:lvl3pPr marL="1143000" indent="-228600" algn="l" defTabSz="914400" rtl="0" eaLnBrk="1" latinLnBrk="0" hangingPunct="1">
+              <a:lnSpc>
+                <a:spcPct val="90000"/>
+              </a:lnSpc>
+              <a:spcBef>
+                <a:spcPts val="500"/>
+              </a:spcBef>
+              <a:buFont typeface="Arial" panose="020B0604020202020204" pitchFamily="34" charset="0"/>
+              <a:buChar char="•"/>
+              <a:defRPr sz="2000" kern="1200">
+                <a:solidFill>
+                  <a:schemeClr val="tx1"/>
+                </a:solidFill>
+                <a:latin typeface="+mn-lt"/>
+                <a:ea typeface="+mn-ea"/>
+                <a:cs typeface="+mn-cs"/>
+              </a:defRPr>
+            </a:lvl3pPr>
+            <a:lvl4pPr marL="1600200" indent="-228600" algn="l" defTabSz="914400" rtl="0" eaLnBrk="1" latinLnBrk="0" hangingPunct="1">
+              <a:lnSpc>
+                <a:spcPct val="90000"/>
+              </a:lnSpc>
+              <a:spcBef>
+                <a:spcPts val="500"/>
+              </a:spcBef>
+              <a:buFont typeface="Arial" panose="020B0604020202020204" pitchFamily="34" charset="0"/>
+              <a:buChar char="•"/>
+              <a:defRPr sz="1800" kern="1200">
+                <a:solidFill>
+                  <a:schemeClr val="tx1"/>
+                </a:solidFill>
+                <a:latin typeface="+mn-lt"/>
+                <a:ea typeface="+mn-ea"/>
+                <a:cs typeface="+mn-cs"/>
+              </a:defRPr>
+            </a:lvl4pPr>
+            <a:lvl5pPr marL="2057400" indent="-228600" algn="l" defTabSz="914400" rtl="0" eaLnBrk="1" latinLnBrk="0" hangingPunct="1">
+              <a:lnSpc>
+                <a:spcPct val="90000"/>
+              </a:lnSpc>
+              <a:spcBef>
+                <a:spcPts val="500"/>
+              </a:spcBef>
+              <a:buFont typeface="Arial" panose="020B0604020202020204" pitchFamily="34" charset="0"/>
+              <a:buChar char="•"/>
+              <a:defRPr sz="1800" kern="1200">
+                <a:solidFill>
+                  <a:schemeClr val="tx1"/>
+                </a:solidFill>
+                <a:latin typeface="+mn-lt"/>
+                <a:ea typeface="+mn-ea"/>
+                <a:cs typeface="+mn-cs"/>
+              </a:defRPr>
+            </a:lvl5pPr>
+            <a:lvl6pPr marL="2514600" indent="-228600" algn="l" defTabSz="914400" rtl="0" eaLnBrk="1" latinLnBrk="0" hangingPunct="1">
+              <a:lnSpc>
+                <a:spcPct val="90000"/>
+              </a:lnSpc>
+              <a:spcBef>
+                <a:spcPts val="500"/>
+              </a:spcBef>
+              <a:buFont typeface="Arial" panose="020B0604020202020204" pitchFamily="34" charset="0"/>
+              <a:buChar char="•"/>
+              <a:defRPr sz="1800" kern="1200">
+                <a:solidFill>
+                  <a:schemeClr val="tx1"/>
+                </a:solidFill>
+                <a:latin typeface="+mn-lt"/>
+                <a:ea typeface="+mn-ea"/>
+                <a:cs typeface="+mn-cs"/>
+              </a:defRPr>
+            </a:lvl6pPr>
+            <a:lvl7pPr marL="2971800" indent="-228600" algn="l" defTabSz="914400" rtl="0" eaLnBrk="1" latinLnBrk="0" hangingPunct="1">
+              <a:lnSpc>
+                <a:spcPct val="90000"/>
+              </a:lnSpc>
+              <a:spcBef>
+                <a:spcPts val="500"/>
+              </a:spcBef>
+              <a:buFont typeface="Arial" panose="020B0604020202020204" pitchFamily="34" charset="0"/>
+              <a:buChar char="•"/>
+              <a:defRPr sz="1800" kern="1200">
+                <a:solidFill>
+                  <a:schemeClr val="tx1"/>
+                </a:solidFill>
+                <a:latin typeface="+mn-lt"/>
+                <a:ea typeface="+mn-ea"/>
+                <a:cs typeface="+mn-cs"/>
+              </a:defRPr>
+            </a:lvl7pPr>
+            <a:lvl8pPr marL="3429000" indent="-228600" algn="l" defTabSz="914400" rtl="0" eaLnBrk="1" latinLnBrk="0" hangingPunct="1">
+              <a:lnSpc>
+                <a:spcPct val="90000"/>
+              </a:lnSpc>
+              <a:spcBef>
+                <a:spcPts val="500"/>
+              </a:spcBef>
+              <a:buFont typeface="Arial" panose="020B0604020202020204" pitchFamily="34" charset="0"/>
+              <a:buChar char="•"/>
+              <a:defRPr sz="1800" kern="1200">
+                <a:solidFill>
+                  <a:schemeClr val="tx1"/>
+                </a:solidFill>
+                <a:latin typeface="+mn-lt"/>
+                <a:ea typeface="+mn-ea"/>
+                <a:cs typeface="+mn-cs"/>
+              </a:defRPr>
+            </a:lvl8pPr>
+            <a:lvl9pPr marL="3886200" indent="-228600" algn="l" defTabSz="914400" rtl="0" eaLnBrk="1" latinLnBrk="0" hangingPunct="1">
+              <a:lnSpc>
+                <a:spcPct val="90000"/>
+              </a:lnSpc>
+              <a:spcBef>
+                <a:spcPts val="500"/>
+              </a:spcBef>
+              <a:buFont typeface="Arial" panose="020B0604020202020204" pitchFamily="34" charset="0"/>
+              <a:buChar char="•"/>
+              <a:defRPr sz="1800" kern="1200">
+                <a:solidFill>
+                  <a:schemeClr val="tx1"/>
+                </a:solidFill>
+                <a:latin typeface="+mn-lt"/>
+                <a:ea typeface="+mn-ea"/>
+                <a:cs typeface="+mn-cs"/>
+              </a:defRPr>
+            </a:lvl9pPr>
+          </a:lstStyle>
+          <a:p>
+            <a:pPr marL="0" indent="0" algn="just">
+              <a:lnSpc>
+                <a:spcPct val="163636"/>
+              </a:lnSpc>
+              <a:spcBef>
+                <a:spcPts val="0"/>
+              </a:spcBef>
+              <a:buNone/>
+            </a:pPr>
+            <a:r>
+              <a:rPr lang="en-US" sz="2000" dirty="0">
+                <a:solidFill>
+                  <a:schemeClr val="dk1"/>
+                </a:solidFill>
+                <a:latin typeface="Times New Roman"/>
+                <a:ea typeface="Times New Roman"/>
+                <a:cs typeface="Times New Roman"/>
+                <a:sym typeface="Times New Roman"/>
+              </a:rPr>
+              <a:t>if (finish not in </a:t>
+            </a:r>
+            <a:r>
+              <a:rPr lang="en-US" sz="2000" dirty="0" err="1">
+                <a:solidFill>
+                  <a:schemeClr val="dk1"/>
+                </a:solidFill>
+                <a:latin typeface="Times New Roman"/>
+                <a:ea typeface="Times New Roman"/>
+                <a:cs typeface="Times New Roman"/>
+                <a:sym typeface="Times New Roman"/>
+              </a:rPr>
+              <a:t>cameFrom</a:t>
+            </a:r>
+            <a:r>
+              <a:rPr lang="en-US" sz="2000" dirty="0">
+                <a:solidFill>
+                  <a:schemeClr val="dk1"/>
+                </a:solidFill>
+                <a:latin typeface="Times New Roman"/>
+                <a:ea typeface="Times New Roman"/>
+                <a:cs typeface="Times New Roman"/>
+                <a:sym typeface="Times New Roman"/>
+              </a:rPr>
+              <a:t>)</a:t>
+            </a:r>
+          </a:p>
+          <a:p>
+            <a:pPr marL="0" indent="0" algn="just">
+              <a:lnSpc>
+                <a:spcPct val="163636"/>
+              </a:lnSpc>
+              <a:spcBef>
+                <a:spcPts val="0"/>
+              </a:spcBef>
+              <a:buNone/>
+            </a:pPr>
+            <a:r>
+              <a:rPr lang="en-US" sz="2000" dirty="0">
+                <a:solidFill>
+                  <a:schemeClr val="dk1"/>
+                </a:solidFill>
+                <a:latin typeface="Times New Roman"/>
+                <a:ea typeface="Times New Roman"/>
+                <a:cs typeface="Times New Roman"/>
+                <a:sym typeface="Times New Roman"/>
+              </a:rPr>
+              <a:t>	return null</a:t>
+            </a:r>
+          </a:p>
+          <a:p>
+            <a:pPr marL="0" indent="0" algn="just">
+              <a:lnSpc>
+                <a:spcPct val="163636"/>
+              </a:lnSpc>
+              <a:spcBef>
+                <a:spcPts val="0"/>
+              </a:spcBef>
+              <a:buNone/>
+            </a:pPr>
+            <a:r>
+              <a:rPr lang="en-US" sz="2000" dirty="0">
+                <a:solidFill>
+                  <a:schemeClr val="dk1"/>
+                </a:solidFill>
+                <a:latin typeface="Times New Roman"/>
+                <a:ea typeface="Times New Roman"/>
+                <a:cs typeface="Times New Roman"/>
+                <a:sym typeface="Times New Roman"/>
+              </a:rPr>
+              <a:t>List </a:t>
+            </a:r>
+            <a:r>
+              <a:rPr lang="en-US" sz="2000" dirty="0" err="1">
+                <a:solidFill>
+                  <a:schemeClr val="dk1"/>
+                </a:solidFill>
+                <a:latin typeface="Times New Roman"/>
+                <a:ea typeface="Times New Roman"/>
+                <a:cs typeface="Times New Roman"/>
+                <a:sym typeface="Times New Roman"/>
+              </a:rPr>
+              <a:t>resultPath</a:t>
+            </a:r>
+            <a:r>
+              <a:rPr lang="en-US" sz="2000" dirty="0">
+                <a:solidFill>
+                  <a:schemeClr val="dk1"/>
+                </a:solidFill>
+                <a:latin typeface="Times New Roman"/>
+                <a:ea typeface="Times New Roman"/>
+                <a:cs typeface="Times New Roman"/>
+                <a:sym typeface="Times New Roman"/>
+              </a:rPr>
+              <a:t> = new List()</a:t>
+            </a:r>
+          </a:p>
+          <a:p>
+            <a:pPr marL="0" indent="0" algn="just">
+              <a:lnSpc>
+                <a:spcPct val="163636"/>
+              </a:lnSpc>
+              <a:spcBef>
+                <a:spcPts val="0"/>
+              </a:spcBef>
+              <a:buNone/>
+            </a:pPr>
+            <a:r>
+              <a:rPr lang="en-US" sz="2000" dirty="0">
+                <a:solidFill>
+                  <a:schemeClr val="dk1"/>
+                </a:solidFill>
+                <a:latin typeface="Times New Roman"/>
+                <a:ea typeface="Times New Roman"/>
+                <a:cs typeface="Times New Roman"/>
+                <a:sym typeface="Times New Roman"/>
+              </a:rPr>
+              <a:t>current = finish</a:t>
+            </a:r>
+          </a:p>
+          <a:p>
+            <a:pPr marL="0" indent="0" algn="just">
+              <a:lnSpc>
+                <a:spcPct val="163636"/>
+              </a:lnSpc>
+              <a:spcBef>
+                <a:spcPts val="0"/>
+              </a:spcBef>
+              <a:buNone/>
+            </a:pPr>
+            <a:r>
+              <a:rPr lang="en-US" sz="2000" dirty="0">
+                <a:solidFill>
+                  <a:schemeClr val="dk1"/>
+                </a:solidFill>
+                <a:latin typeface="Times New Roman"/>
+                <a:ea typeface="Times New Roman"/>
+                <a:cs typeface="Times New Roman"/>
+                <a:sym typeface="Times New Roman"/>
+              </a:rPr>
+              <a:t>while (current != start)</a:t>
+            </a:r>
+          </a:p>
+          <a:p>
+            <a:pPr marL="0" indent="0" algn="just">
+              <a:lnSpc>
+                <a:spcPct val="163636"/>
+              </a:lnSpc>
+              <a:spcBef>
+                <a:spcPts val="0"/>
+              </a:spcBef>
+              <a:buNone/>
+            </a:pPr>
+            <a:r>
+              <a:rPr lang="en-US" sz="2000" dirty="0">
+                <a:solidFill>
+                  <a:schemeClr val="dk1"/>
+                </a:solidFill>
+                <a:latin typeface="Times New Roman"/>
+                <a:ea typeface="Times New Roman"/>
+                <a:cs typeface="Times New Roman"/>
+                <a:sym typeface="Times New Roman"/>
+              </a:rPr>
+              <a:t>	</a:t>
+            </a:r>
+            <a:r>
+              <a:rPr lang="en-US" sz="2000" dirty="0" err="1">
+                <a:solidFill>
+                  <a:schemeClr val="dk1"/>
+                </a:solidFill>
+                <a:latin typeface="Times New Roman"/>
+                <a:ea typeface="Times New Roman"/>
+                <a:cs typeface="Times New Roman"/>
+                <a:sym typeface="Times New Roman"/>
+              </a:rPr>
+              <a:t>resultPath.PushBack</a:t>
+            </a:r>
+            <a:r>
+              <a:rPr lang="en-US" sz="2000" dirty="0">
+                <a:solidFill>
+                  <a:schemeClr val="dk1"/>
+                </a:solidFill>
+                <a:latin typeface="Times New Roman"/>
+                <a:ea typeface="Times New Roman"/>
+                <a:cs typeface="Times New Roman"/>
+                <a:sym typeface="Times New Roman"/>
+              </a:rPr>
+              <a:t>(current)</a:t>
+            </a:r>
+          </a:p>
+          <a:p>
+            <a:pPr marL="0" indent="0" algn="just">
+              <a:lnSpc>
+                <a:spcPct val="163636"/>
+              </a:lnSpc>
+              <a:spcBef>
+                <a:spcPts val="0"/>
+              </a:spcBef>
+              <a:buNone/>
+            </a:pPr>
+            <a:r>
+              <a:rPr lang="en-US" sz="2000" dirty="0">
+                <a:solidFill>
+                  <a:schemeClr val="dk1"/>
+                </a:solidFill>
+                <a:latin typeface="Times New Roman"/>
+                <a:ea typeface="Times New Roman"/>
+                <a:cs typeface="Times New Roman"/>
+                <a:sym typeface="Times New Roman"/>
+              </a:rPr>
+              <a:t>	current = </a:t>
+            </a:r>
+            <a:r>
+              <a:rPr lang="en-US" sz="2000" dirty="0" err="1">
+                <a:solidFill>
+                  <a:schemeClr val="dk1"/>
+                </a:solidFill>
+                <a:latin typeface="Times New Roman"/>
+                <a:ea typeface="Times New Roman"/>
+                <a:cs typeface="Times New Roman"/>
+                <a:sym typeface="Times New Roman"/>
+              </a:rPr>
+              <a:t>cameFrom</a:t>
+            </a:r>
+            <a:r>
+              <a:rPr lang="en-US" sz="2000" dirty="0">
+                <a:solidFill>
+                  <a:schemeClr val="dk1"/>
+                </a:solidFill>
+                <a:latin typeface="Times New Roman"/>
+                <a:ea typeface="Times New Roman"/>
+                <a:cs typeface="Times New Roman"/>
+                <a:sym typeface="Times New Roman"/>
+              </a:rPr>
+              <a:t>[current]</a:t>
+            </a:r>
+          </a:p>
+          <a:p>
+            <a:pPr marL="0" indent="0" algn="just">
+              <a:lnSpc>
+                <a:spcPct val="163636"/>
+              </a:lnSpc>
+              <a:spcBef>
+                <a:spcPts val="0"/>
+              </a:spcBef>
+              <a:buNone/>
+            </a:pPr>
+            <a:r>
+              <a:rPr lang="en-US" sz="2000" dirty="0">
+                <a:solidFill>
+                  <a:schemeClr val="dk1"/>
+                </a:solidFill>
+                <a:latin typeface="Times New Roman"/>
+                <a:ea typeface="Times New Roman"/>
+                <a:cs typeface="Times New Roman"/>
+                <a:sym typeface="Times New Roman"/>
+              </a:rPr>
+              <a:t>return </a:t>
+            </a:r>
+            <a:r>
+              <a:rPr lang="en-US" sz="2000" dirty="0" err="1">
+                <a:solidFill>
+                  <a:schemeClr val="dk1"/>
+                </a:solidFill>
+                <a:latin typeface="Times New Roman"/>
+                <a:ea typeface="Times New Roman"/>
+                <a:cs typeface="Times New Roman"/>
+                <a:sym typeface="Times New Roman"/>
+              </a:rPr>
+              <a:t>resultPath</a:t>
+            </a:r>
+            <a:endParaRPr lang="en-US" sz="2000" dirty="0">
+              <a:solidFill>
+                <a:schemeClr val="dk1"/>
+              </a:solidFill>
+              <a:latin typeface="Times New Roman"/>
+              <a:ea typeface="Times New Roman"/>
+              <a:cs typeface="Times New Roman"/>
+              <a:sym typeface="Times New Roman"/>
+            </a:endParaRPr>
+          </a:p>
+        </p:txBody>
+      </p:sp>
+    </p:spTree>
+    <p:extLst>
+      <p:ext uri="{BB962C8B-B14F-4D97-AF65-F5344CB8AC3E}">
+        <p14:creationId xmlns:p14="http://schemas.microsoft.com/office/powerpoint/2010/main" val="1268325342"/>
+      </p:ext>
+    </p:extLst>
+  </p:cSld>
+  <p:clrMapOvr>
+    <a:masterClrMapping/>
+  </p:clrMapOvr>
+</p:sld>
+</file>
+
+<file path=ppt/slides/slide29.xml><?xml version="1.0" encoding="utf-8"?>
+<p:sld xmlns:a="http://schemas.openxmlformats.org/drawingml/2006/main" xmlns:r="http://schemas.openxmlformats.org/officeDocument/2006/relationships" xmlns:p="http://schemas.openxmlformats.org/presentationml/2006/main">
+  <p:cSld>
+    <p:spTree>
+      <p:nvGrpSpPr>
+        <p:cNvPr id="1" name=""/>
+        <p:cNvGrpSpPr/>
+        <p:nvPr/>
+      </p:nvGrpSpPr>
+      <p:grpSpPr>
+        <a:xfrm>
+          <a:off x="0" y="0"/>
+          <a:ext cx="0" cy="0"/>
+          <a:chOff x="0" y="0"/>
+          <a:chExt cx="0" cy="0"/>
+        </a:xfrm>
+      </p:grpSpPr>
+      <p:sp>
+        <p:nvSpPr>
+          <p:cNvPr id="2" name="Заголовок 1">
+            <a:extLst>
+              <a:ext uri="{FF2B5EF4-FFF2-40B4-BE49-F238E27FC236}">
+                <a16:creationId xmlns:a16="http://schemas.microsoft.com/office/drawing/2014/main" id="{38AA36D2-5161-4045-AB78-024D8A08B41C}"/>
+              </a:ext>
+            </a:extLst>
+          </p:cNvPr>
+          <p:cNvSpPr>
+            <a:spLocks noGrp="1"/>
+          </p:cNvSpPr>
+          <p:nvPr>
+            <p:ph type="title"/>
+          </p:nvPr>
+        </p:nvSpPr>
+        <p:spPr/>
+        <p:txBody>
+          <a:bodyPr/>
+          <a:lstStyle/>
+          <a:p>
+            <a:r>
+              <a:rPr lang="ru-RU" dirty="0"/>
+              <a:t>Алгоритм </a:t>
+            </a:r>
+            <a:r>
+              <a:rPr lang="en-US" dirty="0"/>
+              <a:t>A</a:t>
+            </a:r>
+            <a:r>
+              <a:rPr lang="ru-RU" baseline="30000" dirty="0"/>
+              <a:t>*</a:t>
+            </a:r>
+            <a:endParaRPr lang="ru-RU" dirty="0"/>
+          </a:p>
+        </p:txBody>
+      </p:sp>
+      <p:sp>
+        <p:nvSpPr>
+          <p:cNvPr id="4" name="Google Shape;66;p14">
+            <a:extLst>
+              <a:ext uri="{FF2B5EF4-FFF2-40B4-BE49-F238E27FC236}">
+                <a16:creationId xmlns:a16="http://schemas.microsoft.com/office/drawing/2014/main" id="{E3E2F894-CC4C-40EE-B6D2-4C66EF370175}"/>
+              </a:ext>
+            </a:extLst>
+          </p:cNvPr>
+          <p:cNvSpPr txBox="1">
+            <a:spLocks/>
+          </p:cNvSpPr>
+          <p:nvPr/>
+        </p:nvSpPr>
+        <p:spPr>
+          <a:xfrm>
+            <a:off x="2032781" y="1406769"/>
+            <a:ext cx="8126437" cy="1294228"/>
+          </a:xfrm>
+          <a:prstGeom prst="rect">
+            <a:avLst/>
+          </a:prstGeom>
+        </p:spPr>
+        <p:txBody>
+          <a:bodyPr spcFirstLastPara="1" vert="horz" wrap="square" lIns="91425" tIns="91425" rIns="91425" bIns="91425" rtlCol="0" anchor="t" anchorCtr="0">
+            <a:noAutofit/>
+          </a:bodyPr>
+          <a:lstStyle>
+            <a:lvl1pPr marL="228600" indent="-228600" algn="l" defTabSz="914400" rtl="0" eaLnBrk="1" latinLnBrk="0" hangingPunct="1">
+              <a:lnSpc>
+                <a:spcPct val="90000"/>
+              </a:lnSpc>
+              <a:spcBef>
+                <a:spcPts val="1000"/>
+              </a:spcBef>
+              <a:buFont typeface="Arial" panose="020B0604020202020204" pitchFamily="34" charset="0"/>
+              <a:buChar char="•"/>
+              <a:defRPr sz="2800" kern="1200">
+                <a:solidFill>
+                  <a:schemeClr val="tx1"/>
+                </a:solidFill>
+                <a:latin typeface="+mn-lt"/>
+                <a:ea typeface="+mn-ea"/>
+                <a:cs typeface="+mn-cs"/>
+              </a:defRPr>
+            </a:lvl1pPr>
+            <a:lvl2pPr marL="685800" indent="-228600" algn="l" defTabSz="914400" rtl="0" eaLnBrk="1" latinLnBrk="0" hangingPunct="1">
+              <a:lnSpc>
+                <a:spcPct val="90000"/>
+              </a:lnSpc>
+              <a:spcBef>
+                <a:spcPts val="500"/>
+              </a:spcBef>
+              <a:buFont typeface="Arial" panose="020B0604020202020204" pitchFamily="34" charset="0"/>
+              <a:buChar char="•"/>
+              <a:defRPr sz="2400" kern="1200">
+                <a:solidFill>
+                  <a:schemeClr val="tx1"/>
+                </a:solidFill>
+                <a:latin typeface="+mn-lt"/>
+                <a:ea typeface="+mn-ea"/>
+                <a:cs typeface="+mn-cs"/>
+              </a:defRPr>
+            </a:lvl2pPr>
+            <a:lvl3pPr marL="1143000" indent="-228600" algn="l" defTabSz="914400" rtl="0" eaLnBrk="1" latinLnBrk="0" hangingPunct="1">
+              <a:lnSpc>
+                <a:spcPct val="90000"/>
+              </a:lnSpc>
+              <a:spcBef>
+                <a:spcPts val="500"/>
+              </a:spcBef>
+              <a:buFont typeface="Arial" panose="020B0604020202020204" pitchFamily="34" charset="0"/>
+              <a:buChar char="•"/>
+              <a:defRPr sz="2000" kern="1200">
+                <a:solidFill>
+                  <a:schemeClr val="tx1"/>
+                </a:solidFill>
+                <a:latin typeface="+mn-lt"/>
+                <a:ea typeface="+mn-ea"/>
+                <a:cs typeface="+mn-cs"/>
+              </a:defRPr>
+            </a:lvl3pPr>
+            <a:lvl4pPr marL="1600200" indent="-228600" algn="l" defTabSz="914400" rtl="0" eaLnBrk="1" latinLnBrk="0" hangingPunct="1">
+              <a:lnSpc>
+                <a:spcPct val="90000"/>
+              </a:lnSpc>
+              <a:spcBef>
+                <a:spcPts val="500"/>
+              </a:spcBef>
+              <a:buFont typeface="Arial" panose="020B0604020202020204" pitchFamily="34" charset="0"/>
+              <a:buChar char="•"/>
+              <a:defRPr sz="1800" kern="1200">
+                <a:solidFill>
+                  <a:schemeClr val="tx1"/>
+                </a:solidFill>
+                <a:latin typeface="+mn-lt"/>
+                <a:ea typeface="+mn-ea"/>
+                <a:cs typeface="+mn-cs"/>
+              </a:defRPr>
+            </a:lvl4pPr>
+            <a:lvl5pPr marL="2057400" indent="-228600" algn="l" defTabSz="914400" rtl="0" eaLnBrk="1" latinLnBrk="0" hangingPunct="1">
+              <a:lnSpc>
+                <a:spcPct val="90000"/>
+              </a:lnSpc>
+              <a:spcBef>
+                <a:spcPts val="500"/>
+              </a:spcBef>
+              <a:buFont typeface="Arial" panose="020B0604020202020204" pitchFamily="34" charset="0"/>
+              <a:buChar char="•"/>
+              <a:defRPr sz="1800" kern="1200">
+                <a:solidFill>
+                  <a:schemeClr val="tx1"/>
+                </a:solidFill>
+                <a:latin typeface="+mn-lt"/>
+                <a:ea typeface="+mn-ea"/>
+                <a:cs typeface="+mn-cs"/>
+              </a:defRPr>
+            </a:lvl5pPr>
+            <a:lvl6pPr marL="2514600" indent="-228600" algn="l" defTabSz="914400" rtl="0" eaLnBrk="1" latinLnBrk="0" hangingPunct="1">
+              <a:lnSpc>
+                <a:spcPct val="90000"/>
+              </a:lnSpc>
+              <a:spcBef>
+                <a:spcPts val="500"/>
+              </a:spcBef>
+              <a:buFont typeface="Arial" panose="020B0604020202020204" pitchFamily="34" charset="0"/>
+              <a:buChar char="•"/>
+              <a:defRPr sz="1800" kern="1200">
+                <a:solidFill>
+                  <a:schemeClr val="tx1"/>
+                </a:solidFill>
+                <a:latin typeface="+mn-lt"/>
+                <a:ea typeface="+mn-ea"/>
+                <a:cs typeface="+mn-cs"/>
+              </a:defRPr>
+            </a:lvl6pPr>
+            <a:lvl7pPr marL="2971800" indent="-228600" algn="l" defTabSz="914400" rtl="0" eaLnBrk="1" latinLnBrk="0" hangingPunct="1">
+              <a:lnSpc>
+                <a:spcPct val="90000"/>
+              </a:lnSpc>
+              <a:spcBef>
+                <a:spcPts val="500"/>
+              </a:spcBef>
+              <a:buFont typeface="Arial" panose="020B0604020202020204" pitchFamily="34" charset="0"/>
+              <a:buChar char="•"/>
+              <a:defRPr sz="1800" kern="1200">
+                <a:solidFill>
+                  <a:schemeClr val="tx1"/>
+                </a:solidFill>
+                <a:latin typeface="+mn-lt"/>
+                <a:ea typeface="+mn-ea"/>
+                <a:cs typeface="+mn-cs"/>
+              </a:defRPr>
+            </a:lvl7pPr>
+            <a:lvl8pPr marL="3429000" indent="-228600" algn="l" defTabSz="914400" rtl="0" eaLnBrk="1" latinLnBrk="0" hangingPunct="1">
+              <a:lnSpc>
+                <a:spcPct val="90000"/>
+              </a:lnSpc>
+              <a:spcBef>
+                <a:spcPts val="500"/>
+              </a:spcBef>
+              <a:buFont typeface="Arial" panose="020B0604020202020204" pitchFamily="34" charset="0"/>
+              <a:buChar char="•"/>
+              <a:defRPr sz="1800" kern="1200">
+                <a:solidFill>
+                  <a:schemeClr val="tx1"/>
+                </a:solidFill>
+                <a:latin typeface="+mn-lt"/>
+                <a:ea typeface="+mn-ea"/>
+                <a:cs typeface="+mn-cs"/>
+              </a:defRPr>
+            </a:lvl8pPr>
+            <a:lvl9pPr marL="3886200" indent="-228600" algn="l" defTabSz="914400" rtl="0" eaLnBrk="1" latinLnBrk="0" hangingPunct="1">
+              <a:lnSpc>
+                <a:spcPct val="90000"/>
+              </a:lnSpc>
+              <a:spcBef>
+                <a:spcPts val="500"/>
+              </a:spcBef>
+              <a:buFont typeface="Arial" panose="020B0604020202020204" pitchFamily="34" charset="0"/>
+              <a:buChar char="•"/>
+              <a:defRPr sz="1800" kern="1200">
+                <a:solidFill>
+                  <a:schemeClr val="tx1"/>
+                </a:solidFill>
+                <a:latin typeface="+mn-lt"/>
+                <a:ea typeface="+mn-ea"/>
+                <a:cs typeface="+mn-cs"/>
+              </a:defRPr>
+            </a:lvl9pPr>
+          </a:lstStyle>
+          <a:p>
+            <a:pPr marL="0" indent="0" algn="just">
+              <a:lnSpc>
+                <a:spcPct val="163636"/>
+              </a:lnSpc>
+              <a:spcBef>
+                <a:spcPts val="0"/>
+              </a:spcBef>
+              <a:buNone/>
+            </a:pPr>
+            <a:r>
+              <a:rPr lang="en-US" sz="2000" dirty="0">
+                <a:solidFill>
+                  <a:schemeClr val="dk1"/>
+                </a:solidFill>
+                <a:latin typeface="Times New Roman"/>
+                <a:ea typeface="Times New Roman"/>
+                <a:cs typeface="Times New Roman"/>
+                <a:sym typeface="Times New Roman"/>
+              </a:rPr>
+              <a:t>function </a:t>
+            </a:r>
+            <a:r>
+              <a:rPr lang="en-US" sz="2000" dirty="0" err="1">
+                <a:solidFill>
+                  <a:schemeClr val="dk1"/>
+                </a:solidFill>
+                <a:latin typeface="Times New Roman"/>
+                <a:ea typeface="Times New Roman"/>
+                <a:cs typeface="Times New Roman"/>
+                <a:sym typeface="Times New Roman"/>
+              </a:rPr>
+              <a:t>HeuristicFunc</a:t>
+            </a:r>
+            <a:r>
+              <a:rPr lang="en-US" sz="2000" dirty="0">
+                <a:solidFill>
+                  <a:schemeClr val="dk1"/>
+                </a:solidFill>
+                <a:latin typeface="Times New Roman"/>
+                <a:ea typeface="Times New Roman"/>
+                <a:cs typeface="Times New Roman"/>
+                <a:sym typeface="Times New Roman"/>
+              </a:rPr>
+              <a:t> (a, b):</a:t>
+            </a:r>
+          </a:p>
+          <a:p>
+            <a:pPr marL="0" indent="0" algn="just">
+              <a:lnSpc>
+                <a:spcPct val="163636"/>
+              </a:lnSpc>
+              <a:spcBef>
+                <a:spcPts val="0"/>
+              </a:spcBef>
+              <a:buNone/>
+            </a:pPr>
+            <a:r>
+              <a:rPr lang="en-US" sz="2000" dirty="0">
+                <a:solidFill>
+                  <a:schemeClr val="dk1"/>
+                </a:solidFill>
+                <a:latin typeface="Times New Roman"/>
+                <a:ea typeface="Times New Roman"/>
+                <a:cs typeface="Times New Roman"/>
+                <a:sym typeface="Times New Roman"/>
+              </a:rPr>
+              <a:t>	return Sqrt(Pow(</a:t>
+            </a:r>
+            <a:r>
+              <a:rPr lang="en-US" sz="2000" dirty="0" err="1">
+                <a:solidFill>
+                  <a:schemeClr val="dk1"/>
+                </a:solidFill>
+                <a:latin typeface="Times New Roman"/>
+                <a:ea typeface="Times New Roman"/>
+                <a:cs typeface="Times New Roman"/>
+                <a:sym typeface="Times New Roman"/>
+              </a:rPr>
+              <a:t>a.x</a:t>
+            </a:r>
+            <a:r>
+              <a:rPr lang="en-US" sz="2000" dirty="0">
+                <a:solidFill>
+                  <a:schemeClr val="dk1"/>
+                </a:solidFill>
+                <a:latin typeface="Times New Roman"/>
+                <a:ea typeface="Times New Roman"/>
+                <a:cs typeface="Times New Roman"/>
+                <a:sym typeface="Times New Roman"/>
+              </a:rPr>
+              <a:t> - </a:t>
+            </a:r>
+            <a:r>
+              <a:rPr lang="en-US" sz="2000" dirty="0" err="1">
+                <a:solidFill>
+                  <a:schemeClr val="dk1"/>
+                </a:solidFill>
+                <a:latin typeface="Times New Roman"/>
+                <a:ea typeface="Times New Roman"/>
+                <a:cs typeface="Times New Roman"/>
+                <a:sym typeface="Times New Roman"/>
+              </a:rPr>
+              <a:t>b.x</a:t>
+            </a:r>
+            <a:r>
+              <a:rPr lang="en-US" sz="2000" dirty="0">
+                <a:solidFill>
+                  <a:schemeClr val="dk1"/>
+                </a:solidFill>
+                <a:latin typeface="Times New Roman"/>
+                <a:ea typeface="Times New Roman"/>
+                <a:cs typeface="Times New Roman"/>
+                <a:sym typeface="Times New Roman"/>
+              </a:rPr>
+              <a:t>, 2) + Pow(</a:t>
+            </a:r>
+            <a:r>
+              <a:rPr lang="en-US" sz="2000" dirty="0" err="1">
+                <a:solidFill>
+                  <a:schemeClr val="dk1"/>
+                </a:solidFill>
+                <a:latin typeface="Times New Roman"/>
+                <a:ea typeface="Times New Roman"/>
+                <a:cs typeface="Times New Roman"/>
+                <a:sym typeface="Times New Roman"/>
+              </a:rPr>
+              <a:t>a.y</a:t>
+            </a:r>
+            <a:r>
+              <a:rPr lang="en-US" sz="2000" dirty="0">
+                <a:solidFill>
+                  <a:schemeClr val="dk1"/>
+                </a:solidFill>
+                <a:latin typeface="Times New Roman"/>
+                <a:ea typeface="Times New Roman"/>
+                <a:cs typeface="Times New Roman"/>
+                <a:sym typeface="Times New Roman"/>
+              </a:rPr>
+              <a:t> - </a:t>
+            </a:r>
+            <a:r>
+              <a:rPr lang="en-US" sz="2000" dirty="0" err="1">
+                <a:solidFill>
+                  <a:schemeClr val="dk1"/>
+                </a:solidFill>
+                <a:latin typeface="Times New Roman"/>
+                <a:ea typeface="Times New Roman"/>
+                <a:cs typeface="Times New Roman"/>
+                <a:sym typeface="Times New Roman"/>
+              </a:rPr>
+              <a:t>b.y</a:t>
+            </a:r>
+            <a:r>
+              <a:rPr lang="en-US" sz="2000" dirty="0">
+                <a:solidFill>
+                  <a:schemeClr val="dk1"/>
+                </a:solidFill>
+                <a:latin typeface="Times New Roman"/>
+                <a:ea typeface="Times New Roman"/>
+                <a:cs typeface="Times New Roman"/>
+                <a:sym typeface="Times New Roman"/>
+              </a:rPr>
+              <a:t>, 2) + Pow(</a:t>
+            </a:r>
+            <a:r>
+              <a:rPr lang="en-US" sz="2000" dirty="0" err="1">
+                <a:solidFill>
+                  <a:schemeClr val="dk1"/>
+                </a:solidFill>
+                <a:latin typeface="Times New Roman"/>
+                <a:ea typeface="Times New Roman"/>
+                <a:cs typeface="Times New Roman"/>
+                <a:sym typeface="Times New Roman"/>
+              </a:rPr>
+              <a:t>a.z</a:t>
+            </a:r>
+            <a:r>
+              <a:rPr lang="en-US" sz="2000" dirty="0">
+                <a:solidFill>
+                  <a:schemeClr val="dk1"/>
+                </a:solidFill>
+                <a:latin typeface="Times New Roman"/>
+                <a:ea typeface="Times New Roman"/>
+                <a:cs typeface="Times New Roman"/>
+                <a:sym typeface="Times New Roman"/>
+              </a:rPr>
+              <a:t> - </a:t>
+            </a:r>
+            <a:r>
+              <a:rPr lang="en-US" sz="2000" dirty="0" err="1">
+                <a:solidFill>
+                  <a:schemeClr val="dk1"/>
+                </a:solidFill>
+                <a:latin typeface="Times New Roman"/>
+                <a:ea typeface="Times New Roman"/>
+                <a:cs typeface="Times New Roman"/>
+                <a:sym typeface="Times New Roman"/>
+              </a:rPr>
+              <a:t>b.z</a:t>
+            </a:r>
+            <a:r>
+              <a:rPr lang="en-US" sz="2000" dirty="0">
+                <a:solidFill>
+                  <a:schemeClr val="dk1"/>
+                </a:solidFill>
+                <a:latin typeface="Times New Roman"/>
+                <a:ea typeface="Times New Roman"/>
+                <a:cs typeface="Times New Roman"/>
+                <a:sym typeface="Times New Roman"/>
+              </a:rPr>
+              <a:t>, 2))</a:t>
+            </a:r>
+          </a:p>
+        </p:txBody>
+      </p:sp>
+      <p:pic>
+        <p:nvPicPr>
+          <p:cNvPr id="5" name="Рисунок 4">
+            <a:extLst>
+              <a:ext uri="{FF2B5EF4-FFF2-40B4-BE49-F238E27FC236}">
+                <a16:creationId xmlns:a16="http://schemas.microsoft.com/office/drawing/2014/main" id="{E6CFD27D-312B-4BC0-8A42-A3F4DC2C736E}"/>
+              </a:ext>
+            </a:extLst>
+          </p:cNvPr>
+          <p:cNvPicPr/>
+          <p:nvPr/>
+        </p:nvPicPr>
+        <p:blipFill>
+          <a:blip r:embed="rId2"/>
+          <a:stretch>
+            <a:fillRect/>
+          </a:stretch>
+        </p:blipFill>
+        <p:spPr>
+          <a:xfrm>
+            <a:off x="2230194" y="2700997"/>
+            <a:ext cx="3369281" cy="3640237"/>
+          </a:xfrm>
+          <a:prstGeom prst="rect">
+            <a:avLst/>
+          </a:prstGeom>
+        </p:spPr>
+      </p:pic>
+      <p:pic>
+        <p:nvPicPr>
+          <p:cNvPr id="6" name="Рисунок 5">
+            <a:extLst>
+              <a:ext uri="{FF2B5EF4-FFF2-40B4-BE49-F238E27FC236}">
+                <a16:creationId xmlns:a16="http://schemas.microsoft.com/office/drawing/2014/main" id="{3809E20A-A127-462E-8962-06A5B4D65D88}"/>
+              </a:ext>
+            </a:extLst>
+          </p:cNvPr>
+          <p:cNvPicPr/>
+          <p:nvPr/>
+        </p:nvPicPr>
+        <p:blipFill>
+          <a:blip r:embed="rId3"/>
+          <a:stretch>
+            <a:fillRect/>
+          </a:stretch>
+        </p:blipFill>
+        <p:spPr>
+          <a:xfrm>
+            <a:off x="6494515" y="2716554"/>
+            <a:ext cx="3369281" cy="3604895"/>
+          </a:xfrm>
+          <a:prstGeom prst="rect">
+            <a:avLst/>
+          </a:prstGeom>
+        </p:spPr>
+      </p:pic>
+    </p:spTree>
+    <p:extLst>
+      <p:ext uri="{BB962C8B-B14F-4D97-AF65-F5344CB8AC3E}">
+        <p14:creationId xmlns:p14="http://schemas.microsoft.com/office/powerpoint/2010/main" val="2249047398"/>
       </p:ext>
     </p:extLst>
   </p:cSld>
@@ -4573,6 +12035,289 @@
     <p:extLst>
       <p:ext uri="{BB962C8B-B14F-4D97-AF65-F5344CB8AC3E}">
         <p14:creationId xmlns:p14="http://schemas.microsoft.com/office/powerpoint/2010/main" val="2033911558"/>
+      </p:ext>
+    </p:extLst>
+  </p:cSld>
+  <p:clrMapOvr>
+    <a:masterClrMapping/>
+  </p:clrMapOvr>
+</p:sld>
+</file>
+
+<file path=ppt/slides/slide30.xml><?xml version="1.0" encoding="utf-8"?>
+<p:sld xmlns:a="http://schemas.openxmlformats.org/drawingml/2006/main" xmlns:r="http://schemas.openxmlformats.org/officeDocument/2006/relationships" xmlns:p="http://schemas.openxmlformats.org/presentationml/2006/main">
+  <p:cSld>
+    <p:spTree>
+      <p:nvGrpSpPr>
+        <p:cNvPr id="1" name=""/>
+        <p:cNvGrpSpPr/>
+        <p:nvPr/>
+      </p:nvGrpSpPr>
+      <p:grpSpPr>
+        <a:xfrm>
+          <a:off x="0" y="0"/>
+          <a:ext cx="0" cy="0"/>
+          <a:chOff x="0" y="0"/>
+          <a:chExt cx="0" cy="0"/>
+        </a:xfrm>
+      </p:grpSpPr>
+      <p:sp>
+        <p:nvSpPr>
+          <p:cNvPr id="2" name="Заголовок 1">
+            <a:extLst>
+              <a:ext uri="{FF2B5EF4-FFF2-40B4-BE49-F238E27FC236}">
+                <a16:creationId xmlns:a16="http://schemas.microsoft.com/office/drawing/2014/main" id="{7053B93A-FB01-40E7-860D-527A0F4CF678}"/>
+              </a:ext>
+            </a:extLst>
+          </p:cNvPr>
+          <p:cNvSpPr>
+            <a:spLocks noGrp="1"/>
+          </p:cNvSpPr>
+          <p:nvPr>
+            <p:ph type="title"/>
+          </p:nvPr>
+        </p:nvSpPr>
+        <p:spPr/>
+        <p:txBody>
+          <a:bodyPr/>
+          <a:lstStyle/>
+          <a:p>
+            <a:r>
+              <a:rPr lang="ru-RU" dirty="0"/>
+              <a:t>Демо</a:t>
+            </a:r>
+          </a:p>
+        </p:txBody>
+      </p:sp>
+      <p:sp>
+        <p:nvSpPr>
+          <p:cNvPr id="3" name="Google Shape;66;p14">
+            <a:extLst>
+              <a:ext uri="{FF2B5EF4-FFF2-40B4-BE49-F238E27FC236}">
+                <a16:creationId xmlns:a16="http://schemas.microsoft.com/office/drawing/2014/main" id="{005EC4E1-29DD-4229-93E8-35D51B66DDA9}"/>
+              </a:ext>
+            </a:extLst>
+          </p:cNvPr>
+          <p:cNvSpPr txBox="1">
+            <a:spLocks/>
+          </p:cNvSpPr>
+          <p:nvPr/>
+        </p:nvSpPr>
+        <p:spPr>
+          <a:xfrm>
+            <a:off x="2808263" y="2335238"/>
+            <a:ext cx="6575474" cy="4754880"/>
+          </a:xfrm>
+          <a:prstGeom prst="rect">
+            <a:avLst/>
+          </a:prstGeom>
+        </p:spPr>
+        <p:txBody>
+          <a:bodyPr spcFirstLastPara="1" vert="horz" wrap="square" lIns="91425" tIns="91425" rIns="91425" bIns="91425" rtlCol="0" anchor="t" anchorCtr="0">
+            <a:noAutofit/>
+          </a:bodyPr>
+          <a:lstStyle>
+            <a:lvl1pPr marL="228600" indent="-228600" algn="l" defTabSz="914400" rtl="0" eaLnBrk="1" latinLnBrk="0" hangingPunct="1">
+              <a:lnSpc>
+                <a:spcPct val="90000"/>
+              </a:lnSpc>
+              <a:spcBef>
+                <a:spcPts val="1000"/>
+              </a:spcBef>
+              <a:buFont typeface="Arial" panose="020B0604020202020204" pitchFamily="34" charset="0"/>
+              <a:buChar char="•"/>
+              <a:defRPr sz="2800" kern="1200">
+                <a:solidFill>
+                  <a:schemeClr val="tx1"/>
+                </a:solidFill>
+                <a:latin typeface="+mn-lt"/>
+                <a:ea typeface="+mn-ea"/>
+                <a:cs typeface="+mn-cs"/>
+              </a:defRPr>
+            </a:lvl1pPr>
+            <a:lvl2pPr marL="685800" indent="-228600" algn="l" defTabSz="914400" rtl="0" eaLnBrk="1" latinLnBrk="0" hangingPunct="1">
+              <a:lnSpc>
+                <a:spcPct val="90000"/>
+              </a:lnSpc>
+              <a:spcBef>
+                <a:spcPts val="500"/>
+              </a:spcBef>
+              <a:buFont typeface="Arial" panose="020B0604020202020204" pitchFamily="34" charset="0"/>
+              <a:buChar char="•"/>
+              <a:defRPr sz="2400" kern="1200">
+                <a:solidFill>
+                  <a:schemeClr val="tx1"/>
+                </a:solidFill>
+                <a:latin typeface="+mn-lt"/>
+                <a:ea typeface="+mn-ea"/>
+                <a:cs typeface="+mn-cs"/>
+              </a:defRPr>
+            </a:lvl2pPr>
+            <a:lvl3pPr marL="1143000" indent="-228600" algn="l" defTabSz="914400" rtl="0" eaLnBrk="1" latinLnBrk="0" hangingPunct="1">
+              <a:lnSpc>
+                <a:spcPct val="90000"/>
+              </a:lnSpc>
+              <a:spcBef>
+                <a:spcPts val="500"/>
+              </a:spcBef>
+              <a:buFont typeface="Arial" panose="020B0604020202020204" pitchFamily="34" charset="0"/>
+              <a:buChar char="•"/>
+              <a:defRPr sz="2000" kern="1200">
+                <a:solidFill>
+                  <a:schemeClr val="tx1"/>
+                </a:solidFill>
+                <a:latin typeface="+mn-lt"/>
+                <a:ea typeface="+mn-ea"/>
+                <a:cs typeface="+mn-cs"/>
+              </a:defRPr>
+            </a:lvl3pPr>
+            <a:lvl4pPr marL="1600200" indent="-228600" algn="l" defTabSz="914400" rtl="0" eaLnBrk="1" latinLnBrk="0" hangingPunct="1">
+              <a:lnSpc>
+                <a:spcPct val="90000"/>
+              </a:lnSpc>
+              <a:spcBef>
+                <a:spcPts val="500"/>
+              </a:spcBef>
+              <a:buFont typeface="Arial" panose="020B0604020202020204" pitchFamily="34" charset="0"/>
+              <a:buChar char="•"/>
+              <a:defRPr sz="1800" kern="1200">
+                <a:solidFill>
+                  <a:schemeClr val="tx1"/>
+                </a:solidFill>
+                <a:latin typeface="+mn-lt"/>
+                <a:ea typeface="+mn-ea"/>
+                <a:cs typeface="+mn-cs"/>
+              </a:defRPr>
+            </a:lvl4pPr>
+            <a:lvl5pPr marL="2057400" indent="-228600" algn="l" defTabSz="914400" rtl="0" eaLnBrk="1" latinLnBrk="0" hangingPunct="1">
+              <a:lnSpc>
+                <a:spcPct val="90000"/>
+              </a:lnSpc>
+              <a:spcBef>
+                <a:spcPts val="500"/>
+              </a:spcBef>
+              <a:buFont typeface="Arial" panose="020B0604020202020204" pitchFamily="34" charset="0"/>
+              <a:buChar char="•"/>
+              <a:defRPr sz="1800" kern="1200">
+                <a:solidFill>
+                  <a:schemeClr val="tx1"/>
+                </a:solidFill>
+                <a:latin typeface="+mn-lt"/>
+                <a:ea typeface="+mn-ea"/>
+                <a:cs typeface="+mn-cs"/>
+              </a:defRPr>
+            </a:lvl5pPr>
+            <a:lvl6pPr marL="2514600" indent="-228600" algn="l" defTabSz="914400" rtl="0" eaLnBrk="1" latinLnBrk="0" hangingPunct="1">
+              <a:lnSpc>
+                <a:spcPct val="90000"/>
+              </a:lnSpc>
+              <a:spcBef>
+                <a:spcPts val="500"/>
+              </a:spcBef>
+              <a:buFont typeface="Arial" panose="020B0604020202020204" pitchFamily="34" charset="0"/>
+              <a:buChar char="•"/>
+              <a:defRPr sz="1800" kern="1200">
+                <a:solidFill>
+                  <a:schemeClr val="tx1"/>
+                </a:solidFill>
+                <a:latin typeface="+mn-lt"/>
+                <a:ea typeface="+mn-ea"/>
+                <a:cs typeface="+mn-cs"/>
+              </a:defRPr>
+            </a:lvl6pPr>
+            <a:lvl7pPr marL="2971800" indent="-228600" algn="l" defTabSz="914400" rtl="0" eaLnBrk="1" latinLnBrk="0" hangingPunct="1">
+              <a:lnSpc>
+                <a:spcPct val="90000"/>
+              </a:lnSpc>
+              <a:spcBef>
+                <a:spcPts val="500"/>
+              </a:spcBef>
+              <a:buFont typeface="Arial" panose="020B0604020202020204" pitchFamily="34" charset="0"/>
+              <a:buChar char="•"/>
+              <a:defRPr sz="1800" kern="1200">
+                <a:solidFill>
+                  <a:schemeClr val="tx1"/>
+                </a:solidFill>
+                <a:latin typeface="+mn-lt"/>
+                <a:ea typeface="+mn-ea"/>
+                <a:cs typeface="+mn-cs"/>
+              </a:defRPr>
+            </a:lvl7pPr>
+            <a:lvl8pPr marL="3429000" indent="-228600" algn="l" defTabSz="914400" rtl="0" eaLnBrk="1" latinLnBrk="0" hangingPunct="1">
+              <a:lnSpc>
+                <a:spcPct val="90000"/>
+              </a:lnSpc>
+              <a:spcBef>
+                <a:spcPts val="500"/>
+              </a:spcBef>
+              <a:buFont typeface="Arial" panose="020B0604020202020204" pitchFamily="34" charset="0"/>
+              <a:buChar char="•"/>
+              <a:defRPr sz="1800" kern="1200">
+                <a:solidFill>
+                  <a:schemeClr val="tx1"/>
+                </a:solidFill>
+                <a:latin typeface="+mn-lt"/>
+                <a:ea typeface="+mn-ea"/>
+                <a:cs typeface="+mn-cs"/>
+              </a:defRPr>
+            </a:lvl8pPr>
+            <a:lvl9pPr marL="3886200" indent="-228600" algn="l" defTabSz="914400" rtl="0" eaLnBrk="1" latinLnBrk="0" hangingPunct="1">
+              <a:lnSpc>
+                <a:spcPct val="90000"/>
+              </a:lnSpc>
+              <a:spcBef>
+                <a:spcPts val="500"/>
+              </a:spcBef>
+              <a:buFont typeface="Arial" panose="020B0604020202020204" pitchFamily="34" charset="0"/>
+              <a:buChar char="•"/>
+              <a:defRPr sz="1800" kern="1200">
+                <a:solidFill>
+                  <a:schemeClr val="tx1"/>
+                </a:solidFill>
+                <a:latin typeface="+mn-lt"/>
+                <a:ea typeface="+mn-ea"/>
+                <a:cs typeface="+mn-cs"/>
+              </a:defRPr>
+            </a:lvl9pPr>
+          </a:lstStyle>
+          <a:p>
+            <a:pPr marL="0" indent="0" algn="ctr">
+              <a:lnSpc>
+                <a:spcPct val="163636"/>
+              </a:lnSpc>
+              <a:spcBef>
+                <a:spcPts val="0"/>
+              </a:spcBef>
+              <a:buNone/>
+            </a:pPr>
+            <a:r>
+              <a:rPr lang="ru-RU" dirty="0">
+                <a:solidFill>
+                  <a:schemeClr val="dk1"/>
+                </a:solidFill>
+                <a:latin typeface="Times New Roman"/>
+                <a:ea typeface="Times New Roman"/>
+                <a:cs typeface="Times New Roman"/>
+                <a:sym typeface="Times New Roman"/>
+              </a:rPr>
+              <a:t>Перейдём к демонстрации приложения.</a:t>
+            </a:r>
+            <a:endParaRPr lang="en-US" dirty="0">
+              <a:solidFill>
+                <a:schemeClr val="dk1"/>
+              </a:solidFill>
+              <a:latin typeface="Times New Roman"/>
+              <a:ea typeface="Times New Roman"/>
+              <a:cs typeface="Times New Roman"/>
+              <a:sym typeface="Times New Roman"/>
+            </a:endParaRPr>
+          </a:p>
+        </p:txBody>
+      </p:sp>
+    </p:spTree>
+    <p:extLst>
+      <p:ext uri="{BB962C8B-B14F-4D97-AF65-F5344CB8AC3E}">
+        <p14:creationId xmlns:p14="http://schemas.microsoft.com/office/powerpoint/2010/main" val="67938677"/>
       </p:ext>
     </p:extLst>
   </p:cSld>
@@ -5199,6 +12944,1402 @@
     <p:extLst>
       <p:ext uri="{BB962C8B-B14F-4D97-AF65-F5344CB8AC3E}">
         <p14:creationId xmlns:p14="http://schemas.microsoft.com/office/powerpoint/2010/main" val="2744235896"/>
+      </p:ext>
+    </p:extLst>
+  </p:cSld>
+  <p:clrMapOvr>
+    <a:masterClrMapping/>
+  </p:clrMapOvr>
+</p:sld>
+</file>
+
+<file path=ppt/slides/slide6.xml><?xml version="1.0" encoding="utf-8"?>
+<p:sld xmlns:a="http://schemas.openxmlformats.org/drawingml/2006/main" xmlns:r="http://schemas.openxmlformats.org/officeDocument/2006/relationships" xmlns:p="http://schemas.openxmlformats.org/presentationml/2006/main">
+  <p:cSld>
+    <p:spTree>
+      <p:nvGrpSpPr>
+        <p:cNvPr id="1" name=""/>
+        <p:cNvGrpSpPr/>
+        <p:nvPr/>
+      </p:nvGrpSpPr>
+      <p:grpSpPr>
+        <a:xfrm>
+          <a:off x="0" y="0"/>
+          <a:ext cx="0" cy="0"/>
+          <a:chOff x="0" y="0"/>
+          <a:chExt cx="0" cy="0"/>
+        </a:xfrm>
+      </p:grpSpPr>
+      <p:sp>
+        <p:nvSpPr>
+          <p:cNvPr id="2" name="Заголовок 1">
+            <a:extLst>
+              <a:ext uri="{FF2B5EF4-FFF2-40B4-BE49-F238E27FC236}">
+                <a16:creationId xmlns:a16="http://schemas.microsoft.com/office/drawing/2014/main" id="{2B28BCE1-7F58-4C08-A883-69E9B8C586BB}"/>
+              </a:ext>
+            </a:extLst>
+          </p:cNvPr>
+          <p:cNvSpPr>
+            <a:spLocks noGrp="1"/>
+          </p:cNvSpPr>
+          <p:nvPr>
+            <p:ph type="title"/>
+          </p:nvPr>
+        </p:nvSpPr>
+        <p:spPr>
+          <a:xfrm>
+            <a:off x="3953023" y="143722"/>
+            <a:ext cx="7821400" cy="954360"/>
+          </a:xfrm>
+        </p:spPr>
+        <p:txBody>
+          <a:bodyPr>
+            <a:normAutofit fontScale="90000"/>
+          </a:bodyPr>
+          <a:lstStyle/>
+          <a:p>
+            <a:r>
+              <a:rPr lang="ru-RU" b="1" dirty="0"/>
+              <a:t>Искусственный интеллект в играх</a:t>
+            </a:r>
+            <a:endParaRPr lang="ru-RU" dirty="0"/>
+          </a:p>
+        </p:txBody>
+      </p:sp>
+      <p:pic>
+        <p:nvPicPr>
+          <p:cNvPr id="1028" name="Picture 4" descr="Image result for ÐºÐ¾Ð½ÐµÑÐ½ÑÐ¹ Ð°Ð²ÑÐ¾Ð¼Ð°Ñ">
+            <a:extLst>
+              <a:ext uri="{FF2B5EF4-FFF2-40B4-BE49-F238E27FC236}">
+                <a16:creationId xmlns:a16="http://schemas.microsoft.com/office/drawing/2014/main" id="{834C16DB-95F3-442A-B356-7CA841BF3C70}"/>
+              </a:ext>
+            </a:extLst>
+          </p:cNvPr>
+          <p:cNvPicPr>
+            <a:picLocks noChangeAspect="1" noChangeArrowheads="1"/>
+          </p:cNvPicPr>
+          <p:nvPr/>
+        </p:nvPicPr>
+        <p:blipFill>
+          <a:blip r:embed="rId2">
+            <a:extLst>
+              <a:ext uri="{28A0092B-C50C-407E-A947-70E740481C1C}">
+                <a14:useLocalDpi xmlns:a14="http://schemas.microsoft.com/office/drawing/2010/main" val="0"/>
+              </a:ext>
+            </a:extLst>
+          </a:blip>
+          <a:srcRect/>
+          <a:stretch>
+            <a:fillRect/>
+          </a:stretch>
+        </p:blipFill>
+        <p:spPr bwMode="auto">
+          <a:xfrm>
+            <a:off x="6096000" y="2477232"/>
+            <a:ext cx="5478542" cy="2851198"/>
+          </a:xfrm>
+          <a:prstGeom prst="rect">
+            <a:avLst/>
+          </a:prstGeom>
+          <a:noFill/>
+          <a:extLst>
+            <a:ext uri="{909E8E84-426E-40DD-AFC4-6F175D3DCCD1}">
+              <a14:hiddenFill xmlns:a14="http://schemas.microsoft.com/office/drawing/2010/main">
+                <a:solidFill>
+                  <a:srgbClr val="FFFFFF"/>
+                </a:solidFill>
+              </a14:hiddenFill>
+            </a:ext>
+          </a:extLst>
+        </p:spPr>
+      </p:pic>
+      <p:pic>
+        <p:nvPicPr>
+          <p:cNvPr id="1030" name="Picture 6" descr="Related image">
+            <a:extLst>
+              <a:ext uri="{FF2B5EF4-FFF2-40B4-BE49-F238E27FC236}">
+                <a16:creationId xmlns:a16="http://schemas.microsoft.com/office/drawing/2014/main" id="{BB2C4770-820E-464C-8E84-67B0E1864AB9}"/>
+              </a:ext>
+            </a:extLst>
+          </p:cNvPr>
+          <p:cNvPicPr>
+            <a:picLocks noChangeAspect="1" noChangeArrowheads="1"/>
+          </p:cNvPicPr>
+          <p:nvPr/>
+        </p:nvPicPr>
+        <p:blipFill>
+          <a:blip r:embed="rId3">
+            <a:extLst>
+              <a:ext uri="{28A0092B-C50C-407E-A947-70E740481C1C}">
+                <a14:useLocalDpi xmlns:a14="http://schemas.microsoft.com/office/drawing/2010/main" val="0"/>
+              </a:ext>
+            </a:extLst>
+          </a:blip>
+          <a:srcRect/>
+          <a:stretch>
+            <a:fillRect/>
+          </a:stretch>
+        </p:blipFill>
+        <p:spPr bwMode="auto">
+          <a:xfrm>
+            <a:off x="436098" y="1600200"/>
+            <a:ext cx="5139104" cy="4404946"/>
+          </a:xfrm>
+          <a:prstGeom prst="rect">
+            <a:avLst/>
+          </a:prstGeom>
+          <a:noFill/>
+          <a:extLst>
+            <a:ext uri="{909E8E84-426E-40DD-AFC4-6F175D3DCCD1}">
+              <a14:hiddenFill xmlns:a14="http://schemas.microsoft.com/office/drawing/2010/main">
+                <a:solidFill>
+                  <a:srgbClr val="FFFFFF"/>
+                </a:solidFill>
+              </a14:hiddenFill>
+            </a:ext>
+          </a:extLst>
+        </p:spPr>
+      </p:pic>
+    </p:spTree>
+    <p:extLst>
+      <p:ext uri="{BB962C8B-B14F-4D97-AF65-F5344CB8AC3E}">
+        <p14:creationId xmlns:p14="http://schemas.microsoft.com/office/powerpoint/2010/main" val="3115252488"/>
+      </p:ext>
+    </p:extLst>
+  </p:cSld>
+  <p:clrMapOvr>
+    <a:masterClrMapping/>
+  </p:clrMapOvr>
+</p:sld>
+</file>
+
+<file path=ppt/slides/slide7.xml><?xml version="1.0" encoding="utf-8"?>
+<p:sld xmlns:a="http://schemas.openxmlformats.org/drawingml/2006/main" xmlns:r="http://schemas.openxmlformats.org/officeDocument/2006/relationships" xmlns:p="http://schemas.openxmlformats.org/presentationml/2006/main">
+  <p:cSld>
+    <p:spTree>
+      <p:nvGrpSpPr>
+        <p:cNvPr id="1" name=""/>
+        <p:cNvGrpSpPr/>
+        <p:nvPr/>
+      </p:nvGrpSpPr>
+      <p:grpSpPr>
+        <a:xfrm>
+          <a:off x="0" y="0"/>
+          <a:ext cx="0" cy="0"/>
+          <a:chOff x="0" y="0"/>
+          <a:chExt cx="0" cy="0"/>
+        </a:xfrm>
+      </p:grpSpPr>
+      <p:sp>
+        <p:nvSpPr>
+          <p:cNvPr id="2" name="Заголовок 1">
+            <a:extLst>
+              <a:ext uri="{FF2B5EF4-FFF2-40B4-BE49-F238E27FC236}">
+                <a16:creationId xmlns:a16="http://schemas.microsoft.com/office/drawing/2014/main" id="{B4E2527E-3722-4CCF-A8FF-2C76B63016CA}"/>
+              </a:ext>
+            </a:extLst>
+          </p:cNvPr>
+          <p:cNvSpPr>
+            <a:spLocks noGrp="1"/>
+          </p:cNvSpPr>
+          <p:nvPr>
+            <p:ph type="title"/>
+          </p:nvPr>
+        </p:nvSpPr>
+        <p:spPr/>
+        <p:txBody>
+          <a:bodyPr/>
+          <a:lstStyle/>
+          <a:p>
+            <a:r>
+              <a:rPr lang="ru-RU" dirty="0"/>
+              <a:t>Интеллектуальный агент</a:t>
+            </a:r>
+          </a:p>
+        </p:txBody>
+      </p:sp>
+      <p:sp>
+        <p:nvSpPr>
+          <p:cNvPr id="3" name="Google Shape;66;p14">
+            <a:extLst>
+              <a:ext uri="{FF2B5EF4-FFF2-40B4-BE49-F238E27FC236}">
+                <a16:creationId xmlns:a16="http://schemas.microsoft.com/office/drawing/2014/main" id="{71B926EC-B2A4-4665-9A7B-DD42E8EB5080}"/>
+              </a:ext>
+            </a:extLst>
+          </p:cNvPr>
+          <p:cNvSpPr txBox="1">
+            <a:spLocks/>
+          </p:cNvSpPr>
+          <p:nvPr/>
+        </p:nvSpPr>
+        <p:spPr>
+          <a:xfrm>
+            <a:off x="2024700" y="1290430"/>
+            <a:ext cx="8142600" cy="5261878"/>
+          </a:xfrm>
+          <a:prstGeom prst="rect">
+            <a:avLst/>
+          </a:prstGeom>
+        </p:spPr>
+        <p:txBody>
+          <a:bodyPr spcFirstLastPara="1" vert="horz" wrap="square" lIns="91425" tIns="91425" rIns="91425" bIns="91425" rtlCol="0" anchor="t" anchorCtr="0">
+            <a:noAutofit/>
+          </a:bodyPr>
+          <a:lstStyle>
+            <a:lvl1pPr marL="228600" indent="-228600" algn="l" defTabSz="914400" rtl="0" eaLnBrk="1" latinLnBrk="0" hangingPunct="1">
+              <a:lnSpc>
+                <a:spcPct val="90000"/>
+              </a:lnSpc>
+              <a:spcBef>
+                <a:spcPts val="1000"/>
+              </a:spcBef>
+              <a:buFont typeface="Arial" panose="020B0604020202020204" pitchFamily="34" charset="0"/>
+              <a:buChar char="•"/>
+              <a:defRPr sz="2800" kern="1200">
+                <a:solidFill>
+                  <a:schemeClr val="tx1"/>
+                </a:solidFill>
+                <a:latin typeface="+mn-lt"/>
+                <a:ea typeface="+mn-ea"/>
+                <a:cs typeface="+mn-cs"/>
+              </a:defRPr>
+            </a:lvl1pPr>
+            <a:lvl2pPr marL="685800" indent="-228600" algn="l" defTabSz="914400" rtl="0" eaLnBrk="1" latinLnBrk="0" hangingPunct="1">
+              <a:lnSpc>
+                <a:spcPct val="90000"/>
+              </a:lnSpc>
+              <a:spcBef>
+                <a:spcPts val="500"/>
+              </a:spcBef>
+              <a:buFont typeface="Arial" panose="020B0604020202020204" pitchFamily="34" charset="0"/>
+              <a:buChar char="•"/>
+              <a:defRPr sz="2400" kern="1200">
+                <a:solidFill>
+                  <a:schemeClr val="tx1"/>
+                </a:solidFill>
+                <a:latin typeface="+mn-lt"/>
+                <a:ea typeface="+mn-ea"/>
+                <a:cs typeface="+mn-cs"/>
+              </a:defRPr>
+            </a:lvl2pPr>
+            <a:lvl3pPr marL="1143000" indent="-228600" algn="l" defTabSz="914400" rtl="0" eaLnBrk="1" latinLnBrk="0" hangingPunct="1">
+              <a:lnSpc>
+                <a:spcPct val="90000"/>
+              </a:lnSpc>
+              <a:spcBef>
+                <a:spcPts val="500"/>
+              </a:spcBef>
+              <a:buFont typeface="Arial" panose="020B0604020202020204" pitchFamily="34" charset="0"/>
+              <a:buChar char="•"/>
+              <a:defRPr sz="2000" kern="1200">
+                <a:solidFill>
+                  <a:schemeClr val="tx1"/>
+                </a:solidFill>
+                <a:latin typeface="+mn-lt"/>
+                <a:ea typeface="+mn-ea"/>
+                <a:cs typeface="+mn-cs"/>
+              </a:defRPr>
+            </a:lvl3pPr>
+            <a:lvl4pPr marL="1600200" indent="-228600" algn="l" defTabSz="914400" rtl="0" eaLnBrk="1" latinLnBrk="0" hangingPunct="1">
+              <a:lnSpc>
+                <a:spcPct val="90000"/>
+              </a:lnSpc>
+              <a:spcBef>
+                <a:spcPts val="500"/>
+              </a:spcBef>
+              <a:buFont typeface="Arial" panose="020B0604020202020204" pitchFamily="34" charset="0"/>
+              <a:buChar char="•"/>
+              <a:defRPr sz="1800" kern="1200">
+                <a:solidFill>
+                  <a:schemeClr val="tx1"/>
+                </a:solidFill>
+                <a:latin typeface="+mn-lt"/>
+                <a:ea typeface="+mn-ea"/>
+                <a:cs typeface="+mn-cs"/>
+              </a:defRPr>
+            </a:lvl4pPr>
+            <a:lvl5pPr marL="2057400" indent="-228600" algn="l" defTabSz="914400" rtl="0" eaLnBrk="1" latinLnBrk="0" hangingPunct="1">
+              <a:lnSpc>
+                <a:spcPct val="90000"/>
+              </a:lnSpc>
+              <a:spcBef>
+                <a:spcPts val="500"/>
+              </a:spcBef>
+              <a:buFont typeface="Arial" panose="020B0604020202020204" pitchFamily="34" charset="0"/>
+              <a:buChar char="•"/>
+              <a:defRPr sz="1800" kern="1200">
+                <a:solidFill>
+                  <a:schemeClr val="tx1"/>
+                </a:solidFill>
+                <a:latin typeface="+mn-lt"/>
+                <a:ea typeface="+mn-ea"/>
+                <a:cs typeface="+mn-cs"/>
+              </a:defRPr>
+            </a:lvl5pPr>
+            <a:lvl6pPr marL="2514600" indent="-228600" algn="l" defTabSz="914400" rtl="0" eaLnBrk="1" latinLnBrk="0" hangingPunct="1">
+              <a:lnSpc>
+                <a:spcPct val="90000"/>
+              </a:lnSpc>
+              <a:spcBef>
+                <a:spcPts val="500"/>
+              </a:spcBef>
+              <a:buFont typeface="Arial" panose="020B0604020202020204" pitchFamily="34" charset="0"/>
+              <a:buChar char="•"/>
+              <a:defRPr sz="1800" kern="1200">
+                <a:solidFill>
+                  <a:schemeClr val="tx1"/>
+                </a:solidFill>
+                <a:latin typeface="+mn-lt"/>
+                <a:ea typeface="+mn-ea"/>
+                <a:cs typeface="+mn-cs"/>
+              </a:defRPr>
+            </a:lvl6pPr>
+            <a:lvl7pPr marL="2971800" indent="-228600" algn="l" defTabSz="914400" rtl="0" eaLnBrk="1" latinLnBrk="0" hangingPunct="1">
+              <a:lnSpc>
+                <a:spcPct val="90000"/>
+              </a:lnSpc>
+              <a:spcBef>
+                <a:spcPts val="500"/>
+              </a:spcBef>
+              <a:buFont typeface="Arial" panose="020B0604020202020204" pitchFamily="34" charset="0"/>
+              <a:buChar char="•"/>
+              <a:defRPr sz="1800" kern="1200">
+                <a:solidFill>
+                  <a:schemeClr val="tx1"/>
+                </a:solidFill>
+                <a:latin typeface="+mn-lt"/>
+                <a:ea typeface="+mn-ea"/>
+                <a:cs typeface="+mn-cs"/>
+              </a:defRPr>
+            </a:lvl7pPr>
+            <a:lvl8pPr marL="3429000" indent="-228600" algn="l" defTabSz="914400" rtl="0" eaLnBrk="1" latinLnBrk="0" hangingPunct="1">
+              <a:lnSpc>
+                <a:spcPct val="90000"/>
+              </a:lnSpc>
+              <a:spcBef>
+                <a:spcPts val="500"/>
+              </a:spcBef>
+              <a:buFont typeface="Arial" panose="020B0604020202020204" pitchFamily="34" charset="0"/>
+              <a:buChar char="•"/>
+              <a:defRPr sz="1800" kern="1200">
+                <a:solidFill>
+                  <a:schemeClr val="tx1"/>
+                </a:solidFill>
+                <a:latin typeface="+mn-lt"/>
+                <a:ea typeface="+mn-ea"/>
+                <a:cs typeface="+mn-cs"/>
+              </a:defRPr>
+            </a:lvl8pPr>
+            <a:lvl9pPr marL="3886200" indent="-228600" algn="l" defTabSz="914400" rtl="0" eaLnBrk="1" latinLnBrk="0" hangingPunct="1">
+              <a:lnSpc>
+                <a:spcPct val="90000"/>
+              </a:lnSpc>
+              <a:spcBef>
+                <a:spcPts val="500"/>
+              </a:spcBef>
+              <a:buFont typeface="Arial" panose="020B0604020202020204" pitchFamily="34" charset="0"/>
+              <a:buChar char="•"/>
+              <a:defRPr sz="1800" kern="1200">
+                <a:solidFill>
+                  <a:schemeClr val="tx1"/>
+                </a:solidFill>
+                <a:latin typeface="+mn-lt"/>
+                <a:ea typeface="+mn-ea"/>
+                <a:cs typeface="+mn-cs"/>
+              </a:defRPr>
+            </a:lvl9pPr>
+          </a:lstStyle>
+          <a:p>
+            <a:pPr marL="0" indent="0" algn="just">
+              <a:lnSpc>
+                <a:spcPct val="163636"/>
+              </a:lnSpc>
+              <a:spcBef>
+                <a:spcPts val="0"/>
+              </a:spcBef>
+              <a:buNone/>
+            </a:pPr>
+            <a:endParaRPr lang="ru-RU" sz="2000" dirty="0">
+              <a:solidFill>
+                <a:schemeClr val="dk1"/>
+              </a:solidFill>
+              <a:latin typeface="Times New Roman"/>
+              <a:ea typeface="Times New Roman"/>
+              <a:cs typeface="Times New Roman"/>
+              <a:sym typeface="Times New Roman"/>
+            </a:endParaRPr>
+          </a:p>
+        </p:txBody>
+      </p:sp>
+      <p:sp>
+        <p:nvSpPr>
+          <p:cNvPr id="4" name="Google Shape;66;p14">
+            <a:extLst>
+              <a:ext uri="{FF2B5EF4-FFF2-40B4-BE49-F238E27FC236}">
+                <a16:creationId xmlns:a16="http://schemas.microsoft.com/office/drawing/2014/main" id="{CAA55D56-CEEE-42FD-AE86-EB08713DE847}"/>
+              </a:ext>
+            </a:extLst>
+          </p:cNvPr>
+          <p:cNvSpPr txBox="1">
+            <a:spLocks/>
+          </p:cNvSpPr>
+          <p:nvPr/>
+        </p:nvSpPr>
+        <p:spPr>
+          <a:xfrm>
+            <a:off x="2177100" y="1442830"/>
+            <a:ext cx="8142600" cy="3030696"/>
+          </a:xfrm>
+          <a:prstGeom prst="rect">
+            <a:avLst/>
+          </a:prstGeom>
+        </p:spPr>
+        <p:txBody>
+          <a:bodyPr spcFirstLastPara="1" vert="horz" wrap="square" lIns="91425" tIns="91425" rIns="91425" bIns="91425" rtlCol="0" anchor="t" anchorCtr="0">
+            <a:noAutofit/>
+          </a:bodyPr>
+          <a:lstStyle>
+            <a:lvl1pPr marL="228600" indent="-228600" algn="l" defTabSz="914400" rtl="0" eaLnBrk="1" latinLnBrk="0" hangingPunct="1">
+              <a:lnSpc>
+                <a:spcPct val="90000"/>
+              </a:lnSpc>
+              <a:spcBef>
+                <a:spcPts val="1000"/>
+              </a:spcBef>
+              <a:buFont typeface="Arial" panose="020B0604020202020204" pitchFamily="34" charset="0"/>
+              <a:buChar char="•"/>
+              <a:defRPr sz="2800" kern="1200">
+                <a:solidFill>
+                  <a:schemeClr val="tx1"/>
+                </a:solidFill>
+                <a:latin typeface="+mn-lt"/>
+                <a:ea typeface="+mn-ea"/>
+                <a:cs typeface="+mn-cs"/>
+              </a:defRPr>
+            </a:lvl1pPr>
+            <a:lvl2pPr marL="685800" indent="-228600" algn="l" defTabSz="914400" rtl="0" eaLnBrk="1" latinLnBrk="0" hangingPunct="1">
+              <a:lnSpc>
+                <a:spcPct val="90000"/>
+              </a:lnSpc>
+              <a:spcBef>
+                <a:spcPts val="500"/>
+              </a:spcBef>
+              <a:buFont typeface="Arial" panose="020B0604020202020204" pitchFamily="34" charset="0"/>
+              <a:buChar char="•"/>
+              <a:defRPr sz="2400" kern="1200">
+                <a:solidFill>
+                  <a:schemeClr val="tx1"/>
+                </a:solidFill>
+                <a:latin typeface="+mn-lt"/>
+                <a:ea typeface="+mn-ea"/>
+                <a:cs typeface="+mn-cs"/>
+              </a:defRPr>
+            </a:lvl2pPr>
+            <a:lvl3pPr marL="1143000" indent="-228600" algn="l" defTabSz="914400" rtl="0" eaLnBrk="1" latinLnBrk="0" hangingPunct="1">
+              <a:lnSpc>
+                <a:spcPct val="90000"/>
+              </a:lnSpc>
+              <a:spcBef>
+                <a:spcPts val="500"/>
+              </a:spcBef>
+              <a:buFont typeface="Arial" panose="020B0604020202020204" pitchFamily="34" charset="0"/>
+              <a:buChar char="•"/>
+              <a:defRPr sz="2000" kern="1200">
+                <a:solidFill>
+                  <a:schemeClr val="tx1"/>
+                </a:solidFill>
+                <a:latin typeface="+mn-lt"/>
+                <a:ea typeface="+mn-ea"/>
+                <a:cs typeface="+mn-cs"/>
+              </a:defRPr>
+            </a:lvl3pPr>
+            <a:lvl4pPr marL="1600200" indent="-228600" algn="l" defTabSz="914400" rtl="0" eaLnBrk="1" latinLnBrk="0" hangingPunct="1">
+              <a:lnSpc>
+                <a:spcPct val="90000"/>
+              </a:lnSpc>
+              <a:spcBef>
+                <a:spcPts val="500"/>
+              </a:spcBef>
+              <a:buFont typeface="Arial" panose="020B0604020202020204" pitchFamily="34" charset="0"/>
+              <a:buChar char="•"/>
+              <a:defRPr sz="1800" kern="1200">
+                <a:solidFill>
+                  <a:schemeClr val="tx1"/>
+                </a:solidFill>
+                <a:latin typeface="+mn-lt"/>
+                <a:ea typeface="+mn-ea"/>
+                <a:cs typeface="+mn-cs"/>
+              </a:defRPr>
+            </a:lvl4pPr>
+            <a:lvl5pPr marL="2057400" indent="-228600" algn="l" defTabSz="914400" rtl="0" eaLnBrk="1" latinLnBrk="0" hangingPunct="1">
+              <a:lnSpc>
+                <a:spcPct val="90000"/>
+              </a:lnSpc>
+              <a:spcBef>
+                <a:spcPts val="500"/>
+              </a:spcBef>
+              <a:buFont typeface="Arial" panose="020B0604020202020204" pitchFamily="34" charset="0"/>
+              <a:buChar char="•"/>
+              <a:defRPr sz="1800" kern="1200">
+                <a:solidFill>
+                  <a:schemeClr val="tx1"/>
+                </a:solidFill>
+                <a:latin typeface="+mn-lt"/>
+                <a:ea typeface="+mn-ea"/>
+                <a:cs typeface="+mn-cs"/>
+              </a:defRPr>
+            </a:lvl5pPr>
+            <a:lvl6pPr marL="2514600" indent="-228600" algn="l" defTabSz="914400" rtl="0" eaLnBrk="1" latinLnBrk="0" hangingPunct="1">
+              <a:lnSpc>
+                <a:spcPct val="90000"/>
+              </a:lnSpc>
+              <a:spcBef>
+                <a:spcPts val="500"/>
+              </a:spcBef>
+              <a:buFont typeface="Arial" panose="020B0604020202020204" pitchFamily="34" charset="0"/>
+              <a:buChar char="•"/>
+              <a:defRPr sz="1800" kern="1200">
+                <a:solidFill>
+                  <a:schemeClr val="tx1"/>
+                </a:solidFill>
+                <a:latin typeface="+mn-lt"/>
+                <a:ea typeface="+mn-ea"/>
+                <a:cs typeface="+mn-cs"/>
+              </a:defRPr>
+            </a:lvl6pPr>
+            <a:lvl7pPr marL="2971800" indent="-228600" algn="l" defTabSz="914400" rtl="0" eaLnBrk="1" latinLnBrk="0" hangingPunct="1">
+              <a:lnSpc>
+                <a:spcPct val="90000"/>
+              </a:lnSpc>
+              <a:spcBef>
+                <a:spcPts val="500"/>
+              </a:spcBef>
+              <a:buFont typeface="Arial" panose="020B0604020202020204" pitchFamily="34" charset="0"/>
+              <a:buChar char="•"/>
+              <a:defRPr sz="1800" kern="1200">
+                <a:solidFill>
+                  <a:schemeClr val="tx1"/>
+                </a:solidFill>
+                <a:latin typeface="+mn-lt"/>
+                <a:ea typeface="+mn-ea"/>
+                <a:cs typeface="+mn-cs"/>
+              </a:defRPr>
+            </a:lvl7pPr>
+            <a:lvl8pPr marL="3429000" indent="-228600" algn="l" defTabSz="914400" rtl="0" eaLnBrk="1" latinLnBrk="0" hangingPunct="1">
+              <a:lnSpc>
+                <a:spcPct val="90000"/>
+              </a:lnSpc>
+              <a:spcBef>
+                <a:spcPts val="500"/>
+              </a:spcBef>
+              <a:buFont typeface="Arial" panose="020B0604020202020204" pitchFamily="34" charset="0"/>
+              <a:buChar char="•"/>
+              <a:defRPr sz="1800" kern="1200">
+                <a:solidFill>
+                  <a:schemeClr val="tx1"/>
+                </a:solidFill>
+                <a:latin typeface="+mn-lt"/>
+                <a:ea typeface="+mn-ea"/>
+                <a:cs typeface="+mn-cs"/>
+              </a:defRPr>
+            </a:lvl8pPr>
+            <a:lvl9pPr marL="3886200" indent="-228600" algn="l" defTabSz="914400" rtl="0" eaLnBrk="1" latinLnBrk="0" hangingPunct="1">
+              <a:lnSpc>
+                <a:spcPct val="90000"/>
+              </a:lnSpc>
+              <a:spcBef>
+                <a:spcPts val="500"/>
+              </a:spcBef>
+              <a:buFont typeface="Arial" panose="020B0604020202020204" pitchFamily="34" charset="0"/>
+              <a:buChar char="•"/>
+              <a:defRPr sz="1800" kern="1200">
+                <a:solidFill>
+                  <a:schemeClr val="tx1"/>
+                </a:solidFill>
+                <a:latin typeface="+mn-lt"/>
+                <a:ea typeface="+mn-ea"/>
+                <a:cs typeface="+mn-cs"/>
+              </a:defRPr>
+            </a:lvl9pPr>
+          </a:lstStyle>
+          <a:p>
+            <a:pPr marL="0" indent="0" algn="just">
+              <a:lnSpc>
+                <a:spcPct val="163636"/>
+              </a:lnSpc>
+              <a:spcBef>
+                <a:spcPts val="0"/>
+              </a:spcBef>
+              <a:buNone/>
+            </a:pPr>
+            <a:r>
+              <a:rPr lang="ru-RU" sz="2000" dirty="0">
+                <a:solidFill>
+                  <a:schemeClr val="dk1"/>
+                </a:solidFill>
+                <a:latin typeface="Times New Roman"/>
+                <a:ea typeface="Times New Roman"/>
+                <a:cs typeface="Times New Roman"/>
+                <a:sym typeface="Times New Roman"/>
+              </a:rPr>
+              <a:t>В любой игре, где необходимо наличие искусственного интеллекта, перед этим ИИ ставится задача по управлению «интеллектуальными агентами», где агент является игровым персонажем, транспортным средством, ботом, а иногда и чем-то более абстрактным: целой группой сущностей или даже цивилизацией. </a:t>
+            </a:r>
+          </a:p>
+        </p:txBody>
+      </p:sp>
+    </p:spTree>
+    <p:extLst>
+      <p:ext uri="{BB962C8B-B14F-4D97-AF65-F5344CB8AC3E}">
+        <p14:creationId xmlns:p14="http://schemas.microsoft.com/office/powerpoint/2010/main" val="570285544"/>
+      </p:ext>
+    </p:extLst>
+  </p:cSld>
+  <p:clrMapOvr>
+    <a:masterClrMapping/>
+  </p:clrMapOvr>
+</p:sld>
+</file>
+
+<file path=ppt/slides/slide8.xml><?xml version="1.0" encoding="utf-8"?>
+<p:sld xmlns:a="http://schemas.openxmlformats.org/drawingml/2006/main" xmlns:r="http://schemas.openxmlformats.org/officeDocument/2006/relationships" xmlns:p="http://schemas.openxmlformats.org/presentationml/2006/main">
+  <p:cSld>
+    <p:spTree>
+      <p:nvGrpSpPr>
+        <p:cNvPr id="1" name=""/>
+        <p:cNvGrpSpPr/>
+        <p:nvPr/>
+      </p:nvGrpSpPr>
+      <p:grpSpPr>
+        <a:xfrm>
+          <a:off x="0" y="0"/>
+          <a:ext cx="0" cy="0"/>
+          <a:chOff x="0" y="0"/>
+          <a:chExt cx="0" cy="0"/>
+        </a:xfrm>
+      </p:grpSpPr>
+      <p:sp>
+        <p:nvSpPr>
+          <p:cNvPr id="2" name="Заголовок 1">
+            <a:extLst>
+              <a:ext uri="{FF2B5EF4-FFF2-40B4-BE49-F238E27FC236}">
+                <a16:creationId xmlns:a16="http://schemas.microsoft.com/office/drawing/2014/main" id="{18C5BF8C-5DAE-49C1-8A35-0B7627B34551}"/>
+              </a:ext>
+            </a:extLst>
+          </p:cNvPr>
+          <p:cNvSpPr>
+            <a:spLocks noGrp="1"/>
+          </p:cNvSpPr>
+          <p:nvPr>
+            <p:ph type="title"/>
+          </p:nvPr>
+        </p:nvSpPr>
+        <p:spPr/>
+        <p:txBody>
+          <a:bodyPr/>
+          <a:lstStyle/>
+          <a:p>
+            <a:r>
+              <a:rPr lang="en-US" dirty="0"/>
+              <a:t>Sense -&gt; Think -&gt; Act</a:t>
+            </a:r>
+            <a:endParaRPr lang="ru-RU" dirty="0"/>
+          </a:p>
+        </p:txBody>
+      </p:sp>
+      <p:sp>
+        <p:nvSpPr>
+          <p:cNvPr id="3" name="Google Shape;66;p14">
+            <a:extLst>
+              <a:ext uri="{FF2B5EF4-FFF2-40B4-BE49-F238E27FC236}">
+                <a16:creationId xmlns:a16="http://schemas.microsoft.com/office/drawing/2014/main" id="{9BA24A98-D422-4E25-9305-FF4CB79FE168}"/>
+              </a:ext>
+            </a:extLst>
+          </p:cNvPr>
+          <p:cNvSpPr txBox="1">
+            <a:spLocks/>
+          </p:cNvSpPr>
+          <p:nvPr/>
+        </p:nvSpPr>
+        <p:spPr>
+          <a:xfrm>
+            <a:off x="2024700" y="2202485"/>
+            <a:ext cx="8142600" cy="3030696"/>
+          </a:xfrm>
+          <a:prstGeom prst="rect">
+            <a:avLst/>
+          </a:prstGeom>
+        </p:spPr>
+        <p:txBody>
+          <a:bodyPr spcFirstLastPara="1" vert="horz" wrap="square" lIns="91425" tIns="91425" rIns="91425" bIns="91425" rtlCol="0" anchor="t" anchorCtr="0">
+            <a:noAutofit/>
+          </a:bodyPr>
+          <a:lstStyle>
+            <a:lvl1pPr marL="228600" indent="-228600" algn="l" defTabSz="914400" rtl="0" eaLnBrk="1" latinLnBrk="0" hangingPunct="1">
+              <a:lnSpc>
+                <a:spcPct val="90000"/>
+              </a:lnSpc>
+              <a:spcBef>
+                <a:spcPts val="1000"/>
+              </a:spcBef>
+              <a:buFont typeface="Arial" panose="020B0604020202020204" pitchFamily="34" charset="0"/>
+              <a:buChar char="•"/>
+              <a:defRPr sz="2800" kern="1200">
+                <a:solidFill>
+                  <a:schemeClr val="tx1"/>
+                </a:solidFill>
+                <a:latin typeface="+mn-lt"/>
+                <a:ea typeface="+mn-ea"/>
+                <a:cs typeface="+mn-cs"/>
+              </a:defRPr>
+            </a:lvl1pPr>
+            <a:lvl2pPr marL="685800" indent="-228600" algn="l" defTabSz="914400" rtl="0" eaLnBrk="1" latinLnBrk="0" hangingPunct="1">
+              <a:lnSpc>
+                <a:spcPct val="90000"/>
+              </a:lnSpc>
+              <a:spcBef>
+                <a:spcPts val="500"/>
+              </a:spcBef>
+              <a:buFont typeface="Arial" panose="020B0604020202020204" pitchFamily="34" charset="0"/>
+              <a:buChar char="•"/>
+              <a:defRPr sz="2400" kern="1200">
+                <a:solidFill>
+                  <a:schemeClr val="tx1"/>
+                </a:solidFill>
+                <a:latin typeface="+mn-lt"/>
+                <a:ea typeface="+mn-ea"/>
+                <a:cs typeface="+mn-cs"/>
+              </a:defRPr>
+            </a:lvl2pPr>
+            <a:lvl3pPr marL="1143000" indent="-228600" algn="l" defTabSz="914400" rtl="0" eaLnBrk="1" latinLnBrk="0" hangingPunct="1">
+              <a:lnSpc>
+                <a:spcPct val="90000"/>
+              </a:lnSpc>
+              <a:spcBef>
+                <a:spcPts val="500"/>
+              </a:spcBef>
+              <a:buFont typeface="Arial" panose="020B0604020202020204" pitchFamily="34" charset="0"/>
+              <a:buChar char="•"/>
+              <a:defRPr sz="2000" kern="1200">
+                <a:solidFill>
+                  <a:schemeClr val="tx1"/>
+                </a:solidFill>
+                <a:latin typeface="+mn-lt"/>
+                <a:ea typeface="+mn-ea"/>
+                <a:cs typeface="+mn-cs"/>
+              </a:defRPr>
+            </a:lvl3pPr>
+            <a:lvl4pPr marL="1600200" indent="-228600" algn="l" defTabSz="914400" rtl="0" eaLnBrk="1" latinLnBrk="0" hangingPunct="1">
+              <a:lnSpc>
+                <a:spcPct val="90000"/>
+              </a:lnSpc>
+              <a:spcBef>
+                <a:spcPts val="500"/>
+              </a:spcBef>
+              <a:buFont typeface="Arial" panose="020B0604020202020204" pitchFamily="34" charset="0"/>
+              <a:buChar char="•"/>
+              <a:defRPr sz="1800" kern="1200">
+                <a:solidFill>
+                  <a:schemeClr val="tx1"/>
+                </a:solidFill>
+                <a:latin typeface="+mn-lt"/>
+                <a:ea typeface="+mn-ea"/>
+                <a:cs typeface="+mn-cs"/>
+              </a:defRPr>
+            </a:lvl4pPr>
+            <a:lvl5pPr marL="2057400" indent="-228600" algn="l" defTabSz="914400" rtl="0" eaLnBrk="1" latinLnBrk="0" hangingPunct="1">
+              <a:lnSpc>
+                <a:spcPct val="90000"/>
+              </a:lnSpc>
+              <a:spcBef>
+                <a:spcPts val="500"/>
+              </a:spcBef>
+              <a:buFont typeface="Arial" panose="020B0604020202020204" pitchFamily="34" charset="0"/>
+              <a:buChar char="•"/>
+              <a:defRPr sz="1800" kern="1200">
+                <a:solidFill>
+                  <a:schemeClr val="tx1"/>
+                </a:solidFill>
+                <a:latin typeface="+mn-lt"/>
+                <a:ea typeface="+mn-ea"/>
+                <a:cs typeface="+mn-cs"/>
+              </a:defRPr>
+            </a:lvl5pPr>
+            <a:lvl6pPr marL="2514600" indent="-228600" algn="l" defTabSz="914400" rtl="0" eaLnBrk="1" latinLnBrk="0" hangingPunct="1">
+              <a:lnSpc>
+                <a:spcPct val="90000"/>
+              </a:lnSpc>
+              <a:spcBef>
+                <a:spcPts val="500"/>
+              </a:spcBef>
+              <a:buFont typeface="Arial" panose="020B0604020202020204" pitchFamily="34" charset="0"/>
+              <a:buChar char="•"/>
+              <a:defRPr sz="1800" kern="1200">
+                <a:solidFill>
+                  <a:schemeClr val="tx1"/>
+                </a:solidFill>
+                <a:latin typeface="+mn-lt"/>
+                <a:ea typeface="+mn-ea"/>
+                <a:cs typeface="+mn-cs"/>
+              </a:defRPr>
+            </a:lvl6pPr>
+            <a:lvl7pPr marL="2971800" indent="-228600" algn="l" defTabSz="914400" rtl="0" eaLnBrk="1" latinLnBrk="0" hangingPunct="1">
+              <a:lnSpc>
+                <a:spcPct val="90000"/>
+              </a:lnSpc>
+              <a:spcBef>
+                <a:spcPts val="500"/>
+              </a:spcBef>
+              <a:buFont typeface="Arial" panose="020B0604020202020204" pitchFamily="34" charset="0"/>
+              <a:buChar char="•"/>
+              <a:defRPr sz="1800" kern="1200">
+                <a:solidFill>
+                  <a:schemeClr val="tx1"/>
+                </a:solidFill>
+                <a:latin typeface="+mn-lt"/>
+                <a:ea typeface="+mn-ea"/>
+                <a:cs typeface="+mn-cs"/>
+              </a:defRPr>
+            </a:lvl7pPr>
+            <a:lvl8pPr marL="3429000" indent="-228600" algn="l" defTabSz="914400" rtl="0" eaLnBrk="1" latinLnBrk="0" hangingPunct="1">
+              <a:lnSpc>
+                <a:spcPct val="90000"/>
+              </a:lnSpc>
+              <a:spcBef>
+                <a:spcPts val="500"/>
+              </a:spcBef>
+              <a:buFont typeface="Arial" panose="020B0604020202020204" pitchFamily="34" charset="0"/>
+              <a:buChar char="•"/>
+              <a:defRPr sz="1800" kern="1200">
+                <a:solidFill>
+                  <a:schemeClr val="tx1"/>
+                </a:solidFill>
+                <a:latin typeface="+mn-lt"/>
+                <a:ea typeface="+mn-ea"/>
+                <a:cs typeface="+mn-cs"/>
+              </a:defRPr>
+            </a:lvl8pPr>
+            <a:lvl9pPr marL="3886200" indent="-228600" algn="l" defTabSz="914400" rtl="0" eaLnBrk="1" latinLnBrk="0" hangingPunct="1">
+              <a:lnSpc>
+                <a:spcPct val="90000"/>
+              </a:lnSpc>
+              <a:spcBef>
+                <a:spcPts val="500"/>
+              </a:spcBef>
+              <a:buFont typeface="Arial" panose="020B0604020202020204" pitchFamily="34" charset="0"/>
+              <a:buChar char="•"/>
+              <a:defRPr sz="1800" kern="1200">
+                <a:solidFill>
+                  <a:schemeClr val="tx1"/>
+                </a:solidFill>
+                <a:latin typeface="+mn-lt"/>
+                <a:ea typeface="+mn-ea"/>
+                <a:cs typeface="+mn-cs"/>
+              </a:defRPr>
+            </a:lvl9pPr>
+          </a:lstStyle>
+          <a:p>
+            <a:pPr marL="0" indent="0" algn="just">
+              <a:lnSpc>
+                <a:spcPct val="163636"/>
+              </a:lnSpc>
+              <a:spcBef>
+                <a:spcPts val="0"/>
+              </a:spcBef>
+              <a:buNone/>
+            </a:pPr>
+            <a:r>
+              <a:rPr lang="ru-RU" sz="2000" dirty="0">
+                <a:solidFill>
+                  <a:schemeClr val="dk1"/>
+                </a:solidFill>
+                <a:latin typeface="Times New Roman"/>
+                <a:ea typeface="Times New Roman"/>
+                <a:cs typeface="Times New Roman"/>
+                <a:sym typeface="Times New Roman"/>
+              </a:rPr>
+              <a:t>•</a:t>
+            </a:r>
+            <a:r>
+              <a:rPr lang="en-US" sz="2000" dirty="0">
+                <a:solidFill>
+                  <a:schemeClr val="dk1"/>
+                </a:solidFill>
+                <a:latin typeface="Times New Roman"/>
+                <a:ea typeface="Times New Roman"/>
+                <a:cs typeface="Times New Roman"/>
+                <a:sym typeface="Times New Roman"/>
+              </a:rPr>
+              <a:t> </a:t>
+            </a:r>
+            <a:r>
+              <a:rPr lang="ru-RU" sz="2000" dirty="0" err="1">
+                <a:solidFill>
+                  <a:schemeClr val="dk1"/>
+                </a:solidFill>
+                <a:latin typeface="Times New Roman"/>
+                <a:ea typeface="Times New Roman"/>
+                <a:cs typeface="Times New Roman"/>
+                <a:sym typeface="Times New Roman"/>
+              </a:rPr>
+              <a:t>Sense</a:t>
+            </a:r>
+            <a:r>
+              <a:rPr lang="ru-RU" sz="2000" dirty="0">
+                <a:solidFill>
+                  <a:schemeClr val="dk1"/>
+                </a:solidFill>
+                <a:latin typeface="Times New Roman"/>
+                <a:ea typeface="Times New Roman"/>
+                <a:cs typeface="Times New Roman"/>
+                <a:sym typeface="Times New Roman"/>
+              </a:rPr>
+              <a:t>: получить информацию о внешней среде;</a:t>
+            </a:r>
+          </a:p>
+          <a:p>
+            <a:pPr marL="0" indent="0" algn="just">
+              <a:lnSpc>
+                <a:spcPct val="163636"/>
+              </a:lnSpc>
+              <a:spcBef>
+                <a:spcPts val="0"/>
+              </a:spcBef>
+              <a:buNone/>
+            </a:pPr>
+            <a:r>
+              <a:rPr lang="ru-RU" sz="2000" dirty="0">
+                <a:solidFill>
+                  <a:schemeClr val="dk1"/>
+                </a:solidFill>
+                <a:latin typeface="Times New Roman"/>
+                <a:ea typeface="Times New Roman"/>
+                <a:cs typeface="Times New Roman"/>
+                <a:sym typeface="Times New Roman"/>
+              </a:rPr>
+              <a:t>•</a:t>
+            </a:r>
+            <a:r>
+              <a:rPr lang="en-US" sz="2000" dirty="0">
+                <a:solidFill>
+                  <a:schemeClr val="dk1"/>
+                </a:solidFill>
+                <a:latin typeface="Times New Roman"/>
+                <a:ea typeface="Times New Roman"/>
+                <a:cs typeface="Times New Roman"/>
+                <a:sym typeface="Times New Roman"/>
+              </a:rPr>
+              <a:t> </a:t>
+            </a:r>
+            <a:r>
+              <a:rPr lang="ru-RU" sz="2000" dirty="0" err="1">
+                <a:solidFill>
+                  <a:schemeClr val="dk1"/>
+                </a:solidFill>
+                <a:latin typeface="Times New Roman"/>
+                <a:ea typeface="Times New Roman"/>
+                <a:cs typeface="Times New Roman"/>
+                <a:sym typeface="Times New Roman"/>
+              </a:rPr>
+              <a:t>Think</a:t>
+            </a:r>
+            <a:r>
+              <a:rPr lang="ru-RU" sz="2000" dirty="0">
+                <a:solidFill>
+                  <a:schemeClr val="dk1"/>
+                </a:solidFill>
+                <a:latin typeface="Times New Roman"/>
+                <a:ea typeface="Times New Roman"/>
+                <a:cs typeface="Times New Roman"/>
+                <a:sym typeface="Times New Roman"/>
+              </a:rPr>
+              <a:t>: на основе полученных данных принять решение о дальнейших действиях;</a:t>
+            </a:r>
+          </a:p>
+          <a:p>
+            <a:pPr marL="0" indent="0" algn="just">
+              <a:lnSpc>
+                <a:spcPct val="163636"/>
+              </a:lnSpc>
+              <a:spcBef>
+                <a:spcPts val="0"/>
+              </a:spcBef>
+              <a:buNone/>
+            </a:pPr>
+            <a:r>
+              <a:rPr lang="ru-RU" sz="2000" dirty="0">
+                <a:solidFill>
+                  <a:schemeClr val="dk1"/>
+                </a:solidFill>
+                <a:latin typeface="Times New Roman"/>
+                <a:ea typeface="Times New Roman"/>
+                <a:cs typeface="Times New Roman"/>
+                <a:sym typeface="Times New Roman"/>
+              </a:rPr>
+              <a:t>•</a:t>
+            </a:r>
+            <a:r>
+              <a:rPr lang="en-US" sz="2000" dirty="0">
+                <a:solidFill>
+                  <a:schemeClr val="dk1"/>
+                </a:solidFill>
+                <a:latin typeface="Times New Roman"/>
+                <a:ea typeface="Times New Roman"/>
+                <a:cs typeface="Times New Roman"/>
+                <a:sym typeface="Times New Roman"/>
+              </a:rPr>
+              <a:t> </a:t>
+            </a:r>
+            <a:r>
+              <a:rPr lang="ru-RU" sz="2000" dirty="0" err="1">
+                <a:solidFill>
+                  <a:schemeClr val="dk1"/>
+                </a:solidFill>
+                <a:latin typeface="Times New Roman"/>
+                <a:ea typeface="Times New Roman"/>
+                <a:cs typeface="Times New Roman"/>
+                <a:sym typeface="Times New Roman"/>
+              </a:rPr>
+              <a:t>Act</a:t>
+            </a:r>
+            <a:r>
+              <a:rPr lang="ru-RU" sz="2000" dirty="0">
+                <a:solidFill>
+                  <a:schemeClr val="dk1"/>
+                </a:solidFill>
+                <a:latin typeface="Times New Roman"/>
+                <a:ea typeface="Times New Roman"/>
+                <a:cs typeface="Times New Roman"/>
+                <a:sym typeface="Times New Roman"/>
+              </a:rPr>
+              <a:t>: собственно выполнение принятого на предыдущем шаге решения.</a:t>
+            </a:r>
+          </a:p>
+        </p:txBody>
+      </p:sp>
+    </p:spTree>
+    <p:extLst>
+      <p:ext uri="{BB962C8B-B14F-4D97-AF65-F5344CB8AC3E}">
+        <p14:creationId xmlns:p14="http://schemas.microsoft.com/office/powerpoint/2010/main" val="1222241089"/>
+      </p:ext>
+    </p:extLst>
+  </p:cSld>
+  <p:clrMapOvr>
+    <a:masterClrMapping/>
+  </p:clrMapOvr>
+</p:sld>
+</file>
+
+<file path=ppt/slides/slide9.xml><?xml version="1.0" encoding="utf-8"?>
+<p:sld xmlns:a="http://schemas.openxmlformats.org/drawingml/2006/main" xmlns:r="http://schemas.openxmlformats.org/officeDocument/2006/relationships" xmlns:p="http://schemas.openxmlformats.org/presentationml/2006/main">
+  <p:cSld>
+    <p:spTree>
+      <p:nvGrpSpPr>
+        <p:cNvPr id="1" name=""/>
+        <p:cNvGrpSpPr/>
+        <p:nvPr/>
+      </p:nvGrpSpPr>
+      <p:grpSpPr>
+        <a:xfrm>
+          <a:off x="0" y="0"/>
+          <a:ext cx="0" cy="0"/>
+          <a:chOff x="0" y="0"/>
+          <a:chExt cx="0" cy="0"/>
+        </a:xfrm>
+      </p:grpSpPr>
+      <p:sp>
+        <p:nvSpPr>
+          <p:cNvPr id="2" name="Заголовок 1">
+            <a:extLst>
+              <a:ext uri="{FF2B5EF4-FFF2-40B4-BE49-F238E27FC236}">
+                <a16:creationId xmlns:a16="http://schemas.microsoft.com/office/drawing/2014/main" id="{C846F0D4-6452-4CC2-B7AE-5DBD389415FE}"/>
+              </a:ext>
+            </a:extLst>
+          </p:cNvPr>
+          <p:cNvSpPr>
+            <a:spLocks noGrp="1"/>
+          </p:cNvSpPr>
+          <p:nvPr>
+            <p:ph type="title"/>
+          </p:nvPr>
+        </p:nvSpPr>
+        <p:spPr/>
+        <p:txBody>
+          <a:bodyPr/>
+          <a:lstStyle/>
+          <a:p>
+            <a:r>
+              <a:rPr lang="ru-RU" dirty="0"/>
+              <a:t>Дерево решений</a:t>
+            </a:r>
+          </a:p>
+        </p:txBody>
+      </p:sp>
+      <p:sp>
+        <p:nvSpPr>
+          <p:cNvPr id="3" name="Google Shape;66;p14">
+            <a:extLst>
+              <a:ext uri="{FF2B5EF4-FFF2-40B4-BE49-F238E27FC236}">
+                <a16:creationId xmlns:a16="http://schemas.microsoft.com/office/drawing/2014/main" id="{BF74CDE4-1115-45D2-8D4B-889620A2C915}"/>
+              </a:ext>
+            </a:extLst>
+          </p:cNvPr>
+          <p:cNvSpPr txBox="1">
+            <a:spLocks/>
+          </p:cNvSpPr>
+          <p:nvPr/>
+        </p:nvSpPr>
+        <p:spPr>
+          <a:xfrm>
+            <a:off x="2024700" y="1913652"/>
+            <a:ext cx="8142600" cy="3030696"/>
+          </a:xfrm>
+          <a:prstGeom prst="rect">
+            <a:avLst/>
+          </a:prstGeom>
+        </p:spPr>
+        <p:txBody>
+          <a:bodyPr spcFirstLastPara="1" vert="horz" wrap="square" lIns="91425" tIns="91425" rIns="91425" bIns="91425" rtlCol="0" anchor="t" anchorCtr="0">
+            <a:noAutofit/>
+          </a:bodyPr>
+          <a:lstStyle>
+            <a:lvl1pPr marL="228600" indent="-228600" algn="l" defTabSz="914400" rtl="0" eaLnBrk="1" latinLnBrk="0" hangingPunct="1">
+              <a:lnSpc>
+                <a:spcPct val="90000"/>
+              </a:lnSpc>
+              <a:spcBef>
+                <a:spcPts val="1000"/>
+              </a:spcBef>
+              <a:buFont typeface="Arial" panose="020B0604020202020204" pitchFamily="34" charset="0"/>
+              <a:buChar char="•"/>
+              <a:defRPr sz="2800" kern="1200">
+                <a:solidFill>
+                  <a:schemeClr val="tx1"/>
+                </a:solidFill>
+                <a:latin typeface="+mn-lt"/>
+                <a:ea typeface="+mn-ea"/>
+                <a:cs typeface="+mn-cs"/>
+              </a:defRPr>
+            </a:lvl1pPr>
+            <a:lvl2pPr marL="685800" indent="-228600" algn="l" defTabSz="914400" rtl="0" eaLnBrk="1" latinLnBrk="0" hangingPunct="1">
+              <a:lnSpc>
+                <a:spcPct val="90000"/>
+              </a:lnSpc>
+              <a:spcBef>
+                <a:spcPts val="500"/>
+              </a:spcBef>
+              <a:buFont typeface="Arial" panose="020B0604020202020204" pitchFamily="34" charset="0"/>
+              <a:buChar char="•"/>
+              <a:defRPr sz="2400" kern="1200">
+                <a:solidFill>
+                  <a:schemeClr val="tx1"/>
+                </a:solidFill>
+                <a:latin typeface="+mn-lt"/>
+                <a:ea typeface="+mn-ea"/>
+                <a:cs typeface="+mn-cs"/>
+              </a:defRPr>
+            </a:lvl2pPr>
+            <a:lvl3pPr marL="1143000" indent="-228600" algn="l" defTabSz="914400" rtl="0" eaLnBrk="1" latinLnBrk="0" hangingPunct="1">
+              <a:lnSpc>
+                <a:spcPct val="90000"/>
+              </a:lnSpc>
+              <a:spcBef>
+                <a:spcPts val="500"/>
+              </a:spcBef>
+              <a:buFont typeface="Arial" panose="020B0604020202020204" pitchFamily="34" charset="0"/>
+              <a:buChar char="•"/>
+              <a:defRPr sz="2000" kern="1200">
+                <a:solidFill>
+                  <a:schemeClr val="tx1"/>
+                </a:solidFill>
+                <a:latin typeface="+mn-lt"/>
+                <a:ea typeface="+mn-ea"/>
+                <a:cs typeface="+mn-cs"/>
+              </a:defRPr>
+            </a:lvl3pPr>
+            <a:lvl4pPr marL="1600200" indent="-228600" algn="l" defTabSz="914400" rtl="0" eaLnBrk="1" latinLnBrk="0" hangingPunct="1">
+              <a:lnSpc>
+                <a:spcPct val="90000"/>
+              </a:lnSpc>
+              <a:spcBef>
+                <a:spcPts val="500"/>
+              </a:spcBef>
+              <a:buFont typeface="Arial" panose="020B0604020202020204" pitchFamily="34" charset="0"/>
+              <a:buChar char="•"/>
+              <a:defRPr sz="1800" kern="1200">
+                <a:solidFill>
+                  <a:schemeClr val="tx1"/>
+                </a:solidFill>
+                <a:latin typeface="+mn-lt"/>
+                <a:ea typeface="+mn-ea"/>
+                <a:cs typeface="+mn-cs"/>
+              </a:defRPr>
+            </a:lvl4pPr>
+            <a:lvl5pPr marL="2057400" indent="-228600" algn="l" defTabSz="914400" rtl="0" eaLnBrk="1" latinLnBrk="0" hangingPunct="1">
+              <a:lnSpc>
+                <a:spcPct val="90000"/>
+              </a:lnSpc>
+              <a:spcBef>
+                <a:spcPts val="500"/>
+              </a:spcBef>
+              <a:buFont typeface="Arial" panose="020B0604020202020204" pitchFamily="34" charset="0"/>
+              <a:buChar char="•"/>
+              <a:defRPr sz="1800" kern="1200">
+                <a:solidFill>
+                  <a:schemeClr val="tx1"/>
+                </a:solidFill>
+                <a:latin typeface="+mn-lt"/>
+                <a:ea typeface="+mn-ea"/>
+                <a:cs typeface="+mn-cs"/>
+              </a:defRPr>
+            </a:lvl5pPr>
+            <a:lvl6pPr marL="2514600" indent="-228600" algn="l" defTabSz="914400" rtl="0" eaLnBrk="1" latinLnBrk="0" hangingPunct="1">
+              <a:lnSpc>
+                <a:spcPct val="90000"/>
+              </a:lnSpc>
+              <a:spcBef>
+                <a:spcPts val="500"/>
+              </a:spcBef>
+              <a:buFont typeface="Arial" panose="020B0604020202020204" pitchFamily="34" charset="0"/>
+              <a:buChar char="•"/>
+              <a:defRPr sz="1800" kern="1200">
+                <a:solidFill>
+                  <a:schemeClr val="tx1"/>
+                </a:solidFill>
+                <a:latin typeface="+mn-lt"/>
+                <a:ea typeface="+mn-ea"/>
+                <a:cs typeface="+mn-cs"/>
+              </a:defRPr>
+            </a:lvl6pPr>
+            <a:lvl7pPr marL="2971800" indent="-228600" algn="l" defTabSz="914400" rtl="0" eaLnBrk="1" latinLnBrk="0" hangingPunct="1">
+              <a:lnSpc>
+                <a:spcPct val="90000"/>
+              </a:lnSpc>
+              <a:spcBef>
+                <a:spcPts val="500"/>
+              </a:spcBef>
+              <a:buFont typeface="Arial" panose="020B0604020202020204" pitchFamily="34" charset="0"/>
+              <a:buChar char="•"/>
+              <a:defRPr sz="1800" kern="1200">
+                <a:solidFill>
+                  <a:schemeClr val="tx1"/>
+                </a:solidFill>
+                <a:latin typeface="+mn-lt"/>
+                <a:ea typeface="+mn-ea"/>
+                <a:cs typeface="+mn-cs"/>
+              </a:defRPr>
+            </a:lvl7pPr>
+            <a:lvl8pPr marL="3429000" indent="-228600" algn="l" defTabSz="914400" rtl="0" eaLnBrk="1" latinLnBrk="0" hangingPunct="1">
+              <a:lnSpc>
+                <a:spcPct val="90000"/>
+              </a:lnSpc>
+              <a:spcBef>
+                <a:spcPts val="500"/>
+              </a:spcBef>
+              <a:buFont typeface="Arial" panose="020B0604020202020204" pitchFamily="34" charset="0"/>
+              <a:buChar char="•"/>
+              <a:defRPr sz="1800" kern="1200">
+                <a:solidFill>
+                  <a:schemeClr val="tx1"/>
+                </a:solidFill>
+                <a:latin typeface="+mn-lt"/>
+                <a:ea typeface="+mn-ea"/>
+                <a:cs typeface="+mn-cs"/>
+              </a:defRPr>
+            </a:lvl8pPr>
+            <a:lvl9pPr marL="3886200" indent="-228600" algn="l" defTabSz="914400" rtl="0" eaLnBrk="1" latinLnBrk="0" hangingPunct="1">
+              <a:lnSpc>
+                <a:spcPct val="90000"/>
+              </a:lnSpc>
+              <a:spcBef>
+                <a:spcPts val="500"/>
+              </a:spcBef>
+              <a:buFont typeface="Arial" panose="020B0604020202020204" pitchFamily="34" charset="0"/>
+              <a:buChar char="•"/>
+              <a:defRPr sz="1800" kern="1200">
+                <a:solidFill>
+                  <a:schemeClr val="tx1"/>
+                </a:solidFill>
+                <a:latin typeface="+mn-lt"/>
+                <a:ea typeface="+mn-ea"/>
+                <a:cs typeface="+mn-cs"/>
+              </a:defRPr>
+            </a:lvl9pPr>
+          </a:lstStyle>
+          <a:p>
+            <a:pPr marL="0" indent="0" algn="just">
+              <a:lnSpc>
+                <a:spcPct val="163636"/>
+              </a:lnSpc>
+              <a:spcBef>
+                <a:spcPts val="0"/>
+              </a:spcBef>
+              <a:buNone/>
+            </a:pPr>
+            <a:r>
+              <a:rPr lang="ru-RU" sz="2000" dirty="0">
+                <a:solidFill>
+                  <a:schemeClr val="dk1"/>
+                </a:solidFill>
+                <a:latin typeface="Times New Roman"/>
+                <a:ea typeface="Times New Roman"/>
+                <a:cs typeface="Times New Roman"/>
+                <a:sym typeface="Times New Roman"/>
+              </a:rPr>
+              <a:t>Дерево решений состоит из узлов двух типов:</a:t>
+            </a:r>
+          </a:p>
+          <a:p>
+            <a:pPr marL="0" indent="0" algn="just">
+              <a:lnSpc>
+                <a:spcPct val="163636"/>
+              </a:lnSpc>
+              <a:spcBef>
+                <a:spcPts val="0"/>
+              </a:spcBef>
+              <a:buNone/>
+            </a:pPr>
+            <a:r>
+              <a:rPr lang="ru-RU" sz="2000" dirty="0">
+                <a:solidFill>
+                  <a:schemeClr val="dk1"/>
+                </a:solidFill>
+                <a:latin typeface="Times New Roman"/>
+                <a:ea typeface="Times New Roman"/>
+                <a:cs typeface="Times New Roman"/>
+                <a:sym typeface="Times New Roman"/>
+              </a:rPr>
+              <a:t>• узлы принятия решений: выбор между двумя альтернативами 	на основе проверки некоторого условия, где каждая 	альтернатива представлена в виде отдельного узла;</a:t>
+            </a:r>
+          </a:p>
+          <a:p>
+            <a:pPr marL="0" indent="0" algn="just">
+              <a:lnSpc>
+                <a:spcPct val="163636"/>
+              </a:lnSpc>
+              <a:spcBef>
+                <a:spcPts val="0"/>
+              </a:spcBef>
+              <a:buNone/>
+            </a:pPr>
+            <a:r>
+              <a:rPr lang="ru-RU" sz="2000" dirty="0">
+                <a:solidFill>
+                  <a:schemeClr val="dk1"/>
+                </a:solidFill>
+                <a:latin typeface="Times New Roman"/>
+                <a:ea typeface="Times New Roman"/>
+                <a:cs typeface="Times New Roman"/>
+                <a:sym typeface="Times New Roman"/>
+              </a:rPr>
+              <a:t>• конечные узлы: действие для выполнения, представляющее окончательное решение.</a:t>
+            </a:r>
+          </a:p>
+        </p:txBody>
+      </p:sp>
+    </p:spTree>
+    <p:extLst>
+      <p:ext uri="{BB962C8B-B14F-4D97-AF65-F5344CB8AC3E}">
+        <p14:creationId xmlns:p14="http://schemas.microsoft.com/office/powerpoint/2010/main" val="2251997421"/>
       </p:ext>
     </p:extLst>
   </p:cSld>

--- a/ТестПрезька.pptx
+++ b/ТестПрезька.pptx
@@ -5566,11 +5566,58 @@
                 <a:cs typeface="Times New Roman"/>
                 <a:sym typeface="Times New Roman"/>
               </a:rPr>
-              <a:t>Этот метод предоставляет несколько другой подход к организации выбора решений. Вместо того, чтобы иметь чёткий набор выборов или дерево возможных действий, алгоритм предлагает изучить все действия и выбрать самое подходящее в данный момент на основе какой-либо численной характеристики полезности данного действия, где полезность — произвольная мера того, насколько важно или желательно выполнение этого действия для агента.</a:t>
+              <a:t>Алгоритм предлагает изучить все действия и выбрать самое подходящее в данный момент на основе какой-либо численной характеристики полезности данного действия, где полезность — произвольная мера того, насколько важно или желательно выполнение этого действия для агента.</a:t>
             </a:r>
           </a:p>
         </p:txBody>
       </p:sp>
+      <p:pic>
+        <p:nvPicPr>
+          <p:cNvPr id="1026" name="Picture 2" descr="Image result for utility-based system">
+            <a:extLst>
+              <a:ext uri="{FF2B5EF4-FFF2-40B4-BE49-F238E27FC236}">
+                <a16:creationId xmlns:a16="http://schemas.microsoft.com/office/drawing/2014/main" id="{83139B39-ED16-47CC-AE28-61144D90930D}"/>
+              </a:ext>
+            </a:extLst>
+          </p:cNvPr>
+          <p:cNvPicPr>
+            <a:picLocks noChangeAspect="1" noChangeArrowheads="1"/>
+          </p:cNvPicPr>
+          <p:nvPr/>
+        </p:nvPicPr>
+        <p:blipFill>
+          <a:blip r:embed="rId2">
+            <a:extLst>
+              <a:ext uri="{28A0092B-C50C-407E-A947-70E740481C1C}">
+                <a14:useLocalDpi xmlns:a14="http://schemas.microsoft.com/office/drawing/2010/main" val="0"/>
+              </a:ext>
+            </a:extLst>
+          </a:blip>
+          <a:srcRect/>
+          <a:stretch>
+            <a:fillRect/>
+          </a:stretch>
+        </p:blipFill>
+        <p:spPr bwMode="auto">
+          <a:xfrm>
+            <a:off x="4038600" y="3203477"/>
+            <a:ext cx="4114800" cy="3000375"/>
+          </a:xfrm>
+          <a:prstGeom prst="rect">
+            <a:avLst/>
+          </a:prstGeom>
+          <a:noFill/>
+          <a:extLst>
+            <a:ext uri="{909E8E84-426E-40DD-AFC4-6F175D3DCCD1}">
+              <a14:hiddenFill xmlns:a14="http://schemas.microsoft.com/office/drawing/2010/main">
+                <a:solidFill>
+                  <a:srgbClr val="FFFFFF"/>
+                </a:solidFill>
+              </a14:hiddenFill>
+            </a:ext>
+          </a:extLst>
+        </p:spPr>
+      </p:pic>
     </p:spTree>
     <p:extLst>
       <p:ext uri="{BB962C8B-B14F-4D97-AF65-F5344CB8AC3E}">
@@ -5647,8 +5694,8 @@
         </p:nvSpPr>
         <p:spPr>
           <a:xfrm>
-            <a:off x="140677" y="1420837"/>
-            <a:ext cx="11633745" cy="4783015"/>
+            <a:off x="140678" y="1420837"/>
+            <a:ext cx="5955322" cy="4698609"/>
           </a:xfrm>
           <a:prstGeom prst="rect">
             <a:avLst/>
@@ -5842,52 +5889,6 @@
                 <a:cs typeface="Times New Roman"/>
                 <a:sym typeface="Times New Roman"/>
               </a:rPr>
-              <a:t>Первым вопросом, который стоит перед разработчиками почти любого искусственного интеллекта, является вопрос навигации агента в игровом пространстве.</a:t>
-            </a:r>
-          </a:p>
-          <a:p>
-            <a:pPr marL="0" indent="0" algn="just">
-              <a:lnSpc>
-                <a:spcPct val="163636"/>
-              </a:lnSpc>
-              <a:spcBef>
-                <a:spcPts val="0"/>
-              </a:spcBef>
-              <a:buNone/>
-            </a:pPr>
-            <a:r>
-              <a:rPr lang="ru-RU" sz="2000" dirty="0">
-                <a:solidFill>
-                  <a:schemeClr val="dk1"/>
-                </a:solidFill>
-                <a:latin typeface="Times New Roman"/>
-                <a:ea typeface="Times New Roman"/>
-                <a:cs typeface="Times New Roman"/>
-                <a:sym typeface="Times New Roman"/>
-              </a:rPr>
-              <a:t>И вправду игровой опыт пользователя от игры, в которой боты не способны элементарно передвигаться, скорее всего будет негативным, особенно когда речь идёт об играх с открытым миром.</a:t>
-            </a:r>
-          </a:p>
-          <a:p>
-            <a:pPr marL="0" indent="0" algn="just">
-              <a:lnSpc>
-                <a:spcPct val="163636"/>
-              </a:lnSpc>
-              <a:spcBef>
-                <a:spcPts val="0"/>
-              </a:spcBef>
-              <a:buNone/>
-            </a:pPr>
-            <a:r>
-              <a:rPr lang="ru-RU" sz="2000" dirty="0">
-                <a:solidFill>
-                  <a:schemeClr val="dk1"/>
-                </a:solidFill>
-                <a:latin typeface="Times New Roman"/>
-                <a:ea typeface="Times New Roman"/>
-                <a:cs typeface="Times New Roman"/>
-                <a:sym typeface="Times New Roman"/>
-              </a:rPr>
               <a:t>В самых простых случаях, когда игровое пространство представляет собой открытую локацию с минимальным количеством препятствий, используют подход, называемый </a:t>
             </a:r>
             <a:r>
@@ -6000,6 +6001,53 @@
           </a:p>
         </p:txBody>
       </p:sp>
+      <p:pic>
+        <p:nvPicPr>
+          <p:cNvPr id="2050" name="Picture 2" descr="Image result for game navigation map">
+            <a:extLst>
+              <a:ext uri="{FF2B5EF4-FFF2-40B4-BE49-F238E27FC236}">
+                <a16:creationId xmlns:a16="http://schemas.microsoft.com/office/drawing/2014/main" id="{34C7600D-B67E-4A53-814D-987877D632E6}"/>
+              </a:ext>
+            </a:extLst>
+          </p:cNvPr>
+          <p:cNvPicPr>
+            <a:picLocks noChangeAspect="1" noChangeArrowheads="1"/>
+          </p:cNvPicPr>
+          <p:nvPr/>
+        </p:nvPicPr>
+        <p:blipFill>
+          <a:blip r:embed="rId2">
+            <a:extLst>
+              <a:ext uri="{28A0092B-C50C-407E-A947-70E740481C1C}">
+                <a14:useLocalDpi xmlns:a14="http://schemas.microsoft.com/office/drawing/2010/main" val="0"/>
+              </a:ext>
+            </a:extLst>
+          </a:blip>
+          <a:srcRect/>
+          <a:stretch>
+            <a:fillRect/>
+          </a:stretch>
+        </p:blipFill>
+        <p:spPr bwMode="auto">
+          <a:xfrm>
+            <a:off x="7026576" y="2055641"/>
+            <a:ext cx="4572000" cy="3429000"/>
+          </a:xfrm>
+          <a:prstGeom prst="rect">
+            <a:avLst/>
+          </a:prstGeom>
+          <a:noFill/>
+          <a:extLst>
+            <a:ext uri="{909E8E84-426E-40DD-AFC4-6F175D3DCCD1}">
+              <a14:hiddenFill xmlns:a14="http://schemas.microsoft.com/office/drawing/2010/main">
+                <a:solidFill>
+                  <a:srgbClr val="FFFFFF"/>
+                </a:solidFill>
+              </a14:hiddenFill>
+            </a:ext>
+          </a:extLst>
+        </p:spPr>
+      </p:pic>
     </p:spTree>
     <p:extLst>
       <p:ext uri="{BB962C8B-B14F-4D97-AF65-F5344CB8AC3E}">
@@ -7044,7 +7092,7 @@
                 <a:cs typeface="Times New Roman"/>
                 <a:sym typeface="Times New Roman"/>
               </a:rPr>
-              <a:t>Объект исследования — </a:t>
+              <a:t>Объект исследования </a:t>
             </a:r>
             <a:r>
               <a:rPr lang="ru-RU" sz="2000" dirty="0">
@@ -7056,7 +7104,7 @@
                 <a:cs typeface="Times New Roman"/>
                 <a:sym typeface="Times New Roman"/>
               </a:rPr>
-              <a:t>организация работы искусственного интеллекта в сфере компьютерных игр.</a:t>
+              <a:t>— применение искусственного интеллекта в сфере компьютерных игр.</a:t>
             </a:r>
           </a:p>
           <a:p>
@@ -7091,7 +7139,7 @@
                 <a:cs typeface="Times New Roman"/>
                 <a:sym typeface="Times New Roman"/>
               </a:rPr>
-              <a:t> – характеристические особенности методов построения эффективной модели игрового искусственного интеллекта.</a:t>
+              <a:t> – особенности методов построения эффективной модели игрового искусственного интеллекта.</a:t>
             </a:r>
           </a:p>
           <a:p>
@@ -8160,8 +8208,8 @@
         </p:nvSpPr>
         <p:spPr>
           <a:xfrm>
-            <a:off x="279127" y="1448972"/>
-            <a:ext cx="11633745" cy="4754880"/>
+            <a:off x="265061" y="1266091"/>
+            <a:ext cx="7022572" cy="5085912"/>
           </a:xfrm>
           <a:prstGeom prst="rect">
             <a:avLst/>
@@ -8480,6 +8528,53 @@
           </a:p>
         </p:txBody>
       </p:sp>
+      <p:pic>
+        <p:nvPicPr>
+          <p:cNvPr id="3074" name="Picture 2" descr="Image result for vector summation">
+            <a:extLst>
+              <a:ext uri="{FF2B5EF4-FFF2-40B4-BE49-F238E27FC236}">
+                <a16:creationId xmlns:a16="http://schemas.microsoft.com/office/drawing/2014/main" id="{8973916A-A881-4CB8-987C-9C04E49B8AE4}"/>
+              </a:ext>
+            </a:extLst>
+          </p:cNvPr>
+          <p:cNvPicPr>
+            <a:picLocks noChangeAspect="1" noChangeArrowheads="1"/>
+          </p:cNvPicPr>
+          <p:nvPr/>
+        </p:nvPicPr>
+        <p:blipFill>
+          <a:blip r:embed="rId2">
+            <a:extLst>
+              <a:ext uri="{28A0092B-C50C-407E-A947-70E740481C1C}">
+                <a14:useLocalDpi xmlns:a14="http://schemas.microsoft.com/office/drawing/2010/main" val="0"/>
+              </a:ext>
+            </a:extLst>
+          </a:blip>
+          <a:srcRect/>
+          <a:stretch>
+            <a:fillRect/>
+          </a:stretch>
+        </p:blipFill>
+        <p:spPr bwMode="auto">
+          <a:xfrm>
+            <a:off x="7640982" y="1790738"/>
+            <a:ext cx="4285957" cy="3276523"/>
+          </a:xfrm>
+          <a:prstGeom prst="rect">
+            <a:avLst/>
+          </a:prstGeom>
+          <a:noFill/>
+          <a:extLst>
+            <a:ext uri="{909E8E84-426E-40DD-AFC4-6F175D3DCCD1}">
+              <a14:hiddenFill xmlns:a14="http://schemas.microsoft.com/office/drawing/2010/main">
+                <a:solidFill>
+                  <a:srgbClr val="FFFFFF"/>
+                </a:solidFill>
+              </a14:hiddenFill>
+            </a:ext>
+          </a:extLst>
+        </p:spPr>
+      </p:pic>
     </p:spTree>
     <p:extLst>
       <p:ext uri="{BB962C8B-B14F-4D97-AF65-F5344CB8AC3E}">
@@ -12105,8 +12200,8 @@
         </p:nvSpPr>
         <p:spPr>
           <a:xfrm>
-            <a:off x="2808263" y="2335238"/>
-            <a:ext cx="6575474" cy="4754880"/>
+            <a:off x="2808263" y="1252026"/>
+            <a:ext cx="6575474" cy="1093762"/>
           </a:xfrm>
           <a:prstGeom prst="rect">
             <a:avLst/>
@@ -12314,6 +12409,36 @@
           </a:p>
         </p:txBody>
       </p:sp>
+      <p:pic>
+        <p:nvPicPr>
+          <p:cNvPr id="4" name="Рисунок 3">
+            <a:extLst>
+              <a:ext uri="{FF2B5EF4-FFF2-40B4-BE49-F238E27FC236}">
+                <a16:creationId xmlns:a16="http://schemas.microsoft.com/office/drawing/2014/main" id="{72813464-C836-4CD2-8E34-C8C28F440AAC}"/>
+              </a:ext>
+            </a:extLst>
+          </p:cNvPr>
+          <p:cNvPicPr>
+            <a:picLocks noChangeAspect="1"/>
+          </p:cNvPicPr>
+          <p:nvPr/>
+        </p:nvPicPr>
+        <p:blipFill>
+          <a:blip r:embed="rId2"/>
+          <a:stretch>
+            <a:fillRect/>
+          </a:stretch>
+        </p:blipFill>
+        <p:spPr>
+          <a:xfrm>
+            <a:off x="1132229" y="2048411"/>
+            <a:ext cx="9927541" cy="4246882"/>
+          </a:xfrm>
+          <a:prstGeom prst="rect">
+            <a:avLst/>
+          </a:prstGeom>
+        </p:spPr>
+      </p:pic>
     </p:spTree>
     <p:extLst>
       <p:ext uri="{BB962C8B-B14F-4D97-AF65-F5344CB8AC3E}">
@@ -13872,7 +13997,7 @@
               <a:t> </a:t>
             </a:r>
             <a:r>
-              <a:rPr lang="ru-RU" sz="2000" dirty="0" err="1">
+              <a:rPr lang="ru-RU" sz="2000" b="1" dirty="0" err="1">
                 <a:solidFill>
                   <a:schemeClr val="dk1"/>
                 </a:solidFill>
@@ -13931,7 +14056,7 @@
               <a:t> </a:t>
             </a:r>
             <a:r>
-              <a:rPr lang="ru-RU" sz="2000" dirty="0" err="1">
+              <a:rPr lang="ru-RU" sz="2000" b="1" dirty="0" err="1">
                 <a:solidFill>
                   <a:schemeClr val="dk1"/>
                 </a:solidFill>
@@ -13990,7 +14115,7 @@
               <a:t> </a:t>
             </a:r>
             <a:r>
-              <a:rPr lang="ru-RU" sz="2000" dirty="0" err="1">
+              <a:rPr lang="ru-RU" sz="2000" b="1" dirty="0" err="1">
                 <a:solidFill>
                   <a:schemeClr val="dk1"/>
                 </a:solidFill>
@@ -14299,6 +14424,18 @@
               <a:buNone/>
             </a:pPr>
             <a:r>
+              <a:rPr lang="ru-RU" sz="2000" b="1" dirty="0">
+                <a:solidFill>
+                  <a:schemeClr val="dk1"/>
+                </a:solidFill>
+                <a:latin typeface="Times New Roman"/>
+                <a:ea typeface="Times New Roman"/>
+                <a:cs typeface="Times New Roman"/>
+                <a:sym typeface="Times New Roman"/>
+              </a:rPr>
+              <a:t>• узлы принятия решений</a:t>
+            </a:r>
+            <a:r>
               <a:rPr lang="ru-RU" sz="2000" dirty="0">
                 <a:solidFill>
                   <a:schemeClr val="dk1"/>
@@ -14308,7 +14445,7 @@
                 <a:cs typeface="Times New Roman"/>
                 <a:sym typeface="Times New Roman"/>
               </a:rPr>
-              <a:t>• узлы принятия решений: выбор между двумя альтернативами 	на основе проверки некоторого условия, где каждая 	альтернатива представлена в виде отдельного узла;</a:t>
+              <a:t>: выбор между двумя альтернативами 	на основе проверки некоторого условия, где каждая 	альтернатива представлена в виде отдельного узла;</a:t>
             </a:r>
           </a:p>
           <a:p>
@@ -14322,6 +14459,18 @@
               <a:buNone/>
             </a:pPr>
             <a:r>
+              <a:rPr lang="ru-RU" sz="2000" b="1" dirty="0">
+                <a:solidFill>
+                  <a:schemeClr val="dk1"/>
+                </a:solidFill>
+                <a:latin typeface="Times New Roman"/>
+                <a:ea typeface="Times New Roman"/>
+                <a:cs typeface="Times New Roman"/>
+                <a:sym typeface="Times New Roman"/>
+              </a:rPr>
+              <a:t>• конечные узлы</a:t>
+            </a:r>
+            <a:r>
               <a:rPr lang="ru-RU" sz="2000" dirty="0">
                 <a:solidFill>
                   <a:schemeClr val="dk1"/>
@@ -14331,7 +14480,7 @@
                 <a:cs typeface="Times New Roman"/>
                 <a:sym typeface="Times New Roman"/>
               </a:rPr>
-              <a:t>• конечные узлы: действие для выполнения, представляющее окончательное решение.</a:t>
+              <a:t>: действие для выполнения, представляющее окончательное решение.</a:t>
             </a:r>
           </a:p>
         </p:txBody>
